--- a/figures/figures-drafts.pptx
+++ b/figures/figures-drafts.pptx
@@ -2971,37 +2971,332 @@
           <a:chExt cx="0" cy="0"/>
         </a:xfrm>
       </p:grpSpPr>
-      <p:sp>
-        <p:nvSpPr>
-          <p:cNvPr id="2" name="Title 1">
+      <p:pic>
+        <p:nvPicPr>
+          <p:cNvPr id="33" name="Picture 32" descr="A triangle with a green line&#10;&#10;Description automatically generated">
             <a:extLst>
               <a:ext uri="{FF2B5EF4-FFF2-40B4-BE49-F238E27FC236}">
-                <a16:creationId xmlns:a16="http://schemas.microsoft.com/office/drawing/2014/main" id="{6C93D783-3EEE-02BC-E242-4EA2AC566E7C}"/>
+                <a16:creationId xmlns:a16="http://schemas.microsoft.com/office/drawing/2014/main" id="{0B48FCFF-1A55-B63B-65C1-A5B57689A75B}"/>
               </a:ext>
             </a:extLst>
           </p:cNvPr>
-          <p:cNvSpPr>
-            <a:spLocks noGrp="1"/>
-          </p:cNvSpPr>
-          <p:nvPr>
-            <p:ph type="title"/>
-          </p:nvPr>
-        </p:nvSpPr>
-        <p:spPr/>
-        <p:txBody>
-          <a:bodyPr/>
-          <a:lstStyle/>
-          <a:p>
+          <p:cNvPicPr>
+            <a:picLocks noChangeAspect="1"/>
+          </p:cNvPicPr>
+          <p:nvPr/>
+        </p:nvPicPr>
+        <p:blipFill>
+          <a:blip r:embed="rId2">
+            <a:extLst>
+              <a:ext uri="{28A0092B-C50C-407E-A947-70E740481C1C}">
+                <a14:useLocalDpi xmlns:a14="http://schemas.microsoft.com/office/drawing/2010/main" val="0"/>
+              </a:ext>
+            </a:extLst>
+          </a:blip>
+          <a:stretch>
+            <a:fillRect/>
+          </a:stretch>
+        </p:blipFill>
+        <p:spPr>
+          <a:xfrm>
+            <a:off x="3632401" y="4194828"/>
+            <a:ext cx="859536" cy="857172"/>
+          </a:xfrm>
+          <a:prstGeom prst="rect">
+            <a:avLst/>
+          </a:prstGeom>
+        </p:spPr>
+      </p:pic>
+      <p:pic>
+        <p:nvPicPr>
+          <p:cNvPr id="7" name="Picture 6" descr="A grey circle with blue and green ears&#10;&#10;Description automatically generated">
+            <a:extLst>
+              <a:ext uri="{FF2B5EF4-FFF2-40B4-BE49-F238E27FC236}">
+                <a16:creationId xmlns:a16="http://schemas.microsoft.com/office/drawing/2014/main" id="{7C6F209A-4599-5F3F-209E-DC49BFE57740}"/>
+              </a:ext>
+            </a:extLst>
+          </p:cNvPr>
+          <p:cNvPicPr>
+            <a:picLocks noChangeAspect="1"/>
+          </p:cNvPicPr>
+          <p:nvPr/>
+        </p:nvPicPr>
+        <p:blipFill>
+          <a:blip r:embed="rId3">
+            <a:extLst>
+              <a:ext uri="{28A0092B-C50C-407E-A947-70E740481C1C}">
+                <a14:useLocalDpi xmlns:a14="http://schemas.microsoft.com/office/drawing/2010/main" val="0"/>
+              </a:ext>
+            </a:extLst>
+          </a:blip>
+          <a:stretch>
+            <a:fillRect/>
+          </a:stretch>
+        </p:blipFill>
+        <p:spPr>
+          <a:xfrm>
+            <a:off x="4541810" y="4432786"/>
+            <a:ext cx="861969" cy="612489"/>
+          </a:xfrm>
+          <a:prstGeom prst="rect">
+            <a:avLst/>
+          </a:prstGeom>
+        </p:spPr>
+      </p:pic>
+      <p:pic>
+        <p:nvPicPr>
+          <p:cNvPr id="9" name="Picture 8" descr="A grey circle with blue spikes&#10;&#10;Description automatically generated">
+            <a:extLst>
+              <a:ext uri="{FF2B5EF4-FFF2-40B4-BE49-F238E27FC236}">
+                <a16:creationId xmlns:a16="http://schemas.microsoft.com/office/drawing/2014/main" id="{EC43B5D1-58DD-6038-25E2-68D373F4BBA7}"/>
+              </a:ext>
+            </a:extLst>
+          </p:cNvPr>
+          <p:cNvPicPr>
+            <a:picLocks noChangeAspect="1"/>
+          </p:cNvPicPr>
+          <p:nvPr/>
+        </p:nvPicPr>
+        <p:blipFill>
+          <a:blip r:embed="rId4">
+            <a:extLst>
+              <a:ext uri="{28A0092B-C50C-407E-A947-70E740481C1C}">
+                <a14:useLocalDpi xmlns:a14="http://schemas.microsoft.com/office/drawing/2010/main" val="0"/>
+              </a:ext>
+            </a:extLst>
+          </a:blip>
+          <a:stretch>
+            <a:fillRect/>
+          </a:stretch>
+        </p:blipFill>
+        <p:spPr>
+          <a:xfrm>
+            <a:off x="5503639" y="4376889"/>
+            <a:ext cx="861969" cy="675111"/>
+          </a:xfrm>
+          <a:prstGeom prst="rect">
+            <a:avLst/>
+          </a:prstGeom>
+        </p:spPr>
+      </p:pic>
+      <p:sp>
+        <p:nvSpPr>
+          <p:cNvPr id="12" name="Oval 11">
+            <a:extLst>
+              <a:ext uri="{FF2B5EF4-FFF2-40B4-BE49-F238E27FC236}">
+                <a16:creationId xmlns:a16="http://schemas.microsoft.com/office/drawing/2014/main" id="{4CC22647-5875-8FA3-10CC-A98DFD1A9CD0}"/>
+              </a:ext>
+            </a:extLst>
+          </p:cNvPr>
+          <p:cNvSpPr/>
+          <p:nvPr/>
+        </p:nvSpPr>
+        <p:spPr>
+          <a:xfrm>
+            <a:off x="5292402" y="4420926"/>
+            <a:ext cx="54864" cy="54864"/>
+          </a:xfrm>
+          <a:prstGeom prst="ellipse">
+            <a:avLst/>
+          </a:prstGeom>
+          <a:solidFill>
+            <a:schemeClr val="tx1"/>
+          </a:solidFill>
+          <a:ln>
+            <a:noFill/>
+          </a:ln>
+        </p:spPr>
+        <p:style>
+          <a:lnRef idx="2">
+            <a:schemeClr val="accent1">
+              <a:shade val="15000"/>
+            </a:schemeClr>
+          </a:lnRef>
+          <a:fillRef idx="1">
+            <a:schemeClr val="accent1"/>
+          </a:fillRef>
+          <a:effectRef idx="0">
+            <a:schemeClr val="accent1"/>
+          </a:effectRef>
+          <a:fontRef idx="minor">
+            <a:schemeClr val="lt1"/>
+          </a:fontRef>
+        </p:style>
+        <p:txBody>
+          <a:bodyPr rtlCol="0" anchor="ctr"/>
+          <a:lstStyle/>
+          <a:p>
+            <a:pPr algn="ctr"/>
             <a:endParaRPr lang="en-US"/>
           </a:p>
         </p:txBody>
       </p:sp>
+      <mc:AlternateContent xmlns:mc="http://schemas.openxmlformats.org/markup-compatibility/2006">
+        <mc:Choice xmlns:a14="http://schemas.microsoft.com/office/drawing/2010/main" Requires="a14">
+          <p:sp>
+            <p:nvSpPr>
+              <p:cNvPr id="29" name="TextBox 28">
+                <a:extLst>
+                  <a:ext uri="{FF2B5EF4-FFF2-40B4-BE49-F238E27FC236}">
+                    <a16:creationId xmlns:a16="http://schemas.microsoft.com/office/drawing/2014/main" id="{C53AD6F2-83EA-E318-D7DA-0ACF465201B9}"/>
+                  </a:ext>
+                </a:extLst>
+              </p:cNvPr>
+              <p:cNvSpPr txBox="1"/>
+              <p:nvPr/>
+            </p:nvSpPr>
+            <p:spPr>
+              <a:xfrm>
+                <a:off x="3947730" y="4906371"/>
+                <a:ext cx="199527" cy="153888"/>
+              </a:xfrm>
+              <a:prstGeom prst="rect">
+                <a:avLst/>
+              </a:prstGeom>
+              <a:noFill/>
+            </p:spPr>
+            <p:txBody>
+              <a:bodyPr wrap="square" lIns="0" tIns="0" rIns="0" bIns="0" rtlCol="0">
+                <a:spAutoFit/>
+              </a:bodyPr>
+              <a:lstStyle/>
+              <a:p>
+                <a:pPr/>
+                <a14:m>
+                  <m:oMathPara xmlns:m="http://schemas.openxmlformats.org/officeDocument/2006/math">
+                    <m:oMathParaPr>
+                      <m:jc m:val="centerGroup"/>
+                    </m:oMathParaPr>
+                    <m:oMath xmlns:m="http://schemas.openxmlformats.org/officeDocument/2006/math">
+                      <m:sSub>
+                        <m:sSubPr>
+                          <m:ctrlPr>
+                            <a:rPr lang="en-US" sz="1000" i="1">
+                              <a:latin typeface="Cambria Math" panose="02040503050406030204" pitchFamily="18" charset="0"/>
+                            </a:rPr>
+                          </m:ctrlPr>
+                        </m:sSubPr>
+                        <m:e>
+                          <m:r>
+                            <a:rPr lang="en-US" sz="1000" i="1">
+                              <a:latin typeface="Cambria Math" panose="02040503050406030204" pitchFamily="18" charset="0"/>
+                            </a:rPr>
+                            <m:t>𝑊</m:t>
+                          </m:r>
+                        </m:e>
+                        <m:sub>
+                          <m:r>
+                            <a:rPr lang="en-US" sz="1000" i="1">
+                              <a:latin typeface="Cambria Math" panose="02040503050406030204" pitchFamily="18" charset="0"/>
+                            </a:rPr>
+                            <m:t>0</m:t>
+                          </m:r>
+                        </m:sub>
+                      </m:sSub>
+                    </m:oMath>
+                  </m:oMathPara>
+                </a14:m>
+                <a:endParaRPr lang="en-US" sz="1050" dirty="0"/>
+              </a:p>
+            </p:txBody>
+          </p:sp>
+        </mc:Choice>
+        <mc:Fallback>
+          <p:sp>
+            <p:nvSpPr>
+              <p:cNvPr id="29" name="TextBox 28">
+                <a:extLst>
+                  <a:ext uri="{FF2B5EF4-FFF2-40B4-BE49-F238E27FC236}">
+                    <a16:creationId xmlns:a16="http://schemas.microsoft.com/office/drawing/2014/main" id="{C53AD6F2-83EA-E318-D7DA-0ACF465201B9}"/>
+                  </a:ext>
+                </a:extLst>
+              </p:cNvPr>
+              <p:cNvSpPr txBox="1">
+                <a:spLocks noRot="1" noChangeAspect="1" noMove="1" noResize="1" noEditPoints="1" noAdjustHandles="1" noChangeArrowheads="1" noChangeShapeType="1" noTextEdit="1"/>
+              </p:cNvSpPr>
+              <p:nvPr/>
+            </p:nvSpPr>
+            <p:spPr>
+              <a:xfrm>
+                <a:off x="3947730" y="4906371"/>
+                <a:ext cx="199527" cy="153888"/>
+              </a:xfrm>
+              <a:prstGeom prst="rect">
+                <a:avLst/>
+              </a:prstGeom>
+              <a:blipFill>
+                <a:blip r:embed="rId5"/>
+                <a:stretch>
+                  <a:fillRect l="-15625" r="-6250" b="-16000"/>
+                </a:stretch>
+              </a:blipFill>
+            </p:spPr>
+            <p:txBody>
+              <a:bodyPr/>
+              <a:lstStyle/>
+              <a:p>
+                <a:r>
+                  <a:rPr lang="en-US">
+                    <a:noFill/>
+                  </a:rPr>
+                  <a:t> </a:t>
+                </a:r>
+              </a:p>
+            </p:txBody>
+          </p:sp>
+        </mc:Fallback>
+      </mc:AlternateContent>
+      <p:cxnSp>
+        <p:nvCxnSpPr>
+          <p:cNvPr id="36" name="Straight Arrow Connector 35">
+            <a:extLst>
+              <a:ext uri="{FF2B5EF4-FFF2-40B4-BE49-F238E27FC236}">
+                <a16:creationId xmlns:a16="http://schemas.microsoft.com/office/drawing/2014/main" id="{F0306212-15FF-BC3E-B826-8AD36BB7C10B}"/>
+              </a:ext>
+            </a:extLst>
+          </p:cNvPr>
+          <p:cNvCxnSpPr>
+            <a:cxnSpLocks/>
+            <a:stCxn id="34" idx="2"/>
+          </p:cNvCxnSpPr>
+          <p:nvPr/>
+        </p:nvCxnSpPr>
+        <p:spPr>
+          <a:xfrm flipH="1">
+            <a:off x="4035425" y="4594376"/>
+            <a:ext cx="250062" cy="306240"/>
+          </a:xfrm>
+          <a:prstGeom prst="straightConnector1">
+            <a:avLst/>
+          </a:prstGeom>
+          <a:ln w="12700">
+            <a:solidFill>
+              <a:schemeClr val="tx1"/>
+            </a:solidFill>
+            <a:tailEnd type="triangle"/>
+          </a:ln>
+        </p:spPr>
+        <p:style>
+          <a:lnRef idx="1">
+            <a:schemeClr val="accent1"/>
+          </a:lnRef>
+          <a:fillRef idx="0">
+            <a:schemeClr val="accent1"/>
+          </a:fillRef>
+          <a:effectRef idx="0">
+            <a:schemeClr val="accent1"/>
+          </a:effectRef>
+          <a:fontRef idx="minor">
+            <a:schemeClr val="tx1"/>
+          </a:fontRef>
+        </p:style>
+      </p:cxnSp>
       <p:grpSp>
         <p:nvGrpSpPr>
-          <p:cNvPr id="101" name="Group 100">
+          <p:cNvPr id="15" name="Group 14">
             <a:extLst>
               <a:ext uri="{FF2B5EF4-FFF2-40B4-BE49-F238E27FC236}">
-                <a16:creationId xmlns:a16="http://schemas.microsoft.com/office/drawing/2014/main" id="{4BD212DE-7476-8AD9-CE86-98FCD55E4EAA}"/>
+                <a16:creationId xmlns:a16="http://schemas.microsoft.com/office/drawing/2014/main" id="{EFE69F42-3622-E35F-847F-72A079AE9711}"/>
               </a:ext>
             </a:extLst>
           </p:cNvPr>
@@ -3010,339 +3305,12 @@
         </p:nvGrpSpPr>
         <p:grpSpPr>
           <a:xfrm>
-            <a:off x="842258" y="4844056"/>
-            <a:ext cx="5173483" cy="4013355"/>
-            <a:chOff x="991612" y="4681094"/>
-            <a:chExt cx="5173483" cy="4013355"/>
+            <a:off x="4071243" y="4194828"/>
+            <a:ext cx="428488" cy="399548"/>
+            <a:chOff x="4117019" y="4191475"/>
+            <a:chExt cx="428488" cy="399548"/>
           </a:xfrm>
         </p:grpSpPr>
-        <p:pic>
-          <p:nvPicPr>
-            <p:cNvPr id="5" name="Picture 4" descr="A triangle with a green line&#10;&#10;Description automatically generated">
-              <a:extLst>
-                <a:ext uri="{FF2B5EF4-FFF2-40B4-BE49-F238E27FC236}">
-                  <a16:creationId xmlns:a16="http://schemas.microsoft.com/office/drawing/2014/main" id="{9473F815-9D4E-940E-3632-CDBE5CABB58B}"/>
-                </a:ext>
-              </a:extLst>
-            </p:cNvPr>
-            <p:cNvPicPr>
-              <a:picLocks noChangeAspect="1"/>
-            </p:cNvPicPr>
-            <p:nvPr/>
-          </p:nvPicPr>
-          <p:blipFill>
-            <a:blip r:embed="rId2">
-              <a:extLst>
-                <a:ext uri="{28A0092B-C50C-407E-A947-70E740481C1C}">
-                  <a14:useLocalDpi xmlns:a14="http://schemas.microsoft.com/office/drawing/2010/main" val="0"/>
-                </a:ext>
-              </a:extLst>
-            </a:blip>
-            <a:stretch>
-              <a:fillRect/>
-            </a:stretch>
-          </p:blipFill>
-          <p:spPr>
-            <a:xfrm>
-              <a:off x="991612" y="5022850"/>
-              <a:ext cx="1600200" cy="1562065"/>
-            </a:xfrm>
-            <a:prstGeom prst="rect">
-              <a:avLst/>
-            </a:prstGeom>
-          </p:spPr>
-        </p:pic>
-        <p:pic>
-          <p:nvPicPr>
-            <p:cNvPr id="7" name="Picture 6" descr="A grey circle with blue and green ears&#10;&#10;Description automatically generated">
-              <a:extLst>
-                <a:ext uri="{FF2B5EF4-FFF2-40B4-BE49-F238E27FC236}">
-                  <a16:creationId xmlns:a16="http://schemas.microsoft.com/office/drawing/2014/main" id="{7C6F209A-4599-5F3F-209E-DC49BFE57740}"/>
-                </a:ext>
-              </a:extLst>
-            </p:cNvPr>
-            <p:cNvPicPr>
-              <a:picLocks noChangeAspect="1"/>
-            </p:cNvPicPr>
-            <p:nvPr/>
-          </p:nvPicPr>
-          <p:blipFill>
-            <a:blip r:embed="rId3">
-              <a:extLst>
-                <a:ext uri="{28A0092B-C50C-407E-A947-70E740481C1C}">
-                  <a14:useLocalDpi xmlns:a14="http://schemas.microsoft.com/office/drawing/2010/main" val="0"/>
-                </a:ext>
-              </a:extLst>
-            </a:blip>
-            <a:stretch>
-              <a:fillRect/>
-            </a:stretch>
-          </p:blipFill>
-          <p:spPr>
-            <a:xfrm>
-              <a:off x="2774951" y="5322600"/>
-              <a:ext cx="1600200" cy="1262315"/>
-            </a:xfrm>
-            <a:prstGeom prst="rect">
-              <a:avLst/>
-            </a:prstGeom>
-          </p:spPr>
-        </p:pic>
-        <p:pic>
-          <p:nvPicPr>
-            <p:cNvPr id="9" name="Picture 8" descr="A grey circle with blue spikes&#10;&#10;Description automatically generated">
-              <a:extLst>
-                <a:ext uri="{FF2B5EF4-FFF2-40B4-BE49-F238E27FC236}">
-                  <a16:creationId xmlns:a16="http://schemas.microsoft.com/office/drawing/2014/main" id="{EC43B5D1-58DD-6038-25E2-68D373F4BBA7}"/>
-                </a:ext>
-              </a:extLst>
-            </p:cNvPr>
-            <p:cNvPicPr>
-              <a:picLocks noChangeAspect="1"/>
-            </p:cNvPicPr>
-            <p:nvPr/>
-          </p:nvPicPr>
-          <p:blipFill>
-            <a:blip r:embed="rId4">
-              <a:extLst>
-                <a:ext uri="{28A0092B-C50C-407E-A947-70E740481C1C}">
-                  <a14:useLocalDpi xmlns:a14="http://schemas.microsoft.com/office/drawing/2010/main" val="0"/>
-                </a:ext>
-              </a:extLst>
-            </a:blip>
-            <a:stretch>
-              <a:fillRect/>
-            </a:stretch>
-          </p:blipFill>
-          <p:spPr>
-            <a:xfrm>
-              <a:off x="4558290" y="5222116"/>
-              <a:ext cx="1600200" cy="1391377"/>
-            </a:xfrm>
-            <a:prstGeom prst="rect">
-              <a:avLst/>
-            </a:prstGeom>
-          </p:spPr>
-        </p:pic>
-        <p:sp>
-          <p:nvSpPr>
-            <p:cNvPr id="12" name="Oval 11">
-              <a:extLst>
-                <a:ext uri="{FF2B5EF4-FFF2-40B4-BE49-F238E27FC236}">
-                  <a16:creationId xmlns:a16="http://schemas.microsoft.com/office/drawing/2014/main" id="{4CC22647-5875-8FA3-10CC-A98DFD1A9CD0}"/>
-                </a:ext>
-              </a:extLst>
-            </p:cNvPr>
-            <p:cNvSpPr/>
-            <p:nvPr/>
-          </p:nvSpPr>
-          <p:spPr>
-            <a:xfrm>
-              <a:off x="4181118" y="5322600"/>
-              <a:ext cx="64008" cy="64008"/>
-            </a:xfrm>
-            <a:prstGeom prst="ellipse">
-              <a:avLst/>
-            </a:prstGeom>
-            <a:solidFill>
-              <a:schemeClr val="tx1"/>
-            </a:solidFill>
-            <a:ln>
-              <a:noFill/>
-            </a:ln>
-          </p:spPr>
-          <p:style>
-            <a:lnRef idx="2">
-              <a:schemeClr val="accent1">
-                <a:shade val="15000"/>
-              </a:schemeClr>
-            </a:lnRef>
-            <a:fillRef idx="1">
-              <a:schemeClr val="accent1"/>
-            </a:fillRef>
-            <a:effectRef idx="0">
-              <a:schemeClr val="accent1"/>
-            </a:effectRef>
-            <a:fontRef idx="minor">
-              <a:schemeClr val="lt1"/>
-            </a:fontRef>
-          </p:style>
-          <p:txBody>
-            <a:bodyPr rtlCol="0" anchor="ctr"/>
-            <a:lstStyle/>
-            <a:p>
-              <a:pPr algn="ctr"/>
-              <a:endParaRPr lang="en-US"/>
-            </a:p>
-          </p:txBody>
-        </p:sp>
-        <p:sp>
-          <p:nvSpPr>
-            <p:cNvPr id="13" name="Oval 12">
-              <a:extLst>
-                <a:ext uri="{FF2B5EF4-FFF2-40B4-BE49-F238E27FC236}">
-                  <a16:creationId xmlns:a16="http://schemas.microsoft.com/office/drawing/2014/main" id="{62AC6F41-987A-77A8-AB6A-181EA93590A9}"/>
-                </a:ext>
-              </a:extLst>
-            </p:cNvPr>
-            <p:cNvSpPr/>
-            <p:nvPr/>
-          </p:nvSpPr>
-          <p:spPr>
-            <a:xfrm>
-              <a:off x="2877055" y="5312604"/>
-              <a:ext cx="64008" cy="64008"/>
-            </a:xfrm>
-            <a:prstGeom prst="ellipse">
-              <a:avLst/>
-            </a:prstGeom>
-            <a:solidFill>
-              <a:schemeClr val="tx1"/>
-            </a:solidFill>
-            <a:ln>
-              <a:noFill/>
-            </a:ln>
-          </p:spPr>
-          <p:style>
-            <a:lnRef idx="2">
-              <a:schemeClr val="accent1">
-                <a:shade val="15000"/>
-              </a:schemeClr>
-            </a:lnRef>
-            <a:fillRef idx="1">
-              <a:schemeClr val="accent1"/>
-            </a:fillRef>
-            <a:effectRef idx="0">
-              <a:schemeClr val="accent1"/>
-            </a:effectRef>
-            <a:fontRef idx="minor">
-              <a:schemeClr val="lt1"/>
-            </a:fontRef>
-          </p:style>
-          <p:txBody>
-            <a:bodyPr rtlCol="0" anchor="ctr"/>
-            <a:lstStyle/>
-            <a:p>
-              <a:pPr algn="ctr"/>
-              <a:endParaRPr lang="en-US"/>
-            </a:p>
-          </p:txBody>
-        </p:sp>
-        <mc:AlternateContent xmlns:mc="http://schemas.openxmlformats.org/markup-compatibility/2006">
-          <mc:Choice xmlns:a14="http://schemas.microsoft.com/office/drawing/2010/main" Requires="a14">
-            <p:sp>
-              <p:nvSpPr>
-                <p:cNvPr id="29" name="TextBox 28">
-                  <a:extLst>
-                    <a:ext uri="{FF2B5EF4-FFF2-40B4-BE49-F238E27FC236}">
-                      <a16:creationId xmlns:a16="http://schemas.microsoft.com/office/drawing/2014/main" id="{C53AD6F2-83EA-E318-D7DA-0ACF465201B9}"/>
-                    </a:ext>
-                  </a:extLst>
-                </p:cNvPr>
-                <p:cNvSpPr txBox="1"/>
-                <p:nvPr/>
-              </p:nvSpPr>
-              <p:spPr>
-                <a:xfrm>
-                  <a:off x="1694865" y="6399352"/>
-                  <a:ext cx="193451" cy="153888"/>
-                </a:xfrm>
-                <a:prstGeom prst="rect">
-                  <a:avLst/>
-                </a:prstGeom>
-                <a:noFill/>
-              </p:spPr>
-              <p:txBody>
-                <a:bodyPr wrap="none" lIns="0" tIns="0" rIns="0" bIns="0" rtlCol="0">
-                  <a:spAutoFit/>
-                </a:bodyPr>
-                <a:lstStyle/>
-                <a:p>
-                  <a:pPr/>
-                  <a14:m>
-                    <m:oMathPara xmlns:m="http://schemas.openxmlformats.org/officeDocument/2006/math">
-                      <m:oMathParaPr>
-                        <m:jc m:val="centerGroup"/>
-                      </m:oMathParaPr>
-                      <m:oMath xmlns:m="http://schemas.openxmlformats.org/officeDocument/2006/math">
-                        <m:sSub>
-                          <m:sSubPr>
-                            <m:ctrlPr>
-                              <a:rPr lang="en-US" sz="1000" i="1">
-                                <a:latin typeface="Cambria Math" panose="02040503050406030204" pitchFamily="18" charset="0"/>
-                              </a:rPr>
-                            </m:ctrlPr>
-                          </m:sSubPr>
-                          <m:e>
-                            <m:r>
-                              <a:rPr lang="en-US" sz="1000" i="1">
-                                <a:latin typeface="Cambria Math" panose="02040503050406030204" pitchFamily="18" charset="0"/>
-                              </a:rPr>
-                              <m:t>𝑊</m:t>
-                            </m:r>
-                          </m:e>
-                          <m:sub>
-                            <m:r>
-                              <a:rPr lang="en-US" sz="1000" i="1">
-                                <a:latin typeface="Cambria Math" panose="02040503050406030204" pitchFamily="18" charset="0"/>
-                              </a:rPr>
-                              <m:t>0</m:t>
-                            </m:r>
-                          </m:sub>
-                        </m:sSub>
-                      </m:oMath>
-                    </m:oMathPara>
-                  </a14:m>
-                  <a:endParaRPr lang="en-US" sz="1050" dirty="0"/>
-                </a:p>
-              </p:txBody>
-            </p:sp>
-          </mc:Choice>
-          <mc:Fallback>
-            <p:sp>
-              <p:nvSpPr>
-                <p:cNvPr id="29" name="TextBox 28">
-                  <a:extLst>
-                    <a:ext uri="{FF2B5EF4-FFF2-40B4-BE49-F238E27FC236}">
-                      <a16:creationId xmlns:a16="http://schemas.microsoft.com/office/drawing/2014/main" id="{C53AD6F2-83EA-E318-D7DA-0ACF465201B9}"/>
-                    </a:ext>
-                  </a:extLst>
-                </p:cNvPr>
-                <p:cNvSpPr txBox="1">
-                  <a:spLocks noRot="1" noChangeAspect="1" noMove="1" noResize="1" noEditPoints="1" noAdjustHandles="1" noChangeArrowheads="1" noChangeShapeType="1" noTextEdit="1"/>
-                </p:cNvSpPr>
-                <p:nvPr/>
-              </p:nvSpPr>
-              <p:spPr>
-                <a:xfrm>
-                  <a:off x="1694865" y="6399352"/>
-                  <a:ext cx="193451" cy="153888"/>
-                </a:xfrm>
-                <a:prstGeom prst="rect">
-                  <a:avLst/>
-                </a:prstGeom>
-                <a:blipFill>
-                  <a:blip r:embed="rId5"/>
-                  <a:stretch>
-                    <a:fillRect l="-19355" r="-6452" b="-11538"/>
-                  </a:stretch>
-                </a:blipFill>
-              </p:spPr>
-              <p:txBody>
-                <a:bodyPr/>
-                <a:lstStyle/>
-                <a:p>
-                  <a:r>
-                    <a:rPr lang="en-US">
-                      <a:noFill/>
-                    </a:rPr>
-                    <a:t> </a:t>
-                  </a:r>
-                </a:p>
-              </p:txBody>
-            </p:sp>
-          </mc:Fallback>
-        </mc:AlternateContent>
         <p:pic>
           <p:nvPicPr>
             <p:cNvPr id="34" name="Picture 33" descr="A line drawing of a line&#10;&#10;Description automatically generated with medium confidence">
@@ -3370,8 +3338,8 @@
           </p:blipFill>
           <p:spPr>
             <a:xfrm>
-              <a:off x="2069525" y="4893183"/>
-              <a:ext cx="684213" cy="628650"/>
+              <a:off x="4117019" y="4236398"/>
+              <a:ext cx="428488" cy="354625"/>
             </a:xfrm>
             <a:prstGeom prst="rect">
               <a:avLst/>
@@ -3383,51 +3351,6 @@
             </a:ln>
           </p:spPr>
         </p:pic>
-        <p:cxnSp>
-          <p:nvCxnSpPr>
-            <p:cNvPr id="36" name="Straight Arrow Connector 35">
-              <a:extLst>
-                <a:ext uri="{FF2B5EF4-FFF2-40B4-BE49-F238E27FC236}">
-                  <a16:creationId xmlns:a16="http://schemas.microsoft.com/office/drawing/2014/main" id="{F0306212-15FF-BC3E-B826-8AD36BB7C10B}"/>
-                </a:ext>
-              </a:extLst>
-            </p:cNvPr>
-            <p:cNvCxnSpPr>
-              <a:cxnSpLocks/>
-              <a:stCxn id="34" idx="2"/>
-            </p:cNvCxnSpPr>
-            <p:nvPr/>
-          </p:nvCxnSpPr>
-          <p:spPr>
-            <a:xfrm flipH="1">
-              <a:off x="1752278" y="5521833"/>
-              <a:ext cx="659354" cy="826792"/>
-            </a:xfrm>
-            <a:prstGeom prst="straightConnector1">
-              <a:avLst/>
-            </a:prstGeom>
-            <a:ln w="12700">
-              <a:solidFill>
-                <a:schemeClr val="tx1"/>
-              </a:solidFill>
-              <a:tailEnd type="triangle"/>
-            </a:ln>
-          </p:spPr>
-          <p:style>
-            <a:lnRef idx="1">
-              <a:schemeClr val="accent1"/>
-            </a:lnRef>
-            <a:fillRef idx="0">
-              <a:schemeClr val="accent1"/>
-            </a:fillRef>
-            <a:effectRef idx="0">
-              <a:schemeClr val="accent1"/>
-            </a:effectRef>
-            <a:fontRef idx="minor">
-              <a:schemeClr val="tx1"/>
-            </a:fontRef>
-          </p:style>
-        </p:cxnSp>
         <p:cxnSp>
           <p:nvCxnSpPr>
             <p:cNvPr id="39" name="Straight Connector 38">
@@ -3442,13 +3365,13 @@
           </p:nvCxnSpPr>
           <p:spPr>
             <a:xfrm>
-              <a:off x="2326481" y="5114926"/>
-              <a:ext cx="161925" cy="0"/>
+              <a:off x="4287580" y="4360456"/>
+              <a:ext cx="87223" cy="0"/>
             </a:xfrm>
             <a:prstGeom prst="line">
               <a:avLst/>
             </a:prstGeom>
-            <a:ln w="12700">
+            <a:ln w="9525">
               <a:solidFill>
                 <a:schemeClr val="tx1"/>
               </a:solidFill>
@@ -3484,14 +3407,14 @@
             <p:nvPr/>
           </p:nvCxnSpPr>
           <p:spPr>
-            <a:xfrm flipV="1">
-              <a:off x="2407443" y="5112820"/>
-              <a:ext cx="0" cy="242611"/>
+            <a:xfrm flipH="1" flipV="1">
+              <a:off x="4328810" y="4363340"/>
+              <a:ext cx="1" cy="128097"/>
             </a:xfrm>
             <a:prstGeom prst="line">
               <a:avLst/>
             </a:prstGeom>
-            <a:ln w="12700">
+            <a:ln w="9525">
               <a:solidFill>
                 <a:schemeClr val="tx1"/>
               </a:solidFill>
@@ -3528,8 +3451,8 @@
               </p:nvSpPr>
               <p:spPr>
                 <a:xfrm>
-                  <a:off x="2266644" y="4908205"/>
-                  <a:ext cx="276229" cy="153888"/>
+                  <a:off x="4208420" y="4191475"/>
+                  <a:ext cx="148795" cy="74668"/>
                 </a:xfrm>
                 <a:prstGeom prst="rect">
                   <a:avLst/>
@@ -3599,8 +3522,8 @@
               </p:nvSpPr>
               <p:spPr>
                 <a:xfrm>
-                  <a:off x="2266644" y="4908205"/>
-                  <a:ext cx="276229" cy="153888"/>
+                  <a:off x="4208420" y="4191475"/>
+                  <a:ext cx="148795" cy="74668"/>
                 </a:xfrm>
                 <a:prstGeom prst="rect">
                   <a:avLst/>
@@ -3608,7 +3531,7 @@
                 <a:blipFill>
                   <a:blip r:embed="rId7"/>
                   <a:stretch>
-                    <a:fillRect l="-4348" r="-4348" b="-16000"/>
+                    <a:fillRect l="-25000" r="-83333" b="-150000"/>
                   </a:stretch>
                 </a:blipFill>
               </p:spPr>
@@ -3627,12 +3550,173 @@
             </p:sp>
           </mc:Fallback>
         </mc:AlternateContent>
+      </p:grpSp>
+      <p:cxnSp>
+        <p:nvCxnSpPr>
+          <p:cNvPr id="47" name="Straight Connector 46">
+            <a:extLst>
+              <a:ext uri="{FF2B5EF4-FFF2-40B4-BE49-F238E27FC236}">
+                <a16:creationId xmlns:a16="http://schemas.microsoft.com/office/drawing/2014/main" id="{B398F277-26B2-7F3E-2BA9-F26412C25540}"/>
+              </a:ext>
+            </a:extLst>
+          </p:cNvPr>
+          <p:cNvCxnSpPr>
+            <a:cxnSpLocks/>
+          </p:cNvCxnSpPr>
+          <p:nvPr/>
+        </p:nvCxnSpPr>
+        <p:spPr>
+          <a:xfrm>
+            <a:off x="5933115" y="4770789"/>
+            <a:ext cx="312502" cy="0"/>
+          </a:xfrm>
+          <a:prstGeom prst="line">
+            <a:avLst/>
+          </a:prstGeom>
+          <a:ln w="12700">
+            <a:solidFill>
+              <a:schemeClr val="tx1"/>
+            </a:solidFill>
+            <a:prstDash val="dashDot"/>
+          </a:ln>
+        </p:spPr>
+        <p:style>
+          <a:lnRef idx="1">
+            <a:schemeClr val="accent1"/>
+          </a:lnRef>
+          <a:fillRef idx="0">
+            <a:schemeClr val="accent1"/>
+          </a:fillRef>
+          <a:effectRef idx="0">
+            <a:schemeClr val="accent1"/>
+          </a:effectRef>
+          <a:fontRef idx="minor">
+            <a:schemeClr val="tx1"/>
+          </a:fontRef>
+        </p:style>
+      </p:cxnSp>
+      <mc:AlternateContent xmlns:mc="http://schemas.openxmlformats.org/markup-compatibility/2006">
+        <mc:Choice xmlns:a14="http://schemas.microsoft.com/office/drawing/2010/main" Requires="a14">
+          <p:sp>
+            <p:nvSpPr>
+              <p:cNvPr id="52" name="TextBox 51">
+                <a:extLst>
+                  <a:ext uri="{FF2B5EF4-FFF2-40B4-BE49-F238E27FC236}">
+                    <a16:creationId xmlns:a16="http://schemas.microsoft.com/office/drawing/2014/main" id="{8889855D-6276-DDBE-3478-D679CB41E4DC}"/>
+                  </a:ext>
+                </a:extLst>
+              </p:cNvPr>
+              <p:cNvSpPr txBox="1"/>
+              <p:nvPr/>
+            </p:nvSpPr>
+            <p:spPr>
+              <a:xfrm>
+                <a:off x="5986479" y="4593340"/>
+                <a:ext cx="61618" cy="74668"/>
+              </a:xfrm>
+              <a:prstGeom prst="rect">
+                <a:avLst/>
+              </a:prstGeom>
+              <a:noFill/>
+            </p:spPr>
+            <p:txBody>
+              <a:bodyPr wrap="none" lIns="0" tIns="0" rIns="0" bIns="0" rtlCol="0">
+                <a:spAutoFit/>
+              </a:bodyPr>
+              <a:lstStyle/>
+              <a:p>
+                <a:pPr/>
+                <a14:m>
+                  <m:oMathPara xmlns:m="http://schemas.openxmlformats.org/officeDocument/2006/math">
+                    <m:oMathParaPr>
+                      <m:jc m:val="centerGroup"/>
+                    </m:oMathParaPr>
+                    <m:oMath xmlns:m="http://schemas.openxmlformats.org/officeDocument/2006/math">
+                      <m:r>
+                        <a:rPr lang="en-US" sz="1000" i="1" smtClean="0">
+                          <a:latin typeface="Cambria Math" panose="02040503050406030204" pitchFamily="18" charset="0"/>
+                        </a:rPr>
+                        <m:t>𝑅</m:t>
+                      </m:r>
+                    </m:oMath>
+                  </m:oMathPara>
+                </a14:m>
+                <a:endParaRPr lang="en-US" sz="1050" i="1" dirty="0"/>
+              </a:p>
+            </p:txBody>
+          </p:sp>
+        </mc:Choice>
+        <mc:Fallback>
+          <p:sp>
+            <p:nvSpPr>
+              <p:cNvPr id="52" name="TextBox 51">
+                <a:extLst>
+                  <a:ext uri="{FF2B5EF4-FFF2-40B4-BE49-F238E27FC236}">
+                    <a16:creationId xmlns:a16="http://schemas.microsoft.com/office/drawing/2014/main" id="{8889855D-6276-DDBE-3478-D679CB41E4DC}"/>
+                  </a:ext>
+                </a:extLst>
+              </p:cNvPr>
+              <p:cNvSpPr txBox="1">
+                <a:spLocks noRot="1" noChangeAspect="1" noMove="1" noResize="1" noEditPoints="1" noAdjustHandles="1" noChangeArrowheads="1" noChangeShapeType="1" noTextEdit="1"/>
+              </p:cNvSpPr>
+              <p:nvPr/>
+            </p:nvSpPr>
+            <p:spPr>
+              <a:xfrm>
+                <a:off x="5986479" y="4593340"/>
+                <a:ext cx="61618" cy="74668"/>
+              </a:xfrm>
+              <a:prstGeom prst="rect">
+                <a:avLst/>
+              </a:prstGeom>
+              <a:blipFill>
+                <a:blip r:embed="rId8"/>
+                <a:stretch>
+                  <a:fillRect l="-70000" r="-110000" b="-125000"/>
+                </a:stretch>
+              </a:blipFill>
+            </p:spPr>
+            <p:txBody>
+              <a:bodyPr/>
+              <a:lstStyle/>
+              <a:p>
+                <a:r>
+                  <a:rPr lang="en-US">
+                    <a:noFill/>
+                  </a:rPr>
+                  <a:t> </a:t>
+                </a:r>
+              </a:p>
+            </p:txBody>
+          </p:sp>
+        </mc:Fallback>
+      </mc:AlternateContent>
+      <p:grpSp>
+        <p:nvGrpSpPr>
+          <p:cNvPr id="62" name="Group 61">
+            <a:extLst>
+              <a:ext uri="{FF2B5EF4-FFF2-40B4-BE49-F238E27FC236}">
+                <a16:creationId xmlns:a16="http://schemas.microsoft.com/office/drawing/2014/main" id="{D30F1D77-E9AE-E656-1E23-C802CA916B82}"/>
+              </a:ext>
+            </a:extLst>
+          </p:cNvPr>
+          <p:cNvGrpSpPr/>
+          <p:nvPr/>
+        </p:nvGrpSpPr>
+        <p:grpSpPr>
+          <a:xfrm>
+            <a:off x="5578006" y="4153116"/>
+            <a:ext cx="703570" cy="50738"/>
+            <a:chOff x="1105491" y="6656786"/>
+            <a:chExt cx="1306140" cy="104569"/>
+          </a:xfrm>
+        </p:grpSpPr>
         <p:cxnSp>
           <p:nvCxnSpPr>
-            <p:cNvPr id="47" name="Straight Connector 46">
+            <p:cNvPr id="63" name="Straight Connector 62">
               <a:extLst>
                 <a:ext uri="{FF2B5EF4-FFF2-40B4-BE49-F238E27FC236}">
-                  <a16:creationId xmlns:a16="http://schemas.microsoft.com/office/drawing/2014/main" id="{B398F277-26B2-7F3E-2BA9-F26412C25540}"/>
+                  <a16:creationId xmlns:a16="http://schemas.microsoft.com/office/drawing/2014/main" id="{FA98597D-4068-CE09-F37F-BE6D86B7FDB2}"/>
                 </a:ext>
               </a:extLst>
             </p:cNvPr>
@@ -3642,18 +3726,18 @@
             <p:nvPr/>
           </p:nvCxnSpPr>
           <p:spPr>
-            <a:xfrm>
-              <a:off x="5355589" y="6033928"/>
-              <a:ext cx="580143" cy="0"/>
+            <a:xfrm flipV="1">
+              <a:off x="1106420" y="6711451"/>
+              <a:ext cx="1305211" cy="1"/>
             </a:xfrm>
             <a:prstGeom prst="line">
               <a:avLst/>
             </a:prstGeom>
-            <a:ln w="12700">
+            <a:ln w="19050">
               <a:solidFill>
                 <a:schemeClr val="tx1"/>
               </a:solidFill>
-              <a:prstDash val="dashDot"/>
+              <a:prstDash val="sysDot"/>
             </a:ln>
           </p:spPr>
           <p:style>
@@ -3671,690 +3755,29 @@
             </a:fontRef>
           </p:style>
         </p:cxnSp>
-        <mc:AlternateContent xmlns:mc="http://schemas.openxmlformats.org/markup-compatibility/2006">
-          <mc:Choice xmlns:a14="http://schemas.microsoft.com/office/drawing/2010/main" Requires="a14">
-            <p:sp>
-              <p:nvSpPr>
-                <p:cNvPr id="52" name="TextBox 51">
-                  <a:extLst>
-                    <a:ext uri="{FF2B5EF4-FFF2-40B4-BE49-F238E27FC236}">
-                      <a16:creationId xmlns:a16="http://schemas.microsoft.com/office/drawing/2014/main" id="{8889855D-6276-DDBE-3478-D679CB41E4DC}"/>
-                    </a:ext>
-                  </a:extLst>
-                </p:cNvPr>
-                <p:cNvSpPr txBox="1"/>
-                <p:nvPr/>
-              </p:nvSpPr>
-              <p:spPr>
-                <a:xfrm>
-                  <a:off x="5511851" y="5855894"/>
-                  <a:ext cx="114390" cy="153888"/>
-                </a:xfrm>
-                <a:prstGeom prst="rect">
-                  <a:avLst/>
-                </a:prstGeom>
-                <a:noFill/>
-              </p:spPr>
-              <p:txBody>
-                <a:bodyPr wrap="none" lIns="0" tIns="0" rIns="0" bIns="0" rtlCol="0">
-                  <a:spAutoFit/>
-                </a:bodyPr>
-                <a:lstStyle/>
-                <a:p>
-                  <a:pPr/>
-                  <a14:m>
-                    <m:oMathPara xmlns:m="http://schemas.openxmlformats.org/officeDocument/2006/math">
-                      <m:oMathParaPr>
-                        <m:jc m:val="centerGroup"/>
-                      </m:oMathParaPr>
-                      <m:oMath xmlns:m="http://schemas.openxmlformats.org/officeDocument/2006/math">
-                        <m:r>
-                          <a:rPr lang="en-US" sz="1000" i="1" smtClean="0">
-                            <a:latin typeface="Cambria Math" panose="02040503050406030204" pitchFamily="18" charset="0"/>
-                          </a:rPr>
-                          <m:t>𝑅</m:t>
-                        </m:r>
-                      </m:oMath>
-                    </m:oMathPara>
-                  </a14:m>
-                  <a:endParaRPr lang="en-US" sz="1050" i="1" dirty="0"/>
-                </a:p>
-              </p:txBody>
-            </p:sp>
-          </mc:Choice>
-          <mc:Fallback>
-            <p:sp>
-              <p:nvSpPr>
-                <p:cNvPr id="52" name="TextBox 51">
-                  <a:extLst>
-                    <a:ext uri="{FF2B5EF4-FFF2-40B4-BE49-F238E27FC236}">
-                      <a16:creationId xmlns:a16="http://schemas.microsoft.com/office/drawing/2014/main" id="{8889855D-6276-DDBE-3478-D679CB41E4DC}"/>
-                    </a:ext>
-                  </a:extLst>
-                </p:cNvPr>
-                <p:cNvSpPr txBox="1">
-                  <a:spLocks noRot="1" noChangeAspect="1" noMove="1" noResize="1" noEditPoints="1" noAdjustHandles="1" noChangeArrowheads="1" noChangeShapeType="1" noTextEdit="1"/>
-                </p:cNvSpPr>
-                <p:nvPr/>
-              </p:nvSpPr>
-              <p:spPr>
-                <a:xfrm>
-                  <a:off x="5511851" y="5855894"/>
-                  <a:ext cx="114390" cy="153888"/>
-                </a:xfrm>
-                <a:prstGeom prst="rect">
-                  <a:avLst/>
-                </a:prstGeom>
-                <a:blipFill>
-                  <a:blip r:embed="rId8"/>
-                  <a:stretch>
-                    <a:fillRect l="-33333" r="-22222" b="-7692"/>
-                  </a:stretch>
-                </a:blipFill>
-              </p:spPr>
-              <p:txBody>
-                <a:bodyPr/>
-                <a:lstStyle/>
-                <a:p>
-                  <a:r>
-                    <a:rPr lang="en-US">
-                      <a:noFill/>
-                    </a:rPr>
-                    <a:t> </a:t>
-                  </a:r>
-                </a:p>
-              </p:txBody>
-            </p:sp>
-          </mc:Fallback>
-        </mc:AlternateContent>
-        <p:grpSp>
-          <p:nvGrpSpPr>
-            <p:cNvPr id="62" name="Group 61">
+        <p:cxnSp>
+          <p:nvCxnSpPr>
+            <p:cNvPr id="64" name="Straight Connector 63">
               <a:extLst>
                 <a:ext uri="{FF2B5EF4-FFF2-40B4-BE49-F238E27FC236}">
-                  <a16:creationId xmlns:a16="http://schemas.microsoft.com/office/drawing/2014/main" id="{D30F1D77-E9AE-E656-1E23-C802CA916B82}"/>
+                  <a16:creationId xmlns:a16="http://schemas.microsoft.com/office/drawing/2014/main" id="{F129E8E1-BE8F-25E1-A1EB-253483243758}"/>
                 </a:ext>
               </a:extLst>
             </p:cNvPr>
-            <p:cNvGrpSpPr/>
+            <p:cNvCxnSpPr>
+              <a:cxnSpLocks/>
+            </p:cNvCxnSpPr>
             <p:nvPr/>
-          </p:nvGrpSpPr>
-          <p:grpSpPr>
-            <a:xfrm>
-              <a:off x="4696349" y="4819827"/>
-              <a:ext cx="1306140" cy="104569"/>
-              <a:chOff x="1105491" y="6656786"/>
-              <a:chExt cx="1306140" cy="104569"/>
+          </p:nvCxnSpPr>
+          <p:spPr>
+            <a:xfrm flipV="1">
+              <a:off x="1105491" y="6656786"/>
+              <a:ext cx="0" cy="104569"/>
             </a:xfrm>
-          </p:grpSpPr>
-          <p:cxnSp>
-            <p:nvCxnSpPr>
-              <p:cNvPr id="63" name="Straight Connector 62">
-                <a:extLst>
-                  <a:ext uri="{FF2B5EF4-FFF2-40B4-BE49-F238E27FC236}">
-                    <a16:creationId xmlns:a16="http://schemas.microsoft.com/office/drawing/2014/main" id="{FA98597D-4068-CE09-F37F-BE6D86B7FDB2}"/>
-                  </a:ext>
-                </a:extLst>
-              </p:cNvPr>
-              <p:cNvCxnSpPr>
-                <a:cxnSpLocks/>
-              </p:cNvCxnSpPr>
-              <p:nvPr/>
-            </p:nvCxnSpPr>
-            <p:spPr>
-              <a:xfrm flipV="1">
-                <a:off x="1106420" y="6711451"/>
-                <a:ext cx="1305211" cy="1"/>
-              </a:xfrm>
-              <a:prstGeom prst="line">
-                <a:avLst/>
-              </a:prstGeom>
-              <a:ln w="19050">
-                <a:solidFill>
-                  <a:schemeClr val="tx1"/>
-                </a:solidFill>
-                <a:prstDash val="sysDot"/>
-              </a:ln>
-            </p:spPr>
-            <p:style>
-              <a:lnRef idx="1">
-                <a:schemeClr val="accent1"/>
-              </a:lnRef>
-              <a:fillRef idx="0">
-                <a:schemeClr val="accent1"/>
-              </a:fillRef>
-              <a:effectRef idx="0">
-                <a:schemeClr val="accent1"/>
-              </a:effectRef>
-              <a:fontRef idx="minor">
-                <a:schemeClr val="tx1"/>
-              </a:fontRef>
-            </p:style>
-          </p:cxnSp>
-          <p:cxnSp>
-            <p:nvCxnSpPr>
-              <p:cNvPr id="64" name="Straight Connector 63">
-                <a:extLst>
-                  <a:ext uri="{FF2B5EF4-FFF2-40B4-BE49-F238E27FC236}">
-                    <a16:creationId xmlns:a16="http://schemas.microsoft.com/office/drawing/2014/main" id="{F129E8E1-BE8F-25E1-A1EB-253483243758}"/>
-                  </a:ext>
-                </a:extLst>
-              </p:cNvPr>
-              <p:cNvCxnSpPr>
-                <a:cxnSpLocks/>
-              </p:cNvCxnSpPr>
-              <p:nvPr/>
-            </p:nvCxnSpPr>
-            <p:spPr>
-              <a:xfrm flipV="1">
-                <a:off x="1105491" y="6656786"/>
-                <a:ext cx="0" cy="104569"/>
-              </a:xfrm>
-              <a:prstGeom prst="line">
-                <a:avLst/>
-              </a:prstGeom>
-              <a:ln w="12700">
-                <a:solidFill>
-                  <a:schemeClr val="tx1"/>
-                </a:solidFill>
-              </a:ln>
-            </p:spPr>
-            <p:style>
-              <a:lnRef idx="1">
-                <a:schemeClr val="accent1"/>
-              </a:lnRef>
-              <a:fillRef idx="0">
-                <a:schemeClr val="accent1"/>
-              </a:fillRef>
-              <a:effectRef idx="0">
-                <a:schemeClr val="accent1"/>
-              </a:effectRef>
-              <a:fontRef idx="minor">
-                <a:schemeClr val="tx1"/>
-              </a:fontRef>
-            </p:style>
-          </p:cxnSp>
-          <p:cxnSp>
-            <p:nvCxnSpPr>
-              <p:cNvPr id="65" name="Straight Connector 64">
-                <a:extLst>
-                  <a:ext uri="{FF2B5EF4-FFF2-40B4-BE49-F238E27FC236}">
-                    <a16:creationId xmlns:a16="http://schemas.microsoft.com/office/drawing/2014/main" id="{D86B4EE1-05AE-B6ED-C6B1-C879442FEEDA}"/>
-                  </a:ext>
-                </a:extLst>
-              </p:cNvPr>
-              <p:cNvCxnSpPr>
-                <a:cxnSpLocks/>
-              </p:cNvCxnSpPr>
-              <p:nvPr/>
-            </p:nvCxnSpPr>
-            <p:spPr>
-              <a:xfrm flipV="1">
-                <a:off x="2411597" y="6656786"/>
-                <a:ext cx="0" cy="104569"/>
-              </a:xfrm>
-              <a:prstGeom prst="line">
-                <a:avLst/>
-              </a:prstGeom>
-              <a:ln w="12700">
-                <a:solidFill>
-                  <a:schemeClr val="tx1"/>
-                </a:solidFill>
-              </a:ln>
-            </p:spPr>
-            <p:style>
-              <a:lnRef idx="1">
-                <a:schemeClr val="accent1"/>
-              </a:lnRef>
-              <a:fillRef idx="0">
-                <a:schemeClr val="accent1"/>
-              </a:fillRef>
-              <a:effectRef idx="0">
-                <a:schemeClr val="accent1"/>
-              </a:effectRef>
-              <a:fontRef idx="minor">
-                <a:schemeClr val="tx1"/>
-              </a:fontRef>
-            </p:style>
-          </p:cxnSp>
-        </p:grpSp>
-        <mc:AlternateContent xmlns:mc="http://schemas.openxmlformats.org/markup-compatibility/2006">
-          <mc:Choice xmlns:a14="http://schemas.microsoft.com/office/drawing/2010/main" Requires="a14">
-            <p:sp>
-              <p:nvSpPr>
-                <p:cNvPr id="66" name="TextBox 65">
-                  <a:extLst>
-                    <a:ext uri="{FF2B5EF4-FFF2-40B4-BE49-F238E27FC236}">
-                      <a16:creationId xmlns:a16="http://schemas.microsoft.com/office/drawing/2014/main" id="{9DEAEABE-915E-307C-5ADB-E493F901BFF1}"/>
-                    </a:ext>
-                  </a:extLst>
-                </p:cNvPr>
-                <p:cNvSpPr txBox="1"/>
-                <p:nvPr/>
-              </p:nvSpPr>
-              <p:spPr>
-                <a:xfrm>
-                  <a:off x="3467137" y="4681094"/>
-                  <a:ext cx="193451" cy="153888"/>
-                </a:xfrm>
-                <a:prstGeom prst="rect">
-                  <a:avLst/>
-                </a:prstGeom>
-                <a:noFill/>
-              </p:spPr>
-              <p:txBody>
-                <a:bodyPr wrap="none" lIns="0" tIns="0" rIns="0" bIns="0" rtlCol="0">
-                  <a:spAutoFit/>
-                </a:bodyPr>
-                <a:lstStyle/>
-                <a:p>
-                  <a:pPr/>
-                  <a14:m>
-                    <m:oMathPara xmlns:m="http://schemas.openxmlformats.org/officeDocument/2006/math">
-                      <m:oMathParaPr>
-                        <m:jc m:val="centerGroup"/>
-                      </m:oMathParaPr>
-                      <m:oMath xmlns:m="http://schemas.openxmlformats.org/officeDocument/2006/math">
-                        <m:sSub>
-                          <m:sSubPr>
-                            <m:ctrlPr>
-                              <a:rPr lang="en-US" sz="1000" i="1">
-                                <a:latin typeface="Cambria Math" panose="02040503050406030204" pitchFamily="18" charset="0"/>
-                              </a:rPr>
-                            </m:ctrlPr>
-                          </m:sSubPr>
-                          <m:e>
-                            <m:r>
-                              <a:rPr lang="en-US" sz="1000" i="1">
-                                <a:latin typeface="Cambria Math" panose="02040503050406030204" pitchFamily="18" charset="0"/>
-                              </a:rPr>
-                              <m:t>𝑊</m:t>
-                            </m:r>
-                          </m:e>
-                          <m:sub>
-                            <m:r>
-                              <a:rPr lang="en-US" sz="1000" i="1">
-                                <a:latin typeface="Cambria Math" panose="02040503050406030204" pitchFamily="18" charset="0"/>
-                              </a:rPr>
-                              <m:t>0</m:t>
-                            </m:r>
-                          </m:sub>
-                        </m:sSub>
-                      </m:oMath>
-                    </m:oMathPara>
-                  </a14:m>
-                  <a:endParaRPr lang="en-US" sz="1050" dirty="0"/>
-                </a:p>
-              </p:txBody>
-            </p:sp>
-          </mc:Choice>
-          <mc:Fallback>
-            <p:sp>
-              <p:nvSpPr>
-                <p:cNvPr id="66" name="TextBox 65">
-                  <a:extLst>
-                    <a:ext uri="{FF2B5EF4-FFF2-40B4-BE49-F238E27FC236}">
-                      <a16:creationId xmlns:a16="http://schemas.microsoft.com/office/drawing/2014/main" id="{9DEAEABE-915E-307C-5ADB-E493F901BFF1}"/>
-                    </a:ext>
-                  </a:extLst>
-                </p:cNvPr>
-                <p:cNvSpPr txBox="1">
-                  <a:spLocks noRot="1" noChangeAspect="1" noMove="1" noResize="1" noEditPoints="1" noAdjustHandles="1" noChangeArrowheads="1" noChangeShapeType="1" noTextEdit="1"/>
-                </p:cNvSpPr>
-                <p:nvPr/>
-              </p:nvSpPr>
-              <p:spPr>
-                <a:xfrm>
-                  <a:off x="3467137" y="4681094"/>
-                  <a:ext cx="193451" cy="153888"/>
-                </a:xfrm>
-                <a:prstGeom prst="rect">
-                  <a:avLst/>
-                </a:prstGeom>
-                <a:blipFill>
-                  <a:blip r:embed="rId9"/>
-                  <a:stretch>
-                    <a:fillRect l="-15625" r="-3125" b="-16000"/>
-                  </a:stretch>
-                </a:blipFill>
-              </p:spPr>
-              <p:txBody>
-                <a:bodyPr/>
-                <a:lstStyle/>
-                <a:p>
-                  <a:r>
-                    <a:rPr lang="en-US">
-                      <a:noFill/>
-                    </a:rPr>
-                    <a:t> </a:t>
-                  </a:r>
-                </a:p>
-              </p:txBody>
-            </p:sp>
-          </mc:Fallback>
-        </mc:AlternateContent>
-        <mc:AlternateContent xmlns:mc="http://schemas.openxmlformats.org/markup-compatibility/2006">
-          <mc:Choice xmlns:a14="http://schemas.microsoft.com/office/drawing/2010/main" Requires="a14">
-            <p:sp>
-              <p:nvSpPr>
-                <p:cNvPr id="67" name="TextBox 66">
-                  <a:extLst>
-                    <a:ext uri="{FF2B5EF4-FFF2-40B4-BE49-F238E27FC236}">
-                      <a16:creationId xmlns:a16="http://schemas.microsoft.com/office/drawing/2014/main" id="{819880F0-F80B-DFDE-FACD-0493166A3698}"/>
-                    </a:ext>
-                  </a:extLst>
-                </p:cNvPr>
-                <p:cNvSpPr txBox="1"/>
-                <p:nvPr/>
-              </p:nvSpPr>
-              <p:spPr>
-                <a:xfrm>
-                  <a:off x="5252677" y="4689018"/>
-                  <a:ext cx="193451" cy="153888"/>
-                </a:xfrm>
-                <a:prstGeom prst="rect">
-                  <a:avLst/>
-                </a:prstGeom>
-                <a:noFill/>
-              </p:spPr>
-              <p:txBody>
-                <a:bodyPr wrap="none" lIns="0" tIns="0" rIns="0" bIns="0" rtlCol="0">
-                  <a:spAutoFit/>
-                </a:bodyPr>
-                <a:lstStyle/>
-                <a:p>
-                  <a:pPr/>
-                  <a14:m>
-                    <m:oMathPara xmlns:m="http://schemas.openxmlformats.org/officeDocument/2006/math">
-                      <m:oMathParaPr>
-                        <m:jc m:val="centerGroup"/>
-                      </m:oMathParaPr>
-                      <m:oMath xmlns:m="http://schemas.openxmlformats.org/officeDocument/2006/math">
-                        <m:sSub>
-                          <m:sSubPr>
-                            <m:ctrlPr>
-                              <a:rPr lang="en-US" sz="1000" i="1">
-                                <a:latin typeface="Cambria Math" panose="02040503050406030204" pitchFamily="18" charset="0"/>
-                              </a:rPr>
-                            </m:ctrlPr>
-                          </m:sSubPr>
-                          <m:e>
-                            <m:r>
-                              <a:rPr lang="en-US" sz="1000" i="1">
-                                <a:latin typeface="Cambria Math" panose="02040503050406030204" pitchFamily="18" charset="0"/>
-                              </a:rPr>
-                              <m:t>𝑊</m:t>
-                            </m:r>
-                          </m:e>
-                          <m:sub>
-                            <m:r>
-                              <a:rPr lang="en-US" sz="1000" i="1">
-                                <a:latin typeface="Cambria Math" panose="02040503050406030204" pitchFamily="18" charset="0"/>
-                              </a:rPr>
-                              <m:t>0</m:t>
-                            </m:r>
-                          </m:sub>
-                        </m:sSub>
-                      </m:oMath>
-                    </m:oMathPara>
-                  </a14:m>
-                  <a:endParaRPr lang="en-US" sz="1050" dirty="0"/>
-                </a:p>
-              </p:txBody>
-            </p:sp>
-          </mc:Choice>
-          <mc:Fallback>
-            <p:sp>
-              <p:nvSpPr>
-                <p:cNvPr id="67" name="TextBox 66">
-                  <a:extLst>
-                    <a:ext uri="{FF2B5EF4-FFF2-40B4-BE49-F238E27FC236}">
-                      <a16:creationId xmlns:a16="http://schemas.microsoft.com/office/drawing/2014/main" id="{819880F0-F80B-DFDE-FACD-0493166A3698}"/>
-                    </a:ext>
-                  </a:extLst>
-                </p:cNvPr>
-                <p:cNvSpPr txBox="1">
-                  <a:spLocks noRot="1" noChangeAspect="1" noMove="1" noResize="1" noEditPoints="1" noAdjustHandles="1" noChangeArrowheads="1" noChangeShapeType="1" noTextEdit="1"/>
-                </p:cNvSpPr>
-                <p:nvPr/>
-              </p:nvSpPr>
-              <p:spPr>
-                <a:xfrm>
-                  <a:off x="5252677" y="4689018"/>
-                  <a:ext cx="193451" cy="153888"/>
-                </a:xfrm>
-                <a:prstGeom prst="rect">
-                  <a:avLst/>
-                </a:prstGeom>
-                <a:blipFill>
-                  <a:blip r:embed="rId9"/>
-                  <a:stretch>
-                    <a:fillRect l="-15625" r="-3125" b="-16000"/>
-                  </a:stretch>
-                </a:blipFill>
-              </p:spPr>
-              <p:txBody>
-                <a:bodyPr/>
-                <a:lstStyle/>
-                <a:p>
-                  <a:r>
-                    <a:rPr lang="en-US">
-                      <a:noFill/>
-                    </a:rPr>
-                    <a:t> </a:t>
-                  </a:r>
-                </a:p>
-              </p:txBody>
-            </p:sp>
-          </mc:Fallback>
-        </mc:AlternateContent>
-        <p:grpSp>
-          <p:nvGrpSpPr>
-            <p:cNvPr id="76" name="Group 75">
-              <a:extLst>
-                <a:ext uri="{FF2B5EF4-FFF2-40B4-BE49-F238E27FC236}">
-                  <a16:creationId xmlns:a16="http://schemas.microsoft.com/office/drawing/2014/main" id="{FB247535-CA04-0B21-BCF0-17ACB1F86BCC}"/>
-                </a:ext>
-              </a:extLst>
-            </p:cNvPr>
-            <p:cNvGrpSpPr/>
-            <p:nvPr/>
-          </p:nvGrpSpPr>
-          <p:grpSpPr>
-            <a:xfrm>
-              <a:off x="4555772" y="5213794"/>
-              <a:ext cx="830135" cy="836773"/>
-              <a:chOff x="4555772" y="5185216"/>
-              <a:chExt cx="830135" cy="836773"/>
-            </a:xfrm>
-          </p:grpSpPr>
-          <p:sp>
-            <p:nvSpPr>
-              <p:cNvPr id="18" name="Arc 17">
-                <a:extLst>
-                  <a:ext uri="{FF2B5EF4-FFF2-40B4-BE49-F238E27FC236}">
-                    <a16:creationId xmlns:a16="http://schemas.microsoft.com/office/drawing/2014/main" id="{33366F3F-55DE-F506-54A9-8612A341424B}"/>
-                  </a:ext>
-                </a:extLst>
-              </p:cNvPr>
-              <p:cNvSpPr/>
-              <p:nvPr/>
-            </p:nvSpPr>
-            <p:spPr>
-              <a:xfrm rot="16200000">
-                <a:off x="4562947" y="5199029"/>
-                <a:ext cx="822960" cy="822960"/>
-              </a:xfrm>
-              <a:prstGeom prst="arc">
-                <a:avLst>
-                  <a:gd name="adj1" fmla="val 15426138"/>
-                  <a:gd name="adj2" fmla="val 823597"/>
-                </a:avLst>
-              </a:prstGeom>
-              <a:ln w="12700">
-                <a:solidFill>
-                  <a:schemeClr val="tx1"/>
-                </a:solidFill>
-              </a:ln>
-            </p:spPr>
-            <p:style>
-              <a:lnRef idx="1">
-                <a:schemeClr val="accent1"/>
-              </a:lnRef>
-              <a:fillRef idx="0">
-                <a:schemeClr val="accent1"/>
-              </a:fillRef>
-              <a:effectRef idx="0">
-                <a:schemeClr val="accent1"/>
-              </a:effectRef>
-              <a:fontRef idx="minor">
-                <a:schemeClr val="tx1"/>
-              </a:fontRef>
-            </p:style>
-            <p:txBody>
-              <a:bodyPr rtlCol="0" anchor="ctr"/>
-              <a:lstStyle/>
-              <a:p>
-                <a:pPr algn="ctr"/>
-                <a:endParaRPr lang="en-US">
-                  <a:ln w="19050">
-                    <a:solidFill>
-                      <a:schemeClr val="tx1"/>
-                    </a:solidFill>
-                  </a:ln>
-                </a:endParaRPr>
-              </a:p>
-            </p:txBody>
-          </p:sp>
-          <p:sp>
-            <p:nvSpPr>
-              <p:cNvPr id="71" name="Oval 70">
-                <a:extLst>
-                  <a:ext uri="{FF2B5EF4-FFF2-40B4-BE49-F238E27FC236}">
-                    <a16:creationId xmlns:a16="http://schemas.microsoft.com/office/drawing/2014/main" id="{873EB51E-2CC8-7AF2-1DCD-6484961309A8}"/>
-                  </a:ext>
-                </a:extLst>
-              </p:cNvPr>
-              <p:cNvSpPr/>
-              <p:nvPr/>
-            </p:nvSpPr>
-            <p:spPr>
-              <a:xfrm>
-                <a:off x="5058773" y="5185216"/>
-                <a:ext cx="64008" cy="64008"/>
-              </a:xfrm>
-              <a:prstGeom prst="ellipse">
-                <a:avLst/>
-              </a:prstGeom>
-              <a:solidFill>
-                <a:schemeClr val="tx1"/>
-              </a:solidFill>
-              <a:ln>
-                <a:noFill/>
-              </a:ln>
-            </p:spPr>
-            <p:style>
-              <a:lnRef idx="2">
-                <a:schemeClr val="accent1">
-                  <a:shade val="15000"/>
-                </a:schemeClr>
-              </a:lnRef>
-              <a:fillRef idx="1">
-                <a:schemeClr val="accent1"/>
-              </a:fillRef>
-              <a:effectRef idx="0">
-                <a:schemeClr val="accent1"/>
-              </a:effectRef>
-              <a:fontRef idx="minor">
-                <a:schemeClr val="lt1"/>
-              </a:fontRef>
-            </p:style>
-            <p:txBody>
-              <a:bodyPr rtlCol="0" anchor="ctr"/>
-              <a:lstStyle/>
-              <a:p>
-                <a:pPr algn="ctr"/>
-                <a:endParaRPr lang="en-US"/>
-              </a:p>
-            </p:txBody>
-          </p:sp>
-          <p:sp>
-            <p:nvSpPr>
-              <p:cNvPr id="73" name="Oval 72">
-                <a:extLst>
-                  <a:ext uri="{FF2B5EF4-FFF2-40B4-BE49-F238E27FC236}">
-                    <a16:creationId xmlns:a16="http://schemas.microsoft.com/office/drawing/2014/main" id="{3B357548-D0B4-BB6F-F5F3-D985D89D0108}"/>
-                  </a:ext>
-                </a:extLst>
-              </p:cNvPr>
-              <p:cNvSpPr/>
-              <p:nvPr/>
-            </p:nvSpPr>
-            <p:spPr>
-              <a:xfrm>
-                <a:off x="4555772" y="5694174"/>
-                <a:ext cx="64008" cy="64008"/>
-              </a:xfrm>
-              <a:prstGeom prst="ellipse">
-                <a:avLst/>
-              </a:prstGeom>
-              <a:solidFill>
-                <a:schemeClr val="tx1"/>
-              </a:solidFill>
-              <a:ln>
-                <a:noFill/>
-              </a:ln>
-            </p:spPr>
-            <p:style>
-              <a:lnRef idx="2">
-                <a:schemeClr val="accent1">
-                  <a:shade val="15000"/>
-                </a:schemeClr>
-              </a:lnRef>
-              <a:fillRef idx="1">
-                <a:schemeClr val="accent1"/>
-              </a:fillRef>
-              <a:effectRef idx="0">
-                <a:schemeClr val="accent1"/>
-              </a:effectRef>
-              <a:fontRef idx="minor">
-                <a:schemeClr val="lt1"/>
-              </a:fontRef>
-            </p:style>
-            <p:txBody>
-              <a:bodyPr rtlCol="0" anchor="ctr"/>
-              <a:lstStyle/>
-              <a:p>
-                <a:pPr algn="ctr"/>
-                <a:endParaRPr lang="en-US"/>
-              </a:p>
-            </p:txBody>
-          </p:sp>
-        </p:grpSp>
-        <p:sp>
-          <p:nvSpPr>
-            <p:cNvPr id="75" name="Arc 74">
-              <a:extLst>
-                <a:ext uri="{FF2B5EF4-FFF2-40B4-BE49-F238E27FC236}">
-                  <a16:creationId xmlns:a16="http://schemas.microsoft.com/office/drawing/2014/main" id="{B24D5EAC-66EF-E25C-9EBF-CA456D0286B0}"/>
-                </a:ext>
-              </a:extLst>
-            </p:cNvPr>
-            <p:cNvSpPr/>
-            <p:nvPr/>
-          </p:nvSpPr>
-          <p:spPr>
-            <a:xfrm rot="18906170">
-              <a:off x="2813424" y="4990777"/>
-              <a:ext cx="1508760" cy="1508760"/>
-            </a:xfrm>
-            <a:prstGeom prst="arc">
-              <a:avLst>
-                <a:gd name="adj1" fmla="val 15426138"/>
-                <a:gd name="adj2" fmla="val 823597"/>
-              </a:avLst>
+            <a:prstGeom prst="line">
+              <a:avLst/>
             </a:prstGeom>
-            <a:ln w="19050">
+            <a:ln w="12700">
               <a:solidFill>
                 <a:schemeClr val="tx1"/>
               </a:solidFill>
@@ -4374,210 +3797,307 @@
               <a:schemeClr val="tx1"/>
             </a:fontRef>
           </p:style>
-          <p:txBody>
-            <a:bodyPr rtlCol="0" anchor="ctr"/>
-            <a:lstStyle/>
-            <a:p>
-              <a:pPr algn="ctr"/>
-              <a:endParaRPr lang="en-US" dirty="0">
-                <a:ln w="19050">
-                  <a:solidFill>
-                    <a:schemeClr val="tx1"/>
-                  </a:solidFill>
-                </a:ln>
-              </a:endParaRPr>
-            </a:p>
-          </p:txBody>
-        </p:sp>
-        <p:grpSp>
-          <p:nvGrpSpPr>
-            <p:cNvPr id="78" name="Group 77">
+        </p:cxnSp>
+        <p:cxnSp>
+          <p:nvCxnSpPr>
+            <p:cNvPr id="65" name="Straight Connector 64">
               <a:extLst>
                 <a:ext uri="{FF2B5EF4-FFF2-40B4-BE49-F238E27FC236}">
-                  <a16:creationId xmlns:a16="http://schemas.microsoft.com/office/drawing/2014/main" id="{2E3A1699-87B1-726C-3123-0FAD00EF0E27}"/>
+                  <a16:creationId xmlns:a16="http://schemas.microsoft.com/office/drawing/2014/main" id="{D86B4EE1-05AE-B6ED-C6B1-C879442FEEDA}"/>
                 </a:ext>
               </a:extLst>
             </p:cNvPr>
-            <p:cNvGrpSpPr/>
+            <p:cNvCxnSpPr>
+              <a:cxnSpLocks/>
+            </p:cNvCxnSpPr>
             <p:nvPr/>
-          </p:nvGrpSpPr>
-          <p:grpSpPr>
-            <a:xfrm flipH="1">
-              <a:off x="5334960" y="5213794"/>
-              <a:ext cx="830135" cy="836773"/>
-              <a:chOff x="4555772" y="5185216"/>
-              <a:chExt cx="830135" cy="836773"/>
+          </p:nvCxnSpPr>
+          <p:spPr>
+            <a:xfrm flipV="1">
+              <a:off x="2411597" y="6656786"/>
+              <a:ext cx="0" cy="104569"/>
             </a:xfrm>
-          </p:grpSpPr>
+            <a:prstGeom prst="line">
+              <a:avLst/>
+            </a:prstGeom>
+            <a:ln w="12700">
+              <a:solidFill>
+                <a:schemeClr val="tx1"/>
+              </a:solidFill>
+            </a:ln>
+          </p:spPr>
+          <p:style>
+            <a:lnRef idx="1">
+              <a:schemeClr val="accent1"/>
+            </a:lnRef>
+            <a:fillRef idx="0">
+              <a:schemeClr val="accent1"/>
+            </a:fillRef>
+            <a:effectRef idx="0">
+              <a:schemeClr val="accent1"/>
+            </a:effectRef>
+            <a:fontRef idx="minor">
+              <a:schemeClr val="tx1"/>
+            </a:fontRef>
+          </p:style>
+        </p:cxnSp>
+      </p:grpSp>
+      <mc:AlternateContent xmlns:mc="http://schemas.openxmlformats.org/markup-compatibility/2006">
+        <mc:Choice xmlns:a14="http://schemas.microsoft.com/office/drawing/2010/main" Requires="a14">
           <p:sp>
             <p:nvSpPr>
-              <p:cNvPr id="79" name="Arc 78">
+              <p:cNvPr id="66" name="TextBox 65">
                 <a:extLst>
                   <a:ext uri="{FF2B5EF4-FFF2-40B4-BE49-F238E27FC236}">
-                    <a16:creationId xmlns:a16="http://schemas.microsoft.com/office/drawing/2014/main" id="{013999D7-7D66-57B9-046F-7C2FC639B25C}"/>
+                    <a16:creationId xmlns:a16="http://schemas.microsoft.com/office/drawing/2014/main" id="{9DEAEABE-915E-307C-5ADB-E493F901BFF1}"/>
                   </a:ext>
                 </a:extLst>
               </p:cNvPr>
-              <p:cNvSpPr/>
-              <p:nvPr/>
-            </p:nvSpPr>
-            <p:spPr>
-              <a:xfrm rot="16200000">
-                <a:off x="4562947" y="5199029"/>
-                <a:ext cx="822960" cy="822960"/>
-              </a:xfrm>
-              <a:prstGeom prst="arc">
-                <a:avLst>
-                  <a:gd name="adj1" fmla="val 15426138"/>
-                  <a:gd name="adj2" fmla="val 823597"/>
-                </a:avLst>
-              </a:prstGeom>
-              <a:ln w="12700">
-                <a:solidFill>
-                  <a:schemeClr val="tx1"/>
-                </a:solidFill>
-              </a:ln>
-            </p:spPr>
-            <p:style>
-              <a:lnRef idx="1">
-                <a:schemeClr val="accent1"/>
-              </a:lnRef>
-              <a:fillRef idx="0">
-                <a:schemeClr val="accent1"/>
-              </a:fillRef>
-              <a:effectRef idx="0">
-                <a:schemeClr val="accent1"/>
-              </a:effectRef>
-              <a:fontRef idx="minor">
-                <a:schemeClr val="tx1"/>
-              </a:fontRef>
-            </p:style>
-            <p:txBody>
-              <a:bodyPr rtlCol="0" anchor="ctr"/>
-              <a:lstStyle/>
-              <a:p>
-                <a:pPr algn="ctr"/>
-                <a:endParaRPr lang="en-US">
-                  <a:ln w="19050">
-                    <a:solidFill>
-                      <a:schemeClr val="tx1"/>
-                    </a:solidFill>
-                  </a:ln>
-                </a:endParaRPr>
-              </a:p>
-            </p:txBody>
-          </p:sp>
-          <p:sp>
-            <p:nvSpPr>
-              <p:cNvPr id="80" name="Oval 79">
-                <a:extLst>
-                  <a:ext uri="{FF2B5EF4-FFF2-40B4-BE49-F238E27FC236}">
-                    <a16:creationId xmlns:a16="http://schemas.microsoft.com/office/drawing/2014/main" id="{A6F5DD0C-97AD-74CC-FF3F-736EDB2A2DD0}"/>
-                  </a:ext>
-                </a:extLst>
-              </p:cNvPr>
-              <p:cNvSpPr/>
+              <p:cNvSpPr txBox="1"/>
               <p:nvPr/>
             </p:nvSpPr>
             <p:spPr>
               <a:xfrm>
-                <a:off x="5058773" y="5185216"/>
-                <a:ext cx="64008" cy="64008"/>
+                <a:off x="4886087" y="4011975"/>
+                <a:ext cx="104205" cy="74668"/>
               </a:xfrm>
-              <a:prstGeom prst="ellipse">
+              <a:prstGeom prst="rect">
                 <a:avLst/>
               </a:prstGeom>
-              <a:solidFill>
-                <a:schemeClr val="tx1"/>
-              </a:solidFill>
-              <a:ln>
-                <a:noFill/>
-              </a:ln>
+              <a:noFill/>
             </p:spPr>
-            <p:style>
-              <a:lnRef idx="2">
-                <a:schemeClr val="accent1">
-                  <a:shade val="15000"/>
-                </a:schemeClr>
-              </a:lnRef>
-              <a:fillRef idx="1">
-                <a:schemeClr val="accent1"/>
-              </a:fillRef>
-              <a:effectRef idx="0">
-                <a:schemeClr val="accent1"/>
-              </a:effectRef>
-              <a:fontRef idx="minor">
-                <a:schemeClr val="lt1"/>
-              </a:fontRef>
-            </p:style>
             <p:txBody>
-              <a:bodyPr rtlCol="0" anchor="ctr"/>
+              <a:bodyPr wrap="none" lIns="0" tIns="0" rIns="0" bIns="0" rtlCol="0">
+                <a:spAutoFit/>
+              </a:bodyPr>
               <a:lstStyle/>
               <a:p>
-                <a:pPr algn="ctr"/>
-                <a:endParaRPr lang="en-US"/>
+                <a:pPr/>
+                <a14:m>
+                  <m:oMathPara xmlns:m="http://schemas.openxmlformats.org/officeDocument/2006/math">
+                    <m:oMathParaPr>
+                      <m:jc m:val="centerGroup"/>
+                    </m:oMathParaPr>
+                    <m:oMath xmlns:m="http://schemas.openxmlformats.org/officeDocument/2006/math">
+                      <m:sSub>
+                        <m:sSubPr>
+                          <m:ctrlPr>
+                            <a:rPr lang="en-US" sz="1000" i="1">
+                              <a:latin typeface="Cambria Math" panose="02040503050406030204" pitchFamily="18" charset="0"/>
+                            </a:rPr>
+                          </m:ctrlPr>
+                        </m:sSubPr>
+                        <m:e>
+                          <m:r>
+                            <a:rPr lang="en-US" sz="1000" i="1">
+                              <a:latin typeface="Cambria Math" panose="02040503050406030204" pitchFamily="18" charset="0"/>
+                            </a:rPr>
+                            <m:t>𝑊</m:t>
+                          </m:r>
+                        </m:e>
+                        <m:sub>
+                          <m:r>
+                            <a:rPr lang="en-US" sz="1000" i="1">
+                              <a:latin typeface="Cambria Math" panose="02040503050406030204" pitchFamily="18" charset="0"/>
+                            </a:rPr>
+                            <m:t>0</m:t>
+                          </m:r>
+                        </m:sub>
+                      </m:sSub>
+                    </m:oMath>
+                  </m:oMathPara>
+                </a14:m>
+                <a:endParaRPr lang="en-US" sz="1050" dirty="0"/>
               </a:p>
             </p:txBody>
           </p:sp>
+        </mc:Choice>
+        <mc:Fallback>
           <p:sp>
             <p:nvSpPr>
-              <p:cNvPr id="81" name="Oval 80">
+              <p:cNvPr id="66" name="TextBox 65">
                 <a:extLst>
                   <a:ext uri="{FF2B5EF4-FFF2-40B4-BE49-F238E27FC236}">
-                    <a16:creationId xmlns:a16="http://schemas.microsoft.com/office/drawing/2014/main" id="{6BCD8254-7B3E-FBC5-3B26-25B9824838C5}"/>
+                    <a16:creationId xmlns:a16="http://schemas.microsoft.com/office/drawing/2014/main" id="{9DEAEABE-915E-307C-5ADB-E493F901BFF1}"/>
                   </a:ext>
                 </a:extLst>
               </p:cNvPr>
-              <p:cNvSpPr/>
+              <p:cNvSpPr txBox="1">
+                <a:spLocks noRot="1" noChangeAspect="1" noMove="1" noResize="1" noEditPoints="1" noAdjustHandles="1" noChangeArrowheads="1" noChangeShapeType="1" noTextEdit="1"/>
+              </p:cNvSpPr>
               <p:nvPr/>
             </p:nvSpPr>
             <p:spPr>
               <a:xfrm>
-                <a:off x="4555772" y="5694174"/>
-                <a:ext cx="64008" cy="64008"/>
+                <a:off x="4886087" y="4011975"/>
+                <a:ext cx="104205" cy="74668"/>
               </a:xfrm>
-              <a:prstGeom prst="ellipse">
+              <a:prstGeom prst="rect">
                 <a:avLst/>
               </a:prstGeom>
-              <a:solidFill>
-                <a:schemeClr val="tx1"/>
-              </a:solidFill>
-              <a:ln>
-                <a:noFill/>
-              </a:ln>
+              <a:blipFill>
+                <a:blip r:embed="rId5"/>
+                <a:stretch>
+                  <a:fillRect l="-47059" r="-82353" b="-141667"/>
+                </a:stretch>
+              </a:blipFill>
             </p:spPr>
-            <p:style>
-              <a:lnRef idx="2">
-                <a:schemeClr val="accent1">
-                  <a:shade val="15000"/>
-                </a:schemeClr>
-              </a:lnRef>
-              <a:fillRef idx="1">
-                <a:schemeClr val="accent1"/>
-              </a:fillRef>
-              <a:effectRef idx="0">
-                <a:schemeClr val="accent1"/>
-              </a:effectRef>
-              <a:fontRef idx="minor">
-                <a:schemeClr val="lt1"/>
-              </a:fontRef>
-            </p:style>
             <p:txBody>
-              <a:bodyPr rtlCol="0" anchor="ctr"/>
+              <a:bodyPr/>
               <a:lstStyle/>
               <a:p>
-                <a:pPr algn="ctr"/>
-                <a:endParaRPr lang="en-US"/>
+                <a:r>
+                  <a:rPr lang="en-US">
+                    <a:noFill/>
+                  </a:rPr>
+                  <a:t> </a:t>
+                </a:r>
               </a:p>
             </p:txBody>
           </p:sp>
-        </p:grpSp>
+        </mc:Fallback>
+      </mc:AlternateContent>
+      <mc:AlternateContent xmlns:mc="http://schemas.openxmlformats.org/markup-compatibility/2006">
+        <mc:Choice xmlns:a14="http://schemas.microsoft.com/office/drawing/2010/main" Requires="a14">
+          <p:sp>
+            <p:nvSpPr>
+              <p:cNvPr id="67" name="TextBox 66">
+                <a:extLst>
+                  <a:ext uri="{FF2B5EF4-FFF2-40B4-BE49-F238E27FC236}">
+                    <a16:creationId xmlns:a16="http://schemas.microsoft.com/office/drawing/2014/main" id="{819880F0-F80B-DFDE-FACD-0493166A3698}"/>
+                  </a:ext>
+                </a:extLst>
+              </p:cNvPr>
+              <p:cNvSpPr txBox="1"/>
+              <p:nvPr/>
+            </p:nvSpPr>
+            <p:spPr>
+              <a:xfrm>
+                <a:off x="5877688" y="4006580"/>
+                <a:ext cx="104205" cy="74668"/>
+              </a:xfrm>
+              <a:prstGeom prst="rect">
+                <a:avLst/>
+              </a:prstGeom>
+              <a:noFill/>
+            </p:spPr>
+            <p:txBody>
+              <a:bodyPr wrap="none" lIns="0" tIns="0" rIns="0" bIns="0" rtlCol="0">
+                <a:spAutoFit/>
+              </a:bodyPr>
+              <a:lstStyle/>
+              <a:p>
+                <a:pPr/>
+                <a14:m>
+                  <m:oMathPara xmlns:m="http://schemas.openxmlformats.org/officeDocument/2006/math">
+                    <m:oMathParaPr>
+                      <m:jc m:val="centerGroup"/>
+                    </m:oMathParaPr>
+                    <m:oMath xmlns:m="http://schemas.openxmlformats.org/officeDocument/2006/math">
+                      <m:sSub>
+                        <m:sSubPr>
+                          <m:ctrlPr>
+                            <a:rPr lang="en-US" sz="1000" i="1">
+                              <a:latin typeface="Cambria Math" panose="02040503050406030204" pitchFamily="18" charset="0"/>
+                            </a:rPr>
+                          </m:ctrlPr>
+                        </m:sSubPr>
+                        <m:e>
+                          <m:r>
+                            <a:rPr lang="en-US" sz="1000" i="1">
+                              <a:latin typeface="Cambria Math" panose="02040503050406030204" pitchFamily="18" charset="0"/>
+                            </a:rPr>
+                            <m:t>𝑊</m:t>
+                          </m:r>
+                        </m:e>
+                        <m:sub>
+                          <m:r>
+                            <a:rPr lang="en-US" sz="1000" i="1">
+                              <a:latin typeface="Cambria Math" panose="02040503050406030204" pitchFamily="18" charset="0"/>
+                            </a:rPr>
+                            <m:t>0</m:t>
+                          </m:r>
+                        </m:sub>
+                      </m:sSub>
+                    </m:oMath>
+                  </m:oMathPara>
+                </a14:m>
+                <a:endParaRPr lang="en-US" sz="1050" dirty="0"/>
+              </a:p>
+            </p:txBody>
+          </p:sp>
+        </mc:Choice>
+        <mc:Fallback>
+          <p:sp>
+            <p:nvSpPr>
+              <p:cNvPr id="67" name="TextBox 66">
+                <a:extLst>
+                  <a:ext uri="{FF2B5EF4-FFF2-40B4-BE49-F238E27FC236}">
+                    <a16:creationId xmlns:a16="http://schemas.microsoft.com/office/drawing/2014/main" id="{819880F0-F80B-DFDE-FACD-0493166A3698}"/>
+                  </a:ext>
+                </a:extLst>
+              </p:cNvPr>
+              <p:cNvSpPr txBox="1">
+                <a:spLocks noRot="1" noChangeAspect="1" noMove="1" noResize="1" noEditPoints="1" noAdjustHandles="1" noChangeArrowheads="1" noChangeShapeType="1" noTextEdit="1"/>
+              </p:cNvSpPr>
+              <p:nvPr/>
+            </p:nvSpPr>
+            <p:spPr>
+              <a:xfrm>
+                <a:off x="5877688" y="4006580"/>
+                <a:ext cx="104205" cy="74668"/>
+              </a:xfrm>
+              <a:prstGeom prst="rect">
+                <a:avLst/>
+              </a:prstGeom>
+              <a:blipFill>
+                <a:blip r:embed="rId9"/>
+                <a:stretch>
+                  <a:fillRect l="-41176" r="-82353" b="-141667"/>
+                </a:stretch>
+              </a:blipFill>
+            </p:spPr>
+            <p:txBody>
+              <a:bodyPr/>
+              <a:lstStyle/>
+              <a:p>
+                <a:r>
+                  <a:rPr lang="en-US">
+                    <a:noFill/>
+                  </a:rPr>
+                  <a:t> </a:t>
+                </a:r>
+              </a:p>
+            </p:txBody>
+          </p:sp>
+        </mc:Fallback>
+      </mc:AlternateContent>
+      <p:grpSp>
+        <p:nvGrpSpPr>
+          <p:cNvPr id="76" name="Group 75">
+            <a:extLst>
+              <a:ext uri="{FF2B5EF4-FFF2-40B4-BE49-F238E27FC236}">
+                <a16:creationId xmlns:a16="http://schemas.microsoft.com/office/drawing/2014/main" id="{FB247535-CA04-0B21-BCF0-17ACB1F86BCC}"/>
+              </a:ext>
+            </a:extLst>
+          </p:cNvPr>
+          <p:cNvGrpSpPr/>
+          <p:nvPr/>
+        </p:nvGrpSpPr>
+        <p:grpSpPr>
+          <a:xfrm>
+            <a:off x="5502282" y="4372851"/>
+            <a:ext cx="447164" cy="406011"/>
+            <a:chOff x="4555772" y="5185216"/>
+            <a:chExt cx="830135" cy="836773"/>
+          </a:xfrm>
+        </p:grpSpPr>
         <p:sp>
           <p:nvSpPr>
-            <p:cNvPr id="83" name="Arc 82">
+            <p:cNvPr id="18" name="Arc 17">
               <a:extLst>
                 <a:ext uri="{FF2B5EF4-FFF2-40B4-BE49-F238E27FC236}">
-                  <a16:creationId xmlns:a16="http://schemas.microsoft.com/office/drawing/2014/main" id="{8BCFA4F7-87DA-458C-2AF1-3E13C3CD10DC}"/>
+                  <a16:creationId xmlns:a16="http://schemas.microsoft.com/office/drawing/2014/main" id="{33366F3F-55DE-F506-54A9-8612A341424B}"/>
                 </a:ext>
               </a:extLst>
             </p:cNvPr>
@@ -4585,9 +4105,9 @@
             <p:nvPr/>
           </p:nvSpPr>
           <p:spPr>
-            <a:xfrm rot="18755101">
-              <a:off x="4617899" y="4949456"/>
-              <a:ext cx="1463040" cy="1463040"/>
+            <a:xfrm rot="16200000">
+              <a:off x="4562947" y="5199029"/>
+              <a:ext cx="822960" cy="822960"/>
             </a:xfrm>
             <a:prstGeom prst="arc">
               <a:avLst>
@@ -4595,7 +4115,7 @@
                 <a:gd name="adj2" fmla="val 823597"/>
               </a:avLst>
             </a:prstGeom>
-            <a:ln w="19050">
+            <a:ln w="12700">
               <a:solidFill>
                 <a:schemeClr val="tx1"/>
               </a:solidFill>
@@ -4632,10 +4152,10 @@
         </p:sp>
         <p:sp>
           <p:nvSpPr>
-            <p:cNvPr id="84" name="Oval 83">
+            <p:cNvPr id="71" name="Oval 70">
               <a:extLst>
                 <a:ext uri="{FF2B5EF4-FFF2-40B4-BE49-F238E27FC236}">
-                  <a16:creationId xmlns:a16="http://schemas.microsoft.com/office/drawing/2014/main" id="{42A451C1-415E-D545-916F-D12E20134808}"/>
+                  <a16:creationId xmlns:a16="http://schemas.microsoft.com/office/drawing/2014/main" id="{873EB51E-2CC8-7AF2-1DCD-6484961309A8}"/>
                 </a:ext>
               </a:extLst>
             </p:cNvPr>
@@ -4644,59 +4164,7 @@
           </p:nvSpPr>
           <p:spPr>
             <a:xfrm>
-              <a:off x="4681236" y="5277174"/>
-              <a:ext cx="64008" cy="64008"/>
-            </a:xfrm>
-            <a:prstGeom prst="ellipse">
-              <a:avLst/>
-            </a:prstGeom>
-            <a:solidFill>
-              <a:schemeClr val="tx1"/>
-            </a:solidFill>
-            <a:ln>
-              <a:noFill/>
-            </a:ln>
-          </p:spPr>
-          <p:style>
-            <a:lnRef idx="2">
-              <a:schemeClr val="accent1">
-                <a:shade val="15000"/>
-              </a:schemeClr>
-            </a:lnRef>
-            <a:fillRef idx="1">
-              <a:schemeClr val="accent1"/>
-            </a:fillRef>
-            <a:effectRef idx="0">
-              <a:schemeClr val="accent1"/>
-            </a:effectRef>
-            <a:fontRef idx="minor">
-              <a:schemeClr val="lt1"/>
-            </a:fontRef>
-          </p:style>
-          <p:txBody>
-            <a:bodyPr rtlCol="0" anchor="ctr"/>
-            <a:lstStyle/>
-            <a:p>
-              <a:pPr algn="ctr"/>
-              <a:endParaRPr lang="en-US" dirty="0"/>
-            </a:p>
-          </p:txBody>
-        </p:sp>
-        <p:sp>
-          <p:nvSpPr>
-            <p:cNvPr id="85" name="Oval 84">
-              <a:extLst>
-                <a:ext uri="{FF2B5EF4-FFF2-40B4-BE49-F238E27FC236}">
-                  <a16:creationId xmlns:a16="http://schemas.microsoft.com/office/drawing/2014/main" id="{337986C3-63E0-D069-68D0-9304545899F0}"/>
-                </a:ext>
-              </a:extLst>
-            </p:cNvPr>
-            <p:cNvSpPr/>
-            <p:nvPr/>
-          </p:nvSpPr>
-          <p:spPr>
-            <a:xfrm>
-              <a:off x="5925220" y="5243904"/>
+              <a:off x="5058773" y="5185216"/>
               <a:ext cx="64008" cy="64008"/>
             </a:xfrm>
             <a:prstGeom prst="ellipse">
@@ -4734,366 +4202,1018 @@
             </a:p>
           </p:txBody>
         </p:sp>
-        <p:grpSp>
-          <p:nvGrpSpPr>
-            <p:cNvPr id="86" name="Group 85">
+        <p:sp>
+          <p:nvSpPr>
+            <p:cNvPr id="73" name="Oval 72">
               <a:extLst>
                 <a:ext uri="{FF2B5EF4-FFF2-40B4-BE49-F238E27FC236}">
-                  <a16:creationId xmlns:a16="http://schemas.microsoft.com/office/drawing/2014/main" id="{FFBD5AB7-58EA-20F1-1EC9-EDA88146D8CD}"/>
+                  <a16:creationId xmlns:a16="http://schemas.microsoft.com/office/drawing/2014/main" id="{3B357548-D0B4-BB6F-F5F3-D985D89D0108}"/>
                 </a:ext>
               </a:extLst>
             </p:cNvPr>
-            <p:cNvGrpSpPr/>
+            <p:cNvSpPr/>
             <p:nvPr/>
-          </p:nvGrpSpPr>
-          <p:grpSpPr>
+          </p:nvSpPr>
+          <p:spPr>
             <a:xfrm>
-              <a:off x="2909392" y="4832308"/>
-              <a:ext cx="1306140" cy="104569"/>
-              <a:chOff x="1105491" y="6656786"/>
-              <a:chExt cx="1306140" cy="104569"/>
+              <a:off x="4555772" y="5694174"/>
+              <a:ext cx="64008" cy="64008"/>
             </a:xfrm>
-          </p:grpSpPr>
-          <p:cxnSp>
-            <p:nvCxnSpPr>
-              <p:cNvPr id="87" name="Straight Connector 86">
-                <a:extLst>
-                  <a:ext uri="{FF2B5EF4-FFF2-40B4-BE49-F238E27FC236}">
-                    <a16:creationId xmlns:a16="http://schemas.microsoft.com/office/drawing/2014/main" id="{813BEAA6-9E82-720F-4732-05B0CABEF2B8}"/>
-                  </a:ext>
-                </a:extLst>
-              </p:cNvPr>
-              <p:cNvCxnSpPr>
-                <a:cxnSpLocks/>
-              </p:cNvCxnSpPr>
-              <p:nvPr/>
-            </p:nvCxnSpPr>
-            <p:spPr>
-              <a:xfrm flipV="1">
-                <a:off x="1106420" y="6711451"/>
-                <a:ext cx="1305211" cy="1"/>
-              </a:xfrm>
-              <a:prstGeom prst="line">
-                <a:avLst/>
-              </a:prstGeom>
+            <a:prstGeom prst="ellipse">
+              <a:avLst/>
+            </a:prstGeom>
+            <a:solidFill>
+              <a:schemeClr val="tx1"/>
+            </a:solidFill>
+            <a:ln>
+              <a:noFill/>
+            </a:ln>
+          </p:spPr>
+          <p:style>
+            <a:lnRef idx="2">
+              <a:schemeClr val="accent1">
+                <a:shade val="15000"/>
+              </a:schemeClr>
+            </a:lnRef>
+            <a:fillRef idx="1">
+              <a:schemeClr val="accent1"/>
+            </a:fillRef>
+            <a:effectRef idx="0">
+              <a:schemeClr val="accent1"/>
+            </a:effectRef>
+            <a:fontRef idx="minor">
+              <a:schemeClr val="lt1"/>
+            </a:fontRef>
+          </p:style>
+          <p:txBody>
+            <a:bodyPr rtlCol="0" anchor="ctr"/>
+            <a:lstStyle/>
+            <a:p>
+              <a:pPr algn="ctr"/>
+              <a:endParaRPr lang="en-US"/>
+            </a:p>
+          </p:txBody>
+        </p:sp>
+      </p:grpSp>
+      <p:sp>
+        <p:nvSpPr>
+          <p:cNvPr id="75" name="Arc 74">
+            <a:extLst>
+              <a:ext uri="{FF2B5EF4-FFF2-40B4-BE49-F238E27FC236}">
+                <a16:creationId xmlns:a16="http://schemas.microsoft.com/office/drawing/2014/main" id="{B24D5EAC-66EF-E25C-9EBF-CA456D0286B0}"/>
+              </a:ext>
+            </a:extLst>
+          </p:cNvPr>
+          <p:cNvSpPr/>
+          <p:nvPr/>
+        </p:nvSpPr>
+        <p:spPr>
+          <a:xfrm rot="18869482">
+            <a:off x="4555652" y="4254829"/>
+            <a:ext cx="822960" cy="822960"/>
+          </a:xfrm>
+          <a:prstGeom prst="arc">
+            <a:avLst>
+              <a:gd name="adj1" fmla="val 15426138"/>
+              <a:gd name="adj2" fmla="val 823597"/>
+            </a:avLst>
+          </a:prstGeom>
+          <a:ln w="19050">
+            <a:solidFill>
+              <a:schemeClr val="tx1"/>
+            </a:solidFill>
+          </a:ln>
+        </p:spPr>
+        <p:style>
+          <a:lnRef idx="1">
+            <a:schemeClr val="accent1"/>
+          </a:lnRef>
+          <a:fillRef idx="0">
+            <a:schemeClr val="accent1"/>
+          </a:fillRef>
+          <a:effectRef idx="0">
+            <a:schemeClr val="accent1"/>
+          </a:effectRef>
+          <a:fontRef idx="minor">
+            <a:schemeClr val="tx1"/>
+          </a:fontRef>
+        </p:style>
+        <p:txBody>
+          <a:bodyPr rtlCol="0" anchor="ctr"/>
+          <a:lstStyle/>
+          <a:p>
+            <a:pPr algn="ctr"/>
+            <a:endParaRPr lang="en-US" dirty="0">
               <a:ln w="19050">
                 <a:solidFill>
                   <a:schemeClr val="tx1"/>
                 </a:solidFill>
-                <a:prstDash val="sysDot"/>
               </a:ln>
-            </p:spPr>
-            <p:style>
-              <a:lnRef idx="1">
-                <a:schemeClr val="accent1"/>
-              </a:lnRef>
-              <a:fillRef idx="0">
-                <a:schemeClr val="accent1"/>
-              </a:fillRef>
-              <a:effectRef idx="0">
-                <a:schemeClr val="accent1"/>
-              </a:effectRef>
-              <a:fontRef idx="minor">
+            </a:endParaRPr>
+          </a:p>
+        </p:txBody>
+      </p:sp>
+      <p:grpSp>
+        <p:nvGrpSpPr>
+          <p:cNvPr id="78" name="Group 77">
+            <a:extLst>
+              <a:ext uri="{FF2B5EF4-FFF2-40B4-BE49-F238E27FC236}">
+                <a16:creationId xmlns:a16="http://schemas.microsoft.com/office/drawing/2014/main" id="{2E3A1699-87B1-726C-3123-0FAD00EF0E27}"/>
+              </a:ext>
+            </a:extLst>
+          </p:cNvPr>
+          <p:cNvGrpSpPr/>
+          <p:nvPr/>
+        </p:nvGrpSpPr>
+        <p:grpSpPr>
+          <a:xfrm flipH="1">
+            <a:off x="5922002" y="4372851"/>
+            <a:ext cx="447164" cy="406011"/>
+            <a:chOff x="4555772" y="5185216"/>
+            <a:chExt cx="830135" cy="836773"/>
+          </a:xfrm>
+        </p:grpSpPr>
+        <p:sp>
+          <p:nvSpPr>
+            <p:cNvPr id="79" name="Arc 78">
+              <a:extLst>
+                <a:ext uri="{FF2B5EF4-FFF2-40B4-BE49-F238E27FC236}">
+                  <a16:creationId xmlns:a16="http://schemas.microsoft.com/office/drawing/2014/main" id="{013999D7-7D66-57B9-046F-7C2FC639B25C}"/>
+                </a:ext>
+              </a:extLst>
+            </p:cNvPr>
+            <p:cNvSpPr/>
+            <p:nvPr/>
+          </p:nvSpPr>
+          <p:spPr>
+            <a:xfrm rot="16200000">
+              <a:off x="4562947" y="5199029"/>
+              <a:ext cx="822960" cy="822960"/>
+            </a:xfrm>
+            <a:prstGeom prst="arc">
+              <a:avLst>
+                <a:gd name="adj1" fmla="val 15426138"/>
+                <a:gd name="adj2" fmla="val 823597"/>
+              </a:avLst>
+            </a:prstGeom>
+            <a:ln w="12700">
+              <a:solidFill>
                 <a:schemeClr val="tx1"/>
-              </a:fontRef>
-            </p:style>
-          </p:cxnSp>
-          <p:cxnSp>
-            <p:nvCxnSpPr>
-              <p:cNvPr id="88" name="Straight Connector 87">
+              </a:solidFill>
+            </a:ln>
+          </p:spPr>
+          <p:style>
+            <a:lnRef idx="1">
+              <a:schemeClr val="accent1"/>
+            </a:lnRef>
+            <a:fillRef idx="0">
+              <a:schemeClr val="accent1"/>
+            </a:fillRef>
+            <a:effectRef idx="0">
+              <a:schemeClr val="accent1"/>
+            </a:effectRef>
+            <a:fontRef idx="minor">
+              <a:schemeClr val="tx1"/>
+            </a:fontRef>
+          </p:style>
+          <p:txBody>
+            <a:bodyPr rtlCol="0" anchor="ctr"/>
+            <a:lstStyle/>
+            <a:p>
+              <a:pPr algn="ctr"/>
+              <a:endParaRPr lang="en-US">
+                <a:ln w="19050">
+                  <a:solidFill>
+                    <a:schemeClr val="tx1"/>
+                  </a:solidFill>
+                </a:ln>
+              </a:endParaRPr>
+            </a:p>
+          </p:txBody>
+        </p:sp>
+        <p:sp>
+          <p:nvSpPr>
+            <p:cNvPr id="80" name="Oval 79">
+              <a:extLst>
+                <a:ext uri="{FF2B5EF4-FFF2-40B4-BE49-F238E27FC236}">
+                  <a16:creationId xmlns:a16="http://schemas.microsoft.com/office/drawing/2014/main" id="{A6F5DD0C-97AD-74CC-FF3F-736EDB2A2DD0}"/>
+                </a:ext>
+              </a:extLst>
+            </p:cNvPr>
+            <p:cNvSpPr/>
+            <p:nvPr/>
+          </p:nvSpPr>
+          <p:spPr>
+            <a:xfrm>
+              <a:off x="5058773" y="5185216"/>
+              <a:ext cx="64008" cy="64008"/>
+            </a:xfrm>
+            <a:prstGeom prst="ellipse">
+              <a:avLst/>
+            </a:prstGeom>
+            <a:solidFill>
+              <a:schemeClr val="tx1"/>
+            </a:solidFill>
+            <a:ln>
+              <a:noFill/>
+            </a:ln>
+          </p:spPr>
+          <p:style>
+            <a:lnRef idx="2">
+              <a:schemeClr val="accent1">
+                <a:shade val="15000"/>
+              </a:schemeClr>
+            </a:lnRef>
+            <a:fillRef idx="1">
+              <a:schemeClr val="accent1"/>
+            </a:fillRef>
+            <a:effectRef idx="0">
+              <a:schemeClr val="accent1"/>
+            </a:effectRef>
+            <a:fontRef idx="minor">
+              <a:schemeClr val="lt1"/>
+            </a:fontRef>
+          </p:style>
+          <p:txBody>
+            <a:bodyPr rtlCol="0" anchor="ctr"/>
+            <a:lstStyle/>
+            <a:p>
+              <a:pPr algn="ctr"/>
+              <a:endParaRPr lang="en-US"/>
+            </a:p>
+          </p:txBody>
+        </p:sp>
+        <p:sp>
+          <p:nvSpPr>
+            <p:cNvPr id="81" name="Oval 80">
+              <a:extLst>
+                <a:ext uri="{FF2B5EF4-FFF2-40B4-BE49-F238E27FC236}">
+                  <a16:creationId xmlns:a16="http://schemas.microsoft.com/office/drawing/2014/main" id="{6BCD8254-7B3E-FBC5-3B26-25B9824838C5}"/>
+                </a:ext>
+              </a:extLst>
+            </p:cNvPr>
+            <p:cNvSpPr/>
+            <p:nvPr/>
+          </p:nvSpPr>
+          <p:spPr>
+            <a:xfrm>
+              <a:off x="4555772" y="5694174"/>
+              <a:ext cx="64008" cy="64008"/>
+            </a:xfrm>
+            <a:prstGeom prst="ellipse">
+              <a:avLst/>
+            </a:prstGeom>
+            <a:solidFill>
+              <a:schemeClr val="tx1"/>
+            </a:solidFill>
+            <a:ln>
+              <a:noFill/>
+            </a:ln>
+          </p:spPr>
+          <p:style>
+            <a:lnRef idx="2">
+              <a:schemeClr val="accent1">
+                <a:shade val="15000"/>
+              </a:schemeClr>
+            </a:lnRef>
+            <a:fillRef idx="1">
+              <a:schemeClr val="accent1"/>
+            </a:fillRef>
+            <a:effectRef idx="0">
+              <a:schemeClr val="accent1"/>
+            </a:effectRef>
+            <a:fontRef idx="minor">
+              <a:schemeClr val="lt1"/>
+            </a:fontRef>
+          </p:style>
+          <p:txBody>
+            <a:bodyPr rtlCol="0" anchor="ctr"/>
+            <a:lstStyle/>
+            <a:p>
+              <a:pPr algn="ctr"/>
+              <a:endParaRPr lang="en-US"/>
+            </a:p>
+          </p:txBody>
+        </p:sp>
+      </p:grpSp>
+      <p:grpSp>
+        <p:nvGrpSpPr>
+          <p:cNvPr id="86" name="Group 85">
+            <a:extLst>
+              <a:ext uri="{FF2B5EF4-FFF2-40B4-BE49-F238E27FC236}">
+                <a16:creationId xmlns:a16="http://schemas.microsoft.com/office/drawing/2014/main" id="{FFBD5AB7-58EA-20F1-1EC9-EDA88146D8CD}"/>
+              </a:ext>
+            </a:extLst>
+          </p:cNvPr>
+          <p:cNvGrpSpPr/>
+          <p:nvPr/>
+        </p:nvGrpSpPr>
+        <p:grpSpPr>
+          <a:xfrm>
+            <a:off x="4614228" y="4156787"/>
+            <a:ext cx="703570" cy="50738"/>
+            <a:chOff x="1105491" y="6656786"/>
+            <a:chExt cx="1306140" cy="104569"/>
+          </a:xfrm>
+        </p:grpSpPr>
+        <p:cxnSp>
+          <p:nvCxnSpPr>
+            <p:cNvPr id="87" name="Straight Connector 86">
+              <a:extLst>
+                <a:ext uri="{FF2B5EF4-FFF2-40B4-BE49-F238E27FC236}">
+                  <a16:creationId xmlns:a16="http://schemas.microsoft.com/office/drawing/2014/main" id="{813BEAA6-9E82-720F-4732-05B0CABEF2B8}"/>
+                </a:ext>
+              </a:extLst>
+            </p:cNvPr>
+            <p:cNvCxnSpPr>
+              <a:cxnSpLocks/>
+            </p:cNvCxnSpPr>
+            <p:nvPr/>
+          </p:nvCxnSpPr>
+          <p:spPr>
+            <a:xfrm flipV="1">
+              <a:off x="1106420" y="6711451"/>
+              <a:ext cx="1305211" cy="1"/>
+            </a:xfrm>
+            <a:prstGeom prst="line">
+              <a:avLst/>
+            </a:prstGeom>
+            <a:ln w="19050">
+              <a:solidFill>
+                <a:schemeClr val="tx1"/>
+              </a:solidFill>
+              <a:prstDash val="sysDot"/>
+            </a:ln>
+          </p:spPr>
+          <p:style>
+            <a:lnRef idx="1">
+              <a:schemeClr val="accent1"/>
+            </a:lnRef>
+            <a:fillRef idx="0">
+              <a:schemeClr val="accent1"/>
+            </a:fillRef>
+            <a:effectRef idx="0">
+              <a:schemeClr val="accent1"/>
+            </a:effectRef>
+            <a:fontRef idx="minor">
+              <a:schemeClr val="tx1"/>
+            </a:fontRef>
+          </p:style>
+        </p:cxnSp>
+        <p:cxnSp>
+          <p:nvCxnSpPr>
+            <p:cNvPr id="88" name="Straight Connector 87">
+              <a:extLst>
+                <a:ext uri="{FF2B5EF4-FFF2-40B4-BE49-F238E27FC236}">
+                  <a16:creationId xmlns:a16="http://schemas.microsoft.com/office/drawing/2014/main" id="{CB327378-7DDF-D683-1152-4471ECABD4B0}"/>
+                </a:ext>
+              </a:extLst>
+            </p:cNvPr>
+            <p:cNvCxnSpPr>
+              <a:cxnSpLocks/>
+            </p:cNvCxnSpPr>
+            <p:nvPr/>
+          </p:nvCxnSpPr>
+          <p:spPr>
+            <a:xfrm flipV="1">
+              <a:off x="1105491" y="6656786"/>
+              <a:ext cx="0" cy="104569"/>
+            </a:xfrm>
+            <a:prstGeom prst="line">
+              <a:avLst/>
+            </a:prstGeom>
+            <a:ln w="12700">
+              <a:solidFill>
+                <a:schemeClr val="tx1"/>
+              </a:solidFill>
+            </a:ln>
+          </p:spPr>
+          <p:style>
+            <a:lnRef idx="1">
+              <a:schemeClr val="accent1"/>
+            </a:lnRef>
+            <a:fillRef idx="0">
+              <a:schemeClr val="accent1"/>
+            </a:fillRef>
+            <a:effectRef idx="0">
+              <a:schemeClr val="accent1"/>
+            </a:effectRef>
+            <a:fontRef idx="minor">
+              <a:schemeClr val="tx1"/>
+            </a:fontRef>
+          </p:style>
+        </p:cxnSp>
+        <p:cxnSp>
+          <p:nvCxnSpPr>
+            <p:cNvPr id="89" name="Straight Connector 88">
+              <a:extLst>
+                <a:ext uri="{FF2B5EF4-FFF2-40B4-BE49-F238E27FC236}">
+                  <a16:creationId xmlns:a16="http://schemas.microsoft.com/office/drawing/2014/main" id="{07154CC1-218A-794C-AB61-6DF4A7E88A08}"/>
+                </a:ext>
+              </a:extLst>
+            </p:cNvPr>
+            <p:cNvCxnSpPr>
+              <a:cxnSpLocks/>
+            </p:cNvCxnSpPr>
+            <p:nvPr/>
+          </p:nvCxnSpPr>
+          <p:spPr>
+            <a:xfrm flipV="1">
+              <a:off x="2411597" y="6656786"/>
+              <a:ext cx="0" cy="104569"/>
+            </a:xfrm>
+            <a:prstGeom prst="line">
+              <a:avLst/>
+            </a:prstGeom>
+            <a:ln w="12700">
+              <a:solidFill>
+                <a:schemeClr val="tx1"/>
+              </a:solidFill>
+            </a:ln>
+          </p:spPr>
+          <p:style>
+            <a:lnRef idx="1">
+              <a:schemeClr val="accent1"/>
+            </a:lnRef>
+            <a:fillRef idx="0">
+              <a:schemeClr val="accent1"/>
+            </a:fillRef>
+            <a:effectRef idx="0">
+              <a:schemeClr val="accent1"/>
+            </a:effectRef>
+            <a:fontRef idx="minor">
+              <a:schemeClr val="tx1"/>
+            </a:fontRef>
+          </p:style>
+        </p:cxnSp>
+      </p:grpSp>
+      <mc:AlternateContent xmlns:mc="http://schemas.openxmlformats.org/markup-compatibility/2006">
+        <mc:Choice xmlns:a14="http://schemas.microsoft.com/office/drawing/2010/main" Requires="a14">
+          <p:sp>
+            <p:nvSpPr>
+              <p:cNvPr id="97" name="TextBox 96">
                 <a:extLst>
                   <a:ext uri="{FF2B5EF4-FFF2-40B4-BE49-F238E27FC236}">
-                    <a16:creationId xmlns:a16="http://schemas.microsoft.com/office/drawing/2014/main" id="{CB327378-7DDF-D683-1152-4471ECABD4B0}"/>
+                    <a16:creationId xmlns:a16="http://schemas.microsoft.com/office/drawing/2014/main" id="{81D65639-01CA-EDAE-3B2C-0AFC43F1019D}"/>
                   </a:ext>
                 </a:extLst>
               </p:cNvPr>
-              <p:cNvCxnSpPr>
-                <a:cxnSpLocks/>
-              </p:cNvCxnSpPr>
+              <p:cNvSpPr txBox="1"/>
               <p:nvPr/>
-            </p:nvCxnSpPr>
+            </p:nvSpPr>
             <p:spPr>
-              <a:xfrm flipV="1">
-                <a:off x="1105491" y="6656786"/>
-                <a:ext cx="0" cy="104569"/>
+              <a:xfrm rot="16200000">
+                <a:off x="3523834" y="6235826"/>
+                <a:ext cx="375936" cy="169277"/>
               </a:xfrm>
-              <a:prstGeom prst="line">
+              <a:prstGeom prst="rect">
                 <a:avLst/>
               </a:prstGeom>
-              <a:ln w="12700">
+              <a:noFill/>
+            </p:spPr>
+            <p:txBody>
+              <a:bodyPr wrap="none" lIns="0" tIns="0" rIns="0" bIns="0" rtlCol="0">
+                <a:spAutoFit/>
+              </a:bodyPr>
+              <a:lstStyle/>
+              <a:p>
+                <a:pPr/>
+                <a14:m>
+                  <m:oMathPara xmlns:m="http://schemas.openxmlformats.org/officeDocument/2006/math">
+                    <m:oMathParaPr>
+                      <m:jc m:val="centerGroup"/>
+                    </m:oMathParaPr>
+                    <m:oMath xmlns:m="http://schemas.openxmlformats.org/officeDocument/2006/math">
+                      <m:sSub>
+                        <m:sSubPr>
+                          <m:ctrlPr>
+                            <a:rPr lang="en-US" sz="1100" b="0" i="1" smtClean="0">
+                              <a:latin typeface="Cambria Math" panose="02040503050406030204" pitchFamily="18" charset="0"/>
+                            </a:rPr>
+                          </m:ctrlPr>
+                        </m:sSubPr>
+                        <m:e>
+                          <m:r>
+                            <a:rPr lang="en-US" sz="1100" b="0" i="1" smtClean="0">
+                              <a:latin typeface="Cambria Math" panose="02040503050406030204" pitchFamily="18" charset="0"/>
+                            </a:rPr>
+                            <m:t>𝑊</m:t>
+                          </m:r>
+                        </m:e>
+                        <m:sub>
+                          <m:r>
+                            <a:rPr lang="en-US" sz="1100" b="0" i="1" smtClean="0">
+                              <a:latin typeface="Cambria Math" panose="02040503050406030204" pitchFamily="18" charset="0"/>
+                            </a:rPr>
+                            <m:t>0</m:t>
+                          </m:r>
+                        </m:sub>
+                      </m:sSub>
+                      <m:r>
+                        <a:rPr lang="en-US" sz="1100" b="0" i="1" smtClean="0">
+                          <a:latin typeface="Cambria Math" panose="02040503050406030204" pitchFamily="18" charset="0"/>
+                        </a:rPr>
+                        <m:t>/</m:t>
+                      </m:r>
+                      <m:r>
+                        <a:rPr lang="en-US" sz="1100" b="0" i="1" smtClean="0">
+                          <a:latin typeface="Cambria Math" panose="02040503050406030204" pitchFamily="18" charset="0"/>
+                        </a:rPr>
+                        <m:t>𝑅</m:t>
+                      </m:r>
+                    </m:oMath>
+                  </m:oMathPara>
+                </a14:m>
+                <a:endParaRPr lang="en-US" sz="1100" i="1" dirty="0"/>
+              </a:p>
+            </p:txBody>
+          </p:sp>
+        </mc:Choice>
+        <mc:Fallback>
+          <p:sp>
+            <p:nvSpPr>
+              <p:cNvPr id="97" name="TextBox 96">
+                <a:extLst>
+                  <a:ext uri="{FF2B5EF4-FFF2-40B4-BE49-F238E27FC236}">
+                    <a16:creationId xmlns:a16="http://schemas.microsoft.com/office/drawing/2014/main" id="{81D65639-01CA-EDAE-3B2C-0AFC43F1019D}"/>
+                  </a:ext>
+                </a:extLst>
+              </p:cNvPr>
+              <p:cNvSpPr txBox="1">
+                <a:spLocks noRot="1" noChangeAspect="1" noMove="1" noResize="1" noEditPoints="1" noAdjustHandles="1" noChangeArrowheads="1" noChangeShapeType="1" noTextEdit="1"/>
+              </p:cNvSpPr>
+              <p:nvPr/>
+            </p:nvSpPr>
+            <p:spPr>
+              <a:xfrm rot="16200000">
+                <a:off x="3523834" y="6235826"/>
+                <a:ext cx="375936" cy="169277"/>
+              </a:xfrm>
+              <a:prstGeom prst="rect">
+                <a:avLst/>
+              </a:prstGeom>
+              <a:blipFill>
+                <a:blip r:embed="rId10"/>
+                <a:stretch>
+                  <a:fillRect t="-8065" r="-35714" b="-8065"/>
+                </a:stretch>
+              </a:blipFill>
+            </p:spPr>
+            <p:txBody>
+              <a:bodyPr/>
+              <a:lstStyle/>
+              <a:p>
+                <a:r>
+                  <a:rPr lang="en-US">
+                    <a:noFill/>
+                  </a:rPr>
+                  <a:t> </a:t>
+                </a:r>
+              </a:p>
+            </p:txBody>
+          </p:sp>
+        </mc:Fallback>
+      </mc:AlternateContent>
+      <p:sp>
+        <p:nvSpPr>
+          <p:cNvPr id="99" name="TextBox 98">
+            <a:extLst>
+              <a:ext uri="{FF2B5EF4-FFF2-40B4-BE49-F238E27FC236}">
+                <a16:creationId xmlns:a16="http://schemas.microsoft.com/office/drawing/2014/main" id="{8E69B4A3-BE33-344A-FAE7-214981507706}"/>
+              </a:ext>
+            </a:extLst>
+          </p:cNvPr>
+          <p:cNvSpPr txBox="1"/>
+          <p:nvPr/>
+        </p:nvSpPr>
+        <p:spPr>
+          <a:xfrm>
+            <a:off x="4567563" y="7369950"/>
+            <a:ext cx="922047" cy="261610"/>
+          </a:xfrm>
+          <a:prstGeom prst="rect">
+            <a:avLst/>
+          </a:prstGeom>
+          <a:noFill/>
+        </p:spPr>
+        <p:txBody>
+          <a:bodyPr wrap="none" rtlCol="0">
+            <a:spAutoFit/>
+          </a:bodyPr>
+          <a:lstStyle/>
+          <a:p>
+            <a:r>
+              <a:rPr lang="en-US" sz="1100" dirty="0">
+                <a:latin typeface="Times New Roman" panose="02020603050405020304" pitchFamily="18" charset="0"/>
+                <a:cs typeface="Times New Roman" panose="02020603050405020304" pitchFamily="18" charset="0"/>
+              </a:rPr>
+              <a:t>Fractal depth</a:t>
+            </a:r>
+          </a:p>
+        </p:txBody>
+      </p:sp>
+      <p:sp>
+        <p:nvSpPr>
+          <p:cNvPr id="11" name="Arc 10">
+            <a:extLst>
+              <a:ext uri="{FF2B5EF4-FFF2-40B4-BE49-F238E27FC236}">
+                <a16:creationId xmlns:a16="http://schemas.microsoft.com/office/drawing/2014/main" id="{252415FD-7017-CD29-26F6-4DCF35E3DF6D}"/>
+              </a:ext>
+            </a:extLst>
+          </p:cNvPr>
+          <p:cNvSpPr/>
+          <p:nvPr/>
+        </p:nvSpPr>
+        <p:spPr>
+          <a:xfrm rot="18869482">
+            <a:off x="5517481" y="4231532"/>
+            <a:ext cx="822960" cy="822960"/>
+          </a:xfrm>
+          <a:prstGeom prst="arc">
+            <a:avLst>
+              <a:gd name="adj1" fmla="val 15426138"/>
+              <a:gd name="adj2" fmla="val 823597"/>
+            </a:avLst>
+          </a:prstGeom>
+          <a:ln w="19050">
+            <a:solidFill>
+              <a:schemeClr val="tx1"/>
+            </a:solidFill>
+          </a:ln>
+        </p:spPr>
+        <p:style>
+          <a:lnRef idx="1">
+            <a:schemeClr val="accent1"/>
+          </a:lnRef>
+          <a:fillRef idx="0">
+            <a:schemeClr val="accent1"/>
+          </a:fillRef>
+          <a:effectRef idx="0">
+            <a:schemeClr val="accent1"/>
+          </a:effectRef>
+          <a:fontRef idx="minor">
+            <a:schemeClr val="tx1"/>
+          </a:fontRef>
+        </p:style>
+        <p:txBody>
+          <a:bodyPr rtlCol="0" anchor="ctr"/>
+          <a:lstStyle/>
+          <a:p>
+            <a:pPr algn="ctr"/>
+            <a:endParaRPr lang="en-US" dirty="0">
+              <a:ln w="19050">
                 <a:solidFill>
                   <a:schemeClr val="tx1"/>
                 </a:solidFill>
               </a:ln>
-            </p:spPr>
-            <p:style>
-              <a:lnRef idx="1">
-                <a:schemeClr val="accent1"/>
-              </a:lnRef>
-              <a:fillRef idx="0">
-                <a:schemeClr val="accent1"/>
-              </a:fillRef>
-              <a:effectRef idx="0">
-                <a:schemeClr val="accent1"/>
-              </a:effectRef>
-              <a:fontRef idx="minor">
-                <a:schemeClr val="tx1"/>
-              </a:fontRef>
-            </p:style>
-          </p:cxnSp>
-          <p:cxnSp>
-            <p:nvCxnSpPr>
-              <p:cNvPr id="89" name="Straight Connector 88">
-                <a:extLst>
-                  <a:ext uri="{FF2B5EF4-FFF2-40B4-BE49-F238E27FC236}">
-                    <a16:creationId xmlns:a16="http://schemas.microsoft.com/office/drawing/2014/main" id="{07154CC1-218A-794C-AB61-6DF4A7E88A08}"/>
-                  </a:ext>
-                </a:extLst>
-              </p:cNvPr>
-              <p:cNvCxnSpPr>
-                <a:cxnSpLocks/>
-              </p:cNvCxnSpPr>
-              <p:nvPr/>
-            </p:nvCxnSpPr>
-            <p:spPr>
-              <a:xfrm flipV="1">
-                <a:off x="2411597" y="6656786"/>
-                <a:ext cx="0" cy="104569"/>
-              </a:xfrm>
-              <a:prstGeom prst="line">
-                <a:avLst/>
-              </a:prstGeom>
-              <a:ln w="12700">
-                <a:solidFill>
-                  <a:schemeClr val="tx1"/>
-                </a:solidFill>
-              </a:ln>
-            </p:spPr>
-            <p:style>
-              <a:lnRef idx="1">
-                <a:schemeClr val="accent1"/>
-              </a:lnRef>
-              <a:fillRef idx="0">
-                <a:schemeClr val="accent1"/>
-              </a:fillRef>
-              <a:effectRef idx="0">
-                <a:schemeClr val="accent1"/>
-              </a:effectRef>
-              <a:fontRef idx="minor">
-                <a:schemeClr val="tx1"/>
-              </a:fontRef>
-            </p:style>
-          </p:cxnSp>
-        </p:grpSp>
-        <p:pic>
-          <p:nvPicPr>
-            <p:cNvPr id="96" name="Picture 95" descr="A graph with a dotted line&#10;&#10;Description automatically generated">
-              <a:extLst>
-                <a:ext uri="{FF2B5EF4-FFF2-40B4-BE49-F238E27FC236}">
-                  <a16:creationId xmlns:a16="http://schemas.microsoft.com/office/drawing/2014/main" id="{CC835F1B-D051-063C-1695-EC686DC88293}"/>
-                </a:ext>
-              </a:extLst>
-            </p:cNvPr>
-            <p:cNvPicPr>
-              <a:picLocks noChangeAspect="1"/>
-            </p:cNvPicPr>
-            <p:nvPr/>
-          </p:nvPicPr>
-          <p:blipFill>
-            <a:blip r:embed="rId10">
-              <a:extLst>
-                <a:ext uri="{28A0092B-C50C-407E-A947-70E740481C1C}">
-                  <a14:useLocalDpi xmlns:a14="http://schemas.microsoft.com/office/drawing/2010/main" val="0"/>
-                </a:ext>
-              </a:extLst>
-            </a:blip>
-            <a:stretch>
-              <a:fillRect/>
-            </a:stretch>
-          </p:blipFill>
-          <p:spPr>
-            <a:xfrm>
-              <a:off x="1530854" y="6661500"/>
-              <a:ext cx="4443993" cy="1725172"/>
-            </a:xfrm>
-            <a:prstGeom prst="rect">
-              <a:avLst/>
-            </a:prstGeom>
-          </p:spPr>
-        </p:pic>
-        <mc:AlternateContent xmlns:mc="http://schemas.openxmlformats.org/markup-compatibility/2006">
-          <mc:Choice xmlns:a14="http://schemas.microsoft.com/office/drawing/2010/main" Requires="a14">
-            <p:sp>
-              <p:nvSpPr>
-                <p:cNvPr id="97" name="TextBox 96">
-                  <a:extLst>
-                    <a:ext uri="{FF2B5EF4-FFF2-40B4-BE49-F238E27FC236}">
-                      <a16:creationId xmlns:a16="http://schemas.microsoft.com/office/drawing/2014/main" id="{81D65639-01CA-EDAE-3B2C-0AFC43F1019D}"/>
-                    </a:ext>
-                  </a:extLst>
-                </p:cNvPr>
-                <p:cNvSpPr txBox="1"/>
-                <p:nvPr/>
-              </p:nvSpPr>
-              <p:spPr>
-                <a:xfrm rot="16200000">
-                  <a:off x="1189021" y="7269505"/>
-                  <a:ext cx="232820" cy="344518"/>
-                </a:xfrm>
-                <a:prstGeom prst="rect">
-                  <a:avLst/>
-                </a:prstGeom>
-                <a:noFill/>
-              </p:spPr>
-              <p:txBody>
-                <a:bodyPr wrap="none" lIns="0" tIns="0" rIns="0" bIns="0" rtlCol="0">
-                  <a:spAutoFit/>
-                </a:bodyPr>
-                <a:lstStyle/>
-                <a:p>
-                  <a:pPr/>
-                  <a14:m>
-                    <m:oMathPara xmlns:m="http://schemas.openxmlformats.org/officeDocument/2006/math">
-                      <m:oMathParaPr>
-                        <m:jc m:val="centerGroup"/>
-                      </m:oMathParaPr>
-                      <m:oMath xmlns:m="http://schemas.openxmlformats.org/officeDocument/2006/math">
-                        <m:f>
-                          <m:fPr>
-                            <m:ctrlPr>
-                              <a:rPr lang="en-US" sz="1200" i="1" smtClean="0">
-                                <a:latin typeface="Cambria Math" panose="02040503050406030204" pitchFamily="18" charset="0"/>
-                              </a:rPr>
-                            </m:ctrlPr>
-                          </m:fPr>
-                          <m:num>
-                            <m:sSub>
-                              <m:sSubPr>
-                                <m:ctrlPr>
-                                  <a:rPr lang="en-US" sz="1200" b="0" i="1" smtClean="0">
-                                    <a:latin typeface="Cambria Math" panose="02040503050406030204" pitchFamily="18" charset="0"/>
-                                  </a:rPr>
-                                </m:ctrlPr>
-                              </m:sSubPr>
-                              <m:e>
-                                <m:r>
-                                  <a:rPr lang="en-US" sz="1200" b="0" i="1" smtClean="0">
-                                    <a:latin typeface="Cambria Math" panose="02040503050406030204" pitchFamily="18" charset="0"/>
-                                  </a:rPr>
-                                  <m:t>𝑊</m:t>
-                                </m:r>
-                              </m:e>
-                              <m:sub>
-                                <m:r>
-                                  <a:rPr lang="en-US" sz="1200" b="0" i="1" smtClean="0">
-                                    <a:latin typeface="Cambria Math" panose="02040503050406030204" pitchFamily="18" charset="0"/>
-                                  </a:rPr>
-                                  <m:t>0</m:t>
-                                </m:r>
-                              </m:sub>
-                            </m:sSub>
-                          </m:num>
-                          <m:den>
-                            <m:r>
-                              <a:rPr lang="en-US" sz="1200" b="0" i="1" smtClean="0">
-                                <a:latin typeface="Cambria Math" panose="02040503050406030204" pitchFamily="18" charset="0"/>
-                              </a:rPr>
-                              <m:t>𝑅</m:t>
-                            </m:r>
-                          </m:den>
-                        </m:f>
-                      </m:oMath>
-                    </m:oMathPara>
-                  </a14:m>
-                  <a:endParaRPr lang="en-US" sz="1200" i="1" dirty="0"/>
-                </a:p>
-              </p:txBody>
-            </p:sp>
-          </mc:Choice>
-          <mc:Fallback>
-            <p:sp>
-              <p:nvSpPr>
-                <p:cNvPr id="97" name="TextBox 96">
-                  <a:extLst>
-                    <a:ext uri="{FF2B5EF4-FFF2-40B4-BE49-F238E27FC236}">
-                      <a16:creationId xmlns:a16="http://schemas.microsoft.com/office/drawing/2014/main" id="{81D65639-01CA-EDAE-3B2C-0AFC43F1019D}"/>
-                    </a:ext>
-                  </a:extLst>
-                </p:cNvPr>
-                <p:cNvSpPr txBox="1">
-                  <a:spLocks noRot="1" noChangeAspect="1" noMove="1" noResize="1" noEditPoints="1" noAdjustHandles="1" noChangeArrowheads="1" noChangeShapeType="1" noTextEdit="1"/>
-                </p:cNvSpPr>
-                <p:nvPr/>
-              </p:nvSpPr>
-              <p:spPr>
-                <a:xfrm rot="16200000">
-                  <a:off x="1189021" y="7269505"/>
-                  <a:ext cx="232820" cy="344518"/>
-                </a:xfrm>
-                <a:prstGeom prst="rect">
-                  <a:avLst/>
-                </a:prstGeom>
-                <a:blipFill>
-                  <a:blip r:embed="rId11"/>
-                  <a:stretch>
-                    <a:fillRect l="-1754" t="-2564" r="-14035" b="-15385"/>
-                  </a:stretch>
-                </a:blipFill>
-              </p:spPr>
-              <p:txBody>
-                <a:bodyPr/>
-                <a:lstStyle/>
-                <a:p>
-                  <a:r>
-                    <a:rPr lang="en-US">
-                      <a:noFill/>
-                    </a:rPr>
-                    <a:t> </a:t>
-                  </a:r>
-                </a:p>
-              </p:txBody>
-            </p:sp>
-          </mc:Fallback>
-        </mc:AlternateContent>
-        <p:sp>
-          <p:nvSpPr>
-            <p:cNvPr id="99" name="TextBox 98">
-              <a:extLst>
-                <a:ext uri="{FF2B5EF4-FFF2-40B4-BE49-F238E27FC236}">
-                  <a16:creationId xmlns:a16="http://schemas.microsoft.com/office/drawing/2014/main" id="{8E69B4A3-BE33-344A-FAE7-214981507706}"/>
-                </a:ext>
-              </a:extLst>
-            </p:cNvPr>
-            <p:cNvSpPr txBox="1"/>
-            <p:nvPr/>
-          </p:nvSpPr>
-          <p:spPr>
-            <a:xfrm>
-              <a:off x="3101475" y="8386672"/>
-              <a:ext cx="1441420" cy="307777"/>
-            </a:xfrm>
-            <a:prstGeom prst="rect">
-              <a:avLst/>
-            </a:prstGeom>
+            </a:endParaRPr>
+          </a:p>
+        </p:txBody>
+      </p:sp>
+      <p:sp>
+        <p:nvSpPr>
+          <p:cNvPr id="14" name="Oval 13">
+            <a:extLst>
+              <a:ext uri="{FF2B5EF4-FFF2-40B4-BE49-F238E27FC236}">
+                <a16:creationId xmlns:a16="http://schemas.microsoft.com/office/drawing/2014/main" id="{3A3A46D8-2CAF-EB04-A4B3-6E65BDCFB9A2}"/>
+              </a:ext>
+            </a:extLst>
+          </p:cNvPr>
+          <p:cNvSpPr/>
+          <p:nvPr/>
+        </p:nvSpPr>
+        <p:spPr>
+          <a:xfrm>
+            <a:off x="4589147" y="4418479"/>
+            <a:ext cx="54864" cy="54864"/>
+          </a:xfrm>
+          <a:prstGeom prst="ellipse">
+            <a:avLst/>
+          </a:prstGeom>
+          <a:solidFill>
+            <a:schemeClr val="tx1"/>
+          </a:solidFill>
+          <a:ln>
             <a:noFill/>
-          </p:spPr>
-          <p:txBody>
-            <a:bodyPr wrap="none" rtlCol="0">
-              <a:spAutoFit/>
-            </a:bodyPr>
-            <a:lstStyle/>
-            <a:p>
-              <a:r>
-                <a:rPr lang="en-US" sz="1400" dirty="0">
-                  <a:latin typeface="Times New Roman" panose="02020603050405020304" pitchFamily="18" charset="0"/>
-                  <a:cs typeface="Times New Roman" panose="02020603050405020304" pitchFamily="18" charset="0"/>
-                </a:rPr>
-                <a:t>Number of layers</a:t>
-              </a:r>
-            </a:p>
-          </p:txBody>
-        </p:sp>
-      </p:grpSp>
+          </a:ln>
+        </p:spPr>
+        <p:style>
+          <a:lnRef idx="2">
+            <a:schemeClr val="accent1">
+              <a:shade val="15000"/>
+            </a:schemeClr>
+          </a:lnRef>
+          <a:fillRef idx="1">
+            <a:schemeClr val="accent1"/>
+          </a:fillRef>
+          <a:effectRef idx="0">
+            <a:schemeClr val="accent1"/>
+          </a:effectRef>
+          <a:fontRef idx="minor">
+            <a:schemeClr val="lt1"/>
+          </a:fontRef>
+        </p:style>
+        <p:txBody>
+          <a:bodyPr rtlCol="0" anchor="ctr"/>
+          <a:lstStyle/>
+          <a:p>
+            <a:pPr algn="ctr"/>
+            <a:endParaRPr lang="en-US"/>
+          </a:p>
+        </p:txBody>
+      </p:sp>
+      <p:sp>
+        <p:nvSpPr>
+          <p:cNvPr id="17" name="TextBox 16">
+            <a:extLst>
+              <a:ext uri="{FF2B5EF4-FFF2-40B4-BE49-F238E27FC236}">
+                <a16:creationId xmlns:a16="http://schemas.microsoft.com/office/drawing/2014/main" id="{DC823164-0AE8-AAAD-1BAE-1D36805D99D0}"/>
+              </a:ext>
+            </a:extLst>
+          </p:cNvPr>
+          <p:cNvSpPr txBox="1"/>
+          <p:nvPr/>
+        </p:nvSpPr>
+        <p:spPr>
+          <a:xfrm>
+            <a:off x="3849404" y="5024884"/>
+            <a:ext cx="413896" cy="246221"/>
+          </a:xfrm>
+          <a:prstGeom prst="rect">
+            <a:avLst/>
+          </a:prstGeom>
+          <a:noFill/>
+        </p:spPr>
+        <p:txBody>
+          <a:bodyPr wrap="none" rtlCol="0">
+            <a:spAutoFit/>
+          </a:bodyPr>
+          <a:lstStyle/>
+          <a:p>
+            <a:r>
+              <a:rPr lang="en-US" sz="1000" dirty="0">
+                <a:latin typeface="Times New Roman" panose="02020603050405020304" pitchFamily="18" charset="0"/>
+                <a:cs typeface="Times New Roman" panose="02020603050405020304" pitchFamily="18" charset="0"/>
+              </a:rPr>
+              <a:t>N=0</a:t>
+            </a:r>
+          </a:p>
+        </p:txBody>
+      </p:sp>
+      <p:sp>
+        <p:nvSpPr>
+          <p:cNvPr id="19" name="TextBox 18">
+            <a:extLst>
+              <a:ext uri="{FF2B5EF4-FFF2-40B4-BE49-F238E27FC236}">
+                <a16:creationId xmlns:a16="http://schemas.microsoft.com/office/drawing/2014/main" id="{141D5B18-68C8-462E-1BDD-0B31B2063A29}"/>
+              </a:ext>
+            </a:extLst>
+          </p:cNvPr>
+          <p:cNvSpPr txBox="1"/>
+          <p:nvPr/>
+        </p:nvSpPr>
+        <p:spPr>
+          <a:xfrm>
+            <a:off x="4794722" y="5023631"/>
+            <a:ext cx="413896" cy="246221"/>
+          </a:xfrm>
+          <a:prstGeom prst="rect">
+            <a:avLst/>
+          </a:prstGeom>
+          <a:noFill/>
+        </p:spPr>
+        <p:txBody>
+          <a:bodyPr wrap="none" rtlCol="0">
+            <a:spAutoFit/>
+          </a:bodyPr>
+          <a:lstStyle/>
+          <a:p>
+            <a:r>
+              <a:rPr lang="en-US" sz="1000" dirty="0">
+                <a:latin typeface="Times New Roman" panose="02020603050405020304" pitchFamily="18" charset="0"/>
+                <a:cs typeface="Times New Roman" panose="02020603050405020304" pitchFamily="18" charset="0"/>
+              </a:rPr>
+              <a:t>N=1</a:t>
+            </a:r>
+          </a:p>
+        </p:txBody>
+      </p:sp>
+      <p:sp>
+        <p:nvSpPr>
+          <p:cNvPr id="20" name="TextBox 19">
+            <a:extLst>
+              <a:ext uri="{FF2B5EF4-FFF2-40B4-BE49-F238E27FC236}">
+                <a16:creationId xmlns:a16="http://schemas.microsoft.com/office/drawing/2014/main" id="{14EC1530-AE37-76C7-291D-E386C786AEA0}"/>
+              </a:ext>
+            </a:extLst>
+          </p:cNvPr>
+          <p:cNvSpPr txBox="1"/>
+          <p:nvPr/>
+        </p:nvSpPr>
+        <p:spPr>
+          <a:xfrm>
+            <a:off x="5728494" y="5023631"/>
+            <a:ext cx="413896" cy="246221"/>
+          </a:xfrm>
+          <a:prstGeom prst="rect">
+            <a:avLst/>
+          </a:prstGeom>
+          <a:noFill/>
+        </p:spPr>
+        <p:txBody>
+          <a:bodyPr wrap="none" rtlCol="0">
+            <a:spAutoFit/>
+          </a:bodyPr>
+          <a:lstStyle/>
+          <a:p>
+            <a:r>
+              <a:rPr lang="en-US" sz="1000" dirty="0">
+                <a:latin typeface="Times New Roman" panose="02020603050405020304" pitchFamily="18" charset="0"/>
+                <a:cs typeface="Times New Roman" panose="02020603050405020304" pitchFamily="18" charset="0"/>
+              </a:rPr>
+              <a:t>N=2</a:t>
+            </a:r>
+          </a:p>
+        </p:txBody>
+      </p:sp>
+      <p:pic>
+        <p:nvPicPr>
+          <p:cNvPr id="25" name="Picture 24" descr="A graph with a dotted line&#10;&#10;Description automatically generated">
+            <a:extLst>
+              <a:ext uri="{FF2B5EF4-FFF2-40B4-BE49-F238E27FC236}">
+                <a16:creationId xmlns:a16="http://schemas.microsoft.com/office/drawing/2014/main" id="{CA3CC054-33E1-F4BC-A0AA-54D8C42019F1}"/>
+              </a:ext>
+            </a:extLst>
+          </p:cNvPr>
+          <p:cNvPicPr>
+            <a:picLocks noChangeAspect="1"/>
+          </p:cNvPicPr>
+          <p:nvPr/>
+        </p:nvPicPr>
+        <p:blipFill>
+          <a:blip r:embed="rId11">
+            <a:extLst>
+              <a:ext uri="{28A0092B-C50C-407E-A947-70E740481C1C}">
+                <a14:useLocalDpi xmlns:a14="http://schemas.microsoft.com/office/drawing/2010/main" val="0"/>
+              </a:ext>
+            </a:extLst>
+          </a:blip>
+          <a:stretch>
+            <a:fillRect/>
+          </a:stretch>
+        </p:blipFill>
+        <p:spPr>
+          <a:xfrm>
+            <a:off x="3808898" y="5461467"/>
+            <a:ext cx="2286000" cy="1967975"/>
+          </a:xfrm>
+          <a:prstGeom prst="rect">
+            <a:avLst/>
+          </a:prstGeom>
+        </p:spPr>
+      </p:pic>
+      <p:sp>
+        <p:nvSpPr>
+          <p:cNvPr id="26" name="Oval 25">
+            <a:extLst>
+              <a:ext uri="{FF2B5EF4-FFF2-40B4-BE49-F238E27FC236}">
+                <a16:creationId xmlns:a16="http://schemas.microsoft.com/office/drawing/2014/main" id="{57E7F0F8-E0D3-935E-D2BE-B92013B95132}"/>
+              </a:ext>
+            </a:extLst>
+          </p:cNvPr>
+          <p:cNvSpPr/>
+          <p:nvPr/>
+        </p:nvSpPr>
+        <p:spPr>
+          <a:xfrm>
+            <a:off x="5550574" y="4397610"/>
+            <a:ext cx="54864" cy="54864"/>
+          </a:xfrm>
+          <a:prstGeom prst="ellipse">
+            <a:avLst/>
+          </a:prstGeom>
+          <a:solidFill>
+            <a:schemeClr val="tx1"/>
+          </a:solidFill>
+          <a:ln>
+            <a:noFill/>
+          </a:ln>
+        </p:spPr>
+        <p:style>
+          <a:lnRef idx="2">
+            <a:schemeClr val="accent1">
+              <a:shade val="15000"/>
+            </a:schemeClr>
+          </a:lnRef>
+          <a:fillRef idx="1">
+            <a:schemeClr val="accent1"/>
+          </a:fillRef>
+          <a:effectRef idx="0">
+            <a:schemeClr val="accent1"/>
+          </a:effectRef>
+          <a:fontRef idx="minor">
+            <a:schemeClr val="lt1"/>
+          </a:fontRef>
+        </p:style>
+        <p:txBody>
+          <a:bodyPr rtlCol="0" anchor="ctr"/>
+          <a:lstStyle/>
+          <a:p>
+            <a:pPr algn="ctr"/>
+            <a:endParaRPr lang="en-US"/>
+          </a:p>
+        </p:txBody>
+      </p:sp>
+      <p:sp>
+        <p:nvSpPr>
+          <p:cNvPr id="27" name="Oval 26">
+            <a:extLst>
+              <a:ext uri="{FF2B5EF4-FFF2-40B4-BE49-F238E27FC236}">
+                <a16:creationId xmlns:a16="http://schemas.microsoft.com/office/drawing/2014/main" id="{4D991299-7CE8-46BB-B5AB-59C32ABBD524}"/>
+              </a:ext>
+            </a:extLst>
+          </p:cNvPr>
+          <p:cNvSpPr/>
+          <p:nvPr/>
+        </p:nvSpPr>
+        <p:spPr>
+          <a:xfrm>
+            <a:off x="6250279" y="4389082"/>
+            <a:ext cx="54864" cy="54864"/>
+          </a:xfrm>
+          <a:prstGeom prst="ellipse">
+            <a:avLst/>
+          </a:prstGeom>
+          <a:solidFill>
+            <a:schemeClr val="tx1"/>
+          </a:solidFill>
+          <a:ln>
+            <a:noFill/>
+          </a:ln>
+        </p:spPr>
+        <p:style>
+          <a:lnRef idx="2">
+            <a:schemeClr val="accent1">
+              <a:shade val="15000"/>
+            </a:schemeClr>
+          </a:lnRef>
+          <a:fillRef idx="1">
+            <a:schemeClr val="accent1"/>
+          </a:fillRef>
+          <a:effectRef idx="0">
+            <a:schemeClr val="accent1"/>
+          </a:effectRef>
+          <a:fontRef idx="minor">
+            <a:schemeClr val="lt1"/>
+          </a:fontRef>
+        </p:style>
+        <p:txBody>
+          <a:bodyPr rtlCol="0" anchor="ctr"/>
+          <a:lstStyle/>
+          <a:p>
+            <a:pPr algn="ctr"/>
+            <a:endParaRPr lang="en-US"/>
+          </a:p>
+        </p:txBody>
+      </p:sp>
+      <p:sp>
+        <p:nvSpPr>
+          <p:cNvPr id="37" name="TextBox 36">
+            <a:extLst>
+              <a:ext uri="{FF2B5EF4-FFF2-40B4-BE49-F238E27FC236}">
+                <a16:creationId xmlns:a16="http://schemas.microsoft.com/office/drawing/2014/main" id="{274AEF46-F37E-6BCE-979E-3B84F3380C5B}"/>
+              </a:ext>
+            </a:extLst>
+          </p:cNvPr>
+          <p:cNvSpPr txBox="1"/>
+          <p:nvPr/>
+        </p:nvSpPr>
+        <p:spPr>
+          <a:xfrm>
+            <a:off x="3741012" y="5220124"/>
+            <a:ext cx="2552302" cy="261610"/>
+          </a:xfrm>
+          <a:prstGeom prst="rect">
+            <a:avLst/>
+          </a:prstGeom>
+          <a:noFill/>
+        </p:spPr>
+        <p:txBody>
+          <a:bodyPr wrap="none" rtlCol="0">
+            <a:spAutoFit/>
+          </a:bodyPr>
+          <a:lstStyle/>
+          <a:p>
+            <a:r>
+              <a:rPr lang="en-US" sz="1100" dirty="0">
+                <a:latin typeface="Times New Roman" panose="02020603050405020304" pitchFamily="18" charset="0"/>
+                <a:cs typeface="Times New Roman" panose="02020603050405020304" pitchFamily="18" charset="0"/>
+              </a:rPr>
+              <a:t>Minimum grasp curvature vs fractal depth</a:t>
+            </a:r>
+          </a:p>
+        </p:txBody>
+      </p:sp>
     </p:spTree>
     <p:extLst>
       <p:ext uri="{BB962C8B-B14F-4D97-AF65-F5344CB8AC3E}">

--- a/figures/figures-drafts.pptx
+++ b/figures/figures-drafts.pptx
@@ -6,6 +6,9 @@
   </p:sldMasterIdLst>
   <p:sldIdLst>
     <p:sldId id="259" r:id="rId2"/>
+    <p:sldId id="261" r:id="rId3"/>
+    <p:sldId id="262" r:id="rId4"/>
+    <p:sldId id="260" r:id="rId5"/>
   </p:sldIdLst>
   <p:sldSz cx="6858000" cy="9906000" type="A4"/>
   <p:notesSz cx="6858000" cy="9144000"/>
@@ -110,6 +113,198 @@
     </p:ext>
   </p:extLst>
 </p:presentation>
+</file>
+
+<file path=ppt/ink/ink1.xml><?xml version="1.0" encoding="utf-8"?>
+<inkml:ink xmlns:inkml="http://www.w3.org/2003/InkML">
+  <inkml:definitions>
+    <inkml:context xml:id="ctx0">
+      <inkml:inkSource xml:id="inkSrc0">
+        <inkml:traceFormat>
+          <inkml:channel name="X" type="integer" min="-2.14748E9" max="2.14748E9" units="cm"/>
+          <inkml:channel name="Y" type="integer" min="-2.14748E9" max="2.14748E9" units="cm"/>
+          <inkml:channel name="F" type="integer" max="32767" units="dev"/>
+        </inkml:traceFormat>
+        <inkml:channelProperties>
+          <inkml:channelProperty channel="X" name="resolution" value="1000" units="1/cm"/>
+          <inkml:channelProperty channel="Y" name="resolution" value="1000" units="1/cm"/>
+          <inkml:channelProperty channel="F" name="resolution" value="0" units="1/dev"/>
+        </inkml:channelProperties>
+      </inkml:inkSource>
+      <inkml:timestamp xml:id="ts0" timeString="2023-12-13T18:21:54.850"/>
+    </inkml:context>
+    <inkml:brush xml:id="br0">
+      <inkml:brushProperty name="width" value="0.035" units="cm"/>
+      <inkml:brushProperty name="height" value="0.035" units="cm"/>
+    </inkml:brush>
+  </inkml:definitions>
+  <inkml:trace contextRef="#ctx0" brushRef="#br0">33 11 24575,'-2'1'0,"0"0"0,0 0 0,0 0 0,0 0 0,0 0 0,1 1 0,-1-1 0,0 1 0,1-1 0,-1 1 0,1 0 0,-1 0 0,1 0 0,0 0 0,0 0 0,0 0 0,0 0 0,0 0 0,0 0 0,0 0 0,1 0 0,-1 0 0,1 1 0,0-1 0,-1 0 0,1 1 0,0-1 0,1 0 0,-1 0 0,0 1 0,0-1 0,2 3 0,-1-3 0,0 0 0,0-1 0,0 1 0,0-1 0,0 1 0,0-1 0,1 0 0,-1 0 0,0 1 0,1-1 0,-1 0 0,1 0 0,-1 0 0,1-1 0,0 1 0,-1 0 0,1 0 0,0-1 0,0 1 0,-1-1 0,1 0 0,0 1 0,0-1 0,0 0 0,-1 0 0,1 0 0,0 0 0,0-1 0,0 1 0,-1 0 0,1-1 0,0 1 0,0-1 0,-1 0 0,1 0 0,0 1 0,-1-1 0,1 0 0,-1 0 0,3-2 0,-1 0 0,1 0 0,0 0 0,-1 0 0,0-1 0,0 1 0,0-1 0,0 0 0,3-6 0,-5 9 0,0 0 0,0 0 0,0-1 0,-1 1 0,1-1 0,0 1 0,-1 0 0,1-1 0,-1 0 0,1 1 0,-1-1 0,0 1 0,1-1 0,-1 1 0,0-1 0,0 0 0,0 1 0,-1-1 0,1 1 0,0-1 0,0 1 0,-1-1 0,1 1 0,-1-1 0,0 1 0,1-1 0,-1 1 0,-1-2 0,1 2 0,-1 0 0,1 0 0,-1 0 0,0 1 0,0-1 0,1 1 0,-1-1 0,0 1 0,0 0 0,1-1 0,-1 1 0,0 0 0,0 0 0,0 0 0,0 0 0,1 1 0,-1-1 0,0 1 0,0-1 0,1 1 0,-1-1 0,0 1 0,1 0 0,-1 0 0,0 0 0,1 0 0,-1 0 0,1 0 0,0 0 0,-1 0 0,1 0 0,0 1 0,0-1 0,-2 3 0,2-3 0,0 0 0,-1 0 0,1 0 0,0 0 0,0 0 0,0 1 0,0-1 0,0 0 0,0 0 0,1 1 0,-1-1 0,0 1 0,1-1 0,-1 1 0,1-1 0,-1 1 0,1-1 0,0 1 0,0-1 0,0 1 0,0 0 0,0-1 0,0 1 0,0-1 0,0 1 0,0-1 0,1 1 0,-1 0 0,1-1 0,-1 0 0,1 1 0,0-1 0,-1 1 0,1-1 0,0 0 0,0 1 0,2 1 0,-2-3 0,0 1 0,-1-1 0,1 0 0,0 0 0,0 1 0,0-1 0,-1 0 0,1 0 0,0 0 0,0 0 0,0 0 0,0 0 0,-1 0 0,1-1 0,0 1 0,0 0 0,0 0 0,-1-1 0,1 1 0,0 0 0,0-1 0,-1 1 0,1-1 0,0 1 0,-1-1 0,1 1 0,0-1 0,-1 1 0,1-1 0,-1 0 0,1 1 0,-1-1 0,1 0 0,-1 0 0,0 1 0,1-1 0,-1 0 0,0 0 0,1 1 0,-1-1 0,0-1 0,0 1 0,1 0 0,-1-1 0,0 1 0,1 0 0,-1 0 0,0 0 0,0 0 0,0 0 0,0 0 0,0 0 0,0-1 0,-1 1 0,1 0 0,0 0 0,0 0 0,-1 0 0,1 0 0,-1 0 0,1 0 0,-1 0 0,1 0 0,-1 0 0,0 0 0,1 0 0,-1 1 0,0-1 0,0 0 0,0 0 0,1 1 0,-1-1 0,0 0 0,0 1 0,0-1 0,0 1 0,0-1 0,0 1 0,-2-1 0,-21 1 0,24 0 0,-1 1 0,1-1 0,-1 0 0,0 0 0,1 0 0,-1 0 0,1 0 0,-1 1 0,1-1 0,-1 0 0,1 0 0,-1 1 0,1-1 0,0 0 0,-1 1 0,1-1 0,-1 1 0,1-1 0,0 0 0,-1 1 0,1-1 0,0 1 0,0-1 0,-1 1 0,1-1 0,0 1 0,0-1 0,0 1 0,-1-1 0,1 1 0,0-1 0,0 1 0,0 0 0,0-1 0,0 1 0,0-1 0,0 1 0,0-1 0,1 2 0,-1-2-23,0 0 1,0 0-1,0 0 0,0 0 0,0 0 1,1 1-1,-1-1 0,0 0 0,0 0 1,0 0-1,0 0 0,1 0 0,-1 0 1,0 0-1,0 0 0,0 0 0,0 0 1,1 0-1,-1 0 0,0 0 0,0 1 1,0-1-1,1-1 0,-1 1 0,0 0 1,0 0-1,0 0 0,1 0 0,-1 0 1,0 0-1,0 0 0,0 0 0,0 0 1,1 0-1,-1 0 0,0 0 0,0 0 1,0-1-1,0 1 0,0 0 0,1 0 1,-1 0-1,0 0 0,0 0 0,0-1 1,0 1-1,0 0 0,0 0 0,0 0 0,0 0 1,0-1-1,0 1 0,1 0 0,-1 0 1,0 0-1,0-1 0,0 1 0,0 0 1,0 0-1,2-6-6803</inkml:trace>
+</inkml:ink>
+</file>
+
+<file path=ppt/ink/ink2.xml><?xml version="1.0" encoding="utf-8"?>
+<inkml:ink xmlns:inkml="http://www.w3.org/2003/InkML">
+  <inkml:definitions>
+    <inkml:context xml:id="ctx0">
+      <inkml:inkSource xml:id="inkSrc0">
+        <inkml:traceFormat>
+          <inkml:channel name="X" type="integer" min="-2.14748E9" max="2.14748E9" units="cm"/>
+          <inkml:channel name="Y" type="integer" min="-2.14748E9" max="2.14748E9" units="cm"/>
+          <inkml:channel name="F" type="integer" max="32767" units="dev"/>
+        </inkml:traceFormat>
+        <inkml:channelProperties>
+          <inkml:channelProperty channel="X" name="resolution" value="1000" units="1/cm"/>
+          <inkml:channelProperty channel="Y" name="resolution" value="1000" units="1/cm"/>
+          <inkml:channelProperty channel="F" name="resolution" value="0" units="1/dev"/>
+        </inkml:channelProperties>
+      </inkml:inkSource>
+      <inkml:timestamp xml:id="ts0" timeString="2023-12-13T18:22:01.526"/>
+    </inkml:context>
+    <inkml:brush xml:id="br0">
+      <inkml:brushProperty name="width" value="0.035" units="cm"/>
+      <inkml:brushProperty name="height" value="0.035" units="cm"/>
+      <inkml:brushProperty name="color" value="#E71224"/>
+    </inkml:brush>
+  </inkml:definitions>
+  <inkml:trace contextRef="#ctx0" brushRef="#br0">2015 2629 24575,'-2'-6'0,"0"1"0,0 0 0,0 0 0,-1 0 0,0 0 0,0 0 0,0 1 0,-1-1 0,1 1 0,-7-6 0,-4-7 0,-70-87 0,-117-114 0,10 13 0,146 152 0,3-3 0,-38-62 0,-58-137 0,-68-107 0,3 86 0,30 44 0,102 140 0,-111-113 0,54 66 0,71 72 0,20 21 0,-75-69 0,105 109-1365,1 3-5461</inkml:trace>
+</inkml:ink>
+</file>
+
+<file path=ppt/ink/ink3.xml><?xml version="1.0" encoding="utf-8"?>
+<inkml:ink xmlns:inkml="http://www.w3.org/2003/InkML">
+  <inkml:definitions>
+    <inkml:context xml:id="ctx0">
+      <inkml:inkSource xml:id="inkSrc0">
+        <inkml:traceFormat>
+          <inkml:channel name="X" type="integer" min="-2.14748E9" max="2.14748E9" units="cm"/>
+          <inkml:channel name="Y" type="integer" min="-2.14748E9" max="2.14748E9" units="cm"/>
+          <inkml:channel name="F" type="integer" max="32767" units="dev"/>
+        </inkml:traceFormat>
+        <inkml:channelProperties>
+          <inkml:channelProperty channel="X" name="resolution" value="1000" units="1/cm"/>
+          <inkml:channelProperty channel="Y" name="resolution" value="1000" units="1/cm"/>
+          <inkml:channelProperty channel="F" name="resolution" value="0" units="1/dev"/>
+        </inkml:channelProperties>
+      </inkml:inkSource>
+      <inkml:timestamp xml:id="ts0" timeString="2023-12-13T18:22:02.166"/>
+    </inkml:context>
+    <inkml:brush xml:id="br0">
+      <inkml:brushProperty name="width" value="0.035" units="cm"/>
+      <inkml:brushProperty name="height" value="0.035" units="cm"/>
+      <inkml:brushProperty name="color" value="#E71224"/>
+    </inkml:brush>
+  </inkml:definitions>
+  <inkml:trace contextRef="#ctx0" brushRef="#br0">0 1 24575,'40'731'0,"-35"-660"0,-5-70-77,2 8 281,2-11-1696,-2-5-5334</inkml:trace>
+</inkml:ink>
+</file>
+
+<file path=ppt/ink/ink4.xml><?xml version="1.0" encoding="utf-8"?>
+<inkml:ink xmlns:inkml="http://www.w3.org/2003/InkML">
+  <inkml:definitions>
+    <inkml:context xml:id="ctx0">
+      <inkml:inkSource xml:id="inkSrc0">
+        <inkml:traceFormat>
+          <inkml:channel name="X" type="integer" min="-2.14748E9" max="2.14748E9" units="cm"/>
+          <inkml:channel name="Y" type="integer" min="-2.14748E9" max="2.14748E9" units="cm"/>
+          <inkml:channel name="F" type="integer" max="32767" units="dev"/>
+        </inkml:traceFormat>
+        <inkml:channelProperties>
+          <inkml:channelProperty channel="X" name="resolution" value="1000" units="1/cm"/>
+          <inkml:channelProperty channel="Y" name="resolution" value="1000" units="1/cm"/>
+          <inkml:channelProperty channel="F" name="resolution" value="0" units="1/dev"/>
+        </inkml:channelProperties>
+      </inkml:inkSource>
+      <inkml:timestamp xml:id="ts0" timeString="2023-12-13T18:22:03.508"/>
+    </inkml:context>
+    <inkml:brush xml:id="br0">
+      <inkml:brushProperty name="width" value="0.035" units="cm"/>
+      <inkml:brushProperty name="height" value="0.035" units="cm"/>
+      <inkml:brushProperty name="color" value="#E71224"/>
+    </inkml:brush>
+  </inkml:definitions>
+  <inkml:trace contextRef="#ctx0" brushRef="#br0">0 109 24575,'1'-1'0,"0"-1"0,-1 0 0,1 1 0,0-1 0,0 1 0,-1-1 0,1 1 0,0-1 0,1 1 0,-1 0 0,0-1 0,0 1 0,1 0 0,-1 0 0,0 0 0,3-1 0,30-20 0,-23 15 0,1-2 0,-1 2 0,0-1 0,1 1 0,-1 1 0,21-8 0,-30 13 0,1 0 0,-1 0 0,1 1 0,-1-1 0,1 1 0,0-1 0,-1 1 0,1 0 0,-1 0 0,1 0 0,-1 1 0,1-1 0,-1 1 0,1-1 0,-1 1 0,1 0 0,-1 0 0,1 0 0,-1 0 0,0 0 0,0 0 0,1 1 0,-1-1 0,0 1 0,0 0 0,0-1 0,-1 1 0,1 0 0,2 3 0,2 5 0,0-1 0,-1 1 0,0 0 0,-1 1 0,0-1 0,0 1 0,-1 0 0,0 0 0,0 11 0,1 16 0,-1 52 0,-1-5 0,2-12-1365,-2-67-5461</inkml:trace>
+</inkml:ink>
+</file>
+
+<file path=ppt/ink/ink5.xml><?xml version="1.0" encoding="utf-8"?>
+<inkml:ink xmlns:inkml="http://www.w3.org/2003/InkML">
+  <inkml:definitions>
+    <inkml:context xml:id="ctx0">
+      <inkml:inkSource xml:id="inkSrc0">
+        <inkml:traceFormat>
+          <inkml:channel name="X" type="integer" min="-2.14748E9" max="2.14748E9" units="cm"/>
+          <inkml:channel name="Y" type="integer" min="-2.14748E9" max="2.14748E9" units="cm"/>
+          <inkml:channel name="F" type="integer" max="32767" units="dev"/>
+        </inkml:traceFormat>
+        <inkml:channelProperties>
+          <inkml:channelProperty channel="X" name="resolution" value="1000" units="1/cm"/>
+          <inkml:channelProperty channel="Y" name="resolution" value="1000" units="1/cm"/>
+          <inkml:channelProperty channel="F" name="resolution" value="0" units="1/dev"/>
+        </inkml:channelProperties>
+      </inkml:inkSource>
+      <inkml:timestamp xml:id="ts0" timeString="2023-12-13T02:41:00.265"/>
+    </inkml:context>
+    <inkml:brush xml:id="br0">
+      <inkml:brushProperty name="width" value="0.035" units="cm"/>
+      <inkml:brushProperty name="height" value="0.035" units="cm"/>
+    </inkml:brush>
+  </inkml:definitions>
+  <inkml:trace contextRef="#ctx0" brushRef="#br0">1 880 24575,'74'-47'0,"2"4"0,2 4 0,159-58 0,18 14 0,346-65 0,-231 99 0,2 33 0,-178-4 0,-84 6 0,-90 11 0,0-1 0,0-1 0,0-1 0,21-8 0,76-39 0,-62 26 0,210-84 0,-204 91 0,1 2 0,93-15 0,-61 19 0,1 4 0,0 4 0,119 8 0,-140 8-1365,-57-8-5461</inkml:trace>
+</inkml:ink>
+</file>
+
+<file path=ppt/ink/ink6.xml><?xml version="1.0" encoding="utf-8"?>
+<inkml:ink xmlns:inkml="http://www.w3.org/2003/InkML">
+  <inkml:definitions>
+    <inkml:context xml:id="ctx0">
+      <inkml:inkSource xml:id="inkSrc0">
+        <inkml:traceFormat>
+          <inkml:channel name="X" type="integer" min="-2.14748E9" max="2.14748E9" units="cm"/>
+          <inkml:channel name="Y" type="integer" min="-2.14748E9" max="2.14748E9" units="cm"/>
+          <inkml:channel name="F" type="integer" max="32767" units="dev"/>
+        </inkml:traceFormat>
+        <inkml:channelProperties>
+          <inkml:channelProperty channel="X" name="resolution" value="1000" units="1/cm"/>
+          <inkml:channelProperty channel="Y" name="resolution" value="1000" units="1/cm"/>
+          <inkml:channelProperty channel="F" name="resolution" value="0" units="1/dev"/>
+        </inkml:channelProperties>
+      </inkml:inkSource>
+      <inkml:timestamp xml:id="ts0" timeString="2023-12-13T02:41:07.677"/>
+    </inkml:context>
+    <inkml:brush xml:id="br0">
+      <inkml:brushProperty name="width" value="0.035" units="cm"/>
+      <inkml:brushProperty name="height" value="0.035" units="cm"/>
+    </inkml:brush>
+  </inkml:definitions>
+  <inkml:trace contextRef="#ctx0" brushRef="#br0">1 210 24575,'22'24'0,"2"-2"0,0-1 0,2-1 0,0-1 0,52 29 0,-57-38 0,0-1 0,0 0 0,1-2 0,0-1 0,0 0 0,1-2 0,-1 0 0,46 1 0,-43-6 0,-1-1 0,39-7 0,-51 6 0,1 0 0,-1-1 0,1 0 0,-1-1 0,0 0 0,17-11 0,-25 12 0,1 1 0,-1-1 0,0 0 0,-1 0 0,1 0 0,-1-1 0,0 1 0,0-1 0,0 0 0,-1 0 0,1 0 0,-1 0 0,0 0 0,-1-1 0,0 1 0,1-1 0,-1-6 0,2-12 0,-2-1 0,-3-40 0,1 23 0,1 27 0,0 5 0,0 0 0,0 0 0,-1 0 0,0 0 0,-4-12 0,5 22 0,0-1 0,0 1 0,0-1 0,0 1 0,0-1 0,-1 1 0,1-1 0,0 1 0,0-1 0,0 1 0,-1-1 0,1 1 0,0-1 0,-1 1 0,1-1 0,0 1 0,-1 0 0,1-1 0,0 1 0,-1 0 0,1-1 0,-1 1 0,1 0 0,-1 0 0,1-1 0,-1 1 0,1 0 0,-1 0 0,1 0 0,-1 0 0,1 0 0,-1-1 0,0 2 0,0-1 0,0 1 0,0-1 0,0 1 0,0 0 0,0-1 0,1 1 0,-1 0 0,0 0 0,0-1 0,1 1 0,-1 0 0,0 0 0,0 1 0,-16 36 0,14-27 0,1 1 0,0 0 0,1 1 0,1-1 0,0 0 0,0 0 0,1 0 0,1 0 0,0 0 0,0 0 0,1 0 0,1 0 0,0-1 0,7 14 0,1 0 0,2 1 0,0-2 0,2 0 0,0-1 0,20 21 0,-31-39 0,-1 0 0,1 0 0,0-1 0,1 0 0,-1 0 0,1 0 0,-1-1 0,1 0 0,11 5 0,-14-7 0,0 0 0,0-1 0,0 1 0,0-1 0,0 1 0,-1-1 0,1 0 0,0 0 0,0 0 0,0 0 0,0-1 0,0 1 0,0-1 0,0 0 0,0 0 0,0 0 0,-1 0 0,1 0 0,0-1 0,-1 1 0,1-1 0,-1 1 0,4-5 0,16-17 0,-2-1 0,-1-1 0,-2 0 0,29-55 0,-35 61 0,2-9 0,-1-1 0,-1 0 0,-2 0 0,7-39 0,-10 44 0,-2 5-34,-3 13-232,0-1-1,1 1 1,0-1 0,4-8 0</inkml:trace>
+</inkml:ink>
+</file>
+
+<file path=ppt/ink/ink7.xml><?xml version="1.0" encoding="utf-8"?>
+<inkml:ink xmlns:inkml="http://www.w3.org/2003/InkML">
+  <inkml:definitions>
+    <inkml:context xml:id="ctx0">
+      <inkml:inkSource xml:id="inkSrc0">
+        <inkml:traceFormat>
+          <inkml:channel name="X" type="integer" min="-2.14748E9" max="2.14748E9" units="cm"/>
+          <inkml:channel name="Y" type="integer" min="-2.14748E9" max="2.14748E9" units="cm"/>
+          <inkml:channel name="F" type="integer" max="32767" units="dev"/>
+        </inkml:traceFormat>
+        <inkml:channelProperties>
+          <inkml:channelProperty channel="X" name="resolution" value="1000" units="1/cm"/>
+          <inkml:channelProperty channel="Y" name="resolution" value="1000" units="1/cm"/>
+          <inkml:channelProperty channel="F" name="resolution" value="0" units="1/dev"/>
+        </inkml:channelProperties>
+      </inkml:inkSource>
+      <inkml:timestamp xml:id="ts0" timeString="2023-12-13T02:41:08.489"/>
+    </inkml:context>
+    <inkml:brush xml:id="br0">
+      <inkml:brushProperty name="width" value="0.035" units="cm"/>
+      <inkml:brushProperty name="height" value="0.035" units="cm"/>
+    </inkml:brush>
+  </inkml:definitions>
+  <inkml:trace contextRef="#ctx0" brushRef="#br0">9 1 24575,'0'4'0,"-2"8"0,1 14 0,-1 4 0,0 1 0,1-3 0,1-3 0,1-5 0,1-1 0,-1-4-8191</inkml:trace>
+</inkml:ink>
 </file>
 
 <file path=ppt/slideLayouts/slideLayout1.xml><?xml version="1.0" encoding="utf-8"?>
@@ -243,7 +438,7 @@
           <a:p>
             <a:fld id="{535F23C0-37B2-442D-9EED-A15DF02B86A5}" type="datetimeFigureOut">
               <a:rPr lang="en-US" smtClean="0"/>
-              <a:t>12/11/2023</a:t>
+              <a:t>12/12/2023</a:t>
             </a:fld>
             <a:endParaRPr lang="en-US"/>
           </a:p>
@@ -413,7 +608,7 @@
           <a:p>
             <a:fld id="{535F23C0-37B2-442D-9EED-A15DF02B86A5}" type="datetimeFigureOut">
               <a:rPr lang="en-US" smtClean="0"/>
-              <a:t>12/11/2023</a:t>
+              <a:t>12/12/2023</a:t>
             </a:fld>
             <a:endParaRPr lang="en-US"/>
           </a:p>
@@ -593,7 +788,7 @@
           <a:p>
             <a:fld id="{535F23C0-37B2-442D-9EED-A15DF02B86A5}" type="datetimeFigureOut">
               <a:rPr lang="en-US" smtClean="0"/>
-              <a:t>12/11/2023</a:t>
+              <a:t>12/12/2023</a:t>
             </a:fld>
             <a:endParaRPr lang="en-US"/>
           </a:p>
@@ -763,7 +958,7 @@
           <a:p>
             <a:fld id="{535F23C0-37B2-442D-9EED-A15DF02B86A5}" type="datetimeFigureOut">
               <a:rPr lang="en-US" smtClean="0"/>
-              <a:t>12/11/2023</a:t>
+              <a:t>12/12/2023</a:t>
             </a:fld>
             <a:endParaRPr lang="en-US"/>
           </a:p>
@@ -1007,7 +1202,7 @@
           <a:p>
             <a:fld id="{535F23C0-37B2-442D-9EED-A15DF02B86A5}" type="datetimeFigureOut">
               <a:rPr lang="en-US" smtClean="0"/>
-              <a:t>12/11/2023</a:t>
+              <a:t>12/12/2023</a:t>
             </a:fld>
             <a:endParaRPr lang="en-US"/>
           </a:p>
@@ -1239,7 +1434,7 @@
           <a:p>
             <a:fld id="{535F23C0-37B2-442D-9EED-A15DF02B86A5}" type="datetimeFigureOut">
               <a:rPr lang="en-US" smtClean="0"/>
-              <a:t>12/11/2023</a:t>
+              <a:t>12/12/2023</a:t>
             </a:fld>
             <a:endParaRPr lang="en-US"/>
           </a:p>
@@ -1606,7 +1801,7 @@
           <a:p>
             <a:fld id="{535F23C0-37B2-442D-9EED-A15DF02B86A5}" type="datetimeFigureOut">
               <a:rPr lang="en-US" smtClean="0"/>
-              <a:t>12/11/2023</a:t>
+              <a:t>12/12/2023</a:t>
             </a:fld>
             <a:endParaRPr lang="en-US"/>
           </a:p>
@@ -1724,7 +1919,7 @@
           <a:p>
             <a:fld id="{535F23C0-37B2-442D-9EED-A15DF02B86A5}" type="datetimeFigureOut">
               <a:rPr lang="en-US" smtClean="0"/>
-              <a:t>12/11/2023</a:t>
+              <a:t>12/12/2023</a:t>
             </a:fld>
             <a:endParaRPr lang="en-US"/>
           </a:p>
@@ -1819,7 +2014,7 @@
           <a:p>
             <a:fld id="{535F23C0-37B2-442D-9EED-A15DF02B86A5}" type="datetimeFigureOut">
               <a:rPr lang="en-US" smtClean="0"/>
-              <a:t>12/11/2023</a:t>
+              <a:t>12/12/2023</a:t>
             </a:fld>
             <a:endParaRPr lang="en-US"/>
           </a:p>
@@ -2096,7 +2291,7 @@
           <a:p>
             <a:fld id="{535F23C0-37B2-442D-9EED-A15DF02B86A5}" type="datetimeFigureOut">
               <a:rPr lang="en-US" smtClean="0"/>
-              <a:t>12/11/2023</a:t>
+              <a:t>12/12/2023</a:t>
             </a:fld>
             <a:endParaRPr lang="en-US"/>
           </a:p>
@@ -2353,7 +2548,7 @@
           <a:p>
             <a:fld id="{535F23C0-37B2-442D-9EED-A15DF02B86A5}" type="datetimeFigureOut">
               <a:rPr lang="en-US" smtClean="0"/>
-              <a:t>12/11/2023</a:t>
+              <a:t>12/12/2023</a:t>
             </a:fld>
             <a:endParaRPr lang="en-US"/>
           </a:p>
@@ -2566,7 +2761,7 @@
           <a:p>
             <a:fld id="{535F23C0-37B2-442D-9EED-A15DF02B86A5}" type="datetimeFigureOut">
               <a:rPr lang="en-US" smtClean="0"/>
-              <a:t>12/11/2023</a:t>
+              <a:t>12/12/2023</a:t>
             </a:fld>
             <a:endParaRPr lang="en-US"/>
           </a:p>
@@ -2973,10 +3168,10 @@
       </p:grpSpPr>
       <p:pic>
         <p:nvPicPr>
-          <p:cNvPr id="33" name="Picture 32" descr="A triangle with a green line&#10;&#10;Description automatically generated">
+          <p:cNvPr id="117" name="Picture 116" descr="A grey circle with blue spikes&#10;&#10;Description automatically generated">
             <a:extLst>
               <a:ext uri="{FF2B5EF4-FFF2-40B4-BE49-F238E27FC236}">
-                <a16:creationId xmlns:a16="http://schemas.microsoft.com/office/drawing/2014/main" id="{0B48FCFF-1A55-B63B-65C1-A5B57689A75B}"/>
+                <a16:creationId xmlns:a16="http://schemas.microsoft.com/office/drawing/2014/main" id="{EB98476B-1526-A226-BF0A-0E0FDB34FC93}"/>
               </a:ext>
             </a:extLst>
           </p:cNvPr>
@@ -2999,7 +3194,360 @@
         </p:blipFill>
         <p:spPr>
           <a:xfrm>
-            <a:off x="3632401" y="4194828"/>
+            <a:off x="5599022" y="4551114"/>
+            <a:ext cx="658368" cy="570397"/>
+          </a:xfrm>
+          <a:prstGeom prst="rect">
+            <a:avLst/>
+          </a:prstGeom>
+        </p:spPr>
+      </p:pic>
+      <mc:AlternateContent xmlns:mc="http://schemas.openxmlformats.org/markup-compatibility/2006">
+        <mc:Choice xmlns:a14="http://schemas.microsoft.com/office/drawing/2010/main" Requires="a14">
+          <p:sp>
+            <p:nvSpPr>
+              <p:cNvPr id="97" name="TextBox 96">
+                <a:extLst>
+                  <a:ext uri="{FF2B5EF4-FFF2-40B4-BE49-F238E27FC236}">
+                    <a16:creationId xmlns:a16="http://schemas.microsoft.com/office/drawing/2014/main" id="{81D65639-01CA-EDAE-3B2C-0AFC43F1019D}"/>
+                  </a:ext>
+                </a:extLst>
+              </p:cNvPr>
+              <p:cNvSpPr txBox="1"/>
+              <p:nvPr/>
+            </p:nvSpPr>
+            <p:spPr>
+              <a:xfrm rot="16200000">
+                <a:off x="2951917" y="6273930"/>
+                <a:ext cx="1486433" cy="169277"/>
+              </a:xfrm>
+              <a:prstGeom prst="rect">
+                <a:avLst/>
+              </a:prstGeom>
+              <a:noFill/>
+            </p:spPr>
+            <p:txBody>
+              <a:bodyPr wrap="none" lIns="0" tIns="0" rIns="0" bIns="0" rtlCol="0">
+                <a:spAutoFit/>
+              </a:bodyPr>
+              <a:lstStyle/>
+              <a:p>
+                <a:pPr/>
+                <a:r>
+                  <a:rPr lang="en-US" sz="1100" b="0" dirty="0">
+                    <a:latin typeface="Times New Roman" panose="02020603050405020304" pitchFamily="18" charset="0"/>
+                    <a:cs typeface="Times New Roman" panose="02020603050405020304" pitchFamily="18" charset="0"/>
+                  </a:rPr>
+                  <a:t>Relative curvature (</a:t>
+                </a:r>
+                <a14:m>
+                  <m:oMath xmlns:m="http://schemas.openxmlformats.org/officeDocument/2006/math">
+                    <m:sSub>
+                      <m:sSubPr>
+                        <m:ctrlPr>
+                          <a:rPr lang="en-US" sz="1100" b="0" i="1" smtClean="0">
+                            <a:latin typeface="Cambria Math" panose="02040503050406030204" pitchFamily="18" charset="0"/>
+                          </a:rPr>
+                        </m:ctrlPr>
+                      </m:sSubPr>
+                      <m:e>
+                        <m:r>
+                          <a:rPr lang="en-US" sz="1100" b="0" i="1" smtClean="0">
+                            <a:latin typeface="Cambria Math" panose="02040503050406030204" pitchFamily="18" charset="0"/>
+                          </a:rPr>
+                          <m:t>𝑤</m:t>
+                        </m:r>
+                      </m:e>
+                      <m:sub>
+                        <m:r>
+                          <a:rPr lang="en-US" sz="1100" b="0" i="1" smtClean="0">
+                            <a:latin typeface="Cambria Math" panose="02040503050406030204" pitchFamily="18" charset="0"/>
+                          </a:rPr>
+                          <m:t>0</m:t>
+                        </m:r>
+                      </m:sub>
+                    </m:sSub>
+                    <m:r>
+                      <a:rPr lang="en-US" sz="1100" b="0" i="1" smtClean="0">
+                        <a:latin typeface="Cambria Math" panose="02040503050406030204" pitchFamily="18" charset="0"/>
+                      </a:rPr>
+                      <m:t>/</m:t>
+                    </m:r>
+                    <m:r>
+                      <a:rPr lang="en-US" sz="1100" b="0" i="1" smtClean="0">
+                        <a:latin typeface="Cambria Math" panose="02040503050406030204" pitchFamily="18" charset="0"/>
+                      </a:rPr>
+                      <m:t>𝑅</m:t>
+                    </m:r>
+                  </m:oMath>
+                </a14:m>
+                <a:r>
+                  <a:rPr lang="en-US" sz="1100" i="1" dirty="0"/>
+                  <a:t>)</a:t>
+                </a:r>
+              </a:p>
+            </p:txBody>
+          </p:sp>
+        </mc:Choice>
+        <mc:Fallback>
+          <p:sp>
+            <p:nvSpPr>
+              <p:cNvPr id="97" name="TextBox 96">
+                <a:extLst>
+                  <a:ext uri="{FF2B5EF4-FFF2-40B4-BE49-F238E27FC236}">
+                    <a16:creationId xmlns:a16="http://schemas.microsoft.com/office/drawing/2014/main" id="{81D65639-01CA-EDAE-3B2C-0AFC43F1019D}"/>
+                  </a:ext>
+                </a:extLst>
+              </p:cNvPr>
+              <p:cNvSpPr txBox="1">
+                <a:spLocks noRot="1" noChangeAspect="1" noMove="1" noResize="1" noEditPoints="1" noAdjustHandles="1" noChangeArrowheads="1" noChangeShapeType="1" noTextEdit="1"/>
+              </p:cNvSpPr>
+              <p:nvPr/>
+            </p:nvSpPr>
+            <p:spPr>
+              <a:xfrm rot="16200000">
+                <a:off x="2951917" y="6273930"/>
+                <a:ext cx="1486433" cy="169277"/>
+              </a:xfrm>
+              <a:prstGeom prst="rect">
+                <a:avLst/>
+              </a:prstGeom>
+              <a:blipFill>
+                <a:blip r:embed="rId3"/>
+                <a:stretch>
+                  <a:fillRect l="-25000" t="-5328" r="-53571" b="-5738"/>
+                </a:stretch>
+              </a:blipFill>
+            </p:spPr>
+            <p:txBody>
+              <a:bodyPr/>
+              <a:lstStyle/>
+              <a:p>
+                <a:r>
+                  <a:rPr lang="en-US">
+                    <a:noFill/>
+                  </a:rPr>
+                  <a:t> </a:t>
+                </a:r>
+              </a:p>
+            </p:txBody>
+          </p:sp>
+        </mc:Fallback>
+      </mc:AlternateContent>
+      <mc:AlternateContent xmlns:mc="http://schemas.openxmlformats.org/markup-compatibility/2006">
+        <mc:Choice xmlns:a14="http://schemas.microsoft.com/office/drawing/2010/main" Requires="a14">
+          <p:sp>
+            <p:nvSpPr>
+              <p:cNvPr id="99" name="TextBox 98">
+                <a:extLst>
+                  <a:ext uri="{FF2B5EF4-FFF2-40B4-BE49-F238E27FC236}">
+                    <a16:creationId xmlns:a16="http://schemas.microsoft.com/office/drawing/2014/main" id="{8E69B4A3-BE33-344A-FAE7-214981507706}"/>
+                  </a:ext>
+                </a:extLst>
+              </p:cNvPr>
+              <p:cNvSpPr txBox="1"/>
+              <p:nvPr/>
+            </p:nvSpPr>
+            <p:spPr>
+              <a:xfrm>
+                <a:off x="4567563" y="7369950"/>
+                <a:ext cx="1180964" cy="261610"/>
+              </a:xfrm>
+              <a:prstGeom prst="rect">
+                <a:avLst/>
+              </a:prstGeom>
+              <a:noFill/>
+            </p:spPr>
+            <p:txBody>
+              <a:bodyPr wrap="none" rtlCol="0">
+                <a:spAutoFit/>
+              </a:bodyPr>
+              <a:lstStyle/>
+              <a:p>
+                <a:r>
+                  <a:rPr lang="en-US" sz="1100" dirty="0">
+                    <a:latin typeface="Times New Roman" panose="02020603050405020304" pitchFamily="18" charset="0"/>
+                    <a:cs typeface="Times New Roman" panose="02020603050405020304" pitchFamily="18" charset="0"/>
+                  </a:rPr>
+                  <a:t>Fractal depth </a:t>
+                </a:r>
+                <a14:m>
+                  <m:oMath xmlns:m="http://schemas.openxmlformats.org/officeDocument/2006/math">
+                    <m:r>
+                      <a:rPr lang="en-US" sz="1100" b="0" i="0" smtClean="0">
+                        <a:latin typeface="Cambria Math" panose="02040503050406030204" pitchFamily="18" charset="0"/>
+                        <a:cs typeface="Times New Roman" panose="02020603050405020304" pitchFamily="18" charset="0"/>
+                      </a:rPr>
+                      <m:t>(</m:t>
+                    </m:r>
+                    <m:r>
+                      <a:rPr lang="en-US" sz="1100" b="0" i="1" smtClean="0">
+                        <a:latin typeface="Cambria Math" panose="02040503050406030204" pitchFamily="18" charset="0"/>
+                        <a:cs typeface="Times New Roman" panose="02020603050405020304" pitchFamily="18" charset="0"/>
+                      </a:rPr>
+                      <m:t>𝑛</m:t>
+                    </m:r>
+                  </m:oMath>
+                </a14:m>
+                <a:r>
+                  <a:rPr lang="en-US" sz="1100" dirty="0">
+                    <a:latin typeface="Times New Roman" panose="02020603050405020304" pitchFamily="18" charset="0"/>
+                    <a:cs typeface="Times New Roman" panose="02020603050405020304" pitchFamily="18" charset="0"/>
+                  </a:rPr>
+                  <a:t>) </a:t>
+                </a:r>
+              </a:p>
+            </p:txBody>
+          </p:sp>
+        </mc:Choice>
+        <mc:Fallback>
+          <p:sp>
+            <p:nvSpPr>
+              <p:cNvPr id="99" name="TextBox 98">
+                <a:extLst>
+                  <a:ext uri="{FF2B5EF4-FFF2-40B4-BE49-F238E27FC236}">
+                    <a16:creationId xmlns:a16="http://schemas.microsoft.com/office/drawing/2014/main" id="{8E69B4A3-BE33-344A-FAE7-214981507706}"/>
+                  </a:ext>
+                </a:extLst>
+              </p:cNvPr>
+              <p:cNvSpPr txBox="1">
+                <a:spLocks noRot="1" noChangeAspect="1" noMove="1" noResize="1" noEditPoints="1" noAdjustHandles="1" noChangeArrowheads="1" noChangeShapeType="1" noTextEdit="1"/>
+              </p:cNvSpPr>
+              <p:nvPr/>
+            </p:nvSpPr>
+            <p:spPr>
+              <a:xfrm>
+                <a:off x="4567563" y="7369950"/>
+                <a:ext cx="1180964" cy="261610"/>
+              </a:xfrm>
+              <a:prstGeom prst="rect">
+                <a:avLst/>
+              </a:prstGeom>
+              <a:blipFill>
+                <a:blip r:embed="rId4"/>
+                <a:stretch>
+                  <a:fillRect b="-16279"/>
+                </a:stretch>
+              </a:blipFill>
+            </p:spPr>
+            <p:txBody>
+              <a:bodyPr/>
+              <a:lstStyle/>
+              <a:p>
+                <a:r>
+                  <a:rPr lang="en-US">
+                    <a:noFill/>
+                  </a:rPr>
+                  <a:t> </a:t>
+                </a:r>
+              </a:p>
+            </p:txBody>
+          </p:sp>
+        </mc:Fallback>
+      </mc:AlternateContent>
+      <p:pic>
+        <p:nvPicPr>
+          <p:cNvPr id="25" name="Picture 24" descr="A graph with a dotted line&#10;&#10;Description automatically generated">
+            <a:extLst>
+              <a:ext uri="{FF2B5EF4-FFF2-40B4-BE49-F238E27FC236}">
+                <a16:creationId xmlns:a16="http://schemas.microsoft.com/office/drawing/2014/main" id="{CA3CC054-33E1-F4BC-A0AA-54D8C42019F1}"/>
+              </a:ext>
+            </a:extLst>
+          </p:cNvPr>
+          <p:cNvPicPr>
+            <a:picLocks noChangeAspect="1"/>
+          </p:cNvPicPr>
+          <p:nvPr/>
+        </p:nvPicPr>
+        <p:blipFill>
+          <a:blip r:embed="rId5">
+            <a:extLst>
+              <a:ext uri="{28A0092B-C50C-407E-A947-70E740481C1C}">
+                <a14:useLocalDpi xmlns:a14="http://schemas.microsoft.com/office/drawing/2010/main" val="0"/>
+              </a:ext>
+            </a:extLst>
+          </a:blip>
+          <a:stretch>
+            <a:fillRect/>
+          </a:stretch>
+        </p:blipFill>
+        <p:spPr>
+          <a:xfrm>
+            <a:off x="3808898" y="5461467"/>
+            <a:ext cx="2286000" cy="1967975"/>
+          </a:xfrm>
+          <a:prstGeom prst="rect">
+            <a:avLst/>
+          </a:prstGeom>
+        </p:spPr>
+      </p:pic>
+      <p:sp>
+        <p:nvSpPr>
+          <p:cNvPr id="37" name="TextBox 36">
+            <a:extLst>
+              <a:ext uri="{FF2B5EF4-FFF2-40B4-BE49-F238E27FC236}">
+                <a16:creationId xmlns:a16="http://schemas.microsoft.com/office/drawing/2014/main" id="{274AEF46-F37E-6BCE-979E-3B84F3380C5B}"/>
+              </a:ext>
+            </a:extLst>
+          </p:cNvPr>
+          <p:cNvSpPr txBox="1"/>
+          <p:nvPr/>
+        </p:nvSpPr>
+        <p:spPr>
+          <a:xfrm>
+            <a:off x="3741012" y="5220124"/>
+            <a:ext cx="2552302" cy="261610"/>
+          </a:xfrm>
+          <a:prstGeom prst="rect">
+            <a:avLst/>
+          </a:prstGeom>
+          <a:noFill/>
+        </p:spPr>
+        <p:txBody>
+          <a:bodyPr wrap="none" rtlCol="0">
+            <a:spAutoFit/>
+          </a:bodyPr>
+          <a:lstStyle/>
+          <a:p>
+            <a:r>
+              <a:rPr lang="en-US" sz="1100" dirty="0">
+                <a:latin typeface="Times New Roman" panose="02020603050405020304" pitchFamily="18" charset="0"/>
+                <a:cs typeface="Times New Roman" panose="02020603050405020304" pitchFamily="18" charset="0"/>
+              </a:rPr>
+              <a:t>Minimum grasp curvature vs fractal depth</a:t>
+            </a:r>
+          </a:p>
+        </p:txBody>
+      </p:sp>
+      <p:pic>
+        <p:nvPicPr>
+          <p:cNvPr id="33" name="Picture 32" descr="A triangle with a green line&#10;&#10;Description automatically generated">
+            <a:extLst>
+              <a:ext uri="{FF2B5EF4-FFF2-40B4-BE49-F238E27FC236}">
+                <a16:creationId xmlns:a16="http://schemas.microsoft.com/office/drawing/2014/main" id="{0B48FCFF-1A55-B63B-65C1-A5B57689A75B}"/>
+              </a:ext>
+            </a:extLst>
+          </p:cNvPr>
+          <p:cNvPicPr>
+            <a:picLocks noChangeAspect="1"/>
+          </p:cNvPicPr>
+          <p:nvPr/>
+        </p:nvPicPr>
+        <p:blipFill>
+          <a:blip r:embed="rId6">
+            <a:extLst>
+              <a:ext uri="{28A0092B-C50C-407E-A947-70E740481C1C}">
+                <a14:useLocalDpi xmlns:a14="http://schemas.microsoft.com/office/drawing/2010/main" val="0"/>
+              </a:ext>
+            </a:extLst>
+          </a:blip>
+          <a:stretch>
+            <a:fillRect/>
+          </a:stretch>
+        </p:blipFill>
+        <p:spPr>
+          <a:xfrm>
+            <a:off x="3648780" y="4237658"/>
             <a:ext cx="859536" cy="857172"/>
           </a:xfrm>
           <a:prstGeom prst="rect">
@@ -3022,7 +3570,7 @@
           <p:nvPr/>
         </p:nvPicPr>
         <p:blipFill>
-          <a:blip r:embed="rId3">
+          <a:blip r:embed="rId7">
             <a:extLst>
               <a:ext uri="{28A0092B-C50C-407E-A947-70E740481C1C}">
                 <a14:useLocalDpi xmlns:a14="http://schemas.microsoft.com/office/drawing/2010/main" val="0"/>
@@ -3035,44 +3583,8 @@
         </p:blipFill>
         <p:spPr>
           <a:xfrm>
-            <a:off x="4541810" y="4432786"/>
+            <a:off x="4558189" y="4475616"/>
             <a:ext cx="861969" cy="612489"/>
-          </a:xfrm>
-          <a:prstGeom prst="rect">
-            <a:avLst/>
-          </a:prstGeom>
-        </p:spPr>
-      </p:pic>
-      <p:pic>
-        <p:nvPicPr>
-          <p:cNvPr id="9" name="Picture 8" descr="A grey circle with blue spikes&#10;&#10;Description automatically generated">
-            <a:extLst>
-              <a:ext uri="{FF2B5EF4-FFF2-40B4-BE49-F238E27FC236}">
-                <a16:creationId xmlns:a16="http://schemas.microsoft.com/office/drawing/2014/main" id="{EC43B5D1-58DD-6038-25E2-68D373F4BBA7}"/>
-              </a:ext>
-            </a:extLst>
-          </p:cNvPr>
-          <p:cNvPicPr>
-            <a:picLocks noChangeAspect="1"/>
-          </p:cNvPicPr>
-          <p:nvPr/>
-        </p:nvPicPr>
-        <p:blipFill>
-          <a:blip r:embed="rId4">
-            <a:extLst>
-              <a:ext uri="{28A0092B-C50C-407E-A947-70E740481C1C}">
-                <a14:useLocalDpi xmlns:a14="http://schemas.microsoft.com/office/drawing/2010/main" val="0"/>
-              </a:ext>
-            </a:extLst>
-          </a:blip>
-          <a:stretch>
-            <a:fillRect/>
-          </a:stretch>
-        </p:blipFill>
-        <p:spPr>
-          <a:xfrm>
-            <a:off x="5503639" y="4376889"/>
-            <a:ext cx="861969" cy="675111"/>
           </a:xfrm>
           <a:prstGeom prst="rect">
             <a:avLst/>
@@ -3093,7 +3605,7 @@
         </p:nvSpPr>
         <p:spPr>
           <a:xfrm>
-            <a:off x="5292402" y="4420926"/>
+            <a:off x="5308781" y="4463756"/>
             <a:ext cx="54864" cy="54864"/>
           </a:xfrm>
           <a:prstGeom prst="ellipse">
@@ -3147,8 +3659,8 @@
             </p:nvSpPr>
             <p:spPr>
               <a:xfrm>
-                <a:off x="3947730" y="4906371"/>
-                <a:ext cx="199527" cy="153888"/>
+                <a:off x="3837926" y="4930807"/>
+                <a:ext cx="485399" cy="153888"/>
               </a:xfrm>
               <a:prstGeom prst="rect">
                 <a:avLst/>
@@ -3171,22 +3683,22 @@
                       <m:sSub>
                         <m:sSubPr>
                           <m:ctrlPr>
-                            <a:rPr lang="en-US" sz="1000" i="1">
+                            <a:rPr lang="en-US" sz="1000" b="0" i="1" smtClean="0">
                               <a:latin typeface="Cambria Math" panose="02040503050406030204" pitchFamily="18" charset="0"/>
                             </a:rPr>
                           </m:ctrlPr>
                         </m:sSubPr>
                         <m:e>
                           <m:r>
-                            <a:rPr lang="en-US" sz="1000" i="1">
+                            <a:rPr lang="en-US" sz="1000" b="0" i="1" smtClean="0">
                               <a:latin typeface="Cambria Math" panose="02040503050406030204" pitchFamily="18" charset="0"/>
                             </a:rPr>
-                            <m:t>𝑊</m:t>
+                            <m:t>𝑤</m:t>
                           </m:r>
                         </m:e>
                         <m:sub>
                           <m:r>
-                            <a:rPr lang="en-US" sz="1000" i="1">
+                            <a:rPr lang="en-US" sz="1000" b="0" i="1" smtClean="0">
                               <a:latin typeface="Cambria Math" panose="02040503050406030204" pitchFamily="18" charset="0"/>
                             </a:rPr>
                             <m:t>0</m:t>
@@ -3218,16 +3730,16 @@
             </p:nvSpPr>
             <p:spPr>
               <a:xfrm>
-                <a:off x="3947730" y="4906371"/>
-                <a:ext cx="199527" cy="153888"/>
+                <a:off x="3837926" y="4930807"/>
+                <a:ext cx="485399" cy="153888"/>
               </a:xfrm>
               <a:prstGeom prst="rect">
                 <a:avLst/>
               </a:prstGeom>
               <a:blipFill>
-                <a:blip r:embed="rId5"/>
+                <a:blip r:embed="rId8"/>
                 <a:stretch>
-                  <a:fillRect l="-15625" r="-6250" b="-16000"/>
+                  <a:fillRect b="-16000"/>
                 </a:stretch>
               </a:blipFill>
             </p:spPr>
@@ -3263,7 +3775,7 @@
         </p:nvCxnSpPr>
         <p:spPr>
           <a:xfrm flipH="1">
-            <a:off x="4035425" y="4594376"/>
+            <a:off x="4051804" y="4637206"/>
             <a:ext cx="250062" cy="306240"/>
           </a:xfrm>
           <a:prstGeom prst="straightConnector1">
@@ -3305,10 +3817,10 @@
         </p:nvGrpSpPr>
         <p:grpSpPr>
           <a:xfrm>
-            <a:off x="4071243" y="4194828"/>
-            <a:ext cx="428488" cy="399548"/>
-            <a:chOff x="4117019" y="4191475"/>
-            <a:chExt cx="428488" cy="399548"/>
+            <a:off x="4087622" y="4145231"/>
+            <a:ext cx="428488" cy="491975"/>
+            <a:chOff x="4117019" y="4099048"/>
+            <a:chExt cx="428488" cy="491975"/>
           </a:xfrm>
         </p:grpSpPr>
         <p:pic>
@@ -3326,7 +3838,7 @@
             <p:nvPr/>
           </p:nvPicPr>
           <p:blipFill rotWithShape="1">
-            <a:blip r:embed="rId6">
+            <a:blip r:embed="rId9">
               <a:extLst>
                 <a:ext uri="{28A0092B-C50C-407E-A947-70E740481C1C}">
                   <a14:useLocalDpi xmlns:a14="http://schemas.microsoft.com/office/drawing/2010/main" val="0"/>
@@ -3451,8 +3963,8 @@
               </p:nvSpPr>
               <p:spPr>
                 <a:xfrm>
-                  <a:off x="4208420" y="4191475"/>
-                  <a:ext cx="148795" cy="74668"/>
+                  <a:off x="4246953" y="4099048"/>
+                  <a:ext cx="92205" cy="153888"/>
                 </a:xfrm>
                 <a:prstGeom prst="rect">
                   <a:avLst/>
@@ -3472,31 +3984,12 @@
                         <m:jc m:val="centerGroup"/>
                       </m:oMathParaPr>
                       <m:oMath xmlns:m="http://schemas.openxmlformats.org/officeDocument/2006/math">
-                        <m:sSub>
-                          <m:sSubPr>
-                            <m:ctrlPr>
-                              <a:rPr lang="en-US" sz="1000" i="1" smtClean="0">
-                                <a:latin typeface="Cambria Math" panose="02040503050406030204" pitchFamily="18" charset="0"/>
-                              </a:rPr>
-                            </m:ctrlPr>
-                          </m:sSubPr>
-                          <m:e>
-                            <m:r>
-                              <a:rPr lang="en-US" sz="1000" b="0" i="1" smtClean="0">
-                                <a:latin typeface="Cambria Math" panose="02040503050406030204" pitchFamily="18" charset="0"/>
-                              </a:rPr>
-                              <m:t>𝜖</m:t>
-                            </m:r>
-                          </m:e>
-                          <m:sub>
-                            <m:r>
-                              <a:rPr lang="en-US" sz="1000" b="0" i="1" smtClean="0">
-                                <a:latin typeface="Cambria Math" panose="02040503050406030204" pitchFamily="18" charset="0"/>
-                              </a:rPr>
-                              <m:t>𝑚𝑖𝑛</m:t>
-                            </m:r>
-                          </m:sub>
-                        </m:sSub>
+                        <m:r>
+                          <a:rPr lang="en-US" sz="1000" i="1" smtClean="0">
+                            <a:latin typeface="Cambria Math" panose="02040503050406030204" pitchFamily="18" charset="0"/>
+                          </a:rPr>
+                          <m:t>𝜖</m:t>
+                        </m:r>
                       </m:oMath>
                     </m:oMathPara>
                   </a14:m>
@@ -3522,16 +4015,16 @@
               </p:nvSpPr>
               <p:spPr>
                 <a:xfrm>
-                  <a:off x="4208420" y="4191475"/>
-                  <a:ext cx="148795" cy="74668"/>
+                  <a:off x="4246953" y="4099048"/>
+                  <a:ext cx="92205" cy="153888"/>
                 </a:xfrm>
                 <a:prstGeom prst="rect">
                   <a:avLst/>
                 </a:prstGeom>
                 <a:blipFill>
-                  <a:blip r:embed="rId7"/>
+                  <a:blip r:embed="rId10"/>
                   <a:stretch>
-                    <a:fillRect l="-25000" r="-83333" b="-150000"/>
+                    <a:fillRect l="-26667" r="-13333"/>
                   </a:stretch>
                 </a:blipFill>
               </p:spPr>
@@ -3567,8 +4060,8 @@
         </p:nvCxnSpPr>
         <p:spPr>
           <a:xfrm>
-            <a:off x="5933115" y="4770789"/>
-            <a:ext cx="312502" cy="0"/>
+            <a:off x="5921748" y="4867622"/>
+            <a:ext cx="241960" cy="0"/>
           </a:xfrm>
           <a:prstGeom prst="line">
             <a:avLst/>
@@ -3611,7 +4104,7 @@
             </p:nvSpPr>
             <p:spPr>
               <a:xfrm>
-                <a:off x="5986479" y="4593340"/>
+                <a:off x="5981110" y="4709139"/>
                 <a:ext cx="61618" cy="74668"/>
               </a:xfrm>
               <a:prstGeom prst="rect">
@@ -3663,16 +4156,16 @@
             </p:nvSpPr>
             <p:spPr>
               <a:xfrm>
-                <a:off x="5986479" y="4593340"/>
+                <a:off x="5981110" y="4709139"/>
                 <a:ext cx="61618" cy="74668"/>
               </a:xfrm>
               <a:prstGeom prst="rect">
                 <a:avLst/>
               </a:prstGeom>
               <a:blipFill>
-                <a:blip r:embed="rId8"/>
+                <a:blip r:embed="rId11"/>
                 <a:stretch>
-                  <a:fillRect l="-70000" r="-110000" b="-125000"/>
+                  <a:fillRect l="-70000" r="-110000" b="-115385"/>
                 </a:stretch>
               </a:blipFill>
             </p:spPr>
@@ -3705,7 +4198,7 @@
         </p:nvGrpSpPr>
         <p:grpSpPr>
           <a:xfrm>
-            <a:off x="5578006" y="4153116"/>
+            <a:off x="5565409" y="4348748"/>
             <a:ext cx="703570" cy="50738"/>
             <a:chOff x="1105491" y="6656786"/>
             <a:chExt cx="1306140" cy="104569"/>
@@ -3858,8 +4351,8 @@
             </p:nvSpPr>
             <p:spPr>
               <a:xfrm>
-                <a:off x="4886087" y="4011975"/>
-                <a:ext cx="104205" cy="74668"/>
+                <a:off x="4902466" y="4054805"/>
+                <a:ext cx="179023" cy="153888"/>
               </a:xfrm>
               <a:prstGeom prst="rect">
                 <a:avLst/>
@@ -3882,22 +4375,22 @@
                       <m:sSub>
                         <m:sSubPr>
                           <m:ctrlPr>
-                            <a:rPr lang="en-US" sz="1000" i="1">
+                            <a:rPr lang="en-US" sz="1000" b="0" i="1" smtClean="0">
                               <a:latin typeface="Cambria Math" panose="02040503050406030204" pitchFamily="18" charset="0"/>
                             </a:rPr>
                           </m:ctrlPr>
                         </m:sSubPr>
                         <m:e>
                           <m:r>
-                            <a:rPr lang="en-US" sz="1000" i="1">
+                            <a:rPr lang="en-US" sz="1000" b="0" i="1" smtClean="0">
                               <a:latin typeface="Cambria Math" panose="02040503050406030204" pitchFamily="18" charset="0"/>
                             </a:rPr>
-                            <m:t>𝑊</m:t>
+                            <m:t>𝑤</m:t>
                           </m:r>
                         </m:e>
                         <m:sub>
                           <m:r>
-                            <a:rPr lang="en-US" sz="1000" i="1">
+                            <a:rPr lang="en-US" sz="1000" b="0" i="1" smtClean="0">
                               <a:latin typeface="Cambria Math" panose="02040503050406030204" pitchFamily="18" charset="0"/>
                             </a:rPr>
                             <m:t>0</m:t>
@@ -3929,16 +4422,16 @@
             </p:nvSpPr>
             <p:spPr>
               <a:xfrm>
-                <a:off x="4886087" y="4011975"/>
-                <a:ext cx="104205" cy="74668"/>
+                <a:off x="4902466" y="4054805"/>
+                <a:ext cx="179023" cy="153888"/>
               </a:xfrm>
               <a:prstGeom prst="rect">
                 <a:avLst/>
               </a:prstGeom>
               <a:blipFill>
-                <a:blip r:embed="rId5"/>
+                <a:blip r:embed="rId12"/>
                 <a:stretch>
-                  <a:fillRect l="-47059" r="-82353" b="-141667"/>
+                  <a:fillRect l="-10000" r="-3333" b="-16000"/>
                 </a:stretch>
               </a:blipFill>
             </p:spPr>
@@ -3973,8 +4466,8 @@
             </p:nvSpPr>
             <p:spPr>
               <a:xfrm>
-                <a:off x="5877688" y="4006580"/>
-                <a:ext cx="104205" cy="74668"/>
+                <a:off x="5590732" y="2919296"/>
+                <a:ext cx="179023" cy="153888"/>
               </a:xfrm>
               <a:prstGeom prst="rect">
                 <a:avLst/>
@@ -3997,17 +4490,17 @@
                       <m:sSub>
                         <m:sSubPr>
                           <m:ctrlPr>
-                            <a:rPr lang="en-US" sz="1000" i="1">
+                            <a:rPr lang="en-US" sz="1000" i="1" smtClean="0">
                               <a:latin typeface="Cambria Math" panose="02040503050406030204" pitchFamily="18" charset="0"/>
                             </a:rPr>
                           </m:ctrlPr>
                         </m:sSubPr>
                         <m:e>
                           <m:r>
-                            <a:rPr lang="en-US" sz="1000" i="1">
+                            <a:rPr lang="en-US" sz="1000" b="0" i="1" smtClean="0">
                               <a:latin typeface="Cambria Math" panose="02040503050406030204" pitchFamily="18" charset="0"/>
                             </a:rPr>
-                            <m:t>𝑊</m:t>
+                            <m:t>𝑤</m:t>
                           </m:r>
                         </m:e>
                         <m:sub>
@@ -4044,16 +4537,16 @@
             </p:nvSpPr>
             <p:spPr>
               <a:xfrm>
-                <a:off x="5877688" y="4006580"/>
-                <a:ext cx="104205" cy="74668"/>
+                <a:off x="5590732" y="2919296"/>
+                <a:ext cx="179023" cy="153888"/>
               </a:xfrm>
               <a:prstGeom prst="rect">
                 <a:avLst/>
               </a:prstGeom>
               <a:blipFill>
-                <a:blip r:embed="rId9"/>
+                <a:blip r:embed="rId12"/>
                 <a:stretch>
-                  <a:fillRect l="-41176" r="-82353" b="-141667"/>
+                  <a:fillRect l="-10345" r="-6897" b="-16000"/>
                 </a:stretch>
               </a:blipFill>
             </p:spPr>
@@ -4072,195 +4565,12 @@
           </p:sp>
         </mc:Fallback>
       </mc:AlternateContent>
-      <p:grpSp>
-        <p:nvGrpSpPr>
-          <p:cNvPr id="76" name="Group 75">
+      <p:sp>
+        <p:nvSpPr>
+          <p:cNvPr id="71" name="Oval 70">
             <a:extLst>
               <a:ext uri="{FF2B5EF4-FFF2-40B4-BE49-F238E27FC236}">
-                <a16:creationId xmlns:a16="http://schemas.microsoft.com/office/drawing/2014/main" id="{FB247535-CA04-0B21-BCF0-17ACB1F86BCC}"/>
-              </a:ext>
-            </a:extLst>
-          </p:cNvPr>
-          <p:cNvGrpSpPr/>
-          <p:nvPr/>
-        </p:nvGrpSpPr>
-        <p:grpSpPr>
-          <a:xfrm>
-            <a:off x="5502282" y="4372851"/>
-            <a:ext cx="447164" cy="406011"/>
-            <a:chOff x="4555772" y="5185216"/>
-            <a:chExt cx="830135" cy="836773"/>
-          </a:xfrm>
-        </p:grpSpPr>
-        <p:sp>
-          <p:nvSpPr>
-            <p:cNvPr id="18" name="Arc 17">
-              <a:extLst>
-                <a:ext uri="{FF2B5EF4-FFF2-40B4-BE49-F238E27FC236}">
-                  <a16:creationId xmlns:a16="http://schemas.microsoft.com/office/drawing/2014/main" id="{33366F3F-55DE-F506-54A9-8612A341424B}"/>
-                </a:ext>
-              </a:extLst>
-            </p:cNvPr>
-            <p:cNvSpPr/>
-            <p:nvPr/>
-          </p:nvSpPr>
-          <p:spPr>
-            <a:xfrm rot="16200000">
-              <a:off x="4562947" y="5199029"/>
-              <a:ext cx="822960" cy="822960"/>
-            </a:xfrm>
-            <a:prstGeom prst="arc">
-              <a:avLst>
-                <a:gd name="adj1" fmla="val 15426138"/>
-                <a:gd name="adj2" fmla="val 823597"/>
-              </a:avLst>
-            </a:prstGeom>
-            <a:ln w="12700">
-              <a:solidFill>
-                <a:schemeClr val="tx1"/>
-              </a:solidFill>
-            </a:ln>
-          </p:spPr>
-          <p:style>
-            <a:lnRef idx="1">
-              <a:schemeClr val="accent1"/>
-            </a:lnRef>
-            <a:fillRef idx="0">
-              <a:schemeClr val="accent1"/>
-            </a:fillRef>
-            <a:effectRef idx="0">
-              <a:schemeClr val="accent1"/>
-            </a:effectRef>
-            <a:fontRef idx="minor">
-              <a:schemeClr val="tx1"/>
-            </a:fontRef>
-          </p:style>
-          <p:txBody>
-            <a:bodyPr rtlCol="0" anchor="ctr"/>
-            <a:lstStyle/>
-            <a:p>
-              <a:pPr algn="ctr"/>
-              <a:endParaRPr lang="en-US">
-                <a:ln w="19050">
-                  <a:solidFill>
-                    <a:schemeClr val="tx1"/>
-                  </a:solidFill>
-                </a:ln>
-              </a:endParaRPr>
-            </a:p>
-          </p:txBody>
-        </p:sp>
-        <p:sp>
-          <p:nvSpPr>
-            <p:cNvPr id="71" name="Oval 70">
-              <a:extLst>
-                <a:ext uri="{FF2B5EF4-FFF2-40B4-BE49-F238E27FC236}">
-                  <a16:creationId xmlns:a16="http://schemas.microsoft.com/office/drawing/2014/main" id="{873EB51E-2CC8-7AF2-1DCD-6484961309A8}"/>
-                </a:ext>
-              </a:extLst>
-            </p:cNvPr>
-            <p:cNvSpPr/>
-            <p:nvPr/>
-          </p:nvSpPr>
-          <p:spPr>
-            <a:xfrm>
-              <a:off x="5058773" y="5185216"/>
-              <a:ext cx="64008" cy="64008"/>
-            </a:xfrm>
-            <a:prstGeom prst="ellipse">
-              <a:avLst/>
-            </a:prstGeom>
-            <a:solidFill>
-              <a:schemeClr val="tx1"/>
-            </a:solidFill>
-            <a:ln>
-              <a:noFill/>
-            </a:ln>
-          </p:spPr>
-          <p:style>
-            <a:lnRef idx="2">
-              <a:schemeClr val="accent1">
-                <a:shade val="15000"/>
-              </a:schemeClr>
-            </a:lnRef>
-            <a:fillRef idx="1">
-              <a:schemeClr val="accent1"/>
-            </a:fillRef>
-            <a:effectRef idx="0">
-              <a:schemeClr val="accent1"/>
-            </a:effectRef>
-            <a:fontRef idx="minor">
-              <a:schemeClr val="lt1"/>
-            </a:fontRef>
-          </p:style>
-          <p:txBody>
-            <a:bodyPr rtlCol="0" anchor="ctr"/>
-            <a:lstStyle/>
-            <a:p>
-              <a:pPr algn="ctr"/>
-              <a:endParaRPr lang="en-US"/>
-            </a:p>
-          </p:txBody>
-        </p:sp>
-        <p:sp>
-          <p:nvSpPr>
-            <p:cNvPr id="73" name="Oval 72">
-              <a:extLst>
-                <a:ext uri="{FF2B5EF4-FFF2-40B4-BE49-F238E27FC236}">
-                  <a16:creationId xmlns:a16="http://schemas.microsoft.com/office/drawing/2014/main" id="{3B357548-D0B4-BB6F-F5F3-D985D89D0108}"/>
-                </a:ext>
-              </a:extLst>
-            </p:cNvPr>
-            <p:cNvSpPr/>
-            <p:nvPr/>
-          </p:nvSpPr>
-          <p:spPr>
-            <a:xfrm>
-              <a:off x="4555772" y="5694174"/>
-              <a:ext cx="64008" cy="64008"/>
-            </a:xfrm>
-            <a:prstGeom prst="ellipse">
-              <a:avLst/>
-            </a:prstGeom>
-            <a:solidFill>
-              <a:schemeClr val="tx1"/>
-            </a:solidFill>
-            <a:ln>
-              <a:noFill/>
-            </a:ln>
-          </p:spPr>
-          <p:style>
-            <a:lnRef idx="2">
-              <a:schemeClr val="accent1">
-                <a:shade val="15000"/>
-              </a:schemeClr>
-            </a:lnRef>
-            <a:fillRef idx="1">
-              <a:schemeClr val="accent1"/>
-            </a:fillRef>
-            <a:effectRef idx="0">
-              <a:schemeClr val="accent1"/>
-            </a:effectRef>
-            <a:fontRef idx="minor">
-              <a:schemeClr val="lt1"/>
-            </a:fontRef>
-          </p:style>
-          <p:txBody>
-            <a:bodyPr rtlCol="0" anchor="ctr"/>
-            <a:lstStyle/>
-            <a:p>
-              <a:pPr algn="ctr"/>
-              <a:endParaRPr lang="en-US"/>
-            </a:p>
-          </p:txBody>
-        </p:sp>
-      </p:grpSp>
-      <p:sp>
-        <p:nvSpPr>
-          <p:cNvPr id="75" name="Arc 74">
-            <a:extLst>
-              <a:ext uri="{FF2B5EF4-FFF2-40B4-BE49-F238E27FC236}">
-                <a16:creationId xmlns:a16="http://schemas.microsoft.com/office/drawing/2014/main" id="{B24D5EAC-66EF-E25C-9EBF-CA456D0286B0}"/>
+                <a16:creationId xmlns:a16="http://schemas.microsoft.com/office/drawing/2014/main" id="{873EB51E-2CC8-7AF2-1DCD-6484961309A8}"/>
               </a:ext>
             </a:extLst>
           </p:cNvPr>
@@ -4268,34 +4578,34 @@
           <p:nvPr/>
         </p:nvSpPr>
         <p:spPr>
-          <a:xfrm rot="18869482">
-            <a:off x="4555652" y="4254829"/>
-            <a:ext cx="822960" cy="822960"/>
+          <a:xfrm>
+            <a:off x="5645765" y="3890166"/>
+            <a:ext cx="34479" cy="36576"/>
           </a:xfrm>
-          <a:prstGeom prst="arc">
-            <a:avLst>
-              <a:gd name="adj1" fmla="val 15426138"/>
-              <a:gd name="adj2" fmla="val 823597"/>
-            </a:avLst>
+          <a:prstGeom prst="ellipse">
+            <a:avLst/>
           </a:prstGeom>
-          <a:ln w="19050">
-            <a:solidFill>
-              <a:schemeClr val="tx1"/>
-            </a:solidFill>
+          <a:solidFill>
+            <a:schemeClr val="tx1"/>
+          </a:solidFill>
+          <a:ln>
+            <a:noFill/>
           </a:ln>
         </p:spPr>
         <p:style>
-          <a:lnRef idx="1">
-            <a:schemeClr val="accent1"/>
+          <a:lnRef idx="2">
+            <a:schemeClr val="accent1">
+              <a:shade val="15000"/>
+            </a:schemeClr>
           </a:lnRef>
-          <a:fillRef idx="0">
+          <a:fillRef idx="1">
             <a:schemeClr val="accent1"/>
           </a:fillRef>
           <a:effectRef idx="0">
             <a:schemeClr val="accent1"/>
           </a:effectRef>
           <a:fontRef idx="minor">
-            <a:schemeClr val="tx1"/>
+            <a:schemeClr val="lt1"/>
           </a:fontRef>
         </p:style>
         <p:txBody>
@@ -4303,13 +4613,7 @@
           <a:lstStyle/>
           <a:p>
             <a:pPr algn="ctr"/>
-            <a:endParaRPr lang="en-US" dirty="0">
-              <a:ln w="19050">
-                <a:solidFill>
-                  <a:schemeClr val="tx1"/>
-                </a:solidFill>
-              </a:ln>
-            </a:endParaRPr>
+            <a:endParaRPr lang="en-US"/>
           </a:p>
         </p:txBody>
       </p:sp>
@@ -4327,7 +4631,7 @@
         </p:nvGrpSpPr>
         <p:grpSpPr>
           <a:xfrm flipH="1">
-            <a:off x="5922002" y="4372851"/>
+            <a:off x="6034260" y="3302531"/>
             <a:ext cx="447164" cy="406011"/>
             <a:chOff x="4555772" y="5185216"/>
             <a:chExt cx="830135" cy="836773"/>
@@ -4510,7 +4814,7 @@
         </p:nvGrpSpPr>
         <p:grpSpPr>
           <a:xfrm>
-            <a:off x="4614228" y="4156787"/>
+            <a:off x="4972229" y="3895128"/>
             <a:ext cx="703570" cy="50738"/>
             <a:chOff x="1105491" y="6656786"/>
             <a:chExt cx="1306140" cy="104569"/>
@@ -4647,171 +4951,6 @@
           </p:style>
         </p:cxnSp>
       </p:grpSp>
-      <mc:AlternateContent xmlns:mc="http://schemas.openxmlformats.org/markup-compatibility/2006">
-        <mc:Choice xmlns:a14="http://schemas.microsoft.com/office/drawing/2010/main" Requires="a14">
-          <p:sp>
-            <p:nvSpPr>
-              <p:cNvPr id="97" name="TextBox 96">
-                <a:extLst>
-                  <a:ext uri="{FF2B5EF4-FFF2-40B4-BE49-F238E27FC236}">
-                    <a16:creationId xmlns:a16="http://schemas.microsoft.com/office/drawing/2014/main" id="{81D65639-01CA-EDAE-3B2C-0AFC43F1019D}"/>
-                  </a:ext>
-                </a:extLst>
-              </p:cNvPr>
-              <p:cNvSpPr txBox="1"/>
-              <p:nvPr/>
-            </p:nvSpPr>
-            <p:spPr>
-              <a:xfrm rot="16200000">
-                <a:off x="3523834" y="6235826"/>
-                <a:ext cx="375936" cy="169277"/>
-              </a:xfrm>
-              <a:prstGeom prst="rect">
-                <a:avLst/>
-              </a:prstGeom>
-              <a:noFill/>
-            </p:spPr>
-            <p:txBody>
-              <a:bodyPr wrap="none" lIns="0" tIns="0" rIns="0" bIns="0" rtlCol="0">
-                <a:spAutoFit/>
-              </a:bodyPr>
-              <a:lstStyle/>
-              <a:p>
-                <a:pPr/>
-                <a14:m>
-                  <m:oMathPara xmlns:m="http://schemas.openxmlformats.org/officeDocument/2006/math">
-                    <m:oMathParaPr>
-                      <m:jc m:val="centerGroup"/>
-                    </m:oMathParaPr>
-                    <m:oMath xmlns:m="http://schemas.openxmlformats.org/officeDocument/2006/math">
-                      <m:sSub>
-                        <m:sSubPr>
-                          <m:ctrlPr>
-                            <a:rPr lang="en-US" sz="1100" b="0" i="1" smtClean="0">
-                              <a:latin typeface="Cambria Math" panose="02040503050406030204" pitchFamily="18" charset="0"/>
-                            </a:rPr>
-                          </m:ctrlPr>
-                        </m:sSubPr>
-                        <m:e>
-                          <m:r>
-                            <a:rPr lang="en-US" sz="1100" b="0" i="1" smtClean="0">
-                              <a:latin typeface="Cambria Math" panose="02040503050406030204" pitchFamily="18" charset="0"/>
-                            </a:rPr>
-                            <m:t>𝑊</m:t>
-                          </m:r>
-                        </m:e>
-                        <m:sub>
-                          <m:r>
-                            <a:rPr lang="en-US" sz="1100" b="0" i="1" smtClean="0">
-                              <a:latin typeface="Cambria Math" panose="02040503050406030204" pitchFamily="18" charset="0"/>
-                            </a:rPr>
-                            <m:t>0</m:t>
-                          </m:r>
-                        </m:sub>
-                      </m:sSub>
-                      <m:r>
-                        <a:rPr lang="en-US" sz="1100" b="0" i="1" smtClean="0">
-                          <a:latin typeface="Cambria Math" panose="02040503050406030204" pitchFamily="18" charset="0"/>
-                        </a:rPr>
-                        <m:t>/</m:t>
-                      </m:r>
-                      <m:r>
-                        <a:rPr lang="en-US" sz="1100" b="0" i="1" smtClean="0">
-                          <a:latin typeface="Cambria Math" panose="02040503050406030204" pitchFamily="18" charset="0"/>
-                        </a:rPr>
-                        <m:t>𝑅</m:t>
-                      </m:r>
-                    </m:oMath>
-                  </m:oMathPara>
-                </a14:m>
-                <a:endParaRPr lang="en-US" sz="1100" i="1" dirty="0"/>
-              </a:p>
-            </p:txBody>
-          </p:sp>
-        </mc:Choice>
-        <mc:Fallback>
-          <p:sp>
-            <p:nvSpPr>
-              <p:cNvPr id="97" name="TextBox 96">
-                <a:extLst>
-                  <a:ext uri="{FF2B5EF4-FFF2-40B4-BE49-F238E27FC236}">
-                    <a16:creationId xmlns:a16="http://schemas.microsoft.com/office/drawing/2014/main" id="{81D65639-01CA-EDAE-3B2C-0AFC43F1019D}"/>
-                  </a:ext>
-                </a:extLst>
-              </p:cNvPr>
-              <p:cNvSpPr txBox="1">
-                <a:spLocks noRot="1" noChangeAspect="1" noMove="1" noResize="1" noEditPoints="1" noAdjustHandles="1" noChangeArrowheads="1" noChangeShapeType="1" noTextEdit="1"/>
-              </p:cNvSpPr>
-              <p:nvPr/>
-            </p:nvSpPr>
-            <p:spPr>
-              <a:xfrm rot="16200000">
-                <a:off x="3523834" y="6235826"/>
-                <a:ext cx="375936" cy="169277"/>
-              </a:xfrm>
-              <a:prstGeom prst="rect">
-                <a:avLst/>
-              </a:prstGeom>
-              <a:blipFill>
-                <a:blip r:embed="rId10"/>
-                <a:stretch>
-                  <a:fillRect t="-8065" r="-35714" b="-8065"/>
-                </a:stretch>
-              </a:blipFill>
-            </p:spPr>
-            <p:txBody>
-              <a:bodyPr/>
-              <a:lstStyle/>
-              <a:p>
-                <a:r>
-                  <a:rPr lang="en-US">
-                    <a:noFill/>
-                  </a:rPr>
-                  <a:t> </a:t>
-                </a:r>
-              </a:p>
-            </p:txBody>
-          </p:sp>
-        </mc:Fallback>
-      </mc:AlternateContent>
-      <p:sp>
-        <p:nvSpPr>
-          <p:cNvPr id="99" name="TextBox 98">
-            <a:extLst>
-              <a:ext uri="{FF2B5EF4-FFF2-40B4-BE49-F238E27FC236}">
-                <a16:creationId xmlns:a16="http://schemas.microsoft.com/office/drawing/2014/main" id="{8E69B4A3-BE33-344A-FAE7-214981507706}"/>
-              </a:ext>
-            </a:extLst>
-          </p:cNvPr>
-          <p:cNvSpPr txBox="1"/>
-          <p:nvPr/>
-        </p:nvSpPr>
-        <p:spPr>
-          <a:xfrm>
-            <a:off x="4567563" y="7369950"/>
-            <a:ext cx="922047" cy="261610"/>
-          </a:xfrm>
-          <a:prstGeom prst="rect">
-            <a:avLst/>
-          </a:prstGeom>
-          <a:noFill/>
-        </p:spPr>
-        <p:txBody>
-          <a:bodyPr wrap="none" rtlCol="0">
-            <a:spAutoFit/>
-          </a:bodyPr>
-          <a:lstStyle/>
-          <a:p>
-            <a:r>
-              <a:rPr lang="en-US" sz="1100" dirty="0">
-                <a:latin typeface="Times New Roman" panose="02020603050405020304" pitchFamily="18" charset="0"/>
-                <a:cs typeface="Times New Roman" panose="02020603050405020304" pitchFamily="18" charset="0"/>
-              </a:rPr>
-              <a:t>Fractal depth</a:t>
-            </a:r>
-          </a:p>
-        </p:txBody>
-      </p:sp>
       <p:sp>
         <p:nvSpPr>
           <p:cNvPr id="11" name="Arc 10">
@@ -4826,8 +4965,8 @@
         </p:nvSpPr>
         <p:spPr>
           <a:xfrm rot="18869482">
-            <a:off x="5517481" y="4231532"/>
-            <a:ext cx="822960" cy="822960"/>
+            <a:off x="5759499" y="3901891"/>
+            <a:ext cx="685800" cy="685800"/>
           </a:xfrm>
           <a:prstGeom prst="arc">
             <a:avLst>
@@ -4884,7 +5023,2229 @@
         </p:nvSpPr>
         <p:spPr>
           <a:xfrm>
-            <a:off x="4589147" y="4418479"/>
+            <a:off x="4605526" y="4461309"/>
+            <a:ext cx="54864" cy="54864"/>
+          </a:xfrm>
+          <a:prstGeom prst="ellipse">
+            <a:avLst/>
+          </a:prstGeom>
+          <a:solidFill>
+            <a:schemeClr val="tx1"/>
+          </a:solidFill>
+          <a:ln>
+            <a:noFill/>
+          </a:ln>
+        </p:spPr>
+        <p:style>
+          <a:lnRef idx="2">
+            <a:schemeClr val="accent1">
+              <a:shade val="15000"/>
+            </a:schemeClr>
+          </a:lnRef>
+          <a:fillRef idx="1">
+            <a:schemeClr val="accent1"/>
+          </a:fillRef>
+          <a:effectRef idx="0">
+            <a:schemeClr val="accent1"/>
+          </a:effectRef>
+          <a:fontRef idx="minor">
+            <a:schemeClr val="lt1"/>
+          </a:fontRef>
+        </p:style>
+        <p:txBody>
+          <a:bodyPr rtlCol="0" anchor="ctr"/>
+          <a:lstStyle/>
+          <a:p>
+            <a:pPr algn="ctr"/>
+            <a:endParaRPr lang="en-US"/>
+          </a:p>
+        </p:txBody>
+      </p:sp>
+      <mc:AlternateContent xmlns:mc="http://schemas.openxmlformats.org/markup-compatibility/2006">
+        <mc:Choice xmlns:a14="http://schemas.microsoft.com/office/drawing/2010/main" Requires="a14">
+          <p:sp>
+            <p:nvSpPr>
+              <p:cNvPr id="17" name="TextBox 16">
+                <a:extLst>
+                  <a:ext uri="{FF2B5EF4-FFF2-40B4-BE49-F238E27FC236}">
+                    <a16:creationId xmlns:a16="http://schemas.microsoft.com/office/drawing/2014/main" id="{DC823164-0AE8-AAAD-1BAE-1D36805D99D0}"/>
+                  </a:ext>
+                </a:extLst>
+              </p:cNvPr>
+              <p:cNvSpPr txBox="1"/>
+              <p:nvPr/>
+            </p:nvSpPr>
+            <p:spPr>
+              <a:xfrm>
+                <a:off x="3822293" y="5043450"/>
+                <a:ext cx="530658" cy="246221"/>
+              </a:xfrm>
+              <a:prstGeom prst="rect">
+                <a:avLst/>
+              </a:prstGeom>
+              <a:noFill/>
+            </p:spPr>
+            <p:txBody>
+              <a:bodyPr wrap="none" rtlCol="0">
+                <a:spAutoFit/>
+              </a:bodyPr>
+              <a:lstStyle/>
+              <a:p>
+                <a14:m>
+                  <m:oMathPara xmlns:m="http://schemas.openxmlformats.org/officeDocument/2006/math">
+                    <m:oMathParaPr>
+                      <m:jc m:val="centerGroup"/>
+                    </m:oMathParaPr>
+                    <m:oMath xmlns:m="http://schemas.openxmlformats.org/officeDocument/2006/math">
+                      <m:r>
+                        <a:rPr lang="en-US" sz="1000" b="0" i="1" smtClean="0">
+                          <a:latin typeface="Cambria Math" panose="02040503050406030204" pitchFamily="18" charset="0"/>
+                          <a:cs typeface="Times New Roman" panose="02020603050405020304" pitchFamily="18" charset="0"/>
+                        </a:rPr>
+                        <m:t>𝑛</m:t>
+                      </m:r>
+                      <m:r>
+                        <a:rPr lang="en-US" sz="1000" b="0" i="1" smtClean="0">
+                          <a:latin typeface="Cambria Math" panose="02040503050406030204" pitchFamily="18" charset="0"/>
+                          <a:cs typeface="Times New Roman" panose="02020603050405020304" pitchFamily="18" charset="0"/>
+                        </a:rPr>
+                        <m:t>=0</m:t>
+                      </m:r>
+                    </m:oMath>
+                  </m:oMathPara>
+                </a14:m>
+                <a:endParaRPr lang="en-US" sz="1000" dirty="0">
+                  <a:latin typeface="Times New Roman" panose="02020603050405020304" pitchFamily="18" charset="0"/>
+                  <a:cs typeface="Times New Roman" panose="02020603050405020304" pitchFamily="18" charset="0"/>
+                </a:endParaRPr>
+              </a:p>
+            </p:txBody>
+          </p:sp>
+        </mc:Choice>
+        <mc:Fallback>
+          <p:sp>
+            <p:nvSpPr>
+              <p:cNvPr id="17" name="TextBox 16">
+                <a:extLst>
+                  <a:ext uri="{FF2B5EF4-FFF2-40B4-BE49-F238E27FC236}">
+                    <a16:creationId xmlns:a16="http://schemas.microsoft.com/office/drawing/2014/main" id="{DC823164-0AE8-AAAD-1BAE-1D36805D99D0}"/>
+                  </a:ext>
+                </a:extLst>
+              </p:cNvPr>
+              <p:cNvSpPr txBox="1">
+                <a:spLocks noRot="1" noChangeAspect="1" noMove="1" noResize="1" noEditPoints="1" noAdjustHandles="1" noChangeArrowheads="1" noChangeShapeType="1" noTextEdit="1"/>
+              </p:cNvSpPr>
+              <p:nvPr/>
+            </p:nvSpPr>
+            <p:spPr>
+              <a:xfrm>
+                <a:off x="3822293" y="5043450"/>
+                <a:ext cx="530658" cy="246221"/>
+              </a:xfrm>
+              <a:prstGeom prst="rect">
+                <a:avLst/>
+              </a:prstGeom>
+              <a:blipFill>
+                <a:blip r:embed="rId13"/>
+                <a:stretch>
+                  <a:fillRect/>
+                </a:stretch>
+              </a:blipFill>
+            </p:spPr>
+            <p:txBody>
+              <a:bodyPr/>
+              <a:lstStyle/>
+              <a:p>
+                <a:r>
+                  <a:rPr lang="en-US">
+                    <a:noFill/>
+                  </a:rPr>
+                  <a:t> </a:t>
+                </a:r>
+              </a:p>
+            </p:txBody>
+          </p:sp>
+        </mc:Fallback>
+      </mc:AlternateContent>
+      <p:sp>
+        <p:nvSpPr>
+          <p:cNvPr id="27" name="Oval 26">
+            <a:extLst>
+              <a:ext uri="{FF2B5EF4-FFF2-40B4-BE49-F238E27FC236}">
+                <a16:creationId xmlns:a16="http://schemas.microsoft.com/office/drawing/2014/main" id="{4D991299-7CE8-46BB-B5AB-59C32ABBD524}"/>
+              </a:ext>
+            </a:extLst>
+          </p:cNvPr>
+          <p:cNvSpPr/>
+          <p:nvPr/>
+        </p:nvSpPr>
+        <p:spPr>
+          <a:xfrm>
+            <a:off x="5618333" y="4569310"/>
+            <a:ext cx="54864" cy="54864"/>
+          </a:xfrm>
+          <a:prstGeom prst="ellipse">
+            <a:avLst/>
+          </a:prstGeom>
+          <a:solidFill>
+            <a:schemeClr val="tx1"/>
+          </a:solidFill>
+          <a:ln>
+            <a:noFill/>
+          </a:ln>
+        </p:spPr>
+        <p:style>
+          <a:lnRef idx="2">
+            <a:schemeClr val="accent1">
+              <a:shade val="15000"/>
+            </a:schemeClr>
+          </a:lnRef>
+          <a:fillRef idx="1">
+            <a:schemeClr val="accent1"/>
+          </a:fillRef>
+          <a:effectRef idx="0">
+            <a:schemeClr val="accent1"/>
+          </a:effectRef>
+          <a:fontRef idx="minor">
+            <a:schemeClr val="lt1"/>
+          </a:fontRef>
+        </p:style>
+        <p:txBody>
+          <a:bodyPr rtlCol="0" anchor="ctr"/>
+          <a:lstStyle/>
+          <a:p>
+            <a:pPr algn="ctr"/>
+            <a:endParaRPr lang="en-US"/>
+          </a:p>
+        </p:txBody>
+      </p:sp>
+      <mc:AlternateContent xmlns:mc="http://schemas.openxmlformats.org/markup-compatibility/2006">
+        <mc:Choice xmlns:a14="http://schemas.microsoft.com/office/drawing/2010/main" Requires="a14">
+          <p:sp>
+            <p:nvSpPr>
+              <p:cNvPr id="2" name="TextBox 1">
+                <a:extLst>
+                  <a:ext uri="{FF2B5EF4-FFF2-40B4-BE49-F238E27FC236}">
+                    <a16:creationId xmlns:a16="http://schemas.microsoft.com/office/drawing/2014/main" id="{0C6389FB-B328-F930-B690-4DB2FCEA5F26}"/>
+                  </a:ext>
+                </a:extLst>
+              </p:cNvPr>
+              <p:cNvSpPr txBox="1"/>
+              <p:nvPr/>
+            </p:nvSpPr>
+            <p:spPr>
+              <a:xfrm>
+                <a:off x="4701267" y="5042423"/>
+                <a:ext cx="530658" cy="246221"/>
+              </a:xfrm>
+              <a:prstGeom prst="rect">
+                <a:avLst/>
+              </a:prstGeom>
+              <a:noFill/>
+            </p:spPr>
+            <p:txBody>
+              <a:bodyPr wrap="none" rtlCol="0">
+                <a:spAutoFit/>
+              </a:bodyPr>
+              <a:lstStyle/>
+              <a:p>
+                <a14:m>
+                  <m:oMathPara xmlns:m="http://schemas.openxmlformats.org/officeDocument/2006/math">
+                    <m:oMathParaPr>
+                      <m:jc m:val="centerGroup"/>
+                    </m:oMathParaPr>
+                    <m:oMath xmlns:m="http://schemas.openxmlformats.org/officeDocument/2006/math">
+                      <m:r>
+                        <a:rPr lang="en-US" sz="1000" b="0" i="1" smtClean="0">
+                          <a:latin typeface="Cambria Math" panose="02040503050406030204" pitchFamily="18" charset="0"/>
+                          <a:cs typeface="Times New Roman" panose="02020603050405020304" pitchFamily="18" charset="0"/>
+                        </a:rPr>
+                        <m:t>𝑛</m:t>
+                      </m:r>
+                      <m:r>
+                        <a:rPr lang="en-US" sz="1000" b="0" i="1" smtClean="0">
+                          <a:latin typeface="Cambria Math" panose="02040503050406030204" pitchFamily="18" charset="0"/>
+                          <a:cs typeface="Times New Roman" panose="02020603050405020304" pitchFamily="18" charset="0"/>
+                        </a:rPr>
+                        <m:t>=1</m:t>
+                      </m:r>
+                    </m:oMath>
+                  </m:oMathPara>
+                </a14:m>
+                <a:endParaRPr lang="en-US" sz="1000" dirty="0">
+                  <a:latin typeface="Times New Roman" panose="02020603050405020304" pitchFamily="18" charset="0"/>
+                  <a:cs typeface="Times New Roman" panose="02020603050405020304" pitchFamily="18" charset="0"/>
+                </a:endParaRPr>
+              </a:p>
+            </p:txBody>
+          </p:sp>
+        </mc:Choice>
+        <mc:Fallback>
+          <p:sp>
+            <p:nvSpPr>
+              <p:cNvPr id="2" name="TextBox 1">
+                <a:extLst>
+                  <a:ext uri="{FF2B5EF4-FFF2-40B4-BE49-F238E27FC236}">
+                    <a16:creationId xmlns:a16="http://schemas.microsoft.com/office/drawing/2014/main" id="{0C6389FB-B328-F930-B690-4DB2FCEA5F26}"/>
+                  </a:ext>
+                </a:extLst>
+              </p:cNvPr>
+              <p:cNvSpPr txBox="1">
+                <a:spLocks noRot="1" noChangeAspect="1" noMove="1" noResize="1" noEditPoints="1" noAdjustHandles="1" noChangeArrowheads="1" noChangeShapeType="1" noTextEdit="1"/>
+              </p:cNvSpPr>
+              <p:nvPr/>
+            </p:nvSpPr>
+            <p:spPr>
+              <a:xfrm>
+                <a:off x="4701267" y="5042423"/>
+                <a:ext cx="530658" cy="246221"/>
+              </a:xfrm>
+              <a:prstGeom prst="rect">
+                <a:avLst/>
+              </a:prstGeom>
+              <a:blipFill>
+                <a:blip r:embed="rId14"/>
+                <a:stretch>
+                  <a:fillRect/>
+                </a:stretch>
+              </a:blipFill>
+            </p:spPr>
+            <p:txBody>
+              <a:bodyPr/>
+              <a:lstStyle/>
+              <a:p>
+                <a:r>
+                  <a:rPr lang="en-US">
+                    <a:noFill/>
+                  </a:rPr>
+                  <a:t> </a:t>
+                </a:r>
+              </a:p>
+            </p:txBody>
+          </p:sp>
+        </mc:Fallback>
+      </mc:AlternateContent>
+      <mc:AlternateContent xmlns:mc="http://schemas.openxmlformats.org/markup-compatibility/2006">
+        <mc:Choice xmlns:a14="http://schemas.microsoft.com/office/drawing/2010/main" Requires="a14">
+          <p:sp>
+            <p:nvSpPr>
+              <p:cNvPr id="3" name="TextBox 2">
+                <a:extLst>
+                  <a:ext uri="{FF2B5EF4-FFF2-40B4-BE49-F238E27FC236}">
+                    <a16:creationId xmlns:a16="http://schemas.microsoft.com/office/drawing/2014/main" id="{112B2B00-9633-C269-E949-DFE14DBA14D6}"/>
+                  </a:ext>
+                </a:extLst>
+              </p:cNvPr>
+              <p:cNvSpPr txBox="1"/>
+              <p:nvPr/>
+            </p:nvSpPr>
+            <p:spPr>
+              <a:xfrm>
+                <a:off x="5706401" y="5046858"/>
+                <a:ext cx="485389" cy="246221"/>
+              </a:xfrm>
+              <a:prstGeom prst="rect">
+                <a:avLst/>
+              </a:prstGeom>
+              <a:noFill/>
+            </p:spPr>
+            <p:txBody>
+              <a:bodyPr wrap="none" rtlCol="0">
+                <a:spAutoFit/>
+              </a:bodyPr>
+              <a:lstStyle/>
+              <a:p>
+                <a14:m>
+                  <m:oMath xmlns:m="http://schemas.openxmlformats.org/officeDocument/2006/math">
+                    <m:r>
+                      <a:rPr lang="en-US" sz="1000" b="0" i="1" smtClean="0">
+                        <a:latin typeface="Cambria Math" panose="02040503050406030204" pitchFamily="18" charset="0"/>
+                        <a:cs typeface="Times New Roman" panose="02020603050405020304" pitchFamily="18" charset="0"/>
+                      </a:rPr>
+                      <m:t>𝑛</m:t>
+                    </m:r>
+                    <m:r>
+                      <a:rPr lang="en-US" sz="1000" b="0" i="1" smtClean="0">
+                        <a:latin typeface="Cambria Math" panose="02040503050406030204" pitchFamily="18" charset="0"/>
+                        <a:cs typeface="Times New Roman" panose="02020603050405020304" pitchFamily="18" charset="0"/>
+                      </a:rPr>
+                      <m:t>= </m:t>
+                    </m:r>
+                  </m:oMath>
+                </a14:m>
+                <a:r>
+                  <a:rPr lang="en-US" sz="1000" dirty="0">
+                    <a:latin typeface="Times New Roman" panose="02020603050405020304" pitchFamily="18" charset="0"/>
+                    <a:cs typeface="Times New Roman" panose="02020603050405020304" pitchFamily="18" charset="0"/>
+                  </a:rPr>
+                  <a:t>2</a:t>
+                </a:r>
+              </a:p>
+            </p:txBody>
+          </p:sp>
+        </mc:Choice>
+        <mc:Fallback>
+          <p:sp>
+            <p:nvSpPr>
+              <p:cNvPr id="3" name="TextBox 2">
+                <a:extLst>
+                  <a:ext uri="{FF2B5EF4-FFF2-40B4-BE49-F238E27FC236}">
+                    <a16:creationId xmlns:a16="http://schemas.microsoft.com/office/drawing/2014/main" id="{112B2B00-9633-C269-E949-DFE14DBA14D6}"/>
+                  </a:ext>
+                </a:extLst>
+              </p:cNvPr>
+              <p:cNvSpPr txBox="1">
+                <a:spLocks noRot="1" noChangeAspect="1" noMove="1" noResize="1" noEditPoints="1" noAdjustHandles="1" noChangeArrowheads="1" noChangeShapeType="1" noTextEdit="1"/>
+              </p:cNvSpPr>
+              <p:nvPr/>
+            </p:nvSpPr>
+            <p:spPr>
+              <a:xfrm>
+                <a:off x="5706401" y="5046858"/>
+                <a:ext cx="485389" cy="246221"/>
+              </a:xfrm>
+              <a:prstGeom prst="rect">
+                <a:avLst/>
+              </a:prstGeom>
+              <a:blipFill>
+                <a:blip r:embed="rId15"/>
+                <a:stretch>
+                  <a:fillRect b="-12500"/>
+                </a:stretch>
+              </a:blipFill>
+            </p:spPr>
+            <p:txBody>
+              <a:bodyPr/>
+              <a:lstStyle/>
+              <a:p>
+                <a:r>
+                  <a:rPr lang="en-US">
+                    <a:noFill/>
+                  </a:rPr>
+                  <a:t> </a:t>
+                </a:r>
+              </a:p>
+            </p:txBody>
+          </p:sp>
+        </mc:Fallback>
+      </mc:AlternateContent>
+      <mc:AlternateContent xmlns:mc="http://schemas.openxmlformats.org/markup-compatibility/2006">
+        <mc:Choice xmlns:a14="http://schemas.microsoft.com/office/drawing/2010/main" Requires="a14">
+          <p:sp>
+            <p:nvSpPr>
+              <p:cNvPr id="21" name="TextBox 20">
+                <a:extLst>
+                  <a:ext uri="{FF2B5EF4-FFF2-40B4-BE49-F238E27FC236}">
+                    <a16:creationId xmlns:a16="http://schemas.microsoft.com/office/drawing/2014/main" id="{64609859-E3FF-C002-63ED-D4571BD1026E}"/>
+                  </a:ext>
+                </a:extLst>
+              </p:cNvPr>
+              <p:cNvSpPr txBox="1"/>
+              <p:nvPr/>
+            </p:nvSpPr>
+            <p:spPr>
+              <a:xfrm>
+                <a:off x="6372601" y="4103214"/>
+                <a:ext cx="485399" cy="123111"/>
+              </a:xfrm>
+              <a:prstGeom prst="rect">
+                <a:avLst/>
+              </a:prstGeom>
+              <a:noFill/>
+            </p:spPr>
+            <p:txBody>
+              <a:bodyPr wrap="square" lIns="0" tIns="0" rIns="0" bIns="0" rtlCol="0">
+                <a:spAutoFit/>
+              </a:bodyPr>
+              <a:lstStyle/>
+              <a:p>
+                <a:pPr/>
+                <a14:m>
+                  <m:oMathPara xmlns:m="http://schemas.openxmlformats.org/officeDocument/2006/math">
+                    <m:oMathParaPr>
+                      <m:jc m:val="centerGroup"/>
+                    </m:oMathParaPr>
+                    <m:oMath xmlns:m="http://schemas.openxmlformats.org/officeDocument/2006/math">
+                      <m:sSub>
+                        <m:sSubPr>
+                          <m:ctrlPr>
+                            <a:rPr lang="en-US" sz="800" b="0" i="1" smtClean="0">
+                              <a:latin typeface="Cambria Math" panose="02040503050406030204" pitchFamily="18" charset="0"/>
+                            </a:rPr>
+                          </m:ctrlPr>
+                        </m:sSubPr>
+                        <m:e>
+                          <m:r>
+                            <a:rPr lang="en-US" sz="800" b="0" i="1" smtClean="0">
+                              <a:latin typeface="Cambria Math" panose="02040503050406030204" pitchFamily="18" charset="0"/>
+                            </a:rPr>
+                            <m:t>𝑤</m:t>
+                          </m:r>
+                        </m:e>
+                        <m:sub>
+                          <m:r>
+                            <a:rPr lang="en-US" sz="800" b="0" i="1" smtClean="0">
+                              <a:latin typeface="Cambria Math" panose="02040503050406030204" pitchFamily="18" charset="0"/>
+                            </a:rPr>
+                            <m:t>2</m:t>
+                          </m:r>
+                        </m:sub>
+                      </m:sSub>
+                    </m:oMath>
+                  </m:oMathPara>
+                </a14:m>
+                <a:endParaRPr lang="en-US" sz="800" dirty="0"/>
+              </a:p>
+            </p:txBody>
+          </p:sp>
+        </mc:Choice>
+        <mc:Fallback>
+          <p:sp>
+            <p:nvSpPr>
+              <p:cNvPr id="21" name="TextBox 20">
+                <a:extLst>
+                  <a:ext uri="{FF2B5EF4-FFF2-40B4-BE49-F238E27FC236}">
+                    <a16:creationId xmlns:a16="http://schemas.microsoft.com/office/drawing/2014/main" id="{64609859-E3FF-C002-63ED-D4571BD1026E}"/>
+                  </a:ext>
+                </a:extLst>
+              </p:cNvPr>
+              <p:cNvSpPr txBox="1">
+                <a:spLocks noRot="1" noChangeAspect="1" noMove="1" noResize="1" noEditPoints="1" noAdjustHandles="1" noChangeArrowheads="1" noChangeShapeType="1" noTextEdit="1"/>
+              </p:cNvSpPr>
+              <p:nvPr/>
+            </p:nvSpPr>
+            <p:spPr>
+              <a:xfrm>
+                <a:off x="6372601" y="4103214"/>
+                <a:ext cx="485399" cy="123111"/>
+              </a:xfrm>
+              <a:prstGeom prst="rect">
+                <a:avLst/>
+              </a:prstGeom>
+              <a:blipFill>
+                <a:blip r:embed="rId16"/>
+                <a:stretch>
+                  <a:fillRect b="-25000"/>
+                </a:stretch>
+              </a:blipFill>
+            </p:spPr>
+            <p:txBody>
+              <a:bodyPr/>
+              <a:lstStyle/>
+              <a:p>
+                <a:r>
+                  <a:rPr lang="en-US">
+                    <a:noFill/>
+                  </a:rPr>
+                  <a:t> </a:t>
+                </a:r>
+              </a:p>
+            </p:txBody>
+          </p:sp>
+        </mc:Fallback>
+      </mc:AlternateContent>
+      <mc:AlternateContent xmlns:mc="http://schemas.openxmlformats.org/markup-compatibility/2006">
+        <mc:Choice xmlns:a14="http://schemas.microsoft.com/office/drawing/2010/main" Requires="a14">
+          <p:sp>
+            <p:nvSpPr>
+              <p:cNvPr id="48" name="TextBox 47">
+                <a:extLst>
+                  <a:ext uri="{FF2B5EF4-FFF2-40B4-BE49-F238E27FC236}">
+                    <a16:creationId xmlns:a16="http://schemas.microsoft.com/office/drawing/2014/main" id="{FD253D63-7FBC-CDBD-2B4E-BEE5B5452A06}"/>
+                  </a:ext>
+                </a:extLst>
+              </p:cNvPr>
+              <p:cNvSpPr txBox="1"/>
+              <p:nvPr/>
+            </p:nvSpPr>
+            <p:spPr>
+              <a:xfrm>
+                <a:off x="5201447" y="4216443"/>
+                <a:ext cx="485399" cy="123111"/>
+              </a:xfrm>
+              <a:prstGeom prst="rect">
+                <a:avLst/>
+              </a:prstGeom>
+              <a:noFill/>
+            </p:spPr>
+            <p:txBody>
+              <a:bodyPr wrap="square" lIns="0" tIns="0" rIns="0" bIns="0" rtlCol="0">
+                <a:spAutoFit/>
+              </a:bodyPr>
+              <a:lstStyle/>
+              <a:p>
+                <a:pPr/>
+                <a14:m>
+                  <m:oMathPara xmlns:m="http://schemas.openxmlformats.org/officeDocument/2006/math">
+                    <m:oMathParaPr>
+                      <m:jc m:val="centerGroup"/>
+                    </m:oMathParaPr>
+                    <m:oMath xmlns:m="http://schemas.openxmlformats.org/officeDocument/2006/math">
+                      <m:sSub>
+                        <m:sSubPr>
+                          <m:ctrlPr>
+                            <a:rPr lang="en-US" sz="800" b="0" i="1" smtClean="0">
+                              <a:latin typeface="Cambria Math" panose="02040503050406030204" pitchFamily="18" charset="0"/>
+                            </a:rPr>
+                          </m:ctrlPr>
+                        </m:sSubPr>
+                        <m:e>
+                          <m:r>
+                            <a:rPr lang="en-US" sz="800" b="0" i="1" smtClean="0">
+                              <a:latin typeface="Cambria Math" panose="02040503050406030204" pitchFamily="18" charset="0"/>
+                            </a:rPr>
+                            <m:t>𝑤</m:t>
+                          </m:r>
+                        </m:e>
+                        <m:sub>
+                          <m:r>
+                            <a:rPr lang="en-US" sz="800" b="0" i="1" smtClean="0">
+                              <a:latin typeface="Cambria Math" panose="02040503050406030204" pitchFamily="18" charset="0"/>
+                            </a:rPr>
+                            <m:t>1</m:t>
+                          </m:r>
+                        </m:sub>
+                      </m:sSub>
+                    </m:oMath>
+                  </m:oMathPara>
+                </a14:m>
+                <a:endParaRPr lang="en-US" sz="800" dirty="0"/>
+              </a:p>
+            </p:txBody>
+          </p:sp>
+        </mc:Choice>
+        <mc:Fallback>
+          <p:sp>
+            <p:nvSpPr>
+              <p:cNvPr id="48" name="TextBox 47">
+                <a:extLst>
+                  <a:ext uri="{FF2B5EF4-FFF2-40B4-BE49-F238E27FC236}">
+                    <a16:creationId xmlns:a16="http://schemas.microsoft.com/office/drawing/2014/main" id="{FD253D63-7FBC-CDBD-2B4E-BEE5B5452A06}"/>
+                  </a:ext>
+                </a:extLst>
+              </p:cNvPr>
+              <p:cNvSpPr txBox="1">
+                <a:spLocks noRot="1" noChangeAspect="1" noMove="1" noResize="1" noEditPoints="1" noAdjustHandles="1" noChangeArrowheads="1" noChangeShapeType="1" noTextEdit="1"/>
+              </p:cNvSpPr>
+              <p:nvPr/>
+            </p:nvSpPr>
+            <p:spPr>
+              <a:xfrm>
+                <a:off x="5201447" y="4216443"/>
+                <a:ext cx="485399" cy="123111"/>
+              </a:xfrm>
+              <a:prstGeom prst="rect">
+                <a:avLst/>
+              </a:prstGeom>
+              <a:blipFill>
+                <a:blip r:embed="rId17"/>
+                <a:stretch>
+                  <a:fillRect b="-20000"/>
+                </a:stretch>
+              </a:blipFill>
+            </p:spPr>
+            <p:txBody>
+              <a:bodyPr/>
+              <a:lstStyle/>
+              <a:p>
+                <a:r>
+                  <a:rPr lang="en-US">
+                    <a:noFill/>
+                  </a:rPr>
+                  <a:t> </a:t>
+                </a:r>
+              </a:p>
+            </p:txBody>
+          </p:sp>
+        </mc:Fallback>
+      </mc:AlternateContent>
+      <p:cxnSp>
+        <p:nvCxnSpPr>
+          <p:cNvPr id="50" name="Straight Connector 49">
+            <a:extLst>
+              <a:ext uri="{FF2B5EF4-FFF2-40B4-BE49-F238E27FC236}">
+                <a16:creationId xmlns:a16="http://schemas.microsoft.com/office/drawing/2014/main" id="{A0883055-5108-2100-FC6C-50AE55AD73E1}"/>
+              </a:ext>
+            </a:extLst>
+          </p:cNvPr>
+          <p:cNvCxnSpPr>
+            <a:cxnSpLocks/>
+          </p:cNvCxnSpPr>
+          <p:nvPr/>
+        </p:nvCxnSpPr>
+        <p:spPr>
+          <a:xfrm flipH="1">
+            <a:off x="4630402" y="4632828"/>
+            <a:ext cx="221355" cy="102938"/>
+          </a:xfrm>
+          <a:prstGeom prst="line">
+            <a:avLst/>
+          </a:prstGeom>
+          <a:ln w="12700">
+            <a:solidFill>
+              <a:schemeClr val="tx1"/>
+            </a:solidFill>
+            <a:prstDash val="sysDot"/>
+          </a:ln>
+        </p:spPr>
+        <p:style>
+          <a:lnRef idx="1">
+            <a:schemeClr val="accent1"/>
+          </a:lnRef>
+          <a:fillRef idx="0">
+            <a:schemeClr val="accent1"/>
+          </a:fillRef>
+          <a:effectRef idx="0">
+            <a:schemeClr val="accent1"/>
+          </a:effectRef>
+          <a:fontRef idx="minor">
+            <a:schemeClr val="tx1"/>
+          </a:fontRef>
+        </p:style>
+      </p:cxnSp>
+      <mc:AlternateContent xmlns:mc="http://schemas.openxmlformats.org/markup-compatibility/2006">
+        <mc:Choice xmlns:a14="http://schemas.microsoft.com/office/drawing/2010/main" Requires="a14">
+          <p:sp>
+            <p:nvSpPr>
+              <p:cNvPr id="56" name="TextBox 55">
+                <a:extLst>
+                  <a:ext uri="{FF2B5EF4-FFF2-40B4-BE49-F238E27FC236}">
+                    <a16:creationId xmlns:a16="http://schemas.microsoft.com/office/drawing/2014/main" id="{6C4EDC52-8021-80B0-7BE5-F54F5F638B4D}"/>
+                  </a:ext>
+                </a:extLst>
+              </p:cNvPr>
+              <p:cNvSpPr txBox="1"/>
+              <p:nvPr/>
+            </p:nvSpPr>
+            <p:spPr>
+              <a:xfrm>
+                <a:off x="4546392" y="4686070"/>
+                <a:ext cx="485399" cy="123111"/>
+              </a:xfrm>
+              <a:prstGeom prst="rect">
+                <a:avLst/>
+              </a:prstGeom>
+              <a:noFill/>
+            </p:spPr>
+            <p:txBody>
+              <a:bodyPr wrap="square" lIns="0" tIns="0" rIns="0" bIns="0" rtlCol="0">
+                <a:spAutoFit/>
+              </a:bodyPr>
+              <a:lstStyle/>
+              <a:p>
+                <a:pPr/>
+                <a14:m>
+                  <m:oMathPara xmlns:m="http://schemas.openxmlformats.org/officeDocument/2006/math">
+                    <m:oMathParaPr>
+                      <m:jc m:val="centerGroup"/>
+                    </m:oMathParaPr>
+                    <m:oMath xmlns:m="http://schemas.openxmlformats.org/officeDocument/2006/math">
+                      <m:sSub>
+                        <m:sSubPr>
+                          <m:ctrlPr>
+                            <a:rPr lang="en-US" sz="800" b="0" i="1" smtClean="0">
+                              <a:latin typeface="Cambria Math" panose="02040503050406030204" pitchFamily="18" charset="0"/>
+                            </a:rPr>
+                          </m:ctrlPr>
+                        </m:sSubPr>
+                        <m:e>
+                          <m:r>
+                            <a:rPr lang="en-US" sz="800" b="0" i="1" smtClean="0">
+                              <a:latin typeface="Cambria Math" panose="02040503050406030204" pitchFamily="18" charset="0"/>
+                            </a:rPr>
+                            <m:t>𝑤</m:t>
+                          </m:r>
+                        </m:e>
+                        <m:sub>
+                          <m:r>
+                            <a:rPr lang="en-US" sz="800" b="0" i="1" smtClean="0">
+                              <a:latin typeface="Cambria Math" panose="02040503050406030204" pitchFamily="18" charset="0"/>
+                            </a:rPr>
+                            <m:t>1</m:t>
+                          </m:r>
+                        </m:sub>
+                      </m:sSub>
+                    </m:oMath>
+                  </m:oMathPara>
+                </a14:m>
+                <a:endParaRPr lang="en-US" sz="800" dirty="0"/>
+              </a:p>
+            </p:txBody>
+          </p:sp>
+        </mc:Choice>
+        <mc:Fallback>
+          <p:sp>
+            <p:nvSpPr>
+              <p:cNvPr id="56" name="TextBox 55">
+                <a:extLst>
+                  <a:ext uri="{FF2B5EF4-FFF2-40B4-BE49-F238E27FC236}">
+                    <a16:creationId xmlns:a16="http://schemas.microsoft.com/office/drawing/2014/main" id="{6C4EDC52-8021-80B0-7BE5-F54F5F638B4D}"/>
+                  </a:ext>
+                </a:extLst>
+              </p:cNvPr>
+              <p:cNvSpPr txBox="1">
+                <a:spLocks noRot="1" noChangeAspect="1" noMove="1" noResize="1" noEditPoints="1" noAdjustHandles="1" noChangeArrowheads="1" noChangeShapeType="1" noTextEdit="1"/>
+              </p:cNvSpPr>
+              <p:nvPr/>
+            </p:nvSpPr>
+            <p:spPr>
+              <a:xfrm>
+                <a:off x="4546392" y="4686070"/>
+                <a:ext cx="485399" cy="123111"/>
+              </a:xfrm>
+              <a:prstGeom prst="rect">
+                <a:avLst/>
+              </a:prstGeom>
+              <a:blipFill>
+                <a:blip r:embed="rId18"/>
+                <a:stretch>
+                  <a:fillRect b="-20000"/>
+                </a:stretch>
+              </a:blipFill>
+            </p:spPr>
+            <p:txBody>
+              <a:bodyPr/>
+              <a:lstStyle/>
+              <a:p>
+                <a:r>
+                  <a:rPr lang="en-US">
+                    <a:noFill/>
+                  </a:rPr>
+                  <a:t> </a:t>
+                </a:r>
+              </a:p>
+            </p:txBody>
+          </p:sp>
+        </mc:Fallback>
+      </mc:AlternateContent>
+      <p:sp>
+        <p:nvSpPr>
+          <p:cNvPr id="85" name="Oval 84">
+            <a:extLst>
+              <a:ext uri="{FF2B5EF4-FFF2-40B4-BE49-F238E27FC236}">
+                <a16:creationId xmlns:a16="http://schemas.microsoft.com/office/drawing/2014/main" id="{5CD11E49-6620-B55C-8C01-3194DE57D8DA}"/>
+              </a:ext>
+            </a:extLst>
+          </p:cNvPr>
+          <p:cNvSpPr/>
+          <p:nvPr/>
+        </p:nvSpPr>
+        <p:spPr>
+          <a:xfrm>
+            <a:off x="5414962" y="3419882"/>
+            <a:ext cx="34479" cy="36576"/>
+          </a:xfrm>
+          <a:prstGeom prst="ellipse">
+            <a:avLst/>
+          </a:prstGeom>
+          <a:solidFill>
+            <a:schemeClr val="tx1"/>
+          </a:solidFill>
+          <a:ln>
+            <a:noFill/>
+          </a:ln>
+        </p:spPr>
+        <p:style>
+          <a:lnRef idx="2">
+            <a:schemeClr val="accent1">
+              <a:shade val="15000"/>
+            </a:schemeClr>
+          </a:lnRef>
+          <a:fillRef idx="1">
+            <a:schemeClr val="accent1"/>
+          </a:fillRef>
+          <a:effectRef idx="0">
+            <a:schemeClr val="accent1"/>
+          </a:effectRef>
+          <a:fontRef idx="minor">
+            <a:schemeClr val="lt1"/>
+          </a:fontRef>
+        </p:style>
+        <p:txBody>
+          <a:bodyPr rtlCol="0" anchor="ctr"/>
+          <a:lstStyle/>
+          <a:p>
+            <a:pPr algn="ctr"/>
+            <a:endParaRPr lang="en-US"/>
+          </a:p>
+        </p:txBody>
+      </p:sp>
+      <p:grpSp>
+        <p:nvGrpSpPr>
+          <p:cNvPr id="95" name="Group 94">
+            <a:extLst>
+              <a:ext uri="{FF2B5EF4-FFF2-40B4-BE49-F238E27FC236}">
+                <a16:creationId xmlns:a16="http://schemas.microsoft.com/office/drawing/2014/main" id="{17E5100C-88F2-2E2C-66EE-99E8062D215B}"/>
+              </a:ext>
+            </a:extLst>
+          </p:cNvPr>
+          <p:cNvGrpSpPr/>
+          <p:nvPr/>
+        </p:nvGrpSpPr>
+        <p:grpSpPr>
+          <a:xfrm>
+            <a:off x="5588351" y="4549669"/>
+            <a:ext cx="240990" cy="231771"/>
+            <a:chOff x="5588351" y="4549669"/>
+            <a:chExt cx="240990" cy="231771"/>
+          </a:xfrm>
+        </p:grpSpPr>
+        <p:cxnSp>
+          <p:nvCxnSpPr>
+            <p:cNvPr id="6" name="Straight Connector 5">
+              <a:extLst>
+                <a:ext uri="{FF2B5EF4-FFF2-40B4-BE49-F238E27FC236}">
+                  <a16:creationId xmlns:a16="http://schemas.microsoft.com/office/drawing/2014/main" id="{832D98A4-201C-657E-F342-D8876389DDEB}"/>
+                </a:ext>
+              </a:extLst>
+            </p:cNvPr>
+            <p:cNvCxnSpPr>
+              <a:cxnSpLocks/>
+            </p:cNvCxnSpPr>
+            <p:nvPr/>
+          </p:nvCxnSpPr>
+          <p:spPr>
+            <a:xfrm flipH="1">
+              <a:off x="5605581" y="4563020"/>
+              <a:ext cx="204955" cy="192208"/>
+            </a:xfrm>
+            <a:prstGeom prst="line">
+              <a:avLst/>
+            </a:prstGeom>
+            <a:ln w="12700">
+              <a:solidFill>
+                <a:schemeClr val="tx1"/>
+              </a:solidFill>
+              <a:prstDash val="sysDot"/>
+            </a:ln>
+          </p:spPr>
+          <p:style>
+            <a:lnRef idx="1">
+              <a:schemeClr val="accent1"/>
+            </a:lnRef>
+            <a:fillRef idx="0">
+              <a:schemeClr val="accent1"/>
+            </a:fillRef>
+            <a:effectRef idx="0">
+              <a:schemeClr val="accent1"/>
+            </a:effectRef>
+            <a:fontRef idx="minor">
+              <a:schemeClr val="tx1"/>
+            </a:fontRef>
+          </p:style>
+        </p:cxnSp>
+        <p:sp>
+          <p:nvSpPr>
+            <p:cNvPr id="91" name="Oval 90">
+              <a:extLst>
+                <a:ext uri="{FF2B5EF4-FFF2-40B4-BE49-F238E27FC236}">
+                  <a16:creationId xmlns:a16="http://schemas.microsoft.com/office/drawing/2014/main" id="{C81F3CD6-9688-0D1F-3EB2-0D9C1D8CB8B7}"/>
+                </a:ext>
+              </a:extLst>
+            </p:cNvPr>
+            <p:cNvSpPr/>
+            <p:nvPr/>
+          </p:nvSpPr>
+          <p:spPr>
+            <a:xfrm>
+              <a:off x="5794862" y="4549669"/>
+              <a:ext cx="34479" cy="36576"/>
+            </a:xfrm>
+            <a:prstGeom prst="ellipse">
+              <a:avLst/>
+            </a:prstGeom>
+            <a:solidFill>
+              <a:schemeClr val="tx1"/>
+            </a:solidFill>
+            <a:ln>
+              <a:noFill/>
+            </a:ln>
+          </p:spPr>
+          <p:style>
+            <a:lnRef idx="2">
+              <a:schemeClr val="accent1">
+                <a:shade val="15000"/>
+              </a:schemeClr>
+            </a:lnRef>
+            <a:fillRef idx="1">
+              <a:schemeClr val="accent1"/>
+            </a:fillRef>
+            <a:effectRef idx="0">
+              <a:schemeClr val="accent1"/>
+            </a:effectRef>
+            <a:fontRef idx="minor">
+              <a:schemeClr val="lt1"/>
+            </a:fontRef>
+          </p:style>
+          <p:txBody>
+            <a:bodyPr rtlCol="0" anchor="ctr"/>
+            <a:lstStyle/>
+            <a:p>
+              <a:pPr algn="ctr"/>
+              <a:endParaRPr lang="en-US"/>
+            </a:p>
+          </p:txBody>
+        </p:sp>
+        <p:sp>
+          <p:nvSpPr>
+            <p:cNvPr id="92" name="Oval 91">
+              <a:extLst>
+                <a:ext uri="{FF2B5EF4-FFF2-40B4-BE49-F238E27FC236}">
+                  <a16:creationId xmlns:a16="http://schemas.microsoft.com/office/drawing/2014/main" id="{7D82D297-7B8C-221E-0BDC-F8552834DC1D}"/>
+                </a:ext>
+              </a:extLst>
+            </p:cNvPr>
+            <p:cNvSpPr/>
+            <p:nvPr/>
+          </p:nvSpPr>
+          <p:spPr>
+            <a:xfrm>
+              <a:off x="5588351" y="4744864"/>
+              <a:ext cx="34479" cy="36576"/>
+            </a:xfrm>
+            <a:prstGeom prst="ellipse">
+              <a:avLst/>
+            </a:prstGeom>
+            <a:solidFill>
+              <a:schemeClr val="tx1"/>
+            </a:solidFill>
+            <a:ln>
+              <a:noFill/>
+            </a:ln>
+          </p:spPr>
+          <p:style>
+            <a:lnRef idx="2">
+              <a:schemeClr val="accent1">
+                <a:shade val="15000"/>
+              </a:schemeClr>
+            </a:lnRef>
+            <a:fillRef idx="1">
+              <a:schemeClr val="accent1"/>
+            </a:fillRef>
+            <a:effectRef idx="0">
+              <a:schemeClr val="accent1"/>
+            </a:effectRef>
+            <a:fontRef idx="minor">
+              <a:schemeClr val="lt1"/>
+            </a:fontRef>
+          </p:style>
+          <p:txBody>
+            <a:bodyPr rtlCol="0" anchor="ctr"/>
+            <a:lstStyle/>
+            <a:p>
+              <a:pPr algn="ctr"/>
+              <a:endParaRPr lang="en-US"/>
+            </a:p>
+          </p:txBody>
+        </p:sp>
+      </p:grpSp>
+      <p:pic>
+        <p:nvPicPr>
+          <p:cNvPr id="112" name="Picture 111" descr="A triangle with a green line&#10;&#10;Description automatically generated">
+            <a:extLst>
+              <a:ext uri="{FF2B5EF4-FFF2-40B4-BE49-F238E27FC236}">
+                <a16:creationId xmlns:a16="http://schemas.microsoft.com/office/drawing/2014/main" id="{768942EE-880B-B287-5752-7E094C8B1881}"/>
+              </a:ext>
+            </a:extLst>
+          </p:cNvPr>
+          <p:cNvPicPr>
+            <a:picLocks noChangeAspect="1"/>
+          </p:cNvPicPr>
+          <p:nvPr/>
+        </p:nvPicPr>
+        <p:blipFill>
+          <a:blip r:embed="rId6">
+            <a:extLst>
+              <a:ext uri="{28A0092B-C50C-407E-A947-70E740481C1C}">
+                <a14:useLocalDpi xmlns:a14="http://schemas.microsoft.com/office/drawing/2010/main" val="0"/>
+              </a:ext>
+            </a:extLst>
+          </a:blip>
+          <a:stretch>
+            <a:fillRect/>
+          </a:stretch>
+        </p:blipFill>
+        <p:spPr>
+          <a:xfrm>
+            <a:off x="1481908" y="2877645"/>
+            <a:ext cx="914400" cy="911886"/>
+          </a:xfrm>
+          <a:prstGeom prst="rect">
+            <a:avLst/>
+          </a:prstGeom>
+        </p:spPr>
+      </p:pic>
+      <p:cxnSp>
+        <p:nvCxnSpPr>
+          <p:cNvPr id="113" name="Straight Connector 112">
+            <a:extLst>
+              <a:ext uri="{FF2B5EF4-FFF2-40B4-BE49-F238E27FC236}">
+                <a16:creationId xmlns:a16="http://schemas.microsoft.com/office/drawing/2014/main" id="{DA6B861C-7B56-C7C8-5AF5-346A1F3F9265}"/>
+              </a:ext>
+            </a:extLst>
+          </p:cNvPr>
+          <p:cNvCxnSpPr>
+            <a:cxnSpLocks/>
+          </p:cNvCxnSpPr>
+          <p:nvPr/>
+        </p:nvCxnSpPr>
+        <p:spPr>
+          <a:xfrm flipH="1">
+            <a:off x="3888650" y="2773474"/>
+            <a:ext cx="221355" cy="102938"/>
+          </a:xfrm>
+          <a:prstGeom prst="line">
+            <a:avLst/>
+          </a:prstGeom>
+          <a:ln w="12700">
+            <a:solidFill>
+              <a:schemeClr val="tx1"/>
+            </a:solidFill>
+            <a:prstDash val="sysDot"/>
+          </a:ln>
+        </p:spPr>
+        <p:style>
+          <a:lnRef idx="1">
+            <a:schemeClr val="accent1"/>
+          </a:lnRef>
+          <a:fillRef idx="0">
+            <a:schemeClr val="accent1"/>
+          </a:fillRef>
+          <a:effectRef idx="0">
+            <a:schemeClr val="accent1"/>
+          </a:effectRef>
+          <a:fontRef idx="minor">
+            <a:schemeClr val="tx1"/>
+          </a:fontRef>
+        </p:style>
+      </p:cxnSp>
+      <p:grpSp>
+        <p:nvGrpSpPr>
+          <p:cNvPr id="118" name="Group 117">
+            <a:extLst>
+              <a:ext uri="{FF2B5EF4-FFF2-40B4-BE49-F238E27FC236}">
+                <a16:creationId xmlns:a16="http://schemas.microsoft.com/office/drawing/2014/main" id="{F0D89020-EA68-1997-7FF1-D345D997D348}"/>
+              </a:ext>
+            </a:extLst>
+          </p:cNvPr>
+          <p:cNvGrpSpPr/>
+          <p:nvPr/>
+        </p:nvGrpSpPr>
+        <p:grpSpPr>
+          <a:xfrm rot="5400000">
+            <a:off x="5217341" y="3777405"/>
+            <a:ext cx="237744" cy="50738"/>
+            <a:chOff x="1105491" y="6656786"/>
+            <a:chExt cx="1306140" cy="104569"/>
+          </a:xfrm>
+        </p:grpSpPr>
+        <p:cxnSp>
+          <p:nvCxnSpPr>
+            <p:cNvPr id="119" name="Straight Connector 118">
+              <a:extLst>
+                <a:ext uri="{FF2B5EF4-FFF2-40B4-BE49-F238E27FC236}">
+                  <a16:creationId xmlns:a16="http://schemas.microsoft.com/office/drawing/2014/main" id="{A0043F0C-8673-F4A5-9856-66954970DB08}"/>
+                </a:ext>
+              </a:extLst>
+            </p:cNvPr>
+            <p:cNvCxnSpPr>
+              <a:cxnSpLocks/>
+            </p:cNvCxnSpPr>
+            <p:nvPr/>
+          </p:nvCxnSpPr>
+          <p:spPr>
+            <a:xfrm flipV="1">
+              <a:off x="1106420" y="6711451"/>
+              <a:ext cx="1305211" cy="1"/>
+            </a:xfrm>
+            <a:prstGeom prst="line">
+              <a:avLst/>
+            </a:prstGeom>
+            <a:ln w="19050">
+              <a:solidFill>
+                <a:schemeClr val="tx1"/>
+              </a:solidFill>
+              <a:prstDash val="sysDot"/>
+            </a:ln>
+          </p:spPr>
+          <p:style>
+            <a:lnRef idx="1">
+              <a:schemeClr val="accent1"/>
+            </a:lnRef>
+            <a:fillRef idx="0">
+              <a:schemeClr val="accent1"/>
+            </a:fillRef>
+            <a:effectRef idx="0">
+              <a:schemeClr val="accent1"/>
+            </a:effectRef>
+            <a:fontRef idx="minor">
+              <a:schemeClr val="tx1"/>
+            </a:fontRef>
+          </p:style>
+        </p:cxnSp>
+        <p:cxnSp>
+          <p:nvCxnSpPr>
+            <p:cNvPr id="120" name="Straight Connector 119">
+              <a:extLst>
+                <a:ext uri="{FF2B5EF4-FFF2-40B4-BE49-F238E27FC236}">
+                  <a16:creationId xmlns:a16="http://schemas.microsoft.com/office/drawing/2014/main" id="{2CE7EA2C-2344-9DC3-59ED-6C2187F9888B}"/>
+                </a:ext>
+              </a:extLst>
+            </p:cNvPr>
+            <p:cNvCxnSpPr>
+              <a:cxnSpLocks/>
+            </p:cNvCxnSpPr>
+            <p:nvPr/>
+          </p:nvCxnSpPr>
+          <p:spPr>
+            <a:xfrm flipV="1">
+              <a:off x="1105491" y="6656786"/>
+              <a:ext cx="0" cy="104569"/>
+            </a:xfrm>
+            <a:prstGeom prst="line">
+              <a:avLst/>
+            </a:prstGeom>
+            <a:ln w="12700">
+              <a:solidFill>
+                <a:schemeClr val="tx1"/>
+              </a:solidFill>
+            </a:ln>
+          </p:spPr>
+          <p:style>
+            <a:lnRef idx="1">
+              <a:schemeClr val="accent1"/>
+            </a:lnRef>
+            <a:fillRef idx="0">
+              <a:schemeClr val="accent1"/>
+            </a:fillRef>
+            <a:effectRef idx="0">
+              <a:schemeClr val="accent1"/>
+            </a:effectRef>
+            <a:fontRef idx="minor">
+              <a:schemeClr val="tx1"/>
+            </a:fontRef>
+          </p:style>
+        </p:cxnSp>
+        <p:cxnSp>
+          <p:nvCxnSpPr>
+            <p:cNvPr id="121" name="Straight Connector 120">
+              <a:extLst>
+                <a:ext uri="{FF2B5EF4-FFF2-40B4-BE49-F238E27FC236}">
+                  <a16:creationId xmlns:a16="http://schemas.microsoft.com/office/drawing/2014/main" id="{8BF0A9F7-D38D-3F3E-884C-53B5B8BE549B}"/>
+                </a:ext>
+              </a:extLst>
+            </p:cNvPr>
+            <p:cNvCxnSpPr>
+              <a:cxnSpLocks/>
+            </p:cNvCxnSpPr>
+            <p:nvPr/>
+          </p:nvCxnSpPr>
+          <p:spPr>
+            <a:xfrm flipV="1">
+              <a:off x="2411597" y="6656786"/>
+              <a:ext cx="0" cy="104569"/>
+            </a:xfrm>
+            <a:prstGeom prst="line">
+              <a:avLst/>
+            </a:prstGeom>
+            <a:ln w="12700">
+              <a:solidFill>
+                <a:schemeClr val="tx1"/>
+              </a:solidFill>
+            </a:ln>
+          </p:spPr>
+          <p:style>
+            <a:lnRef idx="1">
+              <a:schemeClr val="accent1"/>
+            </a:lnRef>
+            <a:fillRef idx="0">
+              <a:schemeClr val="accent1"/>
+            </a:fillRef>
+            <a:effectRef idx="0">
+              <a:schemeClr val="accent1"/>
+            </a:effectRef>
+            <a:fontRef idx="minor">
+              <a:schemeClr val="tx1"/>
+            </a:fontRef>
+          </p:style>
+        </p:cxnSp>
+      </p:grpSp>
+      <p:sp>
+        <p:nvSpPr>
+          <p:cNvPr id="122" name="Arc 121">
+            <a:extLst>
+              <a:ext uri="{FF2B5EF4-FFF2-40B4-BE49-F238E27FC236}">
+                <a16:creationId xmlns:a16="http://schemas.microsoft.com/office/drawing/2014/main" id="{3C2FBD26-5648-CE19-F9CC-EC1748A6D6AF}"/>
+              </a:ext>
+            </a:extLst>
+          </p:cNvPr>
+          <p:cNvSpPr/>
+          <p:nvPr/>
+        </p:nvSpPr>
+        <p:spPr>
+          <a:xfrm rot="18869482">
+            <a:off x="4939223" y="3667892"/>
+            <a:ext cx="804672" cy="804672"/>
+          </a:xfrm>
+          <a:prstGeom prst="arc">
+            <a:avLst>
+              <a:gd name="adj1" fmla="val 14930542"/>
+              <a:gd name="adj2" fmla="val 1305590"/>
+            </a:avLst>
+          </a:prstGeom>
+          <a:ln w="19050">
+            <a:solidFill>
+              <a:schemeClr val="tx1"/>
+            </a:solidFill>
+          </a:ln>
+        </p:spPr>
+        <p:style>
+          <a:lnRef idx="1">
+            <a:schemeClr val="accent1"/>
+          </a:lnRef>
+          <a:fillRef idx="0">
+            <a:schemeClr val="accent1"/>
+          </a:fillRef>
+          <a:effectRef idx="0">
+            <a:schemeClr val="accent1"/>
+          </a:effectRef>
+          <a:fontRef idx="minor">
+            <a:schemeClr val="tx1"/>
+          </a:fontRef>
+        </p:style>
+        <p:txBody>
+          <a:bodyPr rtlCol="0" anchor="ctr"/>
+          <a:lstStyle/>
+          <a:p>
+            <a:pPr algn="ctr"/>
+            <a:endParaRPr lang="en-US" dirty="0">
+              <a:ln w="19050">
+                <a:solidFill>
+                  <a:schemeClr val="tx1"/>
+                </a:solidFill>
+              </a:ln>
+            </a:endParaRPr>
+          </a:p>
+        </p:txBody>
+      </p:sp>
+      <p:grpSp>
+        <p:nvGrpSpPr>
+          <p:cNvPr id="123" name="Group 122">
+            <a:extLst>
+              <a:ext uri="{FF2B5EF4-FFF2-40B4-BE49-F238E27FC236}">
+                <a16:creationId xmlns:a16="http://schemas.microsoft.com/office/drawing/2014/main" id="{F0D22E6C-1358-56AC-B825-0E0A96F2B427}"/>
+              </a:ext>
+            </a:extLst>
+          </p:cNvPr>
+          <p:cNvGrpSpPr/>
+          <p:nvPr/>
+        </p:nvGrpSpPr>
+        <p:grpSpPr>
+          <a:xfrm rot="5400000">
+            <a:off x="4664175" y="3747247"/>
+            <a:ext cx="347472" cy="50738"/>
+            <a:chOff x="1105491" y="6656786"/>
+            <a:chExt cx="1306140" cy="104569"/>
+          </a:xfrm>
+        </p:grpSpPr>
+        <p:cxnSp>
+          <p:nvCxnSpPr>
+            <p:cNvPr id="124" name="Straight Connector 123">
+              <a:extLst>
+                <a:ext uri="{FF2B5EF4-FFF2-40B4-BE49-F238E27FC236}">
+                  <a16:creationId xmlns:a16="http://schemas.microsoft.com/office/drawing/2014/main" id="{CB76DB55-ACF2-08A6-17E7-9251D019F92B}"/>
+                </a:ext>
+              </a:extLst>
+            </p:cNvPr>
+            <p:cNvCxnSpPr>
+              <a:cxnSpLocks/>
+            </p:cNvCxnSpPr>
+            <p:nvPr/>
+          </p:nvCxnSpPr>
+          <p:spPr>
+            <a:xfrm flipV="1">
+              <a:off x="1106420" y="6711451"/>
+              <a:ext cx="1305211" cy="1"/>
+            </a:xfrm>
+            <a:prstGeom prst="line">
+              <a:avLst/>
+            </a:prstGeom>
+            <a:ln w="19050">
+              <a:solidFill>
+                <a:schemeClr val="tx1"/>
+              </a:solidFill>
+              <a:prstDash val="sysDot"/>
+            </a:ln>
+          </p:spPr>
+          <p:style>
+            <a:lnRef idx="1">
+              <a:schemeClr val="accent1"/>
+            </a:lnRef>
+            <a:fillRef idx="0">
+              <a:schemeClr val="accent1"/>
+            </a:fillRef>
+            <a:effectRef idx="0">
+              <a:schemeClr val="accent1"/>
+            </a:effectRef>
+            <a:fontRef idx="minor">
+              <a:schemeClr val="tx1"/>
+            </a:fontRef>
+          </p:style>
+        </p:cxnSp>
+        <p:cxnSp>
+          <p:nvCxnSpPr>
+            <p:cNvPr id="125" name="Straight Connector 124">
+              <a:extLst>
+                <a:ext uri="{FF2B5EF4-FFF2-40B4-BE49-F238E27FC236}">
+                  <a16:creationId xmlns:a16="http://schemas.microsoft.com/office/drawing/2014/main" id="{71006F96-DA3D-877A-495C-722CD7EA9F45}"/>
+                </a:ext>
+              </a:extLst>
+            </p:cNvPr>
+            <p:cNvCxnSpPr>
+              <a:cxnSpLocks/>
+            </p:cNvCxnSpPr>
+            <p:nvPr/>
+          </p:nvCxnSpPr>
+          <p:spPr>
+            <a:xfrm flipV="1">
+              <a:off x="1105491" y="6656786"/>
+              <a:ext cx="0" cy="104569"/>
+            </a:xfrm>
+            <a:prstGeom prst="line">
+              <a:avLst/>
+            </a:prstGeom>
+            <a:ln w="12700">
+              <a:solidFill>
+                <a:schemeClr val="tx1"/>
+              </a:solidFill>
+            </a:ln>
+          </p:spPr>
+          <p:style>
+            <a:lnRef idx="1">
+              <a:schemeClr val="accent1"/>
+            </a:lnRef>
+            <a:fillRef idx="0">
+              <a:schemeClr val="accent1"/>
+            </a:fillRef>
+            <a:effectRef idx="0">
+              <a:schemeClr val="accent1"/>
+            </a:effectRef>
+            <a:fontRef idx="minor">
+              <a:schemeClr val="tx1"/>
+            </a:fontRef>
+          </p:style>
+        </p:cxnSp>
+        <p:cxnSp>
+          <p:nvCxnSpPr>
+            <p:cNvPr id="126" name="Straight Connector 125">
+              <a:extLst>
+                <a:ext uri="{FF2B5EF4-FFF2-40B4-BE49-F238E27FC236}">
+                  <a16:creationId xmlns:a16="http://schemas.microsoft.com/office/drawing/2014/main" id="{18C33659-929F-34FD-8FB7-FB1A054E4A40}"/>
+                </a:ext>
+              </a:extLst>
+            </p:cNvPr>
+            <p:cNvCxnSpPr>
+              <a:cxnSpLocks/>
+            </p:cNvCxnSpPr>
+            <p:nvPr/>
+          </p:nvCxnSpPr>
+          <p:spPr>
+            <a:xfrm flipV="1">
+              <a:off x="2411597" y="6656786"/>
+              <a:ext cx="0" cy="104569"/>
+            </a:xfrm>
+            <a:prstGeom prst="line">
+              <a:avLst/>
+            </a:prstGeom>
+            <a:ln w="12700">
+              <a:solidFill>
+                <a:schemeClr val="tx1"/>
+              </a:solidFill>
+            </a:ln>
+          </p:spPr>
+          <p:style>
+            <a:lnRef idx="1">
+              <a:schemeClr val="accent1"/>
+            </a:lnRef>
+            <a:fillRef idx="0">
+              <a:schemeClr val="accent1"/>
+            </a:fillRef>
+            <a:effectRef idx="0">
+              <a:schemeClr val="accent1"/>
+            </a:effectRef>
+            <a:fontRef idx="minor">
+              <a:schemeClr val="tx1"/>
+            </a:fontRef>
+          </p:style>
+        </p:cxnSp>
+      </p:grpSp>
+      <p:sp>
+        <p:nvSpPr>
+          <p:cNvPr id="127" name="Arc 126">
+            <a:extLst>
+              <a:ext uri="{FF2B5EF4-FFF2-40B4-BE49-F238E27FC236}">
+                <a16:creationId xmlns:a16="http://schemas.microsoft.com/office/drawing/2014/main" id="{CBEFB1AF-B800-0049-D3AE-FB0A1C567BF8}"/>
+              </a:ext>
+            </a:extLst>
+          </p:cNvPr>
+          <p:cNvSpPr/>
+          <p:nvPr/>
+        </p:nvSpPr>
+        <p:spPr>
+          <a:xfrm rot="18869482">
+            <a:off x="3425272" y="3795913"/>
+            <a:ext cx="786384" cy="786384"/>
+          </a:xfrm>
+          <a:prstGeom prst="arc">
+            <a:avLst>
+              <a:gd name="adj1" fmla="val 14930542"/>
+              <a:gd name="adj2" fmla="val 1305590"/>
+            </a:avLst>
+          </a:prstGeom>
+          <a:ln w="19050">
+            <a:solidFill>
+              <a:schemeClr val="tx1"/>
+            </a:solidFill>
+          </a:ln>
+        </p:spPr>
+        <p:style>
+          <a:lnRef idx="1">
+            <a:schemeClr val="accent1"/>
+          </a:lnRef>
+          <a:fillRef idx="0">
+            <a:schemeClr val="accent1"/>
+          </a:fillRef>
+          <a:effectRef idx="0">
+            <a:schemeClr val="accent1"/>
+          </a:effectRef>
+          <a:fontRef idx="minor">
+            <a:schemeClr val="tx1"/>
+          </a:fontRef>
+        </p:style>
+        <p:txBody>
+          <a:bodyPr rtlCol="0" anchor="ctr"/>
+          <a:lstStyle/>
+          <a:p>
+            <a:pPr algn="ctr"/>
+            <a:endParaRPr lang="en-US" dirty="0">
+              <a:ln w="19050">
+                <a:solidFill>
+                  <a:schemeClr val="tx1"/>
+                </a:solidFill>
+              </a:ln>
+            </a:endParaRPr>
+          </a:p>
+        </p:txBody>
+      </p:sp>
+      <p:sp>
+        <p:nvSpPr>
+          <p:cNvPr id="128" name="Arc 127">
+            <a:extLst>
+              <a:ext uri="{FF2B5EF4-FFF2-40B4-BE49-F238E27FC236}">
+                <a16:creationId xmlns:a16="http://schemas.microsoft.com/office/drawing/2014/main" id="{238C4F38-C3CD-FC25-92C9-E1CB7A690CB5}"/>
+              </a:ext>
+            </a:extLst>
+          </p:cNvPr>
+          <p:cNvSpPr/>
+          <p:nvPr/>
+        </p:nvSpPr>
+        <p:spPr>
+          <a:xfrm rot="16200000">
+            <a:off x="5591741" y="4558830"/>
+            <a:ext cx="301752" cy="292608"/>
+          </a:xfrm>
+          <a:prstGeom prst="arc">
+            <a:avLst>
+              <a:gd name="adj1" fmla="val 14930542"/>
+              <a:gd name="adj2" fmla="val 1305590"/>
+            </a:avLst>
+          </a:prstGeom>
+          <a:ln w="12700">
+            <a:solidFill>
+              <a:schemeClr val="tx1"/>
+            </a:solidFill>
+          </a:ln>
+        </p:spPr>
+        <p:style>
+          <a:lnRef idx="1">
+            <a:schemeClr val="accent1"/>
+          </a:lnRef>
+          <a:fillRef idx="0">
+            <a:schemeClr val="accent1"/>
+          </a:fillRef>
+          <a:effectRef idx="0">
+            <a:schemeClr val="accent1"/>
+          </a:effectRef>
+          <a:fontRef idx="minor">
+            <a:schemeClr val="tx1"/>
+          </a:fontRef>
+        </p:style>
+        <p:txBody>
+          <a:bodyPr rtlCol="0" anchor="ctr"/>
+          <a:lstStyle/>
+          <a:p>
+            <a:pPr algn="ctr"/>
+            <a:endParaRPr lang="en-US" dirty="0">
+              <a:ln w="19050">
+                <a:solidFill>
+                  <a:schemeClr val="tx1"/>
+                </a:solidFill>
+              </a:ln>
+            </a:endParaRPr>
+          </a:p>
+        </p:txBody>
+      </p:sp>
+      <p:grpSp>
+        <p:nvGrpSpPr>
+          <p:cNvPr id="135" name="Group 134">
+            <a:extLst>
+              <a:ext uri="{FF2B5EF4-FFF2-40B4-BE49-F238E27FC236}">
+                <a16:creationId xmlns:a16="http://schemas.microsoft.com/office/drawing/2014/main" id="{5F221BE5-A539-9492-378C-9333264C8DC1}"/>
+              </a:ext>
+            </a:extLst>
+          </p:cNvPr>
+          <p:cNvGrpSpPr/>
+          <p:nvPr/>
+        </p:nvGrpSpPr>
+        <p:grpSpPr>
+          <a:xfrm flipH="1">
+            <a:off x="5962101" y="4549065"/>
+            <a:ext cx="300570" cy="306341"/>
+            <a:chOff x="5740751" y="4702069"/>
+            <a:chExt cx="300570" cy="306341"/>
+          </a:xfrm>
+        </p:grpSpPr>
+        <p:sp>
+          <p:nvSpPr>
+            <p:cNvPr id="129" name="Oval 128">
+              <a:extLst>
+                <a:ext uri="{FF2B5EF4-FFF2-40B4-BE49-F238E27FC236}">
+                  <a16:creationId xmlns:a16="http://schemas.microsoft.com/office/drawing/2014/main" id="{B71F2116-400F-BECC-570C-1C0AB71CD759}"/>
+                </a:ext>
+              </a:extLst>
+            </p:cNvPr>
+            <p:cNvSpPr/>
+            <p:nvPr/>
+          </p:nvSpPr>
+          <p:spPr>
+            <a:xfrm>
+              <a:off x="5770733" y="4721710"/>
+              <a:ext cx="54864" cy="54864"/>
+            </a:xfrm>
+            <a:prstGeom prst="ellipse">
+              <a:avLst/>
+            </a:prstGeom>
+            <a:solidFill>
+              <a:schemeClr val="tx1"/>
+            </a:solidFill>
+            <a:ln>
+              <a:noFill/>
+            </a:ln>
+          </p:spPr>
+          <p:style>
+            <a:lnRef idx="2">
+              <a:schemeClr val="accent1">
+                <a:shade val="15000"/>
+              </a:schemeClr>
+            </a:lnRef>
+            <a:fillRef idx="1">
+              <a:schemeClr val="accent1"/>
+            </a:fillRef>
+            <a:effectRef idx="0">
+              <a:schemeClr val="accent1"/>
+            </a:effectRef>
+            <a:fontRef idx="minor">
+              <a:schemeClr val="lt1"/>
+            </a:fontRef>
+          </p:style>
+          <p:txBody>
+            <a:bodyPr rtlCol="0" anchor="ctr"/>
+            <a:lstStyle/>
+            <a:p>
+              <a:pPr algn="ctr"/>
+              <a:endParaRPr lang="en-US"/>
+            </a:p>
+          </p:txBody>
+        </p:sp>
+        <p:grpSp>
+          <p:nvGrpSpPr>
+            <p:cNvPr id="130" name="Group 129">
+              <a:extLst>
+                <a:ext uri="{FF2B5EF4-FFF2-40B4-BE49-F238E27FC236}">
+                  <a16:creationId xmlns:a16="http://schemas.microsoft.com/office/drawing/2014/main" id="{BC9CF775-558F-E3B3-3158-5F751550BCDF}"/>
+                </a:ext>
+              </a:extLst>
+            </p:cNvPr>
+            <p:cNvGrpSpPr/>
+            <p:nvPr/>
+          </p:nvGrpSpPr>
+          <p:grpSpPr>
+            <a:xfrm>
+              <a:off x="5740751" y="4702069"/>
+              <a:ext cx="240990" cy="231771"/>
+              <a:chOff x="5588351" y="4549669"/>
+              <a:chExt cx="240990" cy="231771"/>
+            </a:xfrm>
+          </p:grpSpPr>
+          <p:cxnSp>
+            <p:nvCxnSpPr>
+              <p:cNvPr id="131" name="Straight Connector 130">
+                <a:extLst>
+                  <a:ext uri="{FF2B5EF4-FFF2-40B4-BE49-F238E27FC236}">
+                    <a16:creationId xmlns:a16="http://schemas.microsoft.com/office/drawing/2014/main" id="{1C54E95D-BEF2-348A-EA10-3DFBDF525AAD}"/>
+                  </a:ext>
+                </a:extLst>
+              </p:cNvPr>
+              <p:cNvCxnSpPr>
+                <a:cxnSpLocks/>
+              </p:cNvCxnSpPr>
+              <p:nvPr/>
+            </p:nvCxnSpPr>
+            <p:spPr>
+              <a:xfrm flipH="1">
+                <a:off x="5605581" y="4563020"/>
+                <a:ext cx="204955" cy="192208"/>
+              </a:xfrm>
+              <a:prstGeom prst="line">
+                <a:avLst/>
+              </a:prstGeom>
+              <a:ln w="12700">
+                <a:solidFill>
+                  <a:schemeClr val="tx1"/>
+                </a:solidFill>
+                <a:prstDash val="sysDot"/>
+              </a:ln>
+            </p:spPr>
+            <p:style>
+              <a:lnRef idx="1">
+                <a:schemeClr val="accent1"/>
+              </a:lnRef>
+              <a:fillRef idx="0">
+                <a:schemeClr val="accent1"/>
+              </a:fillRef>
+              <a:effectRef idx="0">
+                <a:schemeClr val="accent1"/>
+              </a:effectRef>
+              <a:fontRef idx="minor">
+                <a:schemeClr val="tx1"/>
+              </a:fontRef>
+            </p:style>
+          </p:cxnSp>
+          <p:sp>
+            <p:nvSpPr>
+              <p:cNvPr id="132" name="Oval 131">
+                <a:extLst>
+                  <a:ext uri="{FF2B5EF4-FFF2-40B4-BE49-F238E27FC236}">
+                    <a16:creationId xmlns:a16="http://schemas.microsoft.com/office/drawing/2014/main" id="{28AB5F87-7228-E756-3C75-E376A13FF850}"/>
+                  </a:ext>
+                </a:extLst>
+              </p:cNvPr>
+              <p:cNvSpPr/>
+              <p:nvPr/>
+            </p:nvSpPr>
+            <p:spPr>
+              <a:xfrm>
+                <a:off x="5794862" y="4549669"/>
+                <a:ext cx="34479" cy="36576"/>
+              </a:xfrm>
+              <a:prstGeom prst="ellipse">
+                <a:avLst/>
+              </a:prstGeom>
+              <a:solidFill>
+                <a:schemeClr val="tx1"/>
+              </a:solidFill>
+              <a:ln>
+                <a:noFill/>
+              </a:ln>
+            </p:spPr>
+            <p:style>
+              <a:lnRef idx="2">
+                <a:schemeClr val="accent1">
+                  <a:shade val="15000"/>
+                </a:schemeClr>
+              </a:lnRef>
+              <a:fillRef idx="1">
+                <a:schemeClr val="accent1"/>
+              </a:fillRef>
+              <a:effectRef idx="0">
+                <a:schemeClr val="accent1"/>
+              </a:effectRef>
+              <a:fontRef idx="minor">
+                <a:schemeClr val="lt1"/>
+              </a:fontRef>
+            </p:style>
+            <p:txBody>
+              <a:bodyPr rtlCol="0" anchor="ctr"/>
+              <a:lstStyle/>
+              <a:p>
+                <a:pPr algn="ctr"/>
+                <a:endParaRPr lang="en-US"/>
+              </a:p>
+            </p:txBody>
+          </p:sp>
+          <p:sp>
+            <p:nvSpPr>
+              <p:cNvPr id="133" name="Oval 132">
+                <a:extLst>
+                  <a:ext uri="{FF2B5EF4-FFF2-40B4-BE49-F238E27FC236}">
+                    <a16:creationId xmlns:a16="http://schemas.microsoft.com/office/drawing/2014/main" id="{8A86CEE6-FC29-BC8C-3B5A-BA9193886CA2}"/>
+                  </a:ext>
+                </a:extLst>
+              </p:cNvPr>
+              <p:cNvSpPr/>
+              <p:nvPr/>
+            </p:nvSpPr>
+            <p:spPr>
+              <a:xfrm>
+                <a:off x="5588351" y="4744864"/>
+                <a:ext cx="34479" cy="36576"/>
+              </a:xfrm>
+              <a:prstGeom prst="ellipse">
+                <a:avLst/>
+              </a:prstGeom>
+              <a:solidFill>
+                <a:schemeClr val="tx1"/>
+              </a:solidFill>
+              <a:ln>
+                <a:noFill/>
+              </a:ln>
+            </p:spPr>
+            <p:style>
+              <a:lnRef idx="2">
+                <a:schemeClr val="accent1">
+                  <a:shade val="15000"/>
+                </a:schemeClr>
+              </a:lnRef>
+              <a:fillRef idx="1">
+                <a:schemeClr val="accent1"/>
+              </a:fillRef>
+              <a:effectRef idx="0">
+                <a:schemeClr val="accent1"/>
+              </a:effectRef>
+              <a:fontRef idx="minor">
+                <a:schemeClr val="lt1"/>
+              </a:fontRef>
+            </p:style>
+            <p:txBody>
+              <a:bodyPr rtlCol="0" anchor="ctr"/>
+              <a:lstStyle/>
+              <a:p>
+                <a:pPr algn="ctr"/>
+                <a:endParaRPr lang="en-US"/>
+              </a:p>
+            </p:txBody>
+          </p:sp>
+        </p:grpSp>
+        <p:sp>
+          <p:nvSpPr>
+            <p:cNvPr id="134" name="Arc 133">
+              <a:extLst>
+                <a:ext uri="{FF2B5EF4-FFF2-40B4-BE49-F238E27FC236}">
+                  <a16:creationId xmlns:a16="http://schemas.microsoft.com/office/drawing/2014/main" id="{30F91250-D252-3A3C-6349-4D002C6A32E1}"/>
+                </a:ext>
+              </a:extLst>
+            </p:cNvPr>
+            <p:cNvSpPr/>
+            <p:nvPr/>
+          </p:nvSpPr>
+          <p:spPr>
+            <a:xfrm rot="16200000">
+              <a:off x="5744141" y="4711230"/>
+              <a:ext cx="301752" cy="292608"/>
+            </a:xfrm>
+            <a:prstGeom prst="arc">
+              <a:avLst>
+                <a:gd name="adj1" fmla="val 14930542"/>
+                <a:gd name="adj2" fmla="val 1305590"/>
+              </a:avLst>
+            </a:prstGeom>
+            <a:ln w="12700">
+              <a:solidFill>
+                <a:schemeClr val="tx1"/>
+              </a:solidFill>
+            </a:ln>
+          </p:spPr>
+          <p:style>
+            <a:lnRef idx="1">
+              <a:schemeClr val="accent1"/>
+            </a:lnRef>
+            <a:fillRef idx="0">
+              <a:schemeClr val="accent1"/>
+            </a:fillRef>
+            <a:effectRef idx="0">
+              <a:schemeClr val="accent1"/>
+            </a:effectRef>
+            <a:fontRef idx="minor">
+              <a:schemeClr val="tx1"/>
+            </a:fontRef>
+          </p:style>
+          <p:txBody>
+            <a:bodyPr rtlCol="0" anchor="ctr"/>
+            <a:lstStyle/>
+            <a:p>
+              <a:pPr algn="ctr"/>
+              <a:endParaRPr lang="en-US" dirty="0">
+                <a:ln w="19050">
+                  <a:solidFill>
+                    <a:schemeClr val="tx1"/>
+                  </a:solidFill>
+                </a:ln>
+              </a:endParaRPr>
+            </a:p>
+          </p:txBody>
+        </p:sp>
+      </p:grpSp>
+      <p:sp>
+        <p:nvSpPr>
+          <p:cNvPr id="136" name="Arc 135">
+            <a:extLst>
+              <a:ext uri="{FF2B5EF4-FFF2-40B4-BE49-F238E27FC236}">
+                <a16:creationId xmlns:a16="http://schemas.microsoft.com/office/drawing/2014/main" id="{C390E2EF-E44C-DBF3-9FCC-DA2E3A4CAB6D}"/>
+              </a:ext>
+            </a:extLst>
+          </p:cNvPr>
+          <p:cNvSpPr/>
+          <p:nvPr/>
+        </p:nvSpPr>
+        <p:spPr>
+          <a:xfrm rot="18869482">
+            <a:off x="5522683" y="4359285"/>
+            <a:ext cx="786384" cy="786384"/>
+          </a:xfrm>
+          <a:prstGeom prst="arc">
+            <a:avLst>
+              <a:gd name="adj1" fmla="val 14930542"/>
+              <a:gd name="adj2" fmla="val 1305590"/>
+            </a:avLst>
+          </a:prstGeom>
+          <a:ln w="19050">
+            <a:solidFill>
+              <a:schemeClr val="tx1"/>
+            </a:solidFill>
+          </a:ln>
+        </p:spPr>
+        <p:style>
+          <a:lnRef idx="1">
+            <a:schemeClr val="accent1"/>
+          </a:lnRef>
+          <a:fillRef idx="0">
+            <a:schemeClr val="accent1"/>
+          </a:fillRef>
+          <a:effectRef idx="0">
+            <a:schemeClr val="accent1"/>
+          </a:effectRef>
+          <a:fontRef idx="minor">
+            <a:schemeClr val="tx1"/>
+          </a:fontRef>
+        </p:style>
+        <p:txBody>
+          <a:bodyPr rtlCol="0" anchor="ctr"/>
+          <a:lstStyle/>
+          <a:p>
+            <a:pPr algn="ctr"/>
+            <a:endParaRPr lang="en-US" dirty="0">
+              <a:ln w="19050">
+                <a:solidFill>
+                  <a:schemeClr val="tx1"/>
+                </a:solidFill>
+              </a:ln>
+            </a:endParaRPr>
+          </a:p>
+        </p:txBody>
+      </p:sp>
+      <p:cxnSp>
+        <p:nvCxnSpPr>
+          <p:cNvPr id="137" name="Straight Connector 136">
+            <a:extLst>
+              <a:ext uri="{FF2B5EF4-FFF2-40B4-BE49-F238E27FC236}">
+                <a16:creationId xmlns:a16="http://schemas.microsoft.com/office/drawing/2014/main" id="{6FD3B804-6007-3408-D5F5-E8AACE7FCB9F}"/>
+              </a:ext>
+            </a:extLst>
+          </p:cNvPr>
+          <p:cNvCxnSpPr>
+            <a:cxnSpLocks/>
+          </p:cNvCxnSpPr>
+          <p:nvPr/>
+        </p:nvCxnSpPr>
+        <p:spPr>
+          <a:xfrm flipH="1">
+            <a:off x="5473747" y="4937732"/>
+            <a:ext cx="221355" cy="102938"/>
+          </a:xfrm>
+          <a:prstGeom prst="line">
+            <a:avLst/>
+          </a:prstGeom>
+          <a:ln w="12700">
+            <a:solidFill>
+              <a:schemeClr val="tx1"/>
+            </a:solidFill>
+            <a:prstDash val="sysDot"/>
+          </a:ln>
+        </p:spPr>
+        <p:style>
+          <a:lnRef idx="1">
+            <a:schemeClr val="accent1"/>
+          </a:lnRef>
+          <a:fillRef idx="0">
+            <a:schemeClr val="accent1"/>
+          </a:fillRef>
+          <a:effectRef idx="0">
+            <a:schemeClr val="accent1"/>
+          </a:effectRef>
+          <a:fontRef idx="minor">
+            <a:schemeClr val="tx1"/>
+          </a:fontRef>
+        </p:style>
+      </p:cxnSp>
+      <p:pic>
+        <p:nvPicPr>
+          <p:cNvPr id="110" name="Picture 109" descr="A grey circle with blue ears&#10;&#10;Description automatically generated">
+            <a:extLst>
+              <a:ext uri="{FF2B5EF4-FFF2-40B4-BE49-F238E27FC236}">
+                <a16:creationId xmlns:a16="http://schemas.microsoft.com/office/drawing/2014/main" id="{8EFB044C-92A9-6C5D-7223-7C9061C32339}"/>
+              </a:ext>
+            </a:extLst>
+          </p:cNvPr>
+          <p:cNvPicPr>
+            <a:picLocks noChangeAspect="1"/>
+          </p:cNvPicPr>
+          <p:nvPr/>
+        </p:nvPicPr>
+        <p:blipFill>
+          <a:blip r:embed="rId19">
+            <a:extLst>
+              <a:ext uri="{28A0092B-C50C-407E-A947-70E740481C1C}">
+                <a14:useLocalDpi xmlns:a14="http://schemas.microsoft.com/office/drawing/2010/main" val="0"/>
+              </a:ext>
+            </a:extLst>
+          </a:blip>
+          <a:stretch>
+            <a:fillRect/>
+          </a:stretch>
+        </p:blipFill>
+        <p:spPr>
+          <a:xfrm>
+            <a:off x="1481409" y="3639421"/>
+            <a:ext cx="914400" cy="734696"/>
+          </a:xfrm>
+          <a:prstGeom prst="rect">
+            <a:avLst/>
+          </a:prstGeom>
+        </p:spPr>
+      </p:pic>
+      <p:pic>
+        <p:nvPicPr>
+          <p:cNvPr id="108" name="Picture 107" descr="A grey circle with blue spikes&#10;&#10;Description automatically generated">
+            <a:extLst>
+              <a:ext uri="{FF2B5EF4-FFF2-40B4-BE49-F238E27FC236}">
+                <a16:creationId xmlns:a16="http://schemas.microsoft.com/office/drawing/2014/main" id="{54C474FB-43C0-0743-E370-1760A3747DD9}"/>
+              </a:ext>
+            </a:extLst>
+          </p:cNvPr>
+          <p:cNvPicPr>
+            <a:picLocks noChangeAspect="1"/>
+          </p:cNvPicPr>
+          <p:nvPr/>
+        </p:nvPicPr>
+        <p:blipFill>
+          <a:blip r:embed="rId20">
+            <a:extLst>
+              <a:ext uri="{28A0092B-C50C-407E-A947-70E740481C1C}">
+                <a14:useLocalDpi xmlns:a14="http://schemas.microsoft.com/office/drawing/2010/main" val="0"/>
+              </a:ext>
+            </a:extLst>
+          </a:blip>
+          <a:stretch>
+            <a:fillRect/>
+          </a:stretch>
+        </p:blipFill>
+        <p:spPr>
+          <a:xfrm>
+            <a:off x="1616900" y="4648888"/>
+            <a:ext cx="643417" cy="559452"/>
+          </a:xfrm>
+          <a:prstGeom prst="rect">
+            <a:avLst/>
+          </a:prstGeom>
+        </p:spPr>
+      </p:pic>
+    </p:spTree>
+    <p:extLst>
+      <p:ext uri="{BB962C8B-B14F-4D97-AF65-F5344CB8AC3E}">
+        <p14:creationId xmlns:p14="http://schemas.microsoft.com/office/powerpoint/2010/main" val="4158357879"/>
+      </p:ext>
+    </p:extLst>
+  </p:cSld>
+  <p:clrMapOvr>
+    <a:masterClrMapping/>
+  </p:clrMapOvr>
+</p:sld>
+</file>
+
+<file path=ppt/slides/slide2.xml><?xml version="1.0" encoding="utf-8"?>
+<p:sld xmlns:a="http://schemas.openxmlformats.org/drawingml/2006/main" xmlns:r="http://schemas.openxmlformats.org/officeDocument/2006/relationships" xmlns:p="http://schemas.openxmlformats.org/presentationml/2006/main">
+  <p:cSld>
+    <p:spTree>
+      <p:nvGrpSpPr>
+        <p:cNvPr id="1" name=""/>
+        <p:cNvGrpSpPr/>
+        <p:nvPr/>
+      </p:nvGrpSpPr>
+      <p:grpSpPr>
+        <a:xfrm>
+          <a:off x="0" y="0"/>
+          <a:ext cx="0" cy="0"/>
+          <a:chOff x="0" y="0"/>
+          <a:chExt cx="0" cy="0"/>
+        </a:xfrm>
+      </p:grpSpPr>
+      <p:sp>
+        <p:nvSpPr>
+          <p:cNvPr id="2" name="Title 1">
+            <a:extLst>
+              <a:ext uri="{FF2B5EF4-FFF2-40B4-BE49-F238E27FC236}">
+                <a16:creationId xmlns:a16="http://schemas.microsoft.com/office/drawing/2014/main" id="{E041156D-B05B-5518-BE67-EA4CE6EC89BB}"/>
+              </a:ext>
+            </a:extLst>
+          </p:cNvPr>
+          <p:cNvSpPr>
+            <a:spLocks noGrp="1"/>
+          </p:cNvSpPr>
+          <p:nvPr>
+            <p:ph type="title"/>
+          </p:nvPr>
+        </p:nvSpPr>
+        <p:spPr/>
+        <p:txBody>
+          <a:bodyPr/>
+          <a:lstStyle/>
+          <a:p>
+            <a:endParaRPr lang="en-US"/>
+          </a:p>
+        </p:txBody>
+      </p:sp>
+      <p:pic>
+        <p:nvPicPr>
+          <p:cNvPr id="9" name="Picture 8" descr="A drawing of a triangle&#10;&#10;Description automatically generated">
+            <a:extLst>
+              <a:ext uri="{FF2B5EF4-FFF2-40B4-BE49-F238E27FC236}">
+                <a16:creationId xmlns:a16="http://schemas.microsoft.com/office/drawing/2014/main" id="{4FA6734B-2419-F4FC-E595-7BF0A3551E32}"/>
+              </a:ext>
+            </a:extLst>
+          </p:cNvPr>
+          <p:cNvPicPr>
+            <a:picLocks noChangeAspect="1"/>
+          </p:cNvPicPr>
+          <p:nvPr/>
+        </p:nvPicPr>
+        <p:blipFill>
+          <a:blip r:embed="rId2">
+            <a:extLst>
+              <a:ext uri="{28A0092B-C50C-407E-A947-70E740481C1C}">
+                <a14:useLocalDpi xmlns:a14="http://schemas.microsoft.com/office/drawing/2010/main" val="0"/>
+              </a:ext>
+            </a:extLst>
+          </a:blip>
+          <a:stretch>
+            <a:fillRect/>
+          </a:stretch>
+        </p:blipFill>
+        <p:spPr>
+          <a:xfrm>
+            <a:off x="3281715" y="3452796"/>
+            <a:ext cx="914400" cy="903495"/>
+          </a:xfrm>
+          <a:prstGeom prst="rect">
+            <a:avLst/>
+          </a:prstGeom>
+        </p:spPr>
+      </p:pic>
+      <p:pic>
+        <p:nvPicPr>
+          <p:cNvPr id="7" name="Picture 6" descr="A grey circle with pointed ears&#10;&#10;Description automatically generated">
+            <a:extLst>
+              <a:ext uri="{FF2B5EF4-FFF2-40B4-BE49-F238E27FC236}">
+                <a16:creationId xmlns:a16="http://schemas.microsoft.com/office/drawing/2014/main" id="{D3977E75-321D-22DC-3CCE-A8555EEDADA2}"/>
+              </a:ext>
+            </a:extLst>
+          </p:cNvPr>
+          <p:cNvPicPr>
+            <a:picLocks noChangeAspect="1"/>
+          </p:cNvPicPr>
+          <p:nvPr/>
+        </p:nvPicPr>
+        <p:blipFill>
+          <a:blip r:embed="rId3">
+            <a:extLst>
+              <a:ext uri="{28A0092B-C50C-407E-A947-70E740481C1C}">
+                <a14:useLocalDpi xmlns:a14="http://schemas.microsoft.com/office/drawing/2010/main" val="0"/>
+              </a:ext>
+            </a:extLst>
+          </a:blip>
+          <a:stretch>
+            <a:fillRect/>
+          </a:stretch>
+        </p:blipFill>
+        <p:spPr>
+          <a:xfrm>
+            <a:off x="4286438" y="3634880"/>
+            <a:ext cx="710333" cy="770432"/>
+          </a:xfrm>
+          <a:prstGeom prst="rect">
+            <a:avLst/>
+          </a:prstGeom>
+        </p:spPr>
+      </p:pic>
+      <p:pic>
+        <p:nvPicPr>
+          <p:cNvPr id="5" name="Content Placeholder 4" descr="A cartoon of a grey circle with green spikes&#10;&#10;Description automatically generated">
+            <a:extLst>
+              <a:ext uri="{FF2B5EF4-FFF2-40B4-BE49-F238E27FC236}">
+                <a16:creationId xmlns:a16="http://schemas.microsoft.com/office/drawing/2014/main" id="{93DAE719-556E-5264-31F5-27E0F2C4A1B1}"/>
+              </a:ext>
+            </a:extLst>
+          </p:cNvPr>
+          <p:cNvPicPr>
+            <a:picLocks noGrp="1" noChangeAspect="1"/>
+          </p:cNvPicPr>
+          <p:nvPr>
+            <p:ph idx="1"/>
+          </p:nvPr>
+        </p:nvPicPr>
+        <p:blipFill>
+          <a:blip r:embed="rId4">
+            <a:extLst>
+              <a:ext uri="{28A0092B-C50C-407E-A947-70E740481C1C}">
+                <a14:useLocalDpi xmlns:a14="http://schemas.microsoft.com/office/drawing/2010/main" val="0"/>
+              </a:ext>
+            </a:extLst>
+          </a:blip>
+          <a:stretch>
+            <a:fillRect/>
+          </a:stretch>
+        </p:blipFill>
+        <p:spPr>
+          <a:xfrm>
+            <a:off x="5238268" y="3757477"/>
+            <a:ext cx="576274" cy="474797"/>
+          </a:xfrm>
+        </p:spPr>
+      </p:pic>
+      <p:sp>
+        <p:nvSpPr>
+          <p:cNvPr id="10" name="Oval 9">
+            <a:extLst>
+              <a:ext uri="{FF2B5EF4-FFF2-40B4-BE49-F238E27FC236}">
+                <a16:creationId xmlns:a16="http://schemas.microsoft.com/office/drawing/2014/main" id="{776D6A0C-85B9-3695-A012-DF89EF7C09AC}"/>
+              </a:ext>
+            </a:extLst>
+          </p:cNvPr>
+          <p:cNvSpPr/>
+          <p:nvPr/>
+        </p:nvSpPr>
+        <p:spPr>
+          <a:xfrm>
+            <a:off x="4989693" y="3546975"/>
             <a:ext cx="54864" cy="54864"/>
           </a:xfrm>
           <a:prstGeom prst="ellipse">
@@ -4924,160 +7285,10 @@
       </p:sp>
       <p:sp>
         <p:nvSpPr>
-          <p:cNvPr id="17" name="TextBox 16">
+          <p:cNvPr id="11" name="Oval 10">
             <a:extLst>
               <a:ext uri="{FF2B5EF4-FFF2-40B4-BE49-F238E27FC236}">
-                <a16:creationId xmlns:a16="http://schemas.microsoft.com/office/drawing/2014/main" id="{DC823164-0AE8-AAAD-1BAE-1D36805D99D0}"/>
-              </a:ext>
-            </a:extLst>
-          </p:cNvPr>
-          <p:cNvSpPr txBox="1"/>
-          <p:nvPr/>
-        </p:nvSpPr>
-        <p:spPr>
-          <a:xfrm>
-            <a:off x="3849404" y="5024884"/>
-            <a:ext cx="413896" cy="246221"/>
-          </a:xfrm>
-          <a:prstGeom prst="rect">
-            <a:avLst/>
-          </a:prstGeom>
-          <a:noFill/>
-        </p:spPr>
-        <p:txBody>
-          <a:bodyPr wrap="none" rtlCol="0">
-            <a:spAutoFit/>
-          </a:bodyPr>
-          <a:lstStyle/>
-          <a:p>
-            <a:r>
-              <a:rPr lang="en-US" sz="1000" dirty="0">
-                <a:latin typeface="Times New Roman" panose="02020603050405020304" pitchFamily="18" charset="0"/>
-                <a:cs typeface="Times New Roman" panose="02020603050405020304" pitchFamily="18" charset="0"/>
-              </a:rPr>
-              <a:t>N=0</a:t>
-            </a:r>
-          </a:p>
-        </p:txBody>
-      </p:sp>
-      <p:sp>
-        <p:nvSpPr>
-          <p:cNvPr id="19" name="TextBox 18">
-            <a:extLst>
-              <a:ext uri="{FF2B5EF4-FFF2-40B4-BE49-F238E27FC236}">
-                <a16:creationId xmlns:a16="http://schemas.microsoft.com/office/drawing/2014/main" id="{141D5B18-68C8-462E-1BDD-0B31B2063A29}"/>
-              </a:ext>
-            </a:extLst>
-          </p:cNvPr>
-          <p:cNvSpPr txBox="1"/>
-          <p:nvPr/>
-        </p:nvSpPr>
-        <p:spPr>
-          <a:xfrm>
-            <a:off x="4794722" y="5023631"/>
-            <a:ext cx="413896" cy="246221"/>
-          </a:xfrm>
-          <a:prstGeom prst="rect">
-            <a:avLst/>
-          </a:prstGeom>
-          <a:noFill/>
-        </p:spPr>
-        <p:txBody>
-          <a:bodyPr wrap="none" rtlCol="0">
-            <a:spAutoFit/>
-          </a:bodyPr>
-          <a:lstStyle/>
-          <a:p>
-            <a:r>
-              <a:rPr lang="en-US" sz="1000" dirty="0">
-                <a:latin typeface="Times New Roman" panose="02020603050405020304" pitchFamily="18" charset="0"/>
-                <a:cs typeface="Times New Roman" panose="02020603050405020304" pitchFamily="18" charset="0"/>
-              </a:rPr>
-              <a:t>N=1</a:t>
-            </a:r>
-          </a:p>
-        </p:txBody>
-      </p:sp>
-      <p:sp>
-        <p:nvSpPr>
-          <p:cNvPr id="20" name="TextBox 19">
-            <a:extLst>
-              <a:ext uri="{FF2B5EF4-FFF2-40B4-BE49-F238E27FC236}">
-                <a16:creationId xmlns:a16="http://schemas.microsoft.com/office/drawing/2014/main" id="{14EC1530-AE37-76C7-291D-E386C786AEA0}"/>
-              </a:ext>
-            </a:extLst>
-          </p:cNvPr>
-          <p:cNvSpPr txBox="1"/>
-          <p:nvPr/>
-        </p:nvSpPr>
-        <p:spPr>
-          <a:xfrm>
-            <a:off x="5728494" y="5023631"/>
-            <a:ext cx="413896" cy="246221"/>
-          </a:xfrm>
-          <a:prstGeom prst="rect">
-            <a:avLst/>
-          </a:prstGeom>
-          <a:noFill/>
-        </p:spPr>
-        <p:txBody>
-          <a:bodyPr wrap="none" rtlCol="0">
-            <a:spAutoFit/>
-          </a:bodyPr>
-          <a:lstStyle/>
-          <a:p>
-            <a:r>
-              <a:rPr lang="en-US" sz="1000" dirty="0">
-                <a:latin typeface="Times New Roman" panose="02020603050405020304" pitchFamily="18" charset="0"/>
-                <a:cs typeface="Times New Roman" panose="02020603050405020304" pitchFamily="18" charset="0"/>
-              </a:rPr>
-              <a:t>N=2</a:t>
-            </a:r>
-          </a:p>
-        </p:txBody>
-      </p:sp>
-      <p:pic>
-        <p:nvPicPr>
-          <p:cNvPr id="25" name="Picture 24" descr="A graph with a dotted line&#10;&#10;Description automatically generated">
-            <a:extLst>
-              <a:ext uri="{FF2B5EF4-FFF2-40B4-BE49-F238E27FC236}">
-                <a16:creationId xmlns:a16="http://schemas.microsoft.com/office/drawing/2014/main" id="{CA3CC054-33E1-F4BC-A0AA-54D8C42019F1}"/>
-              </a:ext>
-            </a:extLst>
-          </p:cNvPr>
-          <p:cNvPicPr>
-            <a:picLocks noChangeAspect="1"/>
-          </p:cNvPicPr>
-          <p:nvPr/>
-        </p:nvPicPr>
-        <p:blipFill>
-          <a:blip r:embed="rId11">
-            <a:extLst>
-              <a:ext uri="{28A0092B-C50C-407E-A947-70E740481C1C}">
-                <a14:useLocalDpi xmlns:a14="http://schemas.microsoft.com/office/drawing/2010/main" val="0"/>
-              </a:ext>
-            </a:extLst>
-          </a:blip>
-          <a:stretch>
-            <a:fillRect/>
-          </a:stretch>
-        </p:blipFill>
-        <p:spPr>
-          <a:xfrm>
-            <a:off x="3808898" y="5461467"/>
-            <a:ext cx="2286000" cy="1967975"/>
-          </a:xfrm>
-          <a:prstGeom prst="rect">
-            <a:avLst/>
-          </a:prstGeom>
-        </p:spPr>
-      </p:pic>
-      <p:sp>
-        <p:nvSpPr>
-          <p:cNvPr id="26" name="Oval 25">
-            <a:extLst>
-              <a:ext uri="{FF2B5EF4-FFF2-40B4-BE49-F238E27FC236}">
-                <a16:creationId xmlns:a16="http://schemas.microsoft.com/office/drawing/2014/main" id="{57E7F0F8-E0D3-935E-D2BE-B92013B95132}"/>
+                <a16:creationId xmlns:a16="http://schemas.microsoft.com/office/drawing/2014/main" id="{C0088331-80C8-80D9-75EA-5E9096FDF06B}"/>
               </a:ext>
             </a:extLst>
           </p:cNvPr>
@@ -5086,7 +7297,7 @@
         </p:nvSpPr>
         <p:spPr>
           <a:xfrm>
-            <a:off x="5550574" y="4397610"/>
+            <a:off x="4286438" y="3544528"/>
             <a:ext cx="54864" cy="54864"/>
           </a:xfrm>
           <a:prstGeom prst="ellipse">
@@ -5126,10 +7337,10 @@
       </p:sp>
       <p:sp>
         <p:nvSpPr>
-          <p:cNvPr id="27" name="Oval 26">
+          <p:cNvPr id="12" name="Arc 11">
             <a:extLst>
               <a:ext uri="{FF2B5EF4-FFF2-40B4-BE49-F238E27FC236}">
-                <a16:creationId xmlns:a16="http://schemas.microsoft.com/office/drawing/2014/main" id="{4D991299-7CE8-46BB-B5AB-59C32ABBD524}"/>
+                <a16:creationId xmlns:a16="http://schemas.microsoft.com/office/drawing/2014/main" id="{2CEBCEA0-FB00-6ABB-7BB0-A43AA1A5990D}"/>
               </a:ext>
             </a:extLst>
           </p:cNvPr>
@@ -5137,34 +7348,34 @@
           <p:nvPr/>
         </p:nvSpPr>
         <p:spPr>
-          <a:xfrm>
-            <a:off x="6250279" y="4389082"/>
-            <a:ext cx="54864" cy="54864"/>
+          <a:xfrm rot="18869482">
+            <a:off x="4270299" y="3347158"/>
+            <a:ext cx="786384" cy="786384"/>
           </a:xfrm>
-          <a:prstGeom prst="ellipse">
-            <a:avLst/>
+          <a:prstGeom prst="arc">
+            <a:avLst>
+              <a:gd name="adj1" fmla="val 14930542"/>
+              <a:gd name="adj2" fmla="val 1305590"/>
+            </a:avLst>
           </a:prstGeom>
-          <a:solidFill>
-            <a:schemeClr val="tx1"/>
-          </a:solidFill>
-          <a:ln>
-            <a:noFill/>
+          <a:ln w="19050">
+            <a:solidFill>
+              <a:schemeClr val="tx1"/>
+            </a:solidFill>
           </a:ln>
         </p:spPr>
         <p:style>
-          <a:lnRef idx="2">
-            <a:schemeClr val="accent1">
-              <a:shade val="15000"/>
-            </a:schemeClr>
+          <a:lnRef idx="1">
+            <a:schemeClr val="accent1"/>
           </a:lnRef>
-          <a:fillRef idx="1">
+          <a:fillRef idx="0">
             <a:schemeClr val="accent1"/>
           </a:fillRef>
           <a:effectRef idx="0">
             <a:schemeClr val="accent1"/>
           </a:effectRef>
           <a:fontRef idx="minor">
-            <a:schemeClr val="lt1"/>
+            <a:schemeClr val="tx1"/>
           </a:fontRef>
         </p:style>
         <p:txBody>
@@ -5172,52 +7383,5358 @@
           <a:lstStyle/>
           <a:p>
             <a:pPr algn="ctr"/>
+            <a:endParaRPr lang="en-US" dirty="0">
+              <a:ln w="19050">
+                <a:solidFill>
+                  <a:schemeClr val="tx1"/>
+                </a:solidFill>
+              </a:ln>
+            </a:endParaRPr>
+          </a:p>
+        </p:txBody>
+      </p:sp>
+      <p:pic>
+        <p:nvPicPr>
+          <p:cNvPr id="14" name="Picture 13">
+            <a:extLst>
+              <a:ext uri="{FF2B5EF4-FFF2-40B4-BE49-F238E27FC236}">
+                <a16:creationId xmlns:a16="http://schemas.microsoft.com/office/drawing/2014/main" id="{722166BC-52C9-37B4-B4E4-6A1AA513A6E2}"/>
+              </a:ext>
+            </a:extLst>
+          </p:cNvPr>
+          <p:cNvPicPr>
+            <a:picLocks noChangeAspect="1"/>
+          </p:cNvPicPr>
+          <p:nvPr/>
+        </p:nvPicPr>
+        <p:blipFill>
+          <a:blip r:embed="rId5"/>
+          <a:stretch>
+            <a:fillRect/>
+          </a:stretch>
+        </p:blipFill>
+        <p:spPr>
+          <a:xfrm>
+            <a:off x="2995537" y="2874898"/>
+            <a:ext cx="2914800" cy="2470277"/>
+          </a:xfrm>
+          <a:prstGeom prst="rect">
+            <a:avLst/>
+          </a:prstGeom>
+        </p:spPr>
+      </p:pic>
+      <mc:AlternateContent xmlns:mc="http://schemas.openxmlformats.org/markup-compatibility/2006">
+        <mc:Choice xmlns:p14="http://schemas.microsoft.com/office/powerpoint/2010/main" Requires="p14">
+          <p:contentPart p14:bwMode="auto" r:id="rId6">
+            <p14:nvContentPartPr>
+              <p14:cNvPr id="15" name="Ink 14">
+                <a:extLst>
+                  <a:ext uri="{FF2B5EF4-FFF2-40B4-BE49-F238E27FC236}">
+                    <a16:creationId xmlns:a16="http://schemas.microsoft.com/office/drawing/2014/main" id="{E7D486B5-0158-97E7-DBC4-C40FA5598866}"/>
+                  </a:ext>
+                </a:extLst>
+              </p14:cNvPr>
+              <p14:cNvContentPartPr/>
+              <p14:nvPr/>
+            </p14:nvContentPartPr>
+            <p14:xfrm>
+              <a:off x="4486185" y="4118066"/>
+              <a:ext cx="39600" cy="36000"/>
+            </p14:xfrm>
+          </p:contentPart>
+        </mc:Choice>
+        <mc:Fallback>
+          <p:pic>
+            <p:nvPicPr>
+              <p:cNvPr id="15" name="Ink 14">
+                <a:extLst>
+                  <a:ext uri="{FF2B5EF4-FFF2-40B4-BE49-F238E27FC236}">
+                    <a16:creationId xmlns:a16="http://schemas.microsoft.com/office/drawing/2014/main" id="{E7D486B5-0158-97E7-DBC4-C40FA5598866}"/>
+                  </a:ext>
+                </a:extLst>
+              </p:cNvPr>
+              <p:cNvPicPr/>
+              <p:nvPr/>
+            </p:nvPicPr>
+            <p:blipFill>
+              <a:blip r:embed="rId7"/>
+              <a:stretch>
+                <a:fillRect/>
+              </a:stretch>
+            </p:blipFill>
+            <p:spPr>
+              <a:xfrm>
+                <a:off x="4480065" y="4111946"/>
+                <a:ext cx="51840" cy="48240"/>
+              </a:xfrm>
+              <a:prstGeom prst="rect">
+                <a:avLst/>
+              </a:prstGeom>
+            </p:spPr>
+          </p:pic>
+        </mc:Fallback>
+      </mc:AlternateContent>
+      <p:grpSp>
+        <p:nvGrpSpPr>
+          <p:cNvPr id="20" name="Group 19">
+            <a:extLst>
+              <a:ext uri="{FF2B5EF4-FFF2-40B4-BE49-F238E27FC236}">
+                <a16:creationId xmlns:a16="http://schemas.microsoft.com/office/drawing/2014/main" id="{376F88BA-BDE0-253A-0C7C-6366044F5B7D}"/>
+              </a:ext>
+            </a:extLst>
+          </p:cNvPr>
+          <p:cNvGrpSpPr/>
+          <p:nvPr/>
+        </p:nvGrpSpPr>
+        <p:grpSpPr>
+          <a:xfrm>
+            <a:off x="3775185" y="3187466"/>
+            <a:ext cx="725400" cy="946440"/>
+            <a:chOff x="3775185" y="3187466"/>
+            <a:chExt cx="725400" cy="946440"/>
+          </a:xfrm>
+        </p:grpSpPr>
+        <mc:AlternateContent xmlns:mc="http://schemas.openxmlformats.org/markup-compatibility/2006">
+          <mc:Choice xmlns:p14="http://schemas.microsoft.com/office/powerpoint/2010/main" Requires="p14">
+            <p:contentPart p14:bwMode="auto" r:id="rId8">
+              <p14:nvContentPartPr>
+                <p14:cNvPr id="17" name="Ink 16">
+                  <a:extLst>
+                    <a:ext uri="{FF2B5EF4-FFF2-40B4-BE49-F238E27FC236}">
+                      <a16:creationId xmlns:a16="http://schemas.microsoft.com/office/drawing/2014/main" id="{B4C2FD70-71DE-C26F-4354-084E21A607E6}"/>
+                    </a:ext>
+                  </a:extLst>
+                </p14:cNvPr>
+                <p14:cNvContentPartPr/>
+                <p14:nvPr/>
+              </p14:nvContentPartPr>
+              <p14:xfrm>
+                <a:off x="3775185" y="3187466"/>
+                <a:ext cx="725400" cy="946440"/>
+              </p14:xfrm>
+            </p:contentPart>
+          </mc:Choice>
+          <mc:Fallback>
+            <p:pic>
+              <p:nvPicPr>
+                <p:cNvPr id="17" name="Ink 16">
+                  <a:extLst>
+                    <a:ext uri="{FF2B5EF4-FFF2-40B4-BE49-F238E27FC236}">
+                      <a16:creationId xmlns:a16="http://schemas.microsoft.com/office/drawing/2014/main" id="{B4C2FD70-71DE-C26F-4354-084E21A607E6}"/>
+                    </a:ext>
+                  </a:extLst>
+                </p:cNvPr>
+                <p:cNvPicPr/>
+                <p:nvPr/>
+              </p:nvPicPr>
+              <p:blipFill>
+                <a:blip r:embed="rId9"/>
+                <a:stretch>
+                  <a:fillRect/>
+                </a:stretch>
+              </p:blipFill>
+              <p:spPr>
+                <a:xfrm>
+                  <a:off x="3769065" y="3181346"/>
+                  <a:ext cx="737640" cy="958680"/>
+                </a:xfrm>
+                <a:prstGeom prst="rect">
+                  <a:avLst/>
+                </a:prstGeom>
+              </p:spPr>
+            </p:pic>
+          </mc:Fallback>
+        </mc:AlternateContent>
+        <mc:AlternateContent xmlns:mc="http://schemas.openxmlformats.org/markup-compatibility/2006">
+          <mc:Choice xmlns:p14="http://schemas.microsoft.com/office/powerpoint/2010/main" Requires="p14">
+            <p:contentPart p14:bwMode="auto" r:id="rId10">
+              <p14:nvContentPartPr>
+                <p14:cNvPr id="18" name="Ink 17">
+                  <a:extLst>
+                    <a:ext uri="{FF2B5EF4-FFF2-40B4-BE49-F238E27FC236}">
+                      <a16:creationId xmlns:a16="http://schemas.microsoft.com/office/drawing/2014/main" id="{D4CC25AE-8514-72B2-984D-5B176F07871D}"/>
+                    </a:ext>
+                  </a:extLst>
+                </p14:cNvPr>
+                <p14:cNvContentPartPr/>
+                <p14:nvPr/>
+              </p14:nvContentPartPr>
+              <p14:xfrm>
+                <a:off x="4283865" y="3400226"/>
+                <a:ext cx="19440" cy="292680"/>
+              </p14:xfrm>
+            </p:contentPart>
+          </mc:Choice>
+          <mc:Fallback>
+            <p:pic>
+              <p:nvPicPr>
+                <p:cNvPr id="18" name="Ink 17">
+                  <a:extLst>
+                    <a:ext uri="{FF2B5EF4-FFF2-40B4-BE49-F238E27FC236}">
+                      <a16:creationId xmlns:a16="http://schemas.microsoft.com/office/drawing/2014/main" id="{D4CC25AE-8514-72B2-984D-5B176F07871D}"/>
+                    </a:ext>
+                  </a:extLst>
+                </p:cNvPr>
+                <p:cNvPicPr/>
+                <p:nvPr/>
+              </p:nvPicPr>
+              <p:blipFill>
+                <a:blip r:embed="rId11"/>
+                <a:stretch>
+                  <a:fillRect/>
+                </a:stretch>
+              </p:blipFill>
+              <p:spPr>
+                <a:xfrm>
+                  <a:off x="4277745" y="3394106"/>
+                  <a:ext cx="31680" cy="304920"/>
+                </a:xfrm>
+                <a:prstGeom prst="rect">
+                  <a:avLst/>
+                </a:prstGeom>
+              </p:spPr>
+            </p:pic>
+          </mc:Fallback>
+        </mc:AlternateContent>
+        <mc:AlternateContent xmlns:mc="http://schemas.openxmlformats.org/markup-compatibility/2006">
+          <mc:Choice xmlns:p14="http://schemas.microsoft.com/office/powerpoint/2010/main" Requires="p14">
+            <p:contentPart p14:bwMode="auto" r:id="rId12">
+              <p14:nvContentPartPr>
+                <p14:cNvPr id="19" name="Ink 18">
+                  <a:extLst>
+                    <a:ext uri="{FF2B5EF4-FFF2-40B4-BE49-F238E27FC236}">
+                      <a16:creationId xmlns:a16="http://schemas.microsoft.com/office/drawing/2014/main" id="{01C65821-68B6-A70C-DF12-07FA073FA58C}"/>
+                    </a:ext>
+                  </a:extLst>
+                </p14:cNvPr>
+                <p14:cNvContentPartPr/>
+                <p14:nvPr/>
+              </p14:nvContentPartPr>
+              <p14:xfrm>
+                <a:off x="4286025" y="3522986"/>
+                <a:ext cx="102240" cy="156240"/>
+              </p14:xfrm>
+            </p:contentPart>
+          </mc:Choice>
+          <mc:Fallback>
+            <p:pic>
+              <p:nvPicPr>
+                <p:cNvPr id="19" name="Ink 18">
+                  <a:extLst>
+                    <a:ext uri="{FF2B5EF4-FFF2-40B4-BE49-F238E27FC236}">
+                      <a16:creationId xmlns:a16="http://schemas.microsoft.com/office/drawing/2014/main" id="{01C65821-68B6-A70C-DF12-07FA073FA58C}"/>
+                    </a:ext>
+                  </a:extLst>
+                </p:cNvPr>
+                <p:cNvPicPr/>
+                <p:nvPr/>
+              </p:nvPicPr>
+              <p:blipFill>
+                <a:blip r:embed="rId13"/>
+                <a:stretch>
+                  <a:fillRect/>
+                </a:stretch>
+              </p:blipFill>
+              <p:spPr>
+                <a:xfrm>
+                  <a:off x="4279905" y="3516866"/>
+                  <a:ext cx="114480" cy="168480"/>
+                </a:xfrm>
+                <a:prstGeom prst="rect">
+                  <a:avLst/>
+                </a:prstGeom>
+              </p:spPr>
+            </p:pic>
+          </mc:Fallback>
+        </mc:AlternateContent>
+      </p:grpSp>
+    </p:spTree>
+    <p:extLst>
+      <p:ext uri="{BB962C8B-B14F-4D97-AF65-F5344CB8AC3E}">
+        <p14:creationId xmlns:p14="http://schemas.microsoft.com/office/powerpoint/2010/main" val="687054158"/>
+      </p:ext>
+    </p:extLst>
+  </p:cSld>
+  <p:clrMapOvr>
+    <a:masterClrMapping/>
+  </p:clrMapOvr>
+</p:sld>
+</file>
+
+<file path=ppt/slides/slide3.xml><?xml version="1.0" encoding="utf-8"?>
+<p:sld xmlns:a="http://schemas.openxmlformats.org/drawingml/2006/main" xmlns:r="http://schemas.openxmlformats.org/officeDocument/2006/relationships" xmlns:p="http://schemas.openxmlformats.org/presentationml/2006/main">
+  <p:cSld>
+    <p:spTree>
+      <p:nvGrpSpPr>
+        <p:cNvPr id="1" name=""/>
+        <p:cNvGrpSpPr/>
+        <p:nvPr/>
+      </p:nvGrpSpPr>
+      <p:grpSpPr>
+        <a:xfrm>
+          <a:off x="0" y="0"/>
+          <a:ext cx="0" cy="0"/>
+          <a:chOff x="0" y="0"/>
+          <a:chExt cx="0" cy="0"/>
+        </a:xfrm>
+      </p:grpSpPr>
+      <p:sp>
+        <p:nvSpPr>
+          <p:cNvPr id="2" name="Title 1">
+            <a:extLst>
+              <a:ext uri="{FF2B5EF4-FFF2-40B4-BE49-F238E27FC236}">
+                <a16:creationId xmlns:a16="http://schemas.microsoft.com/office/drawing/2014/main" id="{C9BC7401-CEBA-CEBA-E36D-9CB3A279C80E}"/>
+              </a:ext>
+            </a:extLst>
+          </p:cNvPr>
+          <p:cNvSpPr>
+            <a:spLocks noGrp="1"/>
+          </p:cNvSpPr>
+          <p:nvPr>
+            <p:ph type="title"/>
+          </p:nvPr>
+        </p:nvSpPr>
+        <p:spPr/>
+        <p:txBody>
+          <a:bodyPr/>
+          <a:lstStyle/>
+          <a:p>
             <a:endParaRPr lang="en-US"/>
           </a:p>
         </p:txBody>
       </p:sp>
-      <p:sp>
-        <p:nvSpPr>
-          <p:cNvPr id="37" name="TextBox 36">
+      <p:pic>
+        <p:nvPicPr>
+          <p:cNvPr id="4" name="Picture 3" descr="A graph with a dotted line&#10;&#10;Description automatically generated">
             <a:extLst>
               <a:ext uri="{FF2B5EF4-FFF2-40B4-BE49-F238E27FC236}">
-                <a16:creationId xmlns:a16="http://schemas.microsoft.com/office/drawing/2014/main" id="{274AEF46-F37E-6BCE-979E-3B84F3380C5B}"/>
+                <a16:creationId xmlns:a16="http://schemas.microsoft.com/office/drawing/2014/main" id="{5A6A0807-CD84-9916-A629-E405897DF957}"/>
               </a:ext>
             </a:extLst>
           </p:cNvPr>
-          <p:cNvSpPr txBox="1"/>
+          <p:cNvPicPr>
+            <a:picLocks noChangeAspect="1"/>
+          </p:cNvPicPr>
           <p:nvPr/>
-        </p:nvSpPr>
+        </p:nvPicPr>
+        <p:blipFill>
+          <a:blip r:embed="rId2">
+            <a:extLst>
+              <a:ext uri="{28A0092B-C50C-407E-A947-70E740481C1C}">
+                <a14:useLocalDpi xmlns:a14="http://schemas.microsoft.com/office/drawing/2010/main" val="0"/>
+              </a:ext>
+            </a:extLst>
+          </a:blip>
+          <a:stretch>
+            <a:fillRect/>
+          </a:stretch>
+        </p:blipFill>
         <p:spPr>
           <a:xfrm>
-            <a:off x="3741012" y="5220124"/>
-            <a:ext cx="2552302" cy="261610"/>
+            <a:off x="4009585" y="5697499"/>
+            <a:ext cx="1933426" cy="1664451"/>
           </a:xfrm>
           <a:prstGeom prst="rect">
             <a:avLst/>
           </a:prstGeom>
-          <a:noFill/>
         </p:spPr>
+      </p:pic>
+      <p:grpSp>
+        <p:nvGrpSpPr>
+          <p:cNvPr id="133" name="Group 132">
+            <a:extLst>
+              <a:ext uri="{FF2B5EF4-FFF2-40B4-BE49-F238E27FC236}">
+                <a16:creationId xmlns:a16="http://schemas.microsoft.com/office/drawing/2014/main" id="{E36A19D2-BB30-6087-8A25-F049D1E00646}"/>
+              </a:ext>
+            </a:extLst>
+          </p:cNvPr>
+          <p:cNvGrpSpPr/>
+          <p:nvPr/>
+        </p:nvGrpSpPr>
+        <p:grpSpPr>
+          <a:xfrm>
+            <a:off x="3784703" y="4264989"/>
+            <a:ext cx="2679704" cy="1168973"/>
+            <a:chOff x="3874698" y="4283040"/>
+            <a:chExt cx="2478477" cy="1081192"/>
+          </a:xfrm>
+        </p:grpSpPr>
+        <p:pic>
+          <p:nvPicPr>
+            <p:cNvPr id="61" name="Picture 60" descr="A triangle with a green line&#10;&#10;Description automatically generated">
+              <a:extLst>
+                <a:ext uri="{FF2B5EF4-FFF2-40B4-BE49-F238E27FC236}">
+                  <a16:creationId xmlns:a16="http://schemas.microsoft.com/office/drawing/2014/main" id="{637D2262-6BCE-7932-9FD9-B19111C08174}"/>
+                </a:ext>
+              </a:extLst>
+            </p:cNvPr>
+            <p:cNvPicPr>
+              <a:picLocks noChangeAspect="1"/>
+            </p:cNvPicPr>
+            <p:nvPr/>
+          </p:nvPicPr>
+          <p:blipFill>
+            <a:blip r:embed="rId3">
+              <a:extLst>
+                <a:ext uri="{28A0092B-C50C-407E-A947-70E740481C1C}">
+                  <a14:useLocalDpi xmlns:a14="http://schemas.microsoft.com/office/drawing/2010/main" val="0"/>
+                </a:ext>
+              </a:extLst>
+            </a:blip>
+            <a:stretch>
+              <a:fillRect/>
+            </a:stretch>
+          </p:blipFill>
+          <p:spPr>
+            <a:xfrm>
+              <a:off x="3874698" y="4428033"/>
+              <a:ext cx="812781" cy="771023"/>
+            </a:xfrm>
+            <a:prstGeom prst="rect">
+              <a:avLst/>
+            </a:prstGeom>
+          </p:spPr>
+        </p:pic>
+        <mc:AlternateContent xmlns:mc="http://schemas.openxmlformats.org/markup-compatibility/2006">
+          <mc:Choice xmlns:a14="http://schemas.microsoft.com/office/drawing/2010/main" Requires="a14">
+            <p:sp>
+              <p:nvSpPr>
+                <p:cNvPr id="7" name="TextBox 6">
+                  <a:extLst>
+                    <a:ext uri="{FF2B5EF4-FFF2-40B4-BE49-F238E27FC236}">
+                      <a16:creationId xmlns:a16="http://schemas.microsoft.com/office/drawing/2014/main" id="{89B2684A-7DB6-8161-1AE1-C3697AEBBBB4}"/>
+                    </a:ext>
+                  </a:extLst>
+                </p:cNvPr>
+                <p:cNvSpPr txBox="1"/>
+                <p:nvPr/>
+              </p:nvSpPr>
+              <p:spPr>
+                <a:xfrm>
+                  <a:off x="4051803" y="5043353"/>
+                  <a:ext cx="431456" cy="123111"/>
+                </a:xfrm>
+                <a:prstGeom prst="rect">
+                  <a:avLst/>
+                </a:prstGeom>
+                <a:noFill/>
+              </p:spPr>
+              <p:txBody>
+                <a:bodyPr wrap="square" lIns="0" tIns="0" rIns="0" bIns="0" rtlCol="0">
+                  <a:spAutoFit/>
+                </a:bodyPr>
+                <a:lstStyle/>
+                <a:p>
+                  <a:pPr/>
+                  <a14:m>
+                    <m:oMathPara xmlns:m="http://schemas.openxmlformats.org/officeDocument/2006/math">
+                      <m:oMathParaPr>
+                        <m:jc m:val="centerGroup"/>
+                      </m:oMathParaPr>
+                      <m:oMath xmlns:m="http://schemas.openxmlformats.org/officeDocument/2006/math">
+                        <m:sSub>
+                          <m:sSubPr>
+                            <m:ctrlPr>
+                              <a:rPr lang="en-US" sz="800" b="0" i="1" smtClean="0">
+                                <a:latin typeface="Cambria Math" panose="02040503050406030204" pitchFamily="18" charset="0"/>
+                              </a:rPr>
+                            </m:ctrlPr>
+                          </m:sSubPr>
+                          <m:e>
+                            <m:r>
+                              <a:rPr lang="en-US" sz="800" b="0" i="1" smtClean="0">
+                                <a:latin typeface="Cambria Math" panose="02040503050406030204" pitchFamily="18" charset="0"/>
+                              </a:rPr>
+                              <m:t>𝑤</m:t>
+                            </m:r>
+                          </m:e>
+                          <m:sub>
+                            <m:r>
+                              <a:rPr lang="en-US" sz="800" b="0" i="1" smtClean="0">
+                                <a:latin typeface="Cambria Math" panose="02040503050406030204" pitchFamily="18" charset="0"/>
+                              </a:rPr>
+                              <m:t>0</m:t>
+                            </m:r>
+                          </m:sub>
+                        </m:sSub>
+                      </m:oMath>
+                    </m:oMathPara>
+                  </a14:m>
+                  <a:endParaRPr lang="en-US" sz="900" dirty="0"/>
+                </a:p>
+              </p:txBody>
+            </p:sp>
+          </mc:Choice>
+          <mc:Fallback>
+            <p:sp>
+              <p:nvSpPr>
+                <p:cNvPr id="7" name="TextBox 6">
+                  <a:extLst>
+                    <a:ext uri="{FF2B5EF4-FFF2-40B4-BE49-F238E27FC236}">
+                      <a16:creationId xmlns:a16="http://schemas.microsoft.com/office/drawing/2014/main" id="{89B2684A-7DB6-8161-1AE1-C3697AEBBBB4}"/>
+                    </a:ext>
+                  </a:extLst>
+                </p:cNvPr>
+                <p:cNvSpPr txBox="1">
+                  <a:spLocks noRot="1" noChangeAspect="1" noMove="1" noResize="1" noEditPoints="1" noAdjustHandles="1" noChangeArrowheads="1" noChangeShapeType="1" noTextEdit="1"/>
+                </p:cNvSpPr>
+                <p:nvPr/>
+              </p:nvSpPr>
+              <p:spPr>
+                <a:xfrm>
+                  <a:off x="4051803" y="5043353"/>
+                  <a:ext cx="431456" cy="123111"/>
+                </a:xfrm>
+                <a:prstGeom prst="rect">
+                  <a:avLst/>
+                </a:prstGeom>
+                <a:blipFill>
+                  <a:blip r:embed="rId4"/>
+                  <a:stretch>
+                    <a:fillRect b="-13636"/>
+                  </a:stretch>
+                </a:blipFill>
+              </p:spPr>
+              <p:txBody>
+                <a:bodyPr/>
+                <a:lstStyle/>
+                <a:p>
+                  <a:r>
+                    <a:rPr lang="en-US">
+                      <a:noFill/>
+                    </a:rPr>
+                    <a:t> </a:t>
+                  </a:r>
+                </a:p>
+              </p:txBody>
+            </p:sp>
+          </mc:Fallback>
+        </mc:AlternateContent>
+        <p:cxnSp>
+          <p:nvCxnSpPr>
+            <p:cNvPr id="8" name="Straight Arrow Connector 7">
+              <a:extLst>
+                <a:ext uri="{FF2B5EF4-FFF2-40B4-BE49-F238E27FC236}">
+                  <a16:creationId xmlns:a16="http://schemas.microsoft.com/office/drawing/2014/main" id="{1B8B4861-77B3-F461-B482-5D8EAA6C483C}"/>
+                </a:ext>
+              </a:extLst>
+            </p:cNvPr>
+            <p:cNvCxnSpPr>
+              <a:cxnSpLocks/>
+              <a:stCxn id="10" idx="2"/>
+            </p:cNvCxnSpPr>
+            <p:nvPr/>
+          </p:nvCxnSpPr>
+          <p:spPr>
+            <a:xfrm flipH="1">
+              <a:off x="4237508" y="4639190"/>
+              <a:ext cx="333919" cy="410945"/>
+            </a:xfrm>
+            <a:prstGeom prst="straightConnector1">
+              <a:avLst/>
+            </a:prstGeom>
+            <a:ln w="12700">
+              <a:solidFill>
+                <a:schemeClr val="tx1"/>
+              </a:solidFill>
+              <a:tailEnd type="triangle"/>
+            </a:ln>
+          </p:spPr>
+          <p:style>
+            <a:lnRef idx="1">
+              <a:schemeClr val="accent1"/>
+            </a:lnRef>
+            <a:fillRef idx="0">
+              <a:schemeClr val="accent1"/>
+            </a:fillRef>
+            <a:effectRef idx="0">
+              <a:schemeClr val="accent1"/>
+            </a:effectRef>
+            <a:fontRef idx="minor">
+              <a:schemeClr val="tx1"/>
+            </a:fontRef>
+          </p:style>
+        </p:cxnSp>
+        <p:grpSp>
+          <p:nvGrpSpPr>
+            <p:cNvPr id="9" name="Group 8">
+              <a:extLst>
+                <a:ext uri="{FF2B5EF4-FFF2-40B4-BE49-F238E27FC236}">
+                  <a16:creationId xmlns:a16="http://schemas.microsoft.com/office/drawing/2014/main" id="{15161623-F60B-8445-CE5D-F553739A049E}"/>
+                </a:ext>
+              </a:extLst>
+            </p:cNvPr>
+            <p:cNvGrpSpPr/>
+            <p:nvPr/>
+          </p:nvGrpSpPr>
+          <p:grpSpPr>
+            <a:xfrm>
+              <a:off x="4380992" y="4288813"/>
+              <a:ext cx="380869" cy="350383"/>
+              <a:chOff x="4117019" y="4196833"/>
+              <a:chExt cx="428488" cy="394190"/>
+            </a:xfrm>
+          </p:grpSpPr>
+          <p:pic>
+            <p:nvPicPr>
+              <p:cNvPr id="10" name="Picture 9" descr="A line drawing of a line&#10;&#10;Description automatically generated with medium confidence">
+                <a:extLst>
+                  <a:ext uri="{FF2B5EF4-FFF2-40B4-BE49-F238E27FC236}">
+                    <a16:creationId xmlns:a16="http://schemas.microsoft.com/office/drawing/2014/main" id="{45943799-ADFA-2324-CE46-850ACF6B0EA0}"/>
+                  </a:ext>
+                </a:extLst>
+              </p:cNvPr>
+              <p:cNvPicPr>
+                <a:picLocks noChangeAspect="1"/>
+              </p:cNvPicPr>
+              <p:nvPr/>
+            </p:nvPicPr>
+            <p:blipFill rotWithShape="1">
+              <a:blip r:embed="rId5">
+                <a:extLst>
+                  <a:ext uri="{28A0092B-C50C-407E-A947-70E740481C1C}">
+                    <a14:useLocalDpi xmlns:a14="http://schemas.microsoft.com/office/drawing/2010/main" val="0"/>
+                  </a:ext>
+                </a:extLst>
+              </a:blip>
+              <a:srcRect l="19924" t="25785" r="18643" b="17089"/>
+              <a:stretch/>
+            </p:blipFill>
+            <p:spPr>
+              <a:xfrm>
+                <a:off x="4117019" y="4236398"/>
+                <a:ext cx="428488" cy="354625"/>
+              </a:xfrm>
+              <a:prstGeom prst="rect">
+                <a:avLst/>
+              </a:prstGeom>
+              <a:ln w="12700">
+                <a:solidFill>
+                  <a:schemeClr val="tx1"/>
+                </a:solidFill>
+              </a:ln>
+            </p:spPr>
+          </p:pic>
+          <p:cxnSp>
+            <p:nvCxnSpPr>
+              <p:cNvPr id="11" name="Straight Connector 10">
+                <a:extLst>
+                  <a:ext uri="{FF2B5EF4-FFF2-40B4-BE49-F238E27FC236}">
+                    <a16:creationId xmlns:a16="http://schemas.microsoft.com/office/drawing/2014/main" id="{32B9795F-70FD-19C5-BCBA-ADE472F28427}"/>
+                  </a:ext>
+                </a:extLst>
+              </p:cNvPr>
+              <p:cNvCxnSpPr/>
+              <p:nvPr/>
+            </p:nvCxnSpPr>
+            <p:spPr>
+              <a:xfrm>
+                <a:off x="4287580" y="4360456"/>
+                <a:ext cx="87223" cy="0"/>
+              </a:xfrm>
+              <a:prstGeom prst="line">
+                <a:avLst/>
+              </a:prstGeom>
+              <a:ln w="9525">
+                <a:solidFill>
+                  <a:schemeClr val="tx1"/>
+                </a:solidFill>
+              </a:ln>
+            </p:spPr>
+            <p:style>
+              <a:lnRef idx="1">
+                <a:schemeClr val="accent1"/>
+              </a:lnRef>
+              <a:fillRef idx="0">
+                <a:schemeClr val="accent1"/>
+              </a:fillRef>
+              <a:effectRef idx="0">
+                <a:schemeClr val="accent1"/>
+              </a:effectRef>
+              <a:fontRef idx="minor">
+                <a:schemeClr val="tx1"/>
+              </a:fontRef>
+            </p:style>
+          </p:cxnSp>
+          <p:cxnSp>
+            <p:nvCxnSpPr>
+              <p:cNvPr id="12" name="Straight Connector 11">
+                <a:extLst>
+                  <a:ext uri="{FF2B5EF4-FFF2-40B4-BE49-F238E27FC236}">
+                    <a16:creationId xmlns:a16="http://schemas.microsoft.com/office/drawing/2014/main" id="{FA199C48-6335-F4F1-93C3-0CC75231903D}"/>
+                  </a:ext>
+                </a:extLst>
+              </p:cNvPr>
+              <p:cNvCxnSpPr>
+                <a:cxnSpLocks/>
+              </p:cNvCxnSpPr>
+              <p:nvPr/>
+            </p:nvCxnSpPr>
+            <p:spPr>
+              <a:xfrm flipH="1" flipV="1">
+                <a:off x="4328810" y="4363340"/>
+                <a:ext cx="1" cy="128097"/>
+              </a:xfrm>
+              <a:prstGeom prst="line">
+                <a:avLst/>
+              </a:prstGeom>
+              <a:ln w="9525">
+                <a:solidFill>
+                  <a:schemeClr val="tx1"/>
+                </a:solidFill>
+              </a:ln>
+            </p:spPr>
+            <p:style>
+              <a:lnRef idx="1">
+                <a:schemeClr val="accent1"/>
+              </a:lnRef>
+              <a:fillRef idx="0">
+                <a:schemeClr val="accent1"/>
+              </a:fillRef>
+              <a:effectRef idx="0">
+                <a:schemeClr val="accent1"/>
+              </a:effectRef>
+              <a:fontRef idx="minor">
+                <a:schemeClr val="tx1"/>
+              </a:fontRef>
+            </p:style>
+          </p:cxnSp>
+          <mc:AlternateContent xmlns:mc="http://schemas.openxmlformats.org/markup-compatibility/2006">
+            <mc:Choice xmlns:a14="http://schemas.microsoft.com/office/drawing/2010/main" Requires="a14">
+              <p:sp>
+                <p:nvSpPr>
+                  <p:cNvPr id="13" name="TextBox 12">
+                    <a:extLst>
+                      <a:ext uri="{FF2B5EF4-FFF2-40B4-BE49-F238E27FC236}">
+                        <a16:creationId xmlns:a16="http://schemas.microsoft.com/office/drawing/2014/main" id="{B1C2F5C2-F31F-BCA8-2A07-AA8EC8E37E24}"/>
+                      </a:ext>
+                    </a:extLst>
+                  </p:cNvPr>
+                  <p:cNvSpPr txBox="1"/>
+                  <p:nvPr/>
+                </p:nvSpPr>
+                <p:spPr>
+                  <a:xfrm>
+                    <a:off x="4208420" y="4196833"/>
+                    <a:ext cx="247863" cy="138503"/>
+                  </a:xfrm>
+                  <a:prstGeom prst="rect">
+                    <a:avLst/>
+                  </a:prstGeom>
+                  <a:noFill/>
+                </p:spPr>
+                <p:txBody>
+                  <a:bodyPr wrap="none" lIns="0" tIns="0" rIns="0" bIns="0" rtlCol="0">
+                    <a:spAutoFit/>
+                  </a:bodyPr>
+                  <a:lstStyle/>
+                  <a:p>
+                    <a:pPr/>
+                    <a14:m>
+                      <m:oMathPara xmlns:m="http://schemas.openxmlformats.org/officeDocument/2006/math">
+                        <m:oMathParaPr>
+                          <m:jc m:val="centerGroup"/>
+                        </m:oMathParaPr>
+                        <m:oMath xmlns:m="http://schemas.openxmlformats.org/officeDocument/2006/math">
+                          <m:sSub>
+                            <m:sSubPr>
+                              <m:ctrlPr>
+                                <a:rPr lang="en-US" sz="800" i="1" smtClean="0">
+                                  <a:latin typeface="Cambria Math" panose="02040503050406030204" pitchFamily="18" charset="0"/>
+                                </a:rPr>
+                              </m:ctrlPr>
+                            </m:sSubPr>
+                            <m:e>
+                              <m:r>
+                                <a:rPr lang="en-US" sz="800" b="0" i="1" smtClean="0">
+                                  <a:latin typeface="Cambria Math" panose="02040503050406030204" pitchFamily="18" charset="0"/>
+                                </a:rPr>
+                                <m:t>𝜖</m:t>
+                              </m:r>
+                            </m:e>
+                            <m:sub>
+                              <m:r>
+                                <a:rPr lang="en-US" sz="800" b="0" i="1" smtClean="0">
+                                  <a:latin typeface="Cambria Math" panose="02040503050406030204" pitchFamily="18" charset="0"/>
+                                </a:rPr>
+                                <m:t>𝑚𝑖𝑛</m:t>
+                              </m:r>
+                            </m:sub>
+                          </m:sSub>
+                        </m:oMath>
+                      </m:oMathPara>
+                    </a14:m>
+                    <a:endParaRPr lang="en-US" sz="900" i="1" dirty="0"/>
+                  </a:p>
+                </p:txBody>
+              </p:sp>
+            </mc:Choice>
+            <mc:Fallback>
+              <p:sp>
+                <p:nvSpPr>
+                  <p:cNvPr id="13" name="TextBox 12">
+                    <a:extLst>
+                      <a:ext uri="{FF2B5EF4-FFF2-40B4-BE49-F238E27FC236}">
+                        <a16:creationId xmlns:a16="http://schemas.microsoft.com/office/drawing/2014/main" id="{B1C2F5C2-F31F-BCA8-2A07-AA8EC8E37E24}"/>
+                      </a:ext>
+                    </a:extLst>
+                  </p:cNvPr>
+                  <p:cNvSpPr txBox="1">
+                    <a:spLocks noRot="1" noChangeAspect="1" noMove="1" noResize="1" noEditPoints="1" noAdjustHandles="1" noChangeArrowheads="1" noChangeShapeType="1" noTextEdit="1"/>
+                  </p:cNvSpPr>
+                  <p:nvPr/>
+                </p:nvSpPr>
+                <p:spPr>
+                  <a:xfrm>
+                    <a:off x="4208420" y="4196833"/>
+                    <a:ext cx="247863" cy="138503"/>
+                  </a:xfrm>
+                  <a:prstGeom prst="rect">
+                    <a:avLst/>
+                  </a:prstGeom>
+                  <a:blipFill>
+                    <a:blip r:embed="rId6"/>
+                    <a:stretch>
+                      <a:fillRect l="-2564" b="-14286"/>
+                    </a:stretch>
+                  </a:blipFill>
+                </p:spPr>
+                <p:txBody>
+                  <a:bodyPr/>
+                  <a:lstStyle/>
+                  <a:p>
+                    <a:r>
+                      <a:rPr lang="en-US">
+                        <a:noFill/>
+                      </a:rPr>
+                      <a:t> </a:t>
+                    </a:r>
+                  </a:p>
+                </p:txBody>
+              </p:sp>
+            </mc:Fallback>
+          </mc:AlternateContent>
+        </p:grpSp>
+        <mc:AlternateContent xmlns:mc="http://schemas.openxmlformats.org/markup-compatibility/2006">
+          <mc:Choice xmlns:a14="http://schemas.microsoft.com/office/drawing/2010/main" Requires="a14">
+            <p:sp>
+              <p:nvSpPr>
+                <p:cNvPr id="14" name="TextBox 13">
+                  <a:extLst>
+                    <a:ext uri="{FF2B5EF4-FFF2-40B4-BE49-F238E27FC236}">
+                      <a16:creationId xmlns:a16="http://schemas.microsoft.com/office/drawing/2014/main" id="{DEE1DC1D-89C0-2DD5-49AE-47D516D38EA4}"/>
+                    </a:ext>
+                  </a:extLst>
+                </p:cNvPr>
+                <p:cNvSpPr txBox="1"/>
+                <p:nvPr/>
+              </p:nvSpPr>
+              <p:spPr>
+                <a:xfrm>
+                  <a:off x="4041083" y="5148232"/>
+                  <a:ext cx="461344" cy="215444"/>
+                </a:xfrm>
+                <a:prstGeom prst="rect">
+                  <a:avLst/>
+                </a:prstGeom>
+                <a:noFill/>
+              </p:spPr>
+              <p:txBody>
+                <a:bodyPr wrap="none" rtlCol="0">
+                  <a:spAutoFit/>
+                </a:bodyPr>
+                <a:lstStyle/>
+                <a:p>
+                  <a14:m>
+                    <m:oMathPara xmlns:m="http://schemas.openxmlformats.org/officeDocument/2006/math">
+                      <m:oMathParaPr>
+                        <m:jc m:val="centerGroup"/>
+                      </m:oMathParaPr>
+                      <m:oMath xmlns:m="http://schemas.openxmlformats.org/officeDocument/2006/math">
+                        <m:r>
+                          <a:rPr lang="en-US" sz="800" b="0" i="1" smtClean="0">
+                            <a:latin typeface="Cambria Math" panose="02040503050406030204" pitchFamily="18" charset="0"/>
+                            <a:cs typeface="Times New Roman" panose="02020603050405020304" pitchFamily="18" charset="0"/>
+                          </a:rPr>
+                          <m:t>𝑛</m:t>
+                        </m:r>
+                        <m:r>
+                          <a:rPr lang="en-US" sz="800" b="0" i="1" smtClean="0">
+                            <a:latin typeface="Cambria Math" panose="02040503050406030204" pitchFamily="18" charset="0"/>
+                            <a:cs typeface="Times New Roman" panose="02020603050405020304" pitchFamily="18" charset="0"/>
+                          </a:rPr>
+                          <m:t>=0</m:t>
+                        </m:r>
+                      </m:oMath>
+                    </m:oMathPara>
+                  </a14:m>
+                  <a:endParaRPr lang="en-US" sz="800" dirty="0">
+                    <a:latin typeface="Times New Roman" panose="02020603050405020304" pitchFamily="18" charset="0"/>
+                    <a:cs typeface="Times New Roman" panose="02020603050405020304" pitchFamily="18" charset="0"/>
+                  </a:endParaRPr>
+                </a:p>
+              </p:txBody>
+            </p:sp>
+          </mc:Choice>
+          <mc:Fallback>
+            <p:sp>
+              <p:nvSpPr>
+                <p:cNvPr id="14" name="TextBox 13">
+                  <a:extLst>
+                    <a:ext uri="{FF2B5EF4-FFF2-40B4-BE49-F238E27FC236}">
+                      <a16:creationId xmlns:a16="http://schemas.microsoft.com/office/drawing/2014/main" id="{DEE1DC1D-89C0-2DD5-49AE-47D516D38EA4}"/>
+                    </a:ext>
+                  </a:extLst>
+                </p:cNvPr>
+                <p:cNvSpPr txBox="1">
+                  <a:spLocks noRot="1" noChangeAspect="1" noMove="1" noResize="1" noEditPoints="1" noAdjustHandles="1" noChangeArrowheads="1" noChangeShapeType="1" noTextEdit="1"/>
+                </p:cNvSpPr>
+                <p:nvPr/>
+              </p:nvSpPr>
+              <p:spPr>
+                <a:xfrm>
+                  <a:off x="4041083" y="5148232"/>
+                  <a:ext cx="461344" cy="215444"/>
+                </a:xfrm>
+                <a:prstGeom prst="rect">
+                  <a:avLst/>
+                </a:prstGeom>
+                <a:blipFill>
+                  <a:blip r:embed="rId7"/>
+                  <a:stretch>
+                    <a:fillRect/>
+                  </a:stretch>
+                </a:blipFill>
+              </p:spPr>
+              <p:txBody>
+                <a:bodyPr/>
+                <a:lstStyle/>
+                <a:p>
+                  <a:r>
+                    <a:rPr lang="en-US">
+                      <a:noFill/>
+                    </a:rPr>
+                    <a:t> </a:t>
+                  </a:r>
+                </a:p>
+              </p:txBody>
+            </p:sp>
+          </mc:Fallback>
+        </mc:AlternateContent>
+        <p:grpSp>
+          <p:nvGrpSpPr>
+            <p:cNvPr id="104" name="Group 103">
+              <a:extLst>
+                <a:ext uri="{FF2B5EF4-FFF2-40B4-BE49-F238E27FC236}">
+                  <a16:creationId xmlns:a16="http://schemas.microsoft.com/office/drawing/2014/main" id="{66573591-9C6A-2B90-0BF0-4BDD143D1961}"/>
+                </a:ext>
+              </a:extLst>
+            </p:cNvPr>
+            <p:cNvGrpSpPr/>
+            <p:nvPr/>
+          </p:nvGrpSpPr>
+          <p:grpSpPr>
+            <a:xfrm>
+              <a:off x="4812202" y="4463308"/>
+              <a:ext cx="763586" cy="740514"/>
+              <a:chOff x="4812202" y="4455370"/>
+              <a:chExt cx="763586" cy="740514"/>
+            </a:xfrm>
+          </p:grpSpPr>
+          <p:sp>
+            <p:nvSpPr>
+              <p:cNvPr id="24" name="Oval 23">
+                <a:extLst>
+                  <a:ext uri="{FF2B5EF4-FFF2-40B4-BE49-F238E27FC236}">
+                    <a16:creationId xmlns:a16="http://schemas.microsoft.com/office/drawing/2014/main" id="{E49A08D3-A871-5324-6CB3-2C0D598CAAC4}"/>
+                  </a:ext>
+                </a:extLst>
+              </p:cNvPr>
+              <p:cNvSpPr/>
+              <p:nvPr/>
+            </p:nvSpPr>
+            <p:spPr>
+              <a:xfrm>
+                <a:off x="4879468" y="4771181"/>
+                <a:ext cx="48767" cy="48767"/>
+              </a:xfrm>
+              <a:prstGeom prst="ellipse">
+                <a:avLst/>
+              </a:prstGeom>
+              <a:solidFill>
+                <a:schemeClr val="tx1"/>
+              </a:solidFill>
+              <a:ln>
+                <a:noFill/>
+              </a:ln>
+            </p:spPr>
+            <p:style>
+              <a:lnRef idx="2">
+                <a:schemeClr val="accent1">
+                  <a:shade val="15000"/>
+                </a:schemeClr>
+              </a:lnRef>
+              <a:fillRef idx="1">
+                <a:schemeClr val="accent1"/>
+              </a:fillRef>
+              <a:effectRef idx="0">
+                <a:schemeClr val="accent1"/>
+              </a:effectRef>
+              <a:fontRef idx="minor">
+                <a:schemeClr val="lt1"/>
+              </a:fontRef>
+            </p:style>
+            <p:txBody>
+              <a:bodyPr rtlCol="0" anchor="ctr"/>
+              <a:lstStyle/>
+              <a:p>
+                <a:pPr algn="ctr"/>
+                <a:endParaRPr lang="en-US"/>
+              </a:p>
+            </p:txBody>
+          </p:sp>
+          <p:sp>
+            <p:nvSpPr>
+              <p:cNvPr id="25" name="Oval 24">
+                <a:extLst>
+                  <a:ext uri="{FF2B5EF4-FFF2-40B4-BE49-F238E27FC236}">
+                    <a16:creationId xmlns:a16="http://schemas.microsoft.com/office/drawing/2014/main" id="{0E4B9EDA-44A6-9E46-4BB6-A8640CC68BA6}"/>
+                  </a:ext>
+                </a:extLst>
+              </p:cNvPr>
+              <p:cNvSpPr/>
+              <p:nvPr/>
+            </p:nvSpPr>
+            <p:spPr>
+              <a:xfrm>
+                <a:off x="5506621" y="4771181"/>
+                <a:ext cx="48767" cy="48767"/>
+              </a:xfrm>
+              <a:prstGeom prst="ellipse">
+                <a:avLst/>
+              </a:prstGeom>
+              <a:solidFill>
+                <a:schemeClr val="tx1"/>
+              </a:solidFill>
+              <a:ln>
+                <a:noFill/>
+              </a:ln>
+            </p:spPr>
+            <p:style>
+              <a:lnRef idx="2">
+                <a:schemeClr val="accent1">
+                  <a:shade val="15000"/>
+                </a:schemeClr>
+              </a:lnRef>
+              <a:fillRef idx="1">
+                <a:schemeClr val="accent1"/>
+              </a:fillRef>
+              <a:effectRef idx="0">
+                <a:schemeClr val="accent1"/>
+              </a:effectRef>
+              <a:fontRef idx="minor">
+                <a:schemeClr val="lt1"/>
+              </a:fontRef>
+            </p:style>
+            <p:txBody>
+              <a:bodyPr rtlCol="0" anchor="ctr"/>
+              <a:lstStyle/>
+              <a:p>
+                <a:pPr algn="ctr"/>
+                <a:endParaRPr lang="en-US"/>
+              </a:p>
+            </p:txBody>
+          </p:sp>
+          <p:pic>
+            <p:nvPicPr>
+              <p:cNvPr id="63" name="Picture 62" descr="A grey and green cat's ears&#10;&#10;Description automatically generated">
+                <a:extLst>
+                  <a:ext uri="{FF2B5EF4-FFF2-40B4-BE49-F238E27FC236}">
+                    <a16:creationId xmlns:a16="http://schemas.microsoft.com/office/drawing/2014/main" id="{DF70FD33-0E27-1DD6-644B-5006FDAD7397}"/>
+                  </a:ext>
+                </a:extLst>
+              </p:cNvPr>
+              <p:cNvPicPr>
+                <a:picLocks noChangeAspect="1"/>
+              </p:cNvPicPr>
+              <p:nvPr/>
+            </p:nvPicPr>
+            <p:blipFill>
+              <a:blip r:embed="rId8">
+                <a:extLst>
+                  <a:ext uri="{28A0092B-C50C-407E-A947-70E740481C1C}">
+                    <a14:useLocalDpi xmlns:a14="http://schemas.microsoft.com/office/drawing/2010/main" val="0"/>
+                  </a:ext>
+                </a:extLst>
+              </a:blip>
+              <a:stretch>
+                <a:fillRect/>
+              </a:stretch>
+            </p:blipFill>
+            <p:spPr>
+              <a:xfrm>
+                <a:off x="4812202" y="4743951"/>
+                <a:ext cx="763586" cy="451933"/>
+              </a:xfrm>
+              <a:prstGeom prst="rect">
+                <a:avLst/>
+              </a:prstGeom>
+            </p:spPr>
+          </p:pic>
+          <p:sp>
+            <p:nvSpPr>
+              <p:cNvPr id="38" name="Arc 37">
+                <a:extLst>
+                  <a:ext uri="{FF2B5EF4-FFF2-40B4-BE49-F238E27FC236}">
+                    <a16:creationId xmlns:a16="http://schemas.microsoft.com/office/drawing/2014/main" id="{8A38D710-DB63-904B-DB04-09A4FC33B853}"/>
+                  </a:ext>
+                </a:extLst>
+              </p:cNvPr>
+              <p:cNvSpPr/>
+              <p:nvPr/>
+            </p:nvSpPr>
+            <p:spPr>
+              <a:xfrm>
+                <a:off x="4886921" y="4455370"/>
+                <a:ext cx="617714" cy="617714"/>
+              </a:xfrm>
+              <a:prstGeom prst="arc">
+                <a:avLst>
+                  <a:gd name="adj1" fmla="val 10800758"/>
+                  <a:gd name="adj2" fmla="val 6478"/>
+                </a:avLst>
+              </a:prstGeom>
+              <a:ln w="12700">
+                <a:solidFill>
+                  <a:schemeClr val="tx1"/>
+                </a:solidFill>
+              </a:ln>
+            </p:spPr>
+            <p:style>
+              <a:lnRef idx="1">
+                <a:schemeClr val="accent1"/>
+              </a:lnRef>
+              <a:fillRef idx="0">
+                <a:schemeClr val="accent1"/>
+              </a:fillRef>
+              <a:effectRef idx="0">
+                <a:schemeClr val="accent1"/>
+              </a:effectRef>
+              <a:fontRef idx="minor">
+                <a:schemeClr val="tx1"/>
+              </a:fontRef>
+            </p:style>
+            <p:txBody>
+              <a:bodyPr rtlCol="0" anchor="ctr"/>
+              <a:lstStyle/>
+              <a:p>
+                <a:pPr algn="ctr"/>
+                <a:endParaRPr lang="en-US" dirty="0">
+                  <a:ln w="19050">
+                    <a:solidFill>
+                      <a:schemeClr val="tx1"/>
+                    </a:solidFill>
+                  </a:ln>
+                </a:endParaRPr>
+              </a:p>
+            </p:txBody>
+          </p:sp>
+          <p:sp>
+            <p:nvSpPr>
+              <p:cNvPr id="66" name="Oval 65">
+                <a:extLst>
+                  <a:ext uri="{FF2B5EF4-FFF2-40B4-BE49-F238E27FC236}">
+                    <a16:creationId xmlns:a16="http://schemas.microsoft.com/office/drawing/2014/main" id="{20AE306D-28AE-1A5E-4F8F-1953D9D4B81E}"/>
+                  </a:ext>
+                </a:extLst>
+              </p:cNvPr>
+              <p:cNvSpPr/>
+              <p:nvPr/>
+            </p:nvSpPr>
+            <p:spPr>
+              <a:xfrm>
+                <a:off x="5472496" y="4727538"/>
+                <a:ext cx="48767" cy="48767"/>
+              </a:xfrm>
+              <a:prstGeom prst="ellipse">
+                <a:avLst/>
+              </a:prstGeom>
+              <a:solidFill>
+                <a:schemeClr val="tx1"/>
+              </a:solidFill>
+              <a:ln>
+                <a:noFill/>
+              </a:ln>
+            </p:spPr>
+            <p:style>
+              <a:lnRef idx="2">
+                <a:schemeClr val="accent1">
+                  <a:shade val="15000"/>
+                </a:schemeClr>
+              </a:lnRef>
+              <a:fillRef idx="1">
+                <a:schemeClr val="accent1"/>
+              </a:fillRef>
+              <a:effectRef idx="0">
+                <a:schemeClr val="accent1"/>
+              </a:effectRef>
+              <a:fontRef idx="minor">
+                <a:schemeClr val="lt1"/>
+              </a:fontRef>
+            </p:style>
+            <p:txBody>
+              <a:bodyPr rtlCol="0" anchor="ctr"/>
+              <a:lstStyle/>
+              <a:p>
+                <a:pPr algn="ctr"/>
+                <a:endParaRPr lang="en-US"/>
+              </a:p>
+            </p:txBody>
+          </p:sp>
+          <p:sp>
+            <p:nvSpPr>
+              <p:cNvPr id="67" name="Oval 66">
+                <a:extLst>
+                  <a:ext uri="{FF2B5EF4-FFF2-40B4-BE49-F238E27FC236}">
+                    <a16:creationId xmlns:a16="http://schemas.microsoft.com/office/drawing/2014/main" id="{05E3A5AB-755C-CEAB-8EA3-8B3AEC4B5D2C}"/>
+                  </a:ext>
+                </a:extLst>
+              </p:cNvPr>
+              <p:cNvSpPr/>
+              <p:nvPr/>
+            </p:nvSpPr>
+            <p:spPr>
+              <a:xfrm>
+                <a:off x="4864654" y="4724962"/>
+                <a:ext cx="48767" cy="48767"/>
+              </a:xfrm>
+              <a:prstGeom prst="ellipse">
+                <a:avLst/>
+              </a:prstGeom>
+              <a:solidFill>
+                <a:schemeClr val="tx1"/>
+              </a:solidFill>
+              <a:ln>
+                <a:noFill/>
+              </a:ln>
+            </p:spPr>
+            <p:style>
+              <a:lnRef idx="2">
+                <a:schemeClr val="accent1">
+                  <a:shade val="15000"/>
+                </a:schemeClr>
+              </a:lnRef>
+              <a:fillRef idx="1">
+                <a:schemeClr val="accent1"/>
+              </a:fillRef>
+              <a:effectRef idx="0">
+                <a:schemeClr val="accent1"/>
+              </a:effectRef>
+              <a:fontRef idx="minor">
+                <a:schemeClr val="lt1"/>
+              </a:fontRef>
+            </p:style>
+            <p:txBody>
+              <a:bodyPr rtlCol="0" anchor="ctr"/>
+              <a:lstStyle/>
+              <a:p>
+                <a:pPr algn="ctr"/>
+                <a:endParaRPr lang="en-US"/>
+              </a:p>
+            </p:txBody>
+          </p:sp>
+        </p:grpSp>
+        <p:grpSp>
+          <p:nvGrpSpPr>
+            <p:cNvPr id="86" name="Group 85">
+              <a:extLst>
+                <a:ext uri="{FF2B5EF4-FFF2-40B4-BE49-F238E27FC236}">
+                  <a16:creationId xmlns:a16="http://schemas.microsoft.com/office/drawing/2014/main" id="{54F34FFE-F273-6493-DDDD-D8F40A025F59}"/>
+                </a:ext>
+              </a:extLst>
+            </p:cNvPr>
+            <p:cNvGrpSpPr/>
+            <p:nvPr/>
+          </p:nvGrpSpPr>
+          <p:grpSpPr>
+            <a:xfrm>
+              <a:off x="5714145" y="4395506"/>
+              <a:ext cx="612146" cy="45099"/>
+              <a:chOff x="1105491" y="6656786"/>
+              <a:chExt cx="1278498" cy="104569"/>
+            </a:xfrm>
+          </p:grpSpPr>
+          <p:cxnSp>
+            <p:nvCxnSpPr>
+              <p:cNvPr id="87" name="Straight Connector 86">
+                <a:extLst>
+                  <a:ext uri="{FF2B5EF4-FFF2-40B4-BE49-F238E27FC236}">
+                    <a16:creationId xmlns:a16="http://schemas.microsoft.com/office/drawing/2014/main" id="{8BE1836C-51CA-E51A-1154-ABBA6F2E5ECC}"/>
+                  </a:ext>
+                </a:extLst>
+              </p:cNvPr>
+              <p:cNvCxnSpPr>
+                <a:cxnSpLocks/>
+              </p:cNvCxnSpPr>
+              <p:nvPr/>
+            </p:nvCxnSpPr>
+            <p:spPr>
+              <a:xfrm flipV="1">
+                <a:off x="1110839" y="6706544"/>
+                <a:ext cx="1273150" cy="0"/>
+              </a:xfrm>
+              <a:prstGeom prst="line">
+                <a:avLst/>
+              </a:prstGeom>
+              <a:ln w="12700">
+                <a:solidFill>
+                  <a:schemeClr val="tx1"/>
+                </a:solidFill>
+                <a:prstDash val="sysDot"/>
+              </a:ln>
+            </p:spPr>
+            <p:style>
+              <a:lnRef idx="1">
+                <a:schemeClr val="accent1"/>
+              </a:lnRef>
+              <a:fillRef idx="0">
+                <a:schemeClr val="accent1"/>
+              </a:fillRef>
+              <a:effectRef idx="0">
+                <a:schemeClr val="accent1"/>
+              </a:effectRef>
+              <a:fontRef idx="minor">
+                <a:schemeClr val="tx1"/>
+              </a:fontRef>
+            </p:style>
+          </p:cxnSp>
+          <p:cxnSp>
+            <p:nvCxnSpPr>
+              <p:cNvPr id="88" name="Straight Connector 87">
+                <a:extLst>
+                  <a:ext uri="{FF2B5EF4-FFF2-40B4-BE49-F238E27FC236}">
+                    <a16:creationId xmlns:a16="http://schemas.microsoft.com/office/drawing/2014/main" id="{9D6A2B9D-B3E8-22A3-D256-CC06C2A55932}"/>
+                  </a:ext>
+                </a:extLst>
+              </p:cNvPr>
+              <p:cNvCxnSpPr>
+                <a:cxnSpLocks/>
+              </p:cNvCxnSpPr>
+              <p:nvPr/>
+            </p:nvCxnSpPr>
+            <p:spPr>
+              <a:xfrm flipV="1">
+                <a:off x="1105491" y="6656786"/>
+                <a:ext cx="0" cy="104569"/>
+              </a:xfrm>
+              <a:prstGeom prst="line">
+                <a:avLst/>
+              </a:prstGeom>
+              <a:ln w="12700">
+                <a:solidFill>
+                  <a:schemeClr val="tx1"/>
+                </a:solidFill>
+              </a:ln>
+            </p:spPr>
+            <p:style>
+              <a:lnRef idx="1">
+                <a:schemeClr val="accent1"/>
+              </a:lnRef>
+              <a:fillRef idx="0">
+                <a:schemeClr val="accent1"/>
+              </a:fillRef>
+              <a:effectRef idx="0">
+                <a:schemeClr val="accent1"/>
+              </a:effectRef>
+              <a:fontRef idx="minor">
+                <a:schemeClr val="tx1"/>
+              </a:fontRef>
+            </p:style>
+          </p:cxnSp>
+          <p:cxnSp>
+            <p:nvCxnSpPr>
+              <p:cNvPr id="89" name="Straight Connector 88">
+                <a:extLst>
+                  <a:ext uri="{FF2B5EF4-FFF2-40B4-BE49-F238E27FC236}">
+                    <a16:creationId xmlns:a16="http://schemas.microsoft.com/office/drawing/2014/main" id="{6D745042-04C0-D5B4-C332-9A342D1163BD}"/>
+                  </a:ext>
+                </a:extLst>
+              </p:cNvPr>
+              <p:cNvCxnSpPr>
+                <a:cxnSpLocks/>
+              </p:cNvCxnSpPr>
+              <p:nvPr/>
+            </p:nvCxnSpPr>
+            <p:spPr>
+              <a:xfrm flipV="1">
+                <a:off x="2354128" y="6656786"/>
+                <a:ext cx="0" cy="104569"/>
+              </a:xfrm>
+              <a:prstGeom prst="line">
+                <a:avLst/>
+              </a:prstGeom>
+              <a:ln w="12700">
+                <a:solidFill>
+                  <a:schemeClr val="tx1"/>
+                </a:solidFill>
+              </a:ln>
+            </p:spPr>
+            <p:style>
+              <a:lnRef idx="1">
+                <a:schemeClr val="accent1"/>
+              </a:lnRef>
+              <a:fillRef idx="0">
+                <a:schemeClr val="accent1"/>
+              </a:fillRef>
+              <a:effectRef idx="0">
+                <a:schemeClr val="accent1"/>
+              </a:effectRef>
+              <a:fontRef idx="minor">
+                <a:schemeClr val="tx1"/>
+              </a:fontRef>
+            </p:style>
+          </p:cxnSp>
+        </p:grpSp>
+        <p:grpSp>
+          <p:nvGrpSpPr>
+            <p:cNvPr id="103" name="Group 102">
+              <a:extLst>
+                <a:ext uri="{FF2B5EF4-FFF2-40B4-BE49-F238E27FC236}">
+                  <a16:creationId xmlns:a16="http://schemas.microsoft.com/office/drawing/2014/main" id="{A2B86B40-7311-FBBA-E5A4-A468F7F306F6}"/>
+                </a:ext>
+              </a:extLst>
+            </p:cNvPr>
+            <p:cNvGrpSpPr/>
+            <p:nvPr/>
+          </p:nvGrpSpPr>
+          <p:grpSpPr>
+            <a:xfrm>
+              <a:off x="5687657" y="4477574"/>
+              <a:ext cx="665518" cy="701459"/>
+              <a:chOff x="5687657" y="4461699"/>
+              <a:chExt cx="665518" cy="701459"/>
+            </a:xfrm>
+          </p:grpSpPr>
+          <p:pic>
+            <p:nvPicPr>
+              <p:cNvPr id="65" name="Picture 64" descr="A grey circle with spikes on it&#10;&#10;Description automatically generated">
+                <a:extLst>
+                  <a:ext uri="{FF2B5EF4-FFF2-40B4-BE49-F238E27FC236}">
+                    <a16:creationId xmlns:a16="http://schemas.microsoft.com/office/drawing/2014/main" id="{54D06952-F9B9-4925-B3C9-9B6AF4E23E78}"/>
+                  </a:ext>
+                </a:extLst>
+              </p:cNvPr>
+              <p:cNvPicPr>
+                <a:picLocks noChangeAspect="1"/>
+              </p:cNvPicPr>
+              <p:nvPr/>
+            </p:nvPicPr>
+            <p:blipFill>
+              <a:blip r:embed="rId9">
+                <a:extLst>
+                  <a:ext uri="{28A0092B-C50C-407E-A947-70E740481C1C}">
+                    <a14:useLocalDpi xmlns:a14="http://schemas.microsoft.com/office/drawing/2010/main" val="0"/>
+                  </a:ext>
+                </a:extLst>
+              </a:blip>
+              <a:stretch>
+                <a:fillRect/>
+              </a:stretch>
+            </p:blipFill>
+            <p:spPr>
+              <a:xfrm>
+                <a:off x="5742270" y="4710689"/>
+                <a:ext cx="547918" cy="452469"/>
+              </a:xfrm>
+              <a:prstGeom prst="rect">
+                <a:avLst/>
+              </a:prstGeom>
+            </p:spPr>
+          </p:pic>
+          <p:grpSp>
+            <p:nvGrpSpPr>
+              <p:cNvPr id="72" name="Group 71">
+                <a:extLst>
+                  <a:ext uri="{FF2B5EF4-FFF2-40B4-BE49-F238E27FC236}">
+                    <a16:creationId xmlns:a16="http://schemas.microsoft.com/office/drawing/2014/main" id="{527209B6-F904-16AB-68A4-ED74D2D69E49}"/>
+                  </a:ext>
+                </a:extLst>
+              </p:cNvPr>
+              <p:cNvGrpSpPr/>
+              <p:nvPr/>
+            </p:nvGrpSpPr>
+            <p:grpSpPr>
+              <a:xfrm>
+                <a:off x="5687657" y="4686205"/>
+                <a:ext cx="308857" cy="308857"/>
+                <a:chOff x="5495224" y="4679767"/>
+                <a:chExt cx="347472" cy="347472"/>
+              </a:xfrm>
+            </p:grpSpPr>
+            <p:sp>
+              <p:nvSpPr>
+                <p:cNvPr id="69" name="Arc 68">
+                  <a:extLst>
+                    <a:ext uri="{FF2B5EF4-FFF2-40B4-BE49-F238E27FC236}">
+                      <a16:creationId xmlns:a16="http://schemas.microsoft.com/office/drawing/2014/main" id="{F0A13D67-8C3E-A308-5643-2240051530D1}"/>
+                    </a:ext>
+                  </a:extLst>
+                </p:cNvPr>
+                <p:cNvSpPr/>
+                <p:nvPr/>
+              </p:nvSpPr>
+              <p:spPr>
+                <a:xfrm rot="18268496">
+                  <a:off x="5495224" y="4679767"/>
+                  <a:ext cx="347472" cy="347472"/>
+                </a:xfrm>
+                <a:prstGeom prst="arc">
+                  <a:avLst>
+                    <a:gd name="adj1" fmla="val 10800758"/>
+                    <a:gd name="adj2" fmla="val 6478"/>
+                  </a:avLst>
+                </a:prstGeom>
+                <a:ln w="12700">
+                  <a:solidFill>
+                    <a:schemeClr val="tx1"/>
+                  </a:solidFill>
+                </a:ln>
+              </p:spPr>
+              <p:style>
+                <a:lnRef idx="1">
+                  <a:schemeClr val="accent1"/>
+                </a:lnRef>
+                <a:fillRef idx="0">
+                  <a:schemeClr val="accent1"/>
+                </a:fillRef>
+                <a:effectRef idx="0">
+                  <a:schemeClr val="accent1"/>
+                </a:effectRef>
+                <a:fontRef idx="minor">
+                  <a:schemeClr val="tx1"/>
+                </a:fontRef>
+              </p:style>
+              <p:txBody>
+                <a:bodyPr rtlCol="0" anchor="ctr"/>
+                <a:lstStyle/>
+                <a:p>
+                  <a:pPr algn="ctr"/>
+                  <a:endParaRPr lang="en-US" dirty="0">
+                    <a:ln w="19050">
+                      <a:solidFill>
+                        <a:schemeClr val="tx1"/>
+                      </a:solidFill>
+                    </a:ln>
+                  </a:endParaRPr>
+                </a:p>
+              </p:txBody>
+            </p:sp>
+            <p:sp>
+              <p:nvSpPr>
+                <p:cNvPr id="70" name="Oval 69">
+                  <a:extLst>
+                    <a:ext uri="{FF2B5EF4-FFF2-40B4-BE49-F238E27FC236}">
+                      <a16:creationId xmlns:a16="http://schemas.microsoft.com/office/drawing/2014/main" id="{EC1DC137-3CCD-EC27-9F6B-BDFFA97F718A}"/>
+                    </a:ext>
+                  </a:extLst>
+                </p:cNvPr>
+                <p:cNvSpPr/>
+                <p:nvPr/>
+              </p:nvSpPr>
+              <p:spPr>
+                <a:xfrm>
+                  <a:off x="5749073" y="4692201"/>
+                  <a:ext cx="36576" cy="36576"/>
+                </a:xfrm>
+                <a:prstGeom prst="ellipse">
+                  <a:avLst/>
+                </a:prstGeom>
+                <a:solidFill>
+                  <a:schemeClr val="tx1"/>
+                </a:solidFill>
+                <a:ln>
+                  <a:noFill/>
+                </a:ln>
+              </p:spPr>
+              <p:style>
+                <a:lnRef idx="2">
+                  <a:schemeClr val="accent1">
+                    <a:shade val="15000"/>
+                  </a:schemeClr>
+                </a:lnRef>
+                <a:fillRef idx="1">
+                  <a:schemeClr val="accent1"/>
+                </a:fillRef>
+                <a:effectRef idx="0">
+                  <a:schemeClr val="accent1"/>
+                </a:effectRef>
+                <a:fontRef idx="minor">
+                  <a:schemeClr val="lt1"/>
+                </a:fontRef>
+              </p:style>
+              <p:txBody>
+                <a:bodyPr rtlCol="0" anchor="ctr"/>
+                <a:lstStyle/>
+                <a:p>
+                  <a:pPr algn="ctr"/>
+                  <a:endParaRPr lang="en-US"/>
+                </a:p>
+              </p:txBody>
+            </p:sp>
+            <p:sp>
+              <p:nvSpPr>
+                <p:cNvPr id="71" name="Oval 70">
+                  <a:extLst>
+                    <a:ext uri="{FF2B5EF4-FFF2-40B4-BE49-F238E27FC236}">
+                      <a16:creationId xmlns:a16="http://schemas.microsoft.com/office/drawing/2014/main" id="{C8DAB3C7-4DC8-F413-4A74-6AB44C59EC14}"/>
+                    </a:ext>
+                  </a:extLst>
+                </p:cNvPr>
+                <p:cNvSpPr/>
+                <p:nvPr/>
+              </p:nvSpPr>
+              <p:spPr>
+                <a:xfrm>
+                  <a:off x="5548693" y="4974041"/>
+                  <a:ext cx="36576" cy="36576"/>
+                </a:xfrm>
+                <a:prstGeom prst="ellipse">
+                  <a:avLst/>
+                </a:prstGeom>
+                <a:solidFill>
+                  <a:schemeClr val="tx1"/>
+                </a:solidFill>
+                <a:ln>
+                  <a:noFill/>
+                </a:ln>
+              </p:spPr>
+              <p:style>
+                <a:lnRef idx="2">
+                  <a:schemeClr val="accent1">
+                    <a:shade val="15000"/>
+                  </a:schemeClr>
+                </a:lnRef>
+                <a:fillRef idx="1">
+                  <a:schemeClr val="accent1"/>
+                </a:fillRef>
+                <a:effectRef idx="0">
+                  <a:schemeClr val="accent1"/>
+                </a:effectRef>
+                <a:fontRef idx="minor">
+                  <a:schemeClr val="lt1"/>
+                </a:fontRef>
+              </p:style>
+              <p:txBody>
+                <a:bodyPr rtlCol="0" anchor="ctr"/>
+                <a:lstStyle/>
+                <a:p>
+                  <a:pPr algn="ctr"/>
+                  <a:endParaRPr lang="en-US"/>
+                </a:p>
+              </p:txBody>
+            </p:sp>
+          </p:grpSp>
+          <p:grpSp>
+            <p:nvGrpSpPr>
+              <p:cNvPr id="73" name="Group 72">
+                <a:extLst>
+                  <a:ext uri="{FF2B5EF4-FFF2-40B4-BE49-F238E27FC236}">
+                    <a16:creationId xmlns:a16="http://schemas.microsoft.com/office/drawing/2014/main" id="{C29C206C-ABE6-6D74-0213-C74C0A761B06}"/>
+                  </a:ext>
+                </a:extLst>
+              </p:cNvPr>
+              <p:cNvGrpSpPr/>
+              <p:nvPr/>
+            </p:nvGrpSpPr>
+            <p:grpSpPr>
+              <a:xfrm flipH="1">
+                <a:off x="6044318" y="4686599"/>
+                <a:ext cx="308857" cy="308857"/>
+                <a:chOff x="5495223" y="4679771"/>
+                <a:chExt cx="347472" cy="347472"/>
+              </a:xfrm>
+            </p:grpSpPr>
+            <p:sp>
+              <p:nvSpPr>
+                <p:cNvPr id="74" name="Arc 73">
+                  <a:extLst>
+                    <a:ext uri="{FF2B5EF4-FFF2-40B4-BE49-F238E27FC236}">
+                      <a16:creationId xmlns:a16="http://schemas.microsoft.com/office/drawing/2014/main" id="{37BDD9E6-18FE-0E08-CB88-F5B89A9D08A6}"/>
+                    </a:ext>
+                  </a:extLst>
+                </p:cNvPr>
+                <p:cNvSpPr/>
+                <p:nvPr/>
+              </p:nvSpPr>
+              <p:spPr>
+                <a:xfrm rot="18268496">
+                  <a:off x="5495223" y="4679771"/>
+                  <a:ext cx="347472" cy="347472"/>
+                </a:xfrm>
+                <a:prstGeom prst="arc">
+                  <a:avLst>
+                    <a:gd name="adj1" fmla="val 10800758"/>
+                    <a:gd name="adj2" fmla="val 6478"/>
+                  </a:avLst>
+                </a:prstGeom>
+                <a:ln w="12700">
+                  <a:solidFill>
+                    <a:schemeClr val="tx1"/>
+                  </a:solidFill>
+                </a:ln>
+              </p:spPr>
+              <p:style>
+                <a:lnRef idx="1">
+                  <a:schemeClr val="accent1"/>
+                </a:lnRef>
+                <a:fillRef idx="0">
+                  <a:schemeClr val="accent1"/>
+                </a:fillRef>
+                <a:effectRef idx="0">
+                  <a:schemeClr val="accent1"/>
+                </a:effectRef>
+                <a:fontRef idx="minor">
+                  <a:schemeClr val="tx1"/>
+                </a:fontRef>
+              </p:style>
+              <p:txBody>
+                <a:bodyPr rtlCol="0" anchor="ctr"/>
+                <a:lstStyle/>
+                <a:p>
+                  <a:pPr algn="ctr"/>
+                  <a:endParaRPr lang="en-US" dirty="0">
+                    <a:ln w="19050">
+                      <a:solidFill>
+                        <a:schemeClr val="tx1"/>
+                      </a:solidFill>
+                    </a:ln>
+                  </a:endParaRPr>
+                </a:p>
+              </p:txBody>
+            </p:sp>
+            <p:sp>
+              <p:nvSpPr>
+                <p:cNvPr id="75" name="Oval 74">
+                  <a:extLst>
+                    <a:ext uri="{FF2B5EF4-FFF2-40B4-BE49-F238E27FC236}">
+                      <a16:creationId xmlns:a16="http://schemas.microsoft.com/office/drawing/2014/main" id="{9E5197D1-246D-9ECD-EAC7-9C84BD5B8B50}"/>
+                    </a:ext>
+                  </a:extLst>
+                </p:cNvPr>
+                <p:cNvSpPr/>
+                <p:nvPr/>
+              </p:nvSpPr>
+              <p:spPr>
+                <a:xfrm>
+                  <a:off x="5749073" y="4692201"/>
+                  <a:ext cx="36576" cy="36576"/>
+                </a:xfrm>
+                <a:prstGeom prst="ellipse">
+                  <a:avLst/>
+                </a:prstGeom>
+                <a:solidFill>
+                  <a:schemeClr val="tx1"/>
+                </a:solidFill>
+                <a:ln>
+                  <a:noFill/>
+                </a:ln>
+              </p:spPr>
+              <p:style>
+                <a:lnRef idx="2">
+                  <a:schemeClr val="accent1">
+                    <a:shade val="15000"/>
+                  </a:schemeClr>
+                </a:lnRef>
+                <a:fillRef idx="1">
+                  <a:schemeClr val="accent1"/>
+                </a:fillRef>
+                <a:effectRef idx="0">
+                  <a:schemeClr val="accent1"/>
+                </a:effectRef>
+                <a:fontRef idx="minor">
+                  <a:schemeClr val="lt1"/>
+                </a:fontRef>
+              </p:style>
+              <p:txBody>
+                <a:bodyPr rtlCol="0" anchor="ctr"/>
+                <a:lstStyle/>
+                <a:p>
+                  <a:pPr algn="ctr"/>
+                  <a:endParaRPr lang="en-US"/>
+                </a:p>
+              </p:txBody>
+            </p:sp>
+            <p:sp>
+              <p:nvSpPr>
+                <p:cNvPr id="76" name="Oval 75">
+                  <a:extLst>
+                    <a:ext uri="{FF2B5EF4-FFF2-40B4-BE49-F238E27FC236}">
+                      <a16:creationId xmlns:a16="http://schemas.microsoft.com/office/drawing/2014/main" id="{0905E3CA-902A-E683-38B9-DC6D462A0CB1}"/>
+                    </a:ext>
+                  </a:extLst>
+                </p:cNvPr>
+                <p:cNvSpPr/>
+                <p:nvPr/>
+              </p:nvSpPr>
+              <p:spPr>
+                <a:xfrm>
+                  <a:off x="5548693" y="4974041"/>
+                  <a:ext cx="36576" cy="36576"/>
+                </a:xfrm>
+                <a:prstGeom prst="ellipse">
+                  <a:avLst/>
+                </a:prstGeom>
+                <a:solidFill>
+                  <a:schemeClr val="tx1"/>
+                </a:solidFill>
+                <a:ln>
+                  <a:noFill/>
+                </a:ln>
+              </p:spPr>
+              <p:style>
+                <a:lnRef idx="2">
+                  <a:schemeClr val="accent1">
+                    <a:shade val="15000"/>
+                  </a:schemeClr>
+                </a:lnRef>
+                <a:fillRef idx="1">
+                  <a:schemeClr val="accent1"/>
+                </a:fillRef>
+                <a:effectRef idx="0">
+                  <a:schemeClr val="accent1"/>
+                </a:effectRef>
+                <a:fontRef idx="minor">
+                  <a:schemeClr val="lt1"/>
+                </a:fontRef>
+              </p:style>
+              <p:txBody>
+                <a:bodyPr rtlCol="0" anchor="ctr"/>
+                <a:lstStyle/>
+                <a:p>
+                  <a:pPr algn="ctr"/>
+                  <a:endParaRPr lang="en-US"/>
+                </a:p>
+              </p:txBody>
+            </p:sp>
+          </p:grpSp>
+          <p:sp>
+            <p:nvSpPr>
+              <p:cNvPr id="92" name="Arc 91">
+                <a:extLst>
+                  <a:ext uri="{FF2B5EF4-FFF2-40B4-BE49-F238E27FC236}">
+                    <a16:creationId xmlns:a16="http://schemas.microsoft.com/office/drawing/2014/main" id="{9142F190-45D1-30F2-A57B-E0725376FE2F}"/>
+                  </a:ext>
+                </a:extLst>
+              </p:cNvPr>
+              <p:cNvSpPr/>
+              <p:nvPr/>
+            </p:nvSpPr>
+            <p:spPr>
+              <a:xfrm>
+                <a:off x="5712308" y="4461699"/>
+                <a:ext cx="617714" cy="617714"/>
+              </a:xfrm>
+              <a:prstGeom prst="arc">
+                <a:avLst>
+                  <a:gd name="adj1" fmla="val 10800758"/>
+                  <a:gd name="adj2" fmla="val 6478"/>
+                </a:avLst>
+              </a:prstGeom>
+              <a:ln w="12700">
+                <a:solidFill>
+                  <a:schemeClr val="tx1"/>
+                </a:solidFill>
+              </a:ln>
+            </p:spPr>
+            <p:style>
+              <a:lnRef idx="1">
+                <a:schemeClr val="accent1"/>
+              </a:lnRef>
+              <a:fillRef idx="0">
+                <a:schemeClr val="accent1"/>
+              </a:fillRef>
+              <a:effectRef idx="0">
+                <a:schemeClr val="accent1"/>
+              </a:effectRef>
+              <a:fontRef idx="minor">
+                <a:schemeClr val="tx1"/>
+              </a:fontRef>
+            </p:style>
+            <p:txBody>
+              <a:bodyPr rtlCol="0" anchor="ctr"/>
+              <a:lstStyle/>
+              <a:p>
+                <a:pPr algn="ctr"/>
+                <a:endParaRPr lang="en-US" dirty="0">
+                  <a:ln w="19050">
+                    <a:solidFill>
+                      <a:schemeClr val="tx1"/>
+                    </a:solidFill>
+                  </a:ln>
+                </a:endParaRPr>
+              </a:p>
+            </p:txBody>
+          </p:sp>
+          <p:sp>
+            <p:nvSpPr>
+              <p:cNvPr id="93" name="Oval 92">
+                <a:extLst>
+                  <a:ext uri="{FF2B5EF4-FFF2-40B4-BE49-F238E27FC236}">
+                    <a16:creationId xmlns:a16="http://schemas.microsoft.com/office/drawing/2014/main" id="{A4FB19D9-5E86-56BC-341F-21F9E5F9B4EF}"/>
+                  </a:ext>
+                </a:extLst>
+              </p:cNvPr>
+              <p:cNvSpPr/>
+              <p:nvPr/>
+            </p:nvSpPr>
+            <p:spPr>
+              <a:xfrm>
+                <a:off x="6297883" y="4733866"/>
+                <a:ext cx="48767" cy="48767"/>
+              </a:xfrm>
+              <a:prstGeom prst="ellipse">
+                <a:avLst/>
+              </a:prstGeom>
+              <a:solidFill>
+                <a:schemeClr val="tx1"/>
+              </a:solidFill>
+              <a:ln>
+                <a:noFill/>
+              </a:ln>
+            </p:spPr>
+            <p:style>
+              <a:lnRef idx="2">
+                <a:schemeClr val="accent1">
+                  <a:shade val="15000"/>
+                </a:schemeClr>
+              </a:lnRef>
+              <a:fillRef idx="1">
+                <a:schemeClr val="accent1"/>
+              </a:fillRef>
+              <a:effectRef idx="0">
+                <a:schemeClr val="accent1"/>
+              </a:effectRef>
+              <a:fontRef idx="minor">
+                <a:schemeClr val="lt1"/>
+              </a:fontRef>
+            </p:style>
+            <p:txBody>
+              <a:bodyPr rtlCol="0" anchor="ctr"/>
+              <a:lstStyle/>
+              <a:p>
+                <a:pPr algn="ctr"/>
+                <a:endParaRPr lang="en-US"/>
+              </a:p>
+            </p:txBody>
+          </p:sp>
+          <p:sp>
+            <p:nvSpPr>
+              <p:cNvPr id="94" name="Oval 93">
+                <a:extLst>
+                  <a:ext uri="{FF2B5EF4-FFF2-40B4-BE49-F238E27FC236}">
+                    <a16:creationId xmlns:a16="http://schemas.microsoft.com/office/drawing/2014/main" id="{5DF3B85F-33BE-EFFC-65A1-348FC17B6754}"/>
+                  </a:ext>
+                </a:extLst>
+              </p:cNvPr>
+              <p:cNvSpPr/>
+              <p:nvPr/>
+            </p:nvSpPr>
+            <p:spPr>
+              <a:xfrm>
+                <a:off x="5690041" y="4731291"/>
+                <a:ext cx="48767" cy="48767"/>
+              </a:xfrm>
+              <a:prstGeom prst="ellipse">
+                <a:avLst/>
+              </a:prstGeom>
+              <a:solidFill>
+                <a:schemeClr val="tx1"/>
+              </a:solidFill>
+              <a:ln>
+                <a:noFill/>
+              </a:ln>
+            </p:spPr>
+            <p:style>
+              <a:lnRef idx="2">
+                <a:schemeClr val="accent1">
+                  <a:shade val="15000"/>
+                </a:schemeClr>
+              </a:lnRef>
+              <a:fillRef idx="1">
+                <a:schemeClr val="accent1"/>
+              </a:fillRef>
+              <a:effectRef idx="0">
+                <a:schemeClr val="accent1"/>
+              </a:effectRef>
+              <a:fontRef idx="minor">
+                <a:schemeClr val="lt1"/>
+              </a:fontRef>
+            </p:style>
+            <p:txBody>
+              <a:bodyPr rtlCol="0" anchor="ctr"/>
+              <a:lstStyle/>
+              <a:p>
+                <a:pPr algn="ctr"/>
+                <a:endParaRPr lang="en-US"/>
+              </a:p>
+            </p:txBody>
+          </p:sp>
+        </p:grpSp>
+        <p:grpSp>
+          <p:nvGrpSpPr>
+            <p:cNvPr id="96" name="Group 95">
+              <a:extLst>
+                <a:ext uri="{FF2B5EF4-FFF2-40B4-BE49-F238E27FC236}">
+                  <a16:creationId xmlns:a16="http://schemas.microsoft.com/office/drawing/2014/main" id="{53752EBD-2231-129E-F795-7A786028679E}"/>
+                </a:ext>
+              </a:extLst>
+            </p:cNvPr>
+            <p:cNvGrpSpPr/>
+            <p:nvPr/>
+          </p:nvGrpSpPr>
+          <p:grpSpPr>
+            <a:xfrm>
+              <a:off x="4884224" y="4396014"/>
+              <a:ext cx="612146" cy="45099"/>
+              <a:chOff x="1105491" y="6656786"/>
+              <a:chExt cx="1278498" cy="104569"/>
+            </a:xfrm>
+          </p:grpSpPr>
+          <p:cxnSp>
+            <p:nvCxnSpPr>
+              <p:cNvPr id="97" name="Straight Connector 96">
+                <a:extLst>
+                  <a:ext uri="{FF2B5EF4-FFF2-40B4-BE49-F238E27FC236}">
+                    <a16:creationId xmlns:a16="http://schemas.microsoft.com/office/drawing/2014/main" id="{18367C01-3B5A-789D-7334-716F2277C890}"/>
+                  </a:ext>
+                </a:extLst>
+              </p:cNvPr>
+              <p:cNvCxnSpPr>
+                <a:cxnSpLocks/>
+              </p:cNvCxnSpPr>
+              <p:nvPr/>
+            </p:nvCxnSpPr>
+            <p:spPr>
+              <a:xfrm flipV="1">
+                <a:off x="1110839" y="6706544"/>
+                <a:ext cx="1273150" cy="0"/>
+              </a:xfrm>
+              <a:prstGeom prst="line">
+                <a:avLst/>
+              </a:prstGeom>
+              <a:ln w="12700">
+                <a:solidFill>
+                  <a:schemeClr val="tx1"/>
+                </a:solidFill>
+                <a:prstDash val="sysDot"/>
+              </a:ln>
+            </p:spPr>
+            <p:style>
+              <a:lnRef idx="1">
+                <a:schemeClr val="accent1"/>
+              </a:lnRef>
+              <a:fillRef idx="0">
+                <a:schemeClr val="accent1"/>
+              </a:fillRef>
+              <a:effectRef idx="0">
+                <a:schemeClr val="accent1"/>
+              </a:effectRef>
+              <a:fontRef idx="minor">
+                <a:schemeClr val="tx1"/>
+              </a:fontRef>
+            </p:style>
+          </p:cxnSp>
+          <p:cxnSp>
+            <p:nvCxnSpPr>
+              <p:cNvPr id="98" name="Straight Connector 97">
+                <a:extLst>
+                  <a:ext uri="{FF2B5EF4-FFF2-40B4-BE49-F238E27FC236}">
+                    <a16:creationId xmlns:a16="http://schemas.microsoft.com/office/drawing/2014/main" id="{A34E0DE1-0BC4-97AE-693C-517CC573D507}"/>
+                  </a:ext>
+                </a:extLst>
+              </p:cNvPr>
+              <p:cNvCxnSpPr>
+                <a:cxnSpLocks/>
+              </p:cNvCxnSpPr>
+              <p:nvPr/>
+            </p:nvCxnSpPr>
+            <p:spPr>
+              <a:xfrm flipV="1">
+                <a:off x="1105491" y="6656786"/>
+                <a:ext cx="0" cy="104569"/>
+              </a:xfrm>
+              <a:prstGeom prst="line">
+                <a:avLst/>
+              </a:prstGeom>
+              <a:ln w="12700">
+                <a:solidFill>
+                  <a:schemeClr val="tx1"/>
+                </a:solidFill>
+              </a:ln>
+            </p:spPr>
+            <p:style>
+              <a:lnRef idx="1">
+                <a:schemeClr val="accent1"/>
+              </a:lnRef>
+              <a:fillRef idx="0">
+                <a:schemeClr val="accent1"/>
+              </a:fillRef>
+              <a:effectRef idx="0">
+                <a:schemeClr val="accent1"/>
+              </a:effectRef>
+              <a:fontRef idx="minor">
+                <a:schemeClr val="tx1"/>
+              </a:fontRef>
+            </p:style>
+          </p:cxnSp>
+          <p:cxnSp>
+            <p:nvCxnSpPr>
+              <p:cNvPr id="99" name="Straight Connector 98">
+                <a:extLst>
+                  <a:ext uri="{FF2B5EF4-FFF2-40B4-BE49-F238E27FC236}">
+                    <a16:creationId xmlns:a16="http://schemas.microsoft.com/office/drawing/2014/main" id="{68CD51FB-DDB2-B29B-A7AA-54A5731574EF}"/>
+                  </a:ext>
+                </a:extLst>
+              </p:cNvPr>
+              <p:cNvCxnSpPr>
+                <a:cxnSpLocks/>
+              </p:cNvCxnSpPr>
+              <p:nvPr/>
+            </p:nvCxnSpPr>
+            <p:spPr>
+              <a:xfrm flipV="1">
+                <a:off x="2354128" y="6656786"/>
+                <a:ext cx="0" cy="104569"/>
+              </a:xfrm>
+              <a:prstGeom prst="line">
+                <a:avLst/>
+              </a:prstGeom>
+              <a:ln w="12700">
+                <a:solidFill>
+                  <a:schemeClr val="tx1"/>
+                </a:solidFill>
+              </a:ln>
+            </p:spPr>
+            <p:style>
+              <a:lnRef idx="1">
+                <a:schemeClr val="accent1"/>
+              </a:lnRef>
+              <a:fillRef idx="0">
+                <a:schemeClr val="accent1"/>
+              </a:fillRef>
+              <a:effectRef idx="0">
+                <a:schemeClr val="accent1"/>
+              </a:effectRef>
+              <a:fontRef idx="minor">
+                <a:schemeClr val="tx1"/>
+              </a:fontRef>
+            </p:style>
+          </p:cxnSp>
+        </p:grpSp>
+        <mc:AlternateContent xmlns:mc="http://schemas.openxmlformats.org/markup-compatibility/2006">
+          <mc:Choice xmlns:a14="http://schemas.microsoft.com/office/drawing/2010/main" Requires="a14">
+            <p:sp>
+              <p:nvSpPr>
+                <p:cNvPr id="101" name="TextBox 100">
+                  <a:extLst>
+                    <a:ext uri="{FF2B5EF4-FFF2-40B4-BE49-F238E27FC236}">
+                      <a16:creationId xmlns:a16="http://schemas.microsoft.com/office/drawing/2014/main" id="{6F523F32-1A9D-55A6-EC42-E56094B5FDF1}"/>
+                    </a:ext>
+                  </a:extLst>
+                </p:cNvPr>
+                <p:cNvSpPr txBox="1"/>
+                <p:nvPr/>
+              </p:nvSpPr>
+              <p:spPr>
+                <a:xfrm>
+                  <a:off x="4986627" y="4286156"/>
+                  <a:ext cx="431456" cy="123111"/>
+                </a:xfrm>
+                <a:prstGeom prst="rect">
+                  <a:avLst/>
+                </a:prstGeom>
+                <a:noFill/>
+              </p:spPr>
+              <p:txBody>
+                <a:bodyPr wrap="square" lIns="0" tIns="0" rIns="0" bIns="0" rtlCol="0">
+                  <a:spAutoFit/>
+                </a:bodyPr>
+                <a:lstStyle/>
+                <a:p>
+                  <a:pPr/>
+                  <a14:m>
+                    <m:oMathPara xmlns:m="http://schemas.openxmlformats.org/officeDocument/2006/math">
+                      <m:oMathParaPr>
+                        <m:jc m:val="centerGroup"/>
+                      </m:oMathParaPr>
+                      <m:oMath xmlns:m="http://schemas.openxmlformats.org/officeDocument/2006/math">
+                        <m:sSub>
+                          <m:sSubPr>
+                            <m:ctrlPr>
+                              <a:rPr lang="en-US" sz="800" b="0" i="1" smtClean="0">
+                                <a:latin typeface="Cambria Math" panose="02040503050406030204" pitchFamily="18" charset="0"/>
+                              </a:rPr>
+                            </m:ctrlPr>
+                          </m:sSubPr>
+                          <m:e>
+                            <m:r>
+                              <a:rPr lang="en-US" sz="800" b="0" i="1" smtClean="0">
+                                <a:latin typeface="Cambria Math" panose="02040503050406030204" pitchFamily="18" charset="0"/>
+                              </a:rPr>
+                              <m:t>𝑤</m:t>
+                            </m:r>
+                          </m:e>
+                          <m:sub>
+                            <m:r>
+                              <a:rPr lang="en-US" sz="800" b="0" i="1" smtClean="0">
+                                <a:latin typeface="Cambria Math" panose="02040503050406030204" pitchFamily="18" charset="0"/>
+                              </a:rPr>
+                              <m:t>0</m:t>
+                            </m:r>
+                          </m:sub>
+                        </m:sSub>
+                      </m:oMath>
+                    </m:oMathPara>
+                  </a14:m>
+                  <a:endParaRPr lang="en-US" sz="900" dirty="0"/>
+                </a:p>
+              </p:txBody>
+            </p:sp>
+          </mc:Choice>
+          <mc:Fallback>
+            <p:sp>
+              <p:nvSpPr>
+                <p:cNvPr id="101" name="TextBox 100">
+                  <a:extLst>
+                    <a:ext uri="{FF2B5EF4-FFF2-40B4-BE49-F238E27FC236}">
+                      <a16:creationId xmlns:a16="http://schemas.microsoft.com/office/drawing/2014/main" id="{6F523F32-1A9D-55A6-EC42-E56094B5FDF1}"/>
+                    </a:ext>
+                  </a:extLst>
+                </p:cNvPr>
+                <p:cNvSpPr txBox="1">
+                  <a:spLocks noRot="1" noChangeAspect="1" noMove="1" noResize="1" noEditPoints="1" noAdjustHandles="1" noChangeArrowheads="1" noChangeShapeType="1" noTextEdit="1"/>
+                </p:cNvSpPr>
+                <p:nvPr/>
+              </p:nvSpPr>
+              <p:spPr>
+                <a:xfrm>
+                  <a:off x="4986627" y="4286156"/>
+                  <a:ext cx="431456" cy="123111"/>
+                </a:xfrm>
+                <a:prstGeom prst="rect">
+                  <a:avLst/>
+                </a:prstGeom>
+                <a:blipFill>
+                  <a:blip r:embed="rId10"/>
+                  <a:stretch>
+                    <a:fillRect b="-13636"/>
+                  </a:stretch>
+                </a:blipFill>
+              </p:spPr>
+              <p:txBody>
+                <a:bodyPr/>
+                <a:lstStyle/>
+                <a:p>
+                  <a:r>
+                    <a:rPr lang="en-US">
+                      <a:noFill/>
+                    </a:rPr>
+                    <a:t> </a:t>
+                  </a:r>
+                </a:p>
+              </p:txBody>
+            </p:sp>
+          </mc:Fallback>
+        </mc:AlternateContent>
+        <mc:AlternateContent xmlns:mc="http://schemas.openxmlformats.org/markup-compatibility/2006">
+          <mc:Choice xmlns:a14="http://schemas.microsoft.com/office/drawing/2010/main" Requires="a14">
+            <p:sp>
+              <p:nvSpPr>
+                <p:cNvPr id="102" name="TextBox 101">
+                  <a:extLst>
+                    <a:ext uri="{FF2B5EF4-FFF2-40B4-BE49-F238E27FC236}">
+                      <a16:creationId xmlns:a16="http://schemas.microsoft.com/office/drawing/2014/main" id="{4E3A1737-D9AC-F75A-D693-36FBAAFA0944}"/>
+                    </a:ext>
+                  </a:extLst>
+                </p:cNvPr>
+                <p:cNvSpPr txBox="1"/>
+                <p:nvPr/>
+              </p:nvSpPr>
+              <p:spPr>
+                <a:xfrm>
+                  <a:off x="5810217" y="4283040"/>
+                  <a:ext cx="431456" cy="123111"/>
+                </a:xfrm>
+                <a:prstGeom prst="rect">
+                  <a:avLst/>
+                </a:prstGeom>
+                <a:noFill/>
+              </p:spPr>
+              <p:txBody>
+                <a:bodyPr wrap="square" lIns="0" tIns="0" rIns="0" bIns="0" rtlCol="0">
+                  <a:spAutoFit/>
+                </a:bodyPr>
+                <a:lstStyle/>
+                <a:p>
+                  <a:pPr/>
+                  <a14:m>
+                    <m:oMathPara xmlns:m="http://schemas.openxmlformats.org/officeDocument/2006/math">
+                      <m:oMathParaPr>
+                        <m:jc m:val="centerGroup"/>
+                      </m:oMathParaPr>
+                      <m:oMath xmlns:m="http://schemas.openxmlformats.org/officeDocument/2006/math">
+                        <m:sSub>
+                          <m:sSubPr>
+                            <m:ctrlPr>
+                              <a:rPr lang="en-US" sz="800" b="0" i="1" smtClean="0">
+                                <a:latin typeface="Cambria Math" panose="02040503050406030204" pitchFamily="18" charset="0"/>
+                              </a:rPr>
+                            </m:ctrlPr>
+                          </m:sSubPr>
+                          <m:e>
+                            <m:r>
+                              <a:rPr lang="en-US" sz="800" b="0" i="1" smtClean="0">
+                                <a:latin typeface="Cambria Math" panose="02040503050406030204" pitchFamily="18" charset="0"/>
+                              </a:rPr>
+                              <m:t>𝑤</m:t>
+                            </m:r>
+                          </m:e>
+                          <m:sub>
+                            <m:r>
+                              <a:rPr lang="en-US" sz="800" b="0" i="1" smtClean="0">
+                                <a:latin typeface="Cambria Math" panose="02040503050406030204" pitchFamily="18" charset="0"/>
+                              </a:rPr>
+                              <m:t>0</m:t>
+                            </m:r>
+                          </m:sub>
+                        </m:sSub>
+                      </m:oMath>
+                    </m:oMathPara>
+                  </a14:m>
+                  <a:endParaRPr lang="en-US" sz="1050" dirty="0"/>
+                </a:p>
+              </p:txBody>
+            </p:sp>
+          </mc:Choice>
+          <mc:Fallback>
+            <p:sp>
+              <p:nvSpPr>
+                <p:cNvPr id="102" name="TextBox 101">
+                  <a:extLst>
+                    <a:ext uri="{FF2B5EF4-FFF2-40B4-BE49-F238E27FC236}">
+                      <a16:creationId xmlns:a16="http://schemas.microsoft.com/office/drawing/2014/main" id="{4E3A1737-D9AC-F75A-D693-36FBAAFA0944}"/>
+                    </a:ext>
+                  </a:extLst>
+                </p:cNvPr>
+                <p:cNvSpPr txBox="1">
+                  <a:spLocks noRot="1" noChangeAspect="1" noMove="1" noResize="1" noEditPoints="1" noAdjustHandles="1" noChangeArrowheads="1" noChangeShapeType="1" noTextEdit="1"/>
+                </p:cNvSpPr>
+                <p:nvPr/>
+              </p:nvSpPr>
+              <p:spPr>
+                <a:xfrm>
+                  <a:off x="5810217" y="4283040"/>
+                  <a:ext cx="431456" cy="123111"/>
+                </a:xfrm>
+                <a:prstGeom prst="rect">
+                  <a:avLst/>
+                </a:prstGeom>
+                <a:blipFill>
+                  <a:blip r:embed="rId11"/>
+                  <a:stretch>
+                    <a:fillRect b="-14286"/>
+                  </a:stretch>
+                </a:blipFill>
+              </p:spPr>
+              <p:txBody>
+                <a:bodyPr/>
+                <a:lstStyle/>
+                <a:p>
+                  <a:r>
+                    <a:rPr lang="en-US">
+                      <a:noFill/>
+                    </a:rPr>
+                    <a:t> </a:t>
+                  </a:r>
+                </a:p>
+              </p:txBody>
+            </p:sp>
+          </mc:Fallback>
+        </mc:AlternateContent>
+        <p:cxnSp>
+          <p:nvCxnSpPr>
+            <p:cNvPr id="111" name="Straight Connector 110">
+              <a:extLst>
+                <a:ext uri="{FF2B5EF4-FFF2-40B4-BE49-F238E27FC236}">
+                  <a16:creationId xmlns:a16="http://schemas.microsoft.com/office/drawing/2014/main" id="{79B521A0-6C15-4A7E-5960-BBA753F79148}"/>
+                </a:ext>
+              </a:extLst>
+            </p:cNvPr>
+            <p:cNvCxnSpPr>
+              <a:cxnSpLocks/>
+            </p:cNvCxnSpPr>
+            <p:nvPr/>
+          </p:nvCxnSpPr>
+          <p:spPr>
+            <a:xfrm flipH="1">
+              <a:off x="5742269" y="4733925"/>
+              <a:ext cx="187043" cy="253500"/>
+            </a:xfrm>
+            <a:prstGeom prst="line">
+              <a:avLst/>
+            </a:prstGeom>
+            <a:ln w="9525">
+              <a:solidFill>
+                <a:schemeClr val="tx1"/>
+              </a:solidFill>
+              <a:prstDash val="sysDot"/>
+            </a:ln>
+          </p:spPr>
+          <p:style>
+            <a:lnRef idx="1">
+              <a:schemeClr val="accent1"/>
+            </a:lnRef>
+            <a:fillRef idx="0">
+              <a:schemeClr val="accent1"/>
+            </a:fillRef>
+            <a:effectRef idx="0">
+              <a:schemeClr val="accent1"/>
+            </a:effectRef>
+            <a:fontRef idx="minor">
+              <a:schemeClr val="tx1"/>
+            </a:fontRef>
+          </p:style>
+        </p:cxnSp>
+        <p:cxnSp>
+          <p:nvCxnSpPr>
+            <p:cNvPr id="113" name="Straight Connector 112">
+              <a:extLst>
+                <a:ext uri="{FF2B5EF4-FFF2-40B4-BE49-F238E27FC236}">
+                  <a16:creationId xmlns:a16="http://schemas.microsoft.com/office/drawing/2014/main" id="{B393E35B-D1E0-CB3B-3D94-AC414375A7DF}"/>
+                </a:ext>
+              </a:extLst>
+            </p:cNvPr>
+            <p:cNvCxnSpPr>
+              <a:cxnSpLocks/>
+            </p:cNvCxnSpPr>
+            <p:nvPr/>
+          </p:nvCxnSpPr>
+          <p:spPr>
+            <a:xfrm>
+              <a:off x="5828647" y="4956944"/>
+              <a:ext cx="0" cy="55347"/>
+            </a:xfrm>
+            <a:prstGeom prst="line">
+              <a:avLst/>
+            </a:prstGeom>
+            <a:ln w="9525">
+              <a:solidFill>
+                <a:schemeClr val="tx1"/>
+              </a:solidFill>
+              <a:prstDash val="sysDot"/>
+            </a:ln>
+          </p:spPr>
+          <p:style>
+            <a:lnRef idx="1">
+              <a:schemeClr val="accent1"/>
+            </a:lnRef>
+            <a:fillRef idx="0">
+              <a:schemeClr val="accent1"/>
+            </a:fillRef>
+            <a:effectRef idx="0">
+              <a:schemeClr val="accent1"/>
+            </a:effectRef>
+            <a:fontRef idx="minor">
+              <a:schemeClr val="tx1"/>
+            </a:fontRef>
+          </p:style>
+        </p:cxnSp>
+        <p:cxnSp>
+          <p:nvCxnSpPr>
+            <p:cNvPr id="116" name="Straight Connector 115">
+              <a:extLst>
+                <a:ext uri="{FF2B5EF4-FFF2-40B4-BE49-F238E27FC236}">
+                  <a16:creationId xmlns:a16="http://schemas.microsoft.com/office/drawing/2014/main" id="{39A75E1E-8142-DB40-8860-8658B7B572BA}"/>
+                </a:ext>
+              </a:extLst>
+            </p:cNvPr>
+            <p:cNvCxnSpPr>
+              <a:cxnSpLocks/>
+            </p:cNvCxnSpPr>
+            <p:nvPr/>
+          </p:nvCxnSpPr>
+          <p:spPr>
+            <a:xfrm flipH="1">
+              <a:off x="4922044" y="4841082"/>
+              <a:ext cx="109538" cy="83344"/>
+            </a:xfrm>
+            <a:prstGeom prst="line">
+              <a:avLst/>
+            </a:prstGeom>
+            <a:ln w="9525">
+              <a:solidFill>
+                <a:schemeClr val="tx1"/>
+              </a:solidFill>
+              <a:prstDash val="sysDot"/>
+            </a:ln>
+          </p:spPr>
+          <p:style>
+            <a:lnRef idx="1">
+              <a:schemeClr val="accent1"/>
+            </a:lnRef>
+            <a:fillRef idx="0">
+              <a:schemeClr val="accent1"/>
+            </a:fillRef>
+            <a:effectRef idx="0">
+              <a:schemeClr val="accent1"/>
+            </a:effectRef>
+            <a:fontRef idx="minor">
+              <a:schemeClr val="tx1"/>
+            </a:fontRef>
+          </p:style>
+        </p:cxnSp>
+        <mc:AlternateContent xmlns:mc="http://schemas.openxmlformats.org/markup-compatibility/2006">
+          <mc:Choice xmlns:a14="http://schemas.microsoft.com/office/drawing/2010/main" Requires="a14">
+            <p:sp>
+              <p:nvSpPr>
+                <p:cNvPr id="123" name="TextBox 122">
+                  <a:extLst>
+                    <a:ext uri="{FF2B5EF4-FFF2-40B4-BE49-F238E27FC236}">
+                      <a16:creationId xmlns:a16="http://schemas.microsoft.com/office/drawing/2014/main" id="{171B5E15-12CA-C444-7739-7C74A20EB69B}"/>
+                    </a:ext>
+                  </a:extLst>
+                </p:cNvPr>
+                <p:cNvSpPr txBox="1"/>
+                <p:nvPr/>
+              </p:nvSpPr>
+              <p:spPr>
+                <a:xfrm>
+                  <a:off x="4944154" y="4875544"/>
+                  <a:ext cx="431456" cy="113866"/>
+                </a:xfrm>
+                <a:prstGeom prst="rect">
+                  <a:avLst/>
+                </a:prstGeom>
+                <a:noFill/>
+              </p:spPr>
+              <p:txBody>
+                <a:bodyPr wrap="square" lIns="0" tIns="0" rIns="0" bIns="0" rtlCol="0">
+                  <a:spAutoFit/>
+                </a:bodyPr>
+                <a:lstStyle/>
+                <a:p>
+                  <a:pPr/>
+                  <a14:m>
+                    <m:oMathPara xmlns:m="http://schemas.openxmlformats.org/officeDocument/2006/math">
+                      <m:oMathParaPr>
+                        <m:jc m:val="centerGroup"/>
+                      </m:oMathParaPr>
+                      <m:oMath xmlns:m="http://schemas.openxmlformats.org/officeDocument/2006/math">
+                        <m:sSub>
+                          <m:sSubPr>
+                            <m:ctrlPr>
+                              <a:rPr lang="en-US" sz="800" b="0" i="1" smtClean="0">
+                                <a:latin typeface="Cambria Math" panose="02040503050406030204" pitchFamily="18" charset="0"/>
+                              </a:rPr>
+                            </m:ctrlPr>
+                          </m:sSubPr>
+                          <m:e>
+                            <m:r>
+                              <a:rPr lang="en-US" sz="800" b="0" i="1" smtClean="0">
+                                <a:latin typeface="Cambria Math" panose="02040503050406030204" pitchFamily="18" charset="0"/>
+                              </a:rPr>
+                              <m:t>𝑤</m:t>
+                            </m:r>
+                          </m:e>
+                          <m:sub>
+                            <m:r>
+                              <a:rPr lang="en-US" sz="800" b="0" i="1" smtClean="0">
+                                <a:latin typeface="Cambria Math" panose="02040503050406030204" pitchFamily="18" charset="0"/>
+                              </a:rPr>
+                              <m:t>𝑛</m:t>
+                            </m:r>
+                            <m:r>
+                              <a:rPr lang="en-US" sz="800" b="0" i="1" smtClean="0">
+                                <a:latin typeface="Cambria Math" panose="02040503050406030204" pitchFamily="18" charset="0"/>
+                              </a:rPr>
+                              <m:t>=</m:t>
+                            </m:r>
+                          </m:sub>
+                        </m:sSub>
+                        <m:sSub>
+                          <m:sSubPr>
+                            <m:ctrlPr>
+                              <a:rPr lang="en-US" sz="800" b="0" i="1" smtClean="0">
+                                <a:latin typeface="Cambria Math" panose="02040503050406030204" pitchFamily="18" charset="0"/>
+                              </a:rPr>
+                            </m:ctrlPr>
+                          </m:sSubPr>
+                          <m:e>
+                            <m:r>
+                              <a:rPr lang="en-US" sz="800" b="0" i="1" smtClean="0">
+                                <a:latin typeface="Cambria Math" panose="02040503050406030204" pitchFamily="18" charset="0"/>
+                              </a:rPr>
+                              <m:t>𝑠</m:t>
+                            </m:r>
+                          </m:e>
+                          <m:sub>
+                            <m:r>
+                              <a:rPr lang="en-US" sz="800" b="0" i="1" smtClean="0">
+                                <a:latin typeface="Cambria Math" panose="02040503050406030204" pitchFamily="18" charset="0"/>
+                              </a:rPr>
+                              <m:t>𝑐</m:t>
+                            </m:r>
+                          </m:sub>
+                        </m:sSub>
+                        <m:sSub>
+                          <m:sSubPr>
+                            <m:ctrlPr>
+                              <a:rPr lang="en-US" sz="800" b="0" i="1" smtClean="0">
+                                <a:latin typeface="Cambria Math" panose="02040503050406030204" pitchFamily="18" charset="0"/>
+                              </a:rPr>
+                            </m:ctrlPr>
+                          </m:sSubPr>
+                          <m:e>
+                            <m:r>
+                              <a:rPr lang="en-US" sz="800" b="0" i="1" smtClean="0">
+                                <a:latin typeface="Cambria Math" panose="02040503050406030204" pitchFamily="18" charset="0"/>
+                              </a:rPr>
+                              <m:t>h</m:t>
+                            </m:r>
+                          </m:e>
+                          <m:sub>
+                            <m:r>
+                              <a:rPr lang="en-US" sz="800" b="0" i="1" smtClean="0">
+                                <a:latin typeface="Cambria Math" panose="02040503050406030204" pitchFamily="18" charset="0"/>
+                              </a:rPr>
+                              <m:t>𝑛</m:t>
+                            </m:r>
+                          </m:sub>
+                        </m:sSub>
+                      </m:oMath>
+                    </m:oMathPara>
+                  </a14:m>
+                  <a:endParaRPr lang="en-US" sz="900" dirty="0"/>
+                </a:p>
+              </p:txBody>
+            </p:sp>
+          </mc:Choice>
+          <mc:Fallback>
+            <p:sp>
+              <p:nvSpPr>
+                <p:cNvPr id="123" name="TextBox 122">
+                  <a:extLst>
+                    <a:ext uri="{FF2B5EF4-FFF2-40B4-BE49-F238E27FC236}">
+                      <a16:creationId xmlns:a16="http://schemas.microsoft.com/office/drawing/2014/main" id="{171B5E15-12CA-C444-7739-7C74A20EB69B}"/>
+                    </a:ext>
+                  </a:extLst>
+                </p:cNvPr>
+                <p:cNvSpPr txBox="1">
+                  <a:spLocks noRot="1" noChangeAspect="1" noMove="1" noResize="1" noEditPoints="1" noAdjustHandles="1" noChangeArrowheads="1" noChangeShapeType="1" noTextEdit="1"/>
+                </p:cNvSpPr>
+                <p:nvPr/>
+              </p:nvSpPr>
+              <p:spPr>
+                <a:xfrm>
+                  <a:off x="4944154" y="4875544"/>
+                  <a:ext cx="431456" cy="113866"/>
+                </a:xfrm>
+                <a:prstGeom prst="rect">
+                  <a:avLst/>
+                </a:prstGeom>
+                <a:blipFill>
+                  <a:blip r:embed="rId12"/>
+                  <a:stretch>
+                    <a:fillRect b="-15000"/>
+                  </a:stretch>
+                </a:blipFill>
+              </p:spPr>
+              <p:txBody>
+                <a:bodyPr/>
+                <a:lstStyle/>
+                <a:p>
+                  <a:r>
+                    <a:rPr lang="en-US">
+                      <a:noFill/>
+                    </a:rPr>
+                    <a:t> </a:t>
+                  </a:r>
+                </a:p>
+              </p:txBody>
+            </p:sp>
+          </mc:Fallback>
+        </mc:AlternateContent>
+        <mc:AlternateContent xmlns:mc="http://schemas.openxmlformats.org/markup-compatibility/2006">
+          <mc:Choice xmlns:a14="http://schemas.microsoft.com/office/drawing/2010/main" Requires="a14">
+            <p:sp>
+              <p:nvSpPr>
+                <p:cNvPr id="124" name="TextBox 123">
+                  <a:extLst>
+                    <a:ext uri="{FF2B5EF4-FFF2-40B4-BE49-F238E27FC236}">
+                      <a16:creationId xmlns:a16="http://schemas.microsoft.com/office/drawing/2014/main" id="{5F05FA66-5A0B-8EF9-A61A-30942DA11D38}"/>
+                    </a:ext>
+                  </a:extLst>
+                </p:cNvPr>
+                <p:cNvSpPr txBox="1"/>
+                <p:nvPr/>
+              </p:nvSpPr>
+              <p:spPr>
+                <a:xfrm>
+                  <a:off x="5711437" y="4572416"/>
+                  <a:ext cx="609583" cy="113866"/>
+                </a:xfrm>
+                <a:prstGeom prst="rect">
+                  <a:avLst/>
+                </a:prstGeom>
+                <a:noFill/>
+              </p:spPr>
+              <p:txBody>
+                <a:bodyPr wrap="square" lIns="0" tIns="0" rIns="0" bIns="0" rtlCol="0">
+                  <a:spAutoFit/>
+                </a:bodyPr>
+                <a:lstStyle/>
+                <a:p>
+                  <a:pPr/>
+                  <a14:m>
+                    <m:oMathPara xmlns:m="http://schemas.openxmlformats.org/officeDocument/2006/math">
+                      <m:oMathParaPr>
+                        <m:jc m:val="centerGroup"/>
+                      </m:oMathParaPr>
+                      <m:oMath xmlns:m="http://schemas.openxmlformats.org/officeDocument/2006/math">
+                        <m:sSub>
+                          <m:sSubPr>
+                            <m:ctrlPr>
+                              <a:rPr lang="en-US" sz="800" b="0" i="1" smtClean="0">
+                                <a:latin typeface="Cambria Math" panose="02040503050406030204" pitchFamily="18" charset="0"/>
+                              </a:rPr>
+                            </m:ctrlPr>
+                          </m:sSubPr>
+                          <m:e>
+                            <m:r>
+                              <a:rPr lang="en-US" sz="800" b="0" i="1" smtClean="0">
+                                <a:latin typeface="Cambria Math" panose="02040503050406030204" pitchFamily="18" charset="0"/>
+                              </a:rPr>
+                              <m:t>𝑤</m:t>
+                            </m:r>
+                          </m:e>
+                          <m:sub>
+                            <m:r>
+                              <a:rPr lang="en-US" sz="800" b="0" i="1" smtClean="0">
+                                <a:latin typeface="Cambria Math" panose="02040503050406030204" pitchFamily="18" charset="0"/>
+                              </a:rPr>
+                              <m:t>1</m:t>
+                            </m:r>
+                          </m:sub>
+                        </m:sSub>
+                        <m:r>
+                          <a:rPr lang="en-US" sz="800" b="0" i="1" smtClean="0">
+                            <a:latin typeface="Cambria Math" panose="02040503050406030204" pitchFamily="18" charset="0"/>
+                          </a:rPr>
+                          <m:t>=</m:t>
+                        </m:r>
+                        <m:sSub>
+                          <m:sSubPr>
+                            <m:ctrlPr>
+                              <a:rPr lang="en-US" sz="800" b="0" i="1" smtClean="0">
+                                <a:latin typeface="Cambria Math" panose="02040503050406030204" pitchFamily="18" charset="0"/>
+                              </a:rPr>
+                            </m:ctrlPr>
+                          </m:sSubPr>
+                          <m:e>
+                            <m:r>
+                              <a:rPr lang="en-US" sz="800" b="0" i="1" smtClean="0">
+                                <a:latin typeface="Cambria Math" panose="02040503050406030204" pitchFamily="18" charset="0"/>
+                              </a:rPr>
+                              <m:t>𝑠</m:t>
+                            </m:r>
+                          </m:e>
+                          <m:sub>
+                            <m:r>
+                              <a:rPr lang="en-US" sz="800" b="0" i="1" smtClean="0">
+                                <a:latin typeface="Cambria Math" panose="02040503050406030204" pitchFamily="18" charset="0"/>
+                              </a:rPr>
+                              <m:t>𝑙</m:t>
+                            </m:r>
+                          </m:sub>
+                        </m:sSub>
+                        <m:sSub>
+                          <m:sSubPr>
+                            <m:ctrlPr>
+                              <a:rPr lang="en-US" sz="800" b="0" i="1" smtClean="0">
+                                <a:latin typeface="Cambria Math" panose="02040503050406030204" pitchFamily="18" charset="0"/>
+                              </a:rPr>
+                            </m:ctrlPr>
+                          </m:sSubPr>
+                          <m:e>
+                            <m:r>
+                              <a:rPr lang="en-US" sz="800" b="0" i="1" smtClean="0">
+                                <a:latin typeface="Cambria Math" panose="02040503050406030204" pitchFamily="18" charset="0"/>
+                              </a:rPr>
+                              <m:t>𝑤</m:t>
+                            </m:r>
+                          </m:e>
+                          <m:sub>
+                            <m:r>
+                              <a:rPr lang="en-US" sz="800" b="0" i="1" smtClean="0">
+                                <a:latin typeface="Cambria Math" panose="02040503050406030204" pitchFamily="18" charset="0"/>
+                              </a:rPr>
+                              <m:t>0</m:t>
+                            </m:r>
+                          </m:sub>
+                        </m:sSub>
+                      </m:oMath>
+                    </m:oMathPara>
+                  </a14:m>
+                  <a:endParaRPr lang="en-US" sz="900" dirty="0"/>
+                </a:p>
+              </p:txBody>
+            </p:sp>
+          </mc:Choice>
+          <mc:Fallback>
+            <p:sp>
+              <p:nvSpPr>
+                <p:cNvPr id="124" name="TextBox 123">
+                  <a:extLst>
+                    <a:ext uri="{FF2B5EF4-FFF2-40B4-BE49-F238E27FC236}">
+                      <a16:creationId xmlns:a16="http://schemas.microsoft.com/office/drawing/2014/main" id="{5F05FA66-5A0B-8EF9-A61A-30942DA11D38}"/>
+                    </a:ext>
+                  </a:extLst>
+                </p:cNvPr>
+                <p:cNvSpPr txBox="1">
+                  <a:spLocks noRot="1" noChangeAspect="1" noMove="1" noResize="1" noEditPoints="1" noAdjustHandles="1" noChangeArrowheads="1" noChangeShapeType="1" noTextEdit="1"/>
+                </p:cNvSpPr>
+                <p:nvPr/>
+              </p:nvSpPr>
+              <p:spPr>
+                <a:xfrm>
+                  <a:off x="5711437" y="4572416"/>
+                  <a:ext cx="609583" cy="113866"/>
+                </a:xfrm>
+                <a:prstGeom prst="rect">
+                  <a:avLst/>
+                </a:prstGeom>
+                <a:blipFill>
+                  <a:blip r:embed="rId13"/>
+                  <a:stretch>
+                    <a:fillRect b="-20000"/>
+                  </a:stretch>
+                </a:blipFill>
+              </p:spPr>
+              <p:txBody>
+                <a:bodyPr/>
+                <a:lstStyle/>
+                <a:p>
+                  <a:r>
+                    <a:rPr lang="en-US">
+                      <a:noFill/>
+                    </a:rPr>
+                    <a:t> </a:t>
+                  </a:r>
+                </a:p>
+              </p:txBody>
+            </p:sp>
+          </mc:Fallback>
+        </mc:AlternateContent>
+        <mc:AlternateContent xmlns:mc="http://schemas.openxmlformats.org/markup-compatibility/2006">
+          <mc:Choice xmlns:a14="http://schemas.microsoft.com/office/drawing/2010/main" Requires="a14">
+            <p:sp>
+              <p:nvSpPr>
+                <p:cNvPr id="125" name="TextBox 124">
+                  <a:extLst>
+                    <a:ext uri="{FF2B5EF4-FFF2-40B4-BE49-F238E27FC236}">
+                      <a16:creationId xmlns:a16="http://schemas.microsoft.com/office/drawing/2014/main" id="{1CD2EDAD-1D4E-AA7B-711E-4F0B5C117B97}"/>
+                    </a:ext>
+                  </a:extLst>
+                </p:cNvPr>
+                <p:cNvSpPr txBox="1"/>
+                <p:nvPr/>
+              </p:nvSpPr>
+              <p:spPr>
+                <a:xfrm>
+                  <a:off x="5702567" y="4913319"/>
+                  <a:ext cx="431456" cy="123111"/>
+                </a:xfrm>
+                <a:prstGeom prst="rect">
+                  <a:avLst/>
+                </a:prstGeom>
+                <a:noFill/>
+              </p:spPr>
+              <p:txBody>
+                <a:bodyPr wrap="square" lIns="0" tIns="0" rIns="0" bIns="0" rtlCol="0">
+                  <a:spAutoFit/>
+                </a:bodyPr>
+                <a:lstStyle/>
+                <a:p>
+                  <a:pPr/>
+                  <a14:m>
+                    <m:oMathPara xmlns:m="http://schemas.openxmlformats.org/officeDocument/2006/math">
+                      <m:oMathParaPr>
+                        <m:jc m:val="centerGroup"/>
+                      </m:oMathParaPr>
+                      <m:oMath xmlns:m="http://schemas.openxmlformats.org/officeDocument/2006/math">
+                        <m:sSub>
+                          <m:sSubPr>
+                            <m:ctrlPr>
+                              <a:rPr lang="en-US" sz="800" b="0" i="1" smtClean="0">
+                                <a:latin typeface="Cambria Math" panose="02040503050406030204" pitchFamily="18" charset="0"/>
+                              </a:rPr>
+                            </m:ctrlPr>
+                          </m:sSubPr>
+                          <m:e>
+                            <m:r>
+                              <a:rPr lang="en-US" sz="800" b="0" i="1" smtClean="0">
+                                <a:latin typeface="Cambria Math" panose="02040503050406030204" pitchFamily="18" charset="0"/>
+                              </a:rPr>
+                              <m:t>𝑤</m:t>
+                            </m:r>
+                          </m:e>
+                          <m:sub>
+                            <m:r>
+                              <a:rPr lang="en-US" sz="800" b="0" i="1" smtClean="0">
+                                <a:latin typeface="Cambria Math" panose="02040503050406030204" pitchFamily="18" charset="0"/>
+                              </a:rPr>
+                              <m:t>2</m:t>
+                            </m:r>
+                          </m:sub>
+                        </m:sSub>
+                      </m:oMath>
+                    </m:oMathPara>
+                  </a14:m>
+                  <a:endParaRPr lang="en-US" sz="900" dirty="0"/>
+                </a:p>
+              </p:txBody>
+            </p:sp>
+          </mc:Choice>
+          <mc:Fallback>
+            <p:sp>
+              <p:nvSpPr>
+                <p:cNvPr id="125" name="TextBox 124">
+                  <a:extLst>
+                    <a:ext uri="{FF2B5EF4-FFF2-40B4-BE49-F238E27FC236}">
+                      <a16:creationId xmlns:a16="http://schemas.microsoft.com/office/drawing/2014/main" id="{1CD2EDAD-1D4E-AA7B-711E-4F0B5C117B97}"/>
+                    </a:ext>
+                  </a:extLst>
+                </p:cNvPr>
+                <p:cNvSpPr txBox="1">
+                  <a:spLocks noRot="1" noChangeAspect="1" noMove="1" noResize="1" noEditPoints="1" noAdjustHandles="1" noChangeArrowheads="1" noChangeShapeType="1" noTextEdit="1"/>
+                </p:cNvSpPr>
+                <p:nvPr/>
+              </p:nvSpPr>
+              <p:spPr>
+                <a:xfrm>
+                  <a:off x="5702567" y="4913319"/>
+                  <a:ext cx="431456" cy="123111"/>
+                </a:xfrm>
+                <a:prstGeom prst="rect">
+                  <a:avLst/>
+                </a:prstGeom>
+                <a:blipFill>
+                  <a:blip r:embed="rId14"/>
+                  <a:stretch>
+                    <a:fillRect b="-13636"/>
+                  </a:stretch>
+                </a:blipFill>
+              </p:spPr>
+              <p:txBody>
+                <a:bodyPr/>
+                <a:lstStyle/>
+                <a:p>
+                  <a:r>
+                    <a:rPr lang="en-US">
+                      <a:noFill/>
+                    </a:rPr>
+                    <a:t> </a:t>
+                  </a:r>
+                </a:p>
+              </p:txBody>
+            </p:sp>
+          </mc:Fallback>
+        </mc:AlternateContent>
+        <p:cxnSp>
+          <p:nvCxnSpPr>
+            <p:cNvPr id="127" name="Straight Connector 126">
+              <a:extLst>
+                <a:ext uri="{FF2B5EF4-FFF2-40B4-BE49-F238E27FC236}">
+                  <a16:creationId xmlns:a16="http://schemas.microsoft.com/office/drawing/2014/main" id="{A8012AB2-7416-9C41-868E-67331F31B8E9}"/>
+                </a:ext>
+              </a:extLst>
+            </p:cNvPr>
+            <p:cNvCxnSpPr>
+              <a:cxnSpLocks/>
+            </p:cNvCxnSpPr>
+            <p:nvPr/>
+          </p:nvCxnSpPr>
+          <p:spPr>
+            <a:xfrm flipV="1">
+              <a:off x="6019800" y="4981575"/>
+              <a:ext cx="178594" cy="4763"/>
+            </a:xfrm>
+            <a:prstGeom prst="line">
+              <a:avLst/>
+            </a:prstGeom>
+            <a:ln w="9525">
+              <a:solidFill>
+                <a:schemeClr val="tx1"/>
+              </a:solidFill>
+              <a:prstDash val="dashDot"/>
+            </a:ln>
+          </p:spPr>
+          <p:style>
+            <a:lnRef idx="1">
+              <a:schemeClr val="accent1"/>
+            </a:lnRef>
+            <a:fillRef idx="0">
+              <a:schemeClr val="accent1"/>
+            </a:fillRef>
+            <a:effectRef idx="0">
+              <a:schemeClr val="accent1"/>
+            </a:effectRef>
+            <a:fontRef idx="minor">
+              <a:schemeClr val="tx1"/>
+            </a:fontRef>
+          </p:style>
+        </p:cxnSp>
+        <mc:AlternateContent xmlns:mc="http://schemas.openxmlformats.org/markup-compatibility/2006">
+          <mc:Choice xmlns:a14="http://schemas.microsoft.com/office/drawing/2010/main" Requires="a14">
+            <p:sp>
+              <p:nvSpPr>
+                <p:cNvPr id="130" name="TextBox 129">
+                  <a:extLst>
+                    <a:ext uri="{FF2B5EF4-FFF2-40B4-BE49-F238E27FC236}">
+                      <a16:creationId xmlns:a16="http://schemas.microsoft.com/office/drawing/2014/main" id="{4C53D478-42E5-A91D-FC25-245EC82D729C}"/>
+                    </a:ext>
+                  </a:extLst>
+                </p:cNvPr>
+                <p:cNvSpPr txBox="1"/>
+                <p:nvPr/>
+              </p:nvSpPr>
+              <p:spPr>
+                <a:xfrm>
+                  <a:off x="5871810" y="4862716"/>
+                  <a:ext cx="431456" cy="123111"/>
+                </a:xfrm>
+                <a:prstGeom prst="rect">
+                  <a:avLst/>
+                </a:prstGeom>
+                <a:noFill/>
+              </p:spPr>
+              <p:txBody>
+                <a:bodyPr wrap="square" lIns="0" tIns="0" rIns="0" bIns="0" rtlCol="0">
+                  <a:spAutoFit/>
+                </a:bodyPr>
+                <a:lstStyle/>
+                <a:p>
+                  <a:pPr/>
+                  <a14:m>
+                    <m:oMathPara xmlns:m="http://schemas.openxmlformats.org/officeDocument/2006/math">
+                      <m:oMathParaPr>
+                        <m:jc m:val="centerGroup"/>
+                      </m:oMathParaPr>
+                      <m:oMath xmlns:m="http://schemas.openxmlformats.org/officeDocument/2006/math">
+                        <m:r>
+                          <a:rPr lang="en-US" sz="800" b="0" i="1" smtClean="0">
+                            <a:latin typeface="Cambria Math" panose="02040503050406030204" pitchFamily="18" charset="0"/>
+                          </a:rPr>
+                          <m:t>𝑅</m:t>
+                        </m:r>
+                      </m:oMath>
+                    </m:oMathPara>
+                  </a14:m>
+                  <a:endParaRPr lang="en-US" sz="900" dirty="0"/>
+                </a:p>
+              </p:txBody>
+            </p:sp>
+          </mc:Choice>
+          <mc:Fallback>
+            <p:sp>
+              <p:nvSpPr>
+                <p:cNvPr id="130" name="TextBox 129">
+                  <a:extLst>
+                    <a:ext uri="{FF2B5EF4-FFF2-40B4-BE49-F238E27FC236}">
+                      <a16:creationId xmlns:a16="http://schemas.microsoft.com/office/drawing/2014/main" id="{4C53D478-42E5-A91D-FC25-245EC82D729C}"/>
+                    </a:ext>
+                  </a:extLst>
+                </p:cNvPr>
+                <p:cNvSpPr txBox="1">
+                  <a:spLocks noRot="1" noChangeAspect="1" noMove="1" noResize="1" noEditPoints="1" noAdjustHandles="1" noChangeArrowheads="1" noChangeShapeType="1" noTextEdit="1"/>
+                </p:cNvSpPr>
+                <p:nvPr/>
+              </p:nvSpPr>
+              <p:spPr>
+                <a:xfrm>
+                  <a:off x="5871810" y="4862716"/>
+                  <a:ext cx="431456" cy="123111"/>
+                </a:xfrm>
+                <a:prstGeom prst="rect">
+                  <a:avLst/>
+                </a:prstGeom>
+                <a:blipFill>
+                  <a:blip r:embed="rId15"/>
+                  <a:stretch>
+                    <a:fillRect/>
+                  </a:stretch>
+                </a:blipFill>
+              </p:spPr>
+              <p:txBody>
+                <a:bodyPr/>
+                <a:lstStyle/>
+                <a:p>
+                  <a:r>
+                    <a:rPr lang="en-US">
+                      <a:noFill/>
+                    </a:rPr>
+                    <a:t> </a:t>
+                  </a:r>
+                </a:p>
+              </p:txBody>
+            </p:sp>
+          </mc:Fallback>
+        </mc:AlternateContent>
+        <mc:AlternateContent xmlns:mc="http://schemas.openxmlformats.org/markup-compatibility/2006">
+          <mc:Choice xmlns:a14="http://schemas.microsoft.com/office/drawing/2010/main" Requires="a14">
+            <p:sp>
+              <p:nvSpPr>
+                <p:cNvPr id="131" name="TextBox 130">
+                  <a:extLst>
+                    <a:ext uri="{FF2B5EF4-FFF2-40B4-BE49-F238E27FC236}">
+                      <a16:creationId xmlns:a16="http://schemas.microsoft.com/office/drawing/2014/main" id="{145F595A-76C3-9C8C-7DD2-2281A1374442}"/>
+                    </a:ext>
+                  </a:extLst>
+                </p:cNvPr>
+                <p:cNvSpPr txBox="1"/>
+                <p:nvPr/>
+              </p:nvSpPr>
+              <p:spPr>
+                <a:xfrm>
+                  <a:off x="4934493" y="5148788"/>
+                  <a:ext cx="461344" cy="215444"/>
+                </a:xfrm>
+                <a:prstGeom prst="rect">
+                  <a:avLst/>
+                </a:prstGeom>
+                <a:noFill/>
+              </p:spPr>
+              <p:txBody>
+                <a:bodyPr wrap="none" rtlCol="0">
+                  <a:spAutoFit/>
+                </a:bodyPr>
+                <a:lstStyle/>
+                <a:p>
+                  <a14:m>
+                    <m:oMathPara xmlns:m="http://schemas.openxmlformats.org/officeDocument/2006/math">
+                      <m:oMathParaPr>
+                        <m:jc m:val="centerGroup"/>
+                      </m:oMathParaPr>
+                      <m:oMath xmlns:m="http://schemas.openxmlformats.org/officeDocument/2006/math">
+                        <m:r>
+                          <a:rPr lang="en-US" sz="800" b="0" i="1" smtClean="0">
+                            <a:latin typeface="Cambria Math" panose="02040503050406030204" pitchFamily="18" charset="0"/>
+                            <a:cs typeface="Times New Roman" panose="02020603050405020304" pitchFamily="18" charset="0"/>
+                          </a:rPr>
+                          <m:t>𝑛</m:t>
+                        </m:r>
+                        <m:r>
+                          <a:rPr lang="en-US" sz="800" b="0" i="1" smtClean="0">
+                            <a:latin typeface="Cambria Math" panose="02040503050406030204" pitchFamily="18" charset="0"/>
+                            <a:cs typeface="Times New Roman" panose="02020603050405020304" pitchFamily="18" charset="0"/>
+                          </a:rPr>
+                          <m:t>=1</m:t>
+                        </m:r>
+                      </m:oMath>
+                    </m:oMathPara>
+                  </a14:m>
+                  <a:endParaRPr lang="en-US" sz="800" dirty="0">
+                    <a:latin typeface="Times New Roman" panose="02020603050405020304" pitchFamily="18" charset="0"/>
+                    <a:cs typeface="Times New Roman" panose="02020603050405020304" pitchFamily="18" charset="0"/>
+                  </a:endParaRPr>
+                </a:p>
+              </p:txBody>
+            </p:sp>
+          </mc:Choice>
+          <mc:Fallback>
+            <p:sp>
+              <p:nvSpPr>
+                <p:cNvPr id="131" name="TextBox 130">
+                  <a:extLst>
+                    <a:ext uri="{FF2B5EF4-FFF2-40B4-BE49-F238E27FC236}">
+                      <a16:creationId xmlns:a16="http://schemas.microsoft.com/office/drawing/2014/main" id="{145F595A-76C3-9C8C-7DD2-2281A1374442}"/>
+                    </a:ext>
+                  </a:extLst>
+                </p:cNvPr>
+                <p:cNvSpPr txBox="1">
+                  <a:spLocks noRot="1" noChangeAspect="1" noMove="1" noResize="1" noEditPoints="1" noAdjustHandles="1" noChangeArrowheads="1" noChangeShapeType="1" noTextEdit="1"/>
+                </p:cNvSpPr>
+                <p:nvPr/>
+              </p:nvSpPr>
+              <p:spPr>
+                <a:xfrm>
+                  <a:off x="4934493" y="5148788"/>
+                  <a:ext cx="461344" cy="215444"/>
+                </a:xfrm>
+                <a:prstGeom prst="rect">
+                  <a:avLst/>
+                </a:prstGeom>
+                <a:blipFill>
+                  <a:blip r:embed="rId16"/>
+                  <a:stretch>
+                    <a:fillRect/>
+                  </a:stretch>
+                </a:blipFill>
+              </p:spPr>
+              <p:txBody>
+                <a:bodyPr/>
+                <a:lstStyle/>
+                <a:p>
+                  <a:r>
+                    <a:rPr lang="en-US">
+                      <a:noFill/>
+                    </a:rPr>
+                    <a:t> </a:t>
+                  </a:r>
+                </a:p>
+              </p:txBody>
+            </p:sp>
+          </mc:Fallback>
+        </mc:AlternateContent>
+        <mc:AlternateContent xmlns:mc="http://schemas.openxmlformats.org/markup-compatibility/2006">
+          <mc:Choice xmlns:a14="http://schemas.microsoft.com/office/drawing/2010/main" Requires="a14">
+            <p:sp>
+              <p:nvSpPr>
+                <p:cNvPr id="132" name="TextBox 131">
+                  <a:extLst>
+                    <a:ext uri="{FF2B5EF4-FFF2-40B4-BE49-F238E27FC236}">
+                      <a16:creationId xmlns:a16="http://schemas.microsoft.com/office/drawing/2014/main" id="{BB43349F-8B62-176D-F36E-AD1424B551C9}"/>
+                    </a:ext>
+                  </a:extLst>
+                </p:cNvPr>
+                <p:cNvSpPr txBox="1"/>
+                <p:nvPr/>
+              </p:nvSpPr>
+              <p:spPr>
+                <a:xfrm>
+                  <a:off x="5798210" y="5144713"/>
+                  <a:ext cx="461344" cy="215444"/>
+                </a:xfrm>
+                <a:prstGeom prst="rect">
+                  <a:avLst/>
+                </a:prstGeom>
+                <a:noFill/>
+              </p:spPr>
+              <p:txBody>
+                <a:bodyPr wrap="none" rtlCol="0">
+                  <a:spAutoFit/>
+                </a:bodyPr>
+                <a:lstStyle/>
+                <a:p>
+                  <a14:m>
+                    <m:oMathPara xmlns:m="http://schemas.openxmlformats.org/officeDocument/2006/math">
+                      <m:oMathParaPr>
+                        <m:jc m:val="centerGroup"/>
+                      </m:oMathParaPr>
+                      <m:oMath xmlns:m="http://schemas.openxmlformats.org/officeDocument/2006/math">
+                        <m:r>
+                          <a:rPr lang="en-US" sz="800" b="0" i="1" smtClean="0">
+                            <a:latin typeface="Cambria Math" panose="02040503050406030204" pitchFamily="18" charset="0"/>
+                            <a:cs typeface="Times New Roman" panose="02020603050405020304" pitchFamily="18" charset="0"/>
+                          </a:rPr>
+                          <m:t>𝑛</m:t>
+                        </m:r>
+                        <m:r>
+                          <a:rPr lang="en-US" sz="800" b="0" i="1" smtClean="0">
+                            <a:latin typeface="Cambria Math" panose="02040503050406030204" pitchFamily="18" charset="0"/>
+                            <a:cs typeface="Times New Roman" panose="02020603050405020304" pitchFamily="18" charset="0"/>
+                          </a:rPr>
+                          <m:t>=2</m:t>
+                        </m:r>
+                      </m:oMath>
+                    </m:oMathPara>
+                  </a14:m>
+                  <a:endParaRPr lang="en-US" sz="800" dirty="0">
+                    <a:latin typeface="Times New Roman" panose="02020603050405020304" pitchFamily="18" charset="0"/>
+                    <a:cs typeface="Times New Roman" panose="02020603050405020304" pitchFamily="18" charset="0"/>
+                  </a:endParaRPr>
+                </a:p>
+              </p:txBody>
+            </p:sp>
+          </mc:Choice>
+          <mc:Fallback>
+            <p:sp>
+              <p:nvSpPr>
+                <p:cNvPr id="132" name="TextBox 131">
+                  <a:extLst>
+                    <a:ext uri="{FF2B5EF4-FFF2-40B4-BE49-F238E27FC236}">
+                      <a16:creationId xmlns:a16="http://schemas.microsoft.com/office/drawing/2014/main" id="{BB43349F-8B62-176D-F36E-AD1424B551C9}"/>
+                    </a:ext>
+                  </a:extLst>
+                </p:cNvPr>
+                <p:cNvSpPr txBox="1">
+                  <a:spLocks noRot="1" noChangeAspect="1" noMove="1" noResize="1" noEditPoints="1" noAdjustHandles="1" noChangeArrowheads="1" noChangeShapeType="1" noTextEdit="1"/>
+                </p:cNvSpPr>
+                <p:nvPr/>
+              </p:nvSpPr>
+              <p:spPr>
+                <a:xfrm>
+                  <a:off x="5798210" y="5144713"/>
+                  <a:ext cx="461344" cy="215444"/>
+                </a:xfrm>
+                <a:prstGeom prst="rect">
+                  <a:avLst/>
+                </a:prstGeom>
+                <a:blipFill>
+                  <a:blip r:embed="rId17"/>
+                  <a:stretch>
+                    <a:fillRect/>
+                  </a:stretch>
+                </a:blipFill>
+              </p:spPr>
+              <p:txBody>
+                <a:bodyPr/>
+                <a:lstStyle/>
+                <a:p>
+                  <a:r>
+                    <a:rPr lang="en-US">
+                      <a:noFill/>
+                    </a:rPr>
+                    <a:t> </a:t>
+                  </a:r>
+                </a:p>
+              </p:txBody>
+            </p:sp>
+          </mc:Fallback>
+        </mc:AlternateContent>
+      </p:grpSp>
+      <mc:AlternateContent xmlns:mc="http://schemas.openxmlformats.org/markup-compatibility/2006">
+        <mc:Choice xmlns:a14="http://schemas.microsoft.com/office/drawing/2010/main" Requires="a14">
+          <p:sp>
+            <p:nvSpPr>
+              <p:cNvPr id="134" name="TextBox 133">
+                <a:extLst>
+                  <a:ext uri="{FF2B5EF4-FFF2-40B4-BE49-F238E27FC236}">
+                    <a16:creationId xmlns:a16="http://schemas.microsoft.com/office/drawing/2014/main" id="{EB07051E-F8BE-8123-47C4-E383BBA105F4}"/>
+                  </a:ext>
+                </a:extLst>
+              </p:cNvPr>
+              <p:cNvSpPr txBox="1"/>
+              <p:nvPr/>
+            </p:nvSpPr>
+            <p:spPr>
+              <a:xfrm>
+                <a:off x="4535642" y="7350430"/>
+                <a:ext cx="1180964" cy="261610"/>
+              </a:xfrm>
+              <a:prstGeom prst="rect">
+                <a:avLst/>
+              </a:prstGeom>
+              <a:noFill/>
+            </p:spPr>
+            <p:txBody>
+              <a:bodyPr wrap="none" rtlCol="0">
+                <a:spAutoFit/>
+              </a:bodyPr>
+              <a:lstStyle/>
+              <a:p>
+                <a:r>
+                  <a:rPr lang="en-US" sz="1050" dirty="0">
+                    <a:latin typeface="Times New Roman" panose="02020603050405020304" pitchFamily="18" charset="0"/>
+                    <a:cs typeface="Times New Roman" panose="02020603050405020304" pitchFamily="18" charset="0"/>
+                  </a:rPr>
+                  <a:t>Fractal depth </a:t>
+                </a:r>
+                <a14:m>
+                  <m:oMath xmlns:m="http://schemas.openxmlformats.org/officeDocument/2006/math">
+                    <m:r>
+                      <a:rPr lang="en-US" sz="1050" b="0" i="0" smtClean="0">
+                        <a:latin typeface="Cambria Math" panose="02040503050406030204" pitchFamily="18" charset="0"/>
+                        <a:cs typeface="Times New Roman" panose="02020603050405020304" pitchFamily="18" charset="0"/>
+                      </a:rPr>
+                      <m:t>(</m:t>
+                    </m:r>
+                    <m:r>
+                      <a:rPr lang="en-US" sz="1050" b="0" i="1" smtClean="0">
+                        <a:latin typeface="Cambria Math" panose="02040503050406030204" pitchFamily="18" charset="0"/>
+                        <a:cs typeface="Times New Roman" panose="02020603050405020304" pitchFamily="18" charset="0"/>
+                      </a:rPr>
+                      <m:t>𝑛</m:t>
+                    </m:r>
+                  </m:oMath>
+                </a14:m>
+                <a:r>
+                  <a:rPr lang="en-US" sz="1050" dirty="0">
+                    <a:latin typeface="Times New Roman" panose="02020603050405020304" pitchFamily="18" charset="0"/>
+                    <a:cs typeface="Times New Roman" panose="02020603050405020304" pitchFamily="18" charset="0"/>
+                  </a:rPr>
+                  <a:t>) </a:t>
+                </a:r>
+              </a:p>
+            </p:txBody>
+          </p:sp>
+        </mc:Choice>
+        <mc:Fallback>
+          <p:sp>
+            <p:nvSpPr>
+              <p:cNvPr id="134" name="TextBox 133">
+                <a:extLst>
+                  <a:ext uri="{FF2B5EF4-FFF2-40B4-BE49-F238E27FC236}">
+                    <a16:creationId xmlns:a16="http://schemas.microsoft.com/office/drawing/2014/main" id="{EB07051E-F8BE-8123-47C4-E383BBA105F4}"/>
+                  </a:ext>
+                </a:extLst>
+              </p:cNvPr>
+              <p:cNvSpPr txBox="1">
+                <a:spLocks noRot="1" noChangeAspect="1" noMove="1" noResize="1" noEditPoints="1" noAdjustHandles="1" noChangeArrowheads="1" noChangeShapeType="1" noTextEdit="1"/>
+              </p:cNvSpPr>
+              <p:nvPr/>
+            </p:nvSpPr>
+            <p:spPr>
+              <a:xfrm>
+                <a:off x="4535642" y="7350430"/>
+                <a:ext cx="1180964" cy="261610"/>
+              </a:xfrm>
+              <a:prstGeom prst="rect">
+                <a:avLst/>
+              </a:prstGeom>
+              <a:blipFill>
+                <a:blip r:embed="rId18"/>
+                <a:stretch>
+                  <a:fillRect b="-9302"/>
+                </a:stretch>
+              </a:blipFill>
+            </p:spPr>
+            <p:txBody>
+              <a:bodyPr/>
+              <a:lstStyle/>
+              <a:p>
+                <a:r>
+                  <a:rPr lang="en-US">
+                    <a:noFill/>
+                  </a:rPr>
+                  <a:t> </a:t>
+                </a:r>
+              </a:p>
+            </p:txBody>
+          </p:sp>
+        </mc:Fallback>
+      </mc:AlternateContent>
+      <mc:AlternateContent xmlns:mc="http://schemas.openxmlformats.org/markup-compatibility/2006">
+        <mc:Choice xmlns:a14="http://schemas.microsoft.com/office/drawing/2010/main" Requires="a14">
+          <p:sp>
+            <p:nvSpPr>
+              <p:cNvPr id="135" name="TextBox 134">
+                <a:extLst>
+                  <a:ext uri="{FF2B5EF4-FFF2-40B4-BE49-F238E27FC236}">
+                    <a16:creationId xmlns:a16="http://schemas.microsoft.com/office/drawing/2014/main" id="{BD63D766-C1D7-B097-D2AD-83F7E474C3BD}"/>
+                  </a:ext>
+                </a:extLst>
+              </p:cNvPr>
+              <p:cNvSpPr txBox="1"/>
+              <p:nvPr/>
+            </p:nvSpPr>
+            <p:spPr>
+              <a:xfrm rot="16200000">
+                <a:off x="3146862" y="6304607"/>
+                <a:ext cx="1417311" cy="161583"/>
+              </a:xfrm>
+              <a:prstGeom prst="rect">
+                <a:avLst/>
+              </a:prstGeom>
+              <a:noFill/>
+            </p:spPr>
+            <p:txBody>
+              <a:bodyPr wrap="none" lIns="0" tIns="0" rIns="0" bIns="0" rtlCol="0">
+                <a:spAutoFit/>
+              </a:bodyPr>
+              <a:lstStyle/>
+              <a:p>
+                <a:pPr/>
+                <a:r>
+                  <a:rPr lang="en-US" sz="1050" b="0" dirty="0">
+                    <a:latin typeface="Times New Roman" panose="02020603050405020304" pitchFamily="18" charset="0"/>
+                    <a:cs typeface="Times New Roman" panose="02020603050405020304" pitchFamily="18" charset="0"/>
+                  </a:rPr>
+                  <a:t>Relative curvature (</a:t>
+                </a:r>
+                <a14:m>
+                  <m:oMath xmlns:m="http://schemas.openxmlformats.org/officeDocument/2006/math">
+                    <m:sSub>
+                      <m:sSubPr>
+                        <m:ctrlPr>
+                          <a:rPr lang="en-US" sz="1050" b="0" i="1" smtClean="0">
+                            <a:latin typeface="Cambria Math" panose="02040503050406030204" pitchFamily="18" charset="0"/>
+                          </a:rPr>
+                        </m:ctrlPr>
+                      </m:sSubPr>
+                      <m:e>
+                        <m:r>
+                          <a:rPr lang="en-US" sz="1050" b="0" i="1" smtClean="0">
+                            <a:latin typeface="Cambria Math" panose="02040503050406030204" pitchFamily="18" charset="0"/>
+                          </a:rPr>
+                          <m:t>𝑤</m:t>
+                        </m:r>
+                      </m:e>
+                      <m:sub>
+                        <m:r>
+                          <a:rPr lang="en-US" sz="1050" b="0" i="1" smtClean="0">
+                            <a:latin typeface="Cambria Math" panose="02040503050406030204" pitchFamily="18" charset="0"/>
+                          </a:rPr>
+                          <m:t>0</m:t>
+                        </m:r>
+                      </m:sub>
+                    </m:sSub>
+                    <m:r>
+                      <a:rPr lang="en-US" sz="1050" b="0" i="1" smtClean="0">
+                        <a:latin typeface="Cambria Math" panose="02040503050406030204" pitchFamily="18" charset="0"/>
+                      </a:rPr>
+                      <m:t>/</m:t>
+                    </m:r>
+                    <m:r>
+                      <a:rPr lang="en-US" sz="1050" b="0" i="1" smtClean="0">
+                        <a:latin typeface="Cambria Math" panose="02040503050406030204" pitchFamily="18" charset="0"/>
+                      </a:rPr>
+                      <m:t>𝑅</m:t>
+                    </m:r>
+                  </m:oMath>
+                </a14:m>
+                <a:r>
+                  <a:rPr lang="en-US" sz="1050" i="1" dirty="0"/>
+                  <a:t>)</a:t>
+                </a:r>
+              </a:p>
+            </p:txBody>
+          </p:sp>
+        </mc:Choice>
+        <mc:Fallback>
+          <p:sp>
+            <p:nvSpPr>
+              <p:cNvPr id="135" name="TextBox 134">
+                <a:extLst>
+                  <a:ext uri="{FF2B5EF4-FFF2-40B4-BE49-F238E27FC236}">
+                    <a16:creationId xmlns:a16="http://schemas.microsoft.com/office/drawing/2014/main" id="{BD63D766-C1D7-B097-D2AD-83F7E474C3BD}"/>
+                  </a:ext>
+                </a:extLst>
+              </p:cNvPr>
+              <p:cNvSpPr txBox="1">
+                <a:spLocks noRot="1" noChangeAspect="1" noMove="1" noResize="1" noEditPoints="1" noAdjustHandles="1" noChangeArrowheads="1" noChangeShapeType="1" noTextEdit="1"/>
+              </p:cNvSpPr>
+              <p:nvPr/>
+            </p:nvSpPr>
+            <p:spPr>
+              <a:xfrm rot="16200000">
+                <a:off x="3146862" y="6304607"/>
+                <a:ext cx="1417311" cy="161583"/>
+              </a:xfrm>
+              <a:prstGeom prst="rect">
+                <a:avLst/>
+              </a:prstGeom>
+              <a:blipFill>
+                <a:blip r:embed="rId19"/>
+                <a:stretch>
+                  <a:fillRect l="-25926" t="-5150" r="-51852" b="-5579"/>
+                </a:stretch>
+              </a:blipFill>
+            </p:spPr>
+            <p:txBody>
+              <a:bodyPr/>
+              <a:lstStyle/>
+              <a:p>
+                <a:r>
+                  <a:rPr lang="en-US">
+                    <a:noFill/>
+                  </a:rPr>
+                  <a:t> </a:t>
+                </a:r>
+              </a:p>
+            </p:txBody>
+          </p:sp>
+        </mc:Fallback>
+      </mc:AlternateContent>
+      <mc:AlternateContent xmlns:mc="http://schemas.openxmlformats.org/markup-compatibility/2006">
+        <mc:Choice xmlns:a14="http://schemas.microsoft.com/office/drawing/2010/main" Requires="a14">
+          <p:sp>
+            <p:nvSpPr>
+              <p:cNvPr id="137" name="TextBox 136">
+                <a:extLst>
+                  <a:ext uri="{FF2B5EF4-FFF2-40B4-BE49-F238E27FC236}">
+                    <a16:creationId xmlns:a16="http://schemas.microsoft.com/office/drawing/2014/main" id="{E89D8568-4076-508A-649B-6F6763D288EF}"/>
+                  </a:ext>
+                </a:extLst>
+              </p:cNvPr>
+              <p:cNvSpPr txBox="1"/>
+              <p:nvPr/>
+            </p:nvSpPr>
+            <p:spPr>
+              <a:xfrm>
+                <a:off x="3774726" y="5400572"/>
+                <a:ext cx="3006192" cy="246221"/>
+              </a:xfrm>
+              <a:prstGeom prst="rect">
+                <a:avLst/>
+              </a:prstGeom>
+              <a:noFill/>
+            </p:spPr>
+            <p:txBody>
+              <a:bodyPr wrap="square" rtlCol="0">
+                <a:spAutoFit/>
+              </a:bodyPr>
+              <a:lstStyle/>
+              <a:p>
+                <a:r>
+                  <a:rPr lang="en-US" sz="1000" dirty="0">
+                    <a:latin typeface="Times New Roman" panose="02020603050405020304" pitchFamily="18" charset="0"/>
+                    <a:cs typeface="Times New Roman" panose="02020603050405020304" pitchFamily="18" charset="0"/>
+                  </a:rPr>
+                  <a:t>Grasp curvature vs fractal depth </a:t>
+                </a:r>
+                <a14:m>
+                  <m:oMath xmlns:m="http://schemas.openxmlformats.org/officeDocument/2006/math">
+                    <m:r>
+                      <a:rPr lang="en-US" sz="1000" b="0" i="0" dirty="0" smtClean="0">
+                        <a:latin typeface="Cambria Math" panose="02040503050406030204" pitchFamily="18" charset="0"/>
+                        <a:cs typeface="Times New Roman" panose="02020603050405020304" pitchFamily="18" charset="0"/>
+                      </a:rPr>
+                      <m:t>(</m:t>
+                    </m:r>
+                    <m:r>
+                      <a:rPr lang="en-US" sz="1000" b="0" i="1" dirty="0" smtClean="0">
+                        <a:latin typeface="Cambria Math" panose="02040503050406030204" pitchFamily="18" charset="0"/>
+                        <a:cs typeface="Times New Roman" panose="02020603050405020304" pitchFamily="18" charset="0"/>
+                      </a:rPr>
+                      <m:t>𝜖</m:t>
+                    </m:r>
+                    <m:r>
+                      <a:rPr lang="en-US" sz="1000" b="0" i="1" dirty="0" smtClean="0">
+                        <a:latin typeface="Cambria Math" panose="02040503050406030204" pitchFamily="18" charset="0"/>
+                        <a:cs typeface="Times New Roman" panose="02020603050405020304" pitchFamily="18" charset="0"/>
+                      </a:rPr>
+                      <m:t>=</m:t>
+                    </m:r>
+                    <m:sSup>
+                      <m:sSupPr>
+                        <m:ctrlPr>
+                          <a:rPr lang="en-US" sz="1000" b="0" i="1" dirty="0" smtClean="0">
+                            <a:latin typeface="Cambria Math" panose="02040503050406030204" pitchFamily="18" charset="0"/>
+                            <a:cs typeface="Times New Roman" panose="02020603050405020304" pitchFamily="18" charset="0"/>
+                          </a:rPr>
+                        </m:ctrlPr>
+                      </m:sSupPr>
+                      <m:e>
+                        <m:r>
+                          <a:rPr lang="en-US" sz="1000" b="0" i="1" dirty="0" smtClean="0">
+                            <a:latin typeface="Cambria Math" panose="02040503050406030204" pitchFamily="18" charset="0"/>
+                            <a:cs typeface="Times New Roman" panose="02020603050405020304" pitchFamily="18" charset="0"/>
+                          </a:rPr>
+                          <m:t>10</m:t>
+                        </m:r>
+                      </m:e>
+                      <m:sup>
+                        <m:r>
+                          <a:rPr lang="en-US" sz="1000" b="0" i="1" dirty="0" smtClean="0">
+                            <a:latin typeface="Cambria Math" panose="02040503050406030204" pitchFamily="18" charset="0"/>
+                            <a:cs typeface="Times New Roman" panose="02020603050405020304" pitchFamily="18" charset="0"/>
+                          </a:rPr>
+                          <m:t>−2</m:t>
+                        </m:r>
+                      </m:sup>
+                    </m:sSup>
+                    <m:r>
+                      <a:rPr lang="en-US" sz="1000" b="0" i="1" dirty="0" smtClean="0">
+                        <a:latin typeface="Cambria Math" panose="02040503050406030204" pitchFamily="18" charset="0"/>
+                        <a:cs typeface="Times New Roman" panose="02020603050405020304" pitchFamily="18" charset="0"/>
+                      </a:rPr>
+                      <m:t>, </m:t>
+                    </m:r>
+                    <m:sSub>
+                      <m:sSubPr>
+                        <m:ctrlPr>
+                          <a:rPr lang="en-US" sz="1000" b="0" i="1" dirty="0" smtClean="0">
+                            <a:latin typeface="Cambria Math" panose="02040503050406030204" pitchFamily="18" charset="0"/>
+                            <a:cs typeface="Times New Roman" panose="02020603050405020304" pitchFamily="18" charset="0"/>
+                          </a:rPr>
+                        </m:ctrlPr>
+                      </m:sSubPr>
+                      <m:e>
+                        <m:r>
+                          <a:rPr lang="en-US" sz="1000" b="0" i="1" dirty="0" smtClean="0">
+                            <a:latin typeface="Cambria Math" panose="02040503050406030204" pitchFamily="18" charset="0"/>
+                            <a:cs typeface="Times New Roman" panose="02020603050405020304" pitchFamily="18" charset="0"/>
+                          </a:rPr>
+                          <m:t>𝑠</m:t>
+                        </m:r>
+                      </m:e>
+                      <m:sub>
+                        <m:r>
+                          <a:rPr lang="en-US" sz="1000" b="0" i="1" dirty="0" smtClean="0">
+                            <a:latin typeface="Cambria Math" panose="02040503050406030204" pitchFamily="18" charset="0"/>
+                            <a:cs typeface="Times New Roman" panose="02020603050405020304" pitchFamily="18" charset="0"/>
+                          </a:rPr>
+                          <m:t>𝐶</m:t>
+                        </m:r>
+                      </m:sub>
+                    </m:sSub>
+                    <m:r>
+                      <a:rPr lang="en-US" sz="1000" b="0" i="1" dirty="0" smtClean="0">
+                        <a:latin typeface="Cambria Math" panose="02040503050406030204" pitchFamily="18" charset="0"/>
+                        <a:cs typeface="Times New Roman" panose="02020603050405020304" pitchFamily="18" charset="0"/>
+                      </a:rPr>
+                      <m:t>=0.5)</m:t>
+                    </m:r>
+                  </m:oMath>
+                </a14:m>
+                <a:endParaRPr lang="en-US" sz="1000" dirty="0">
+                  <a:latin typeface="Times New Roman" panose="02020603050405020304" pitchFamily="18" charset="0"/>
+                  <a:cs typeface="Times New Roman" panose="02020603050405020304" pitchFamily="18" charset="0"/>
+                </a:endParaRPr>
+              </a:p>
+            </p:txBody>
+          </p:sp>
+        </mc:Choice>
+        <mc:Fallback>
+          <p:sp>
+            <p:nvSpPr>
+              <p:cNvPr id="137" name="TextBox 136">
+                <a:extLst>
+                  <a:ext uri="{FF2B5EF4-FFF2-40B4-BE49-F238E27FC236}">
+                    <a16:creationId xmlns:a16="http://schemas.microsoft.com/office/drawing/2014/main" id="{E89D8568-4076-508A-649B-6F6763D288EF}"/>
+                  </a:ext>
+                </a:extLst>
+              </p:cNvPr>
+              <p:cNvSpPr txBox="1">
+                <a:spLocks noRot="1" noChangeAspect="1" noMove="1" noResize="1" noEditPoints="1" noAdjustHandles="1" noChangeArrowheads="1" noChangeShapeType="1" noTextEdit="1"/>
+              </p:cNvSpPr>
+              <p:nvPr/>
+            </p:nvSpPr>
+            <p:spPr>
+              <a:xfrm>
+                <a:off x="3774726" y="5400572"/>
+                <a:ext cx="3006192" cy="246221"/>
+              </a:xfrm>
+              <a:prstGeom prst="rect">
+                <a:avLst/>
+              </a:prstGeom>
+              <a:blipFill>
+                <a:blip r:embed="rId20"/>
+                <a:stretch>
+                  <a:fillRect b="-12500"/>
+                </a:stretch>
+              </a:blipFill>
+            </p:spPr>
+            <p:txBody>
+              <a:bodyPr/>
+              <a:lstStyle/>
+              <a:p>
+                <a:r>
+                  <a:rPr lang="en-US">
+                    <a:noFill/>
+                  </a:rPr>
+                  <a:t> </a:t>
+                </a:r>
+              </a:p>
+            </p:txBody>
+          </p:sp>
+        </mc:Fallback>
+      </mc:AlternateContent>
+      <mc:AlternateContent xmlns:mc="http://schemas.openxmlformats.org/markup-compatibility/2006">
+        <mc:Choice xmlns:a14="http://schemas.microsoft.com/office/drawing/2010/main" Requires="a14">
+          <p:sp>
+            <p:nvSpPr>
+              <p:cNvPr id="141" name="TextBox 140">
+                <a:extLst>
+                  <a:ext uri="{FF2B5EF4-FFF2-40B4-BE49-F238E27FC236}">
+                    <a16:creationId xmlns:a16="http://schemas.microsoft.com/office/drawing/2014/main" id="{44BDD289-F7B5-3CF1-FCAB-3D06A7291C0F}"/>
+                  </a:ext>
+                </a:extLst>
+              </p:cNvPr>
+              <p:cNvSpPr txBox="1"/>
+              <p:nvPr/>
+            </p:nvSpPr>
+            <p:spPr>
+              <a:xfrm>
+                <a:off x="4526011" y="4876891"/>
+                <a:ext cx="466486" cy="123111"/>
+              </a:xfrm>
+              <a:prstGeom prst="rect">
+                <a:avLst/>
+              </a:prstGeom>
+              <a:noFill/>
+            </p:spPr>
+            <p:txBody>
+              <a:bodyPr wrap="square" lIns="0" tIns="0" rIns="0" bIns="0" rtlCol="0">
+                <a:spAutoFit/>
+              </a:bodyPr>
+              <a:lstStyle/>
+              <a:p>
+                <a:pPr/>
+                <a14:m>
+                  <m:oMathPara xmlns:m="http://schemas.openxmlformats.org/officeDocument/2006/math">
+                    <m:oMathParaPr>
+                      <m:jc m:val="centerGroup"/>
+                    </m:oMathParaPr>
+                    <m:oMath xmlns:m="http://schemas.openxmlformats.org/officeDocument/2006/math">
+                      <m:sSub>
+                        <m:sSubPr>
+                          <m:ctrlPr>
+                            <a:rPr lang="en-US" sz="800" b="0" i="1" smtClean="0">
+                              <a:latin typeface="Cambria Math" panose="02040503050406030204" pitchFamily="18" charset="0"/>
+                            </a:rPr>
+                          </m:ctrlPr>
+                        </m:sSubPr>
+                        <m:e>
+                          <m:r>
+                            <a:rPr lang="en-US" sz="800" b="0" i="1" smtClean="0">
+                              <a:latin typeface="Cambria Math" panose="02040503050406030204" pitchFamily="18" charset="0"/>
+                            </a:rPr>
+                            <m:t>h</m:t>
+                          </m:r>
+                        </m:e>
+                        <m:sub>
+                          <m:r>
+                            <a:rPr lang="en-US" sz="800" b="0" i="1" smtClean="0">
+                              <a:latin typeface="Cambria Math" panose="02040503050406030204" pitchFamily="18" charset="0"/>
+                            </a:rPr>
+                            <m:t>𝑛</m:t>
+                          </m:r>
+                        </m:sub>
+                      </m:sSub>
+                    </m:oMath>
+                  </m:oMathPara>
+                </a14:m>
+                <a:endParaRPr lang="en-US" sz="900" dirty="0"/>
+              </a:p>
+            </p:txBody>
+          </p:sp>
+        </mc:Choice>
+        <mc:Fallback>
+          <p:sp>
+            <p:nvSpPr>
+              <p:cNvPr id="141" name="TextBox 140">
+                <a:extLst>
+                  <a:ext uri="{FF2B5EF4-FFF2-40B4-BE49-F238E27FC236}">
+                    <a16:creationId xmlns:a16="http://schemas.microsoft.com/office/drawing/2014/main" id="{44BDD289-F7B5-3CF1-FCAB-3D06A7291C0F}"/>
+                  </a:ext>
+                </a:extLst>
+              </p:cNvPr>
+              <p:cNvSpPr txBox="1">
+                <a:spLocks noRot="1" noChangeAspect="1" noMove="1" noResize="1" noEditPoints="1" noAdjustHandles="1" noChangeArrowheads="1" noChangeShapeType="1" noTextEdit="1"/>
+              </p:cNvSpPr>
+              <p:nvPr/>
+            </p:nvSpPr>
+            <p:spPr>
+              <a:xfrm>
+                <a:off x="4526011" y="4876891"/>
+                <a:ext cx="466486" cy="123111"/>
+              </a:xfrm>
+              <a:prstGeom prst="rect">
+                <a:avLst/>
+              </a:prstGeom>
+              <a:blipFill>
+                <a:blip r:embed="rId21"/>
+                <a:stretch>
+                  <a:fillRect b="-20000"/>
+                </a:stretch>
+              </a:blipFill>
+            </p:spPr>
+            <p:txBody>
+              <a:bodyPr/>
+              <a:lstStyle/>
+              <a:p>
+                <a:r>
+                  <a:rPr lang="en-US">
+                    <a:noFill/>
+                  </a:rPr>
+                  <a:t> </a:t>
+                </a:r>
+              </a:p>
+            </p:txBody>
+          </p:sp>
+        </mc:Fallback>
+      </mc:AlternateContent>
+      <p:grpSp>
+        <p:nvGrpSpPr>
+          <p:cNvPr id="146" name="Group 145">
+            <a:extLst>
+              <a:ext uri="{FF2B5EF4-FFF2-40B4-BE49-F238E27FC236}">
+                <a16:creationId xmlns:a16="http://schemas.microsoft.com/office/drawing/2014/main" id="{977AC5F2-D8F2-09EC-E05A-A6C06BB62910}"/>
+              </a:ext>
+            </a:extLst>
+          </p:cNvPr>
+          <p:cNvGrpSpPr/>
+          <p:nvPr/>
+        </p:nvGrpSpPr>
+        <p:grpSpPr>
+          <a:xfrm rot="3014824">
+            <a:off x="4733416" y="4888873"/>
+            <a:ext cx="179405" cy="50320"/>
+            <a:chOff x="4743895" y="4805313"/>
+            <a:chExt cx="179405" cy="50320"/>
+          </a:xfrm>
+        </p:grpSpPr>
+        <p:cxnSp>
+          <p:nvCxnSpPr>
+            <p:cNvPr id="138" name="Straight Connector 137">
+              <a:extLst>
+                <a:ext uri="{FF2B5EF4-FFF2-40B4-BE49-F238E27FC236}">
+                  <a16:creationId xmlns:a16="http://schemas.microsoft.com/office/drawing/2014/main" id="{843A1C26-6E9F-8671-84C6-D19F3B2E81F7}"/>
+                </a:ext>
+              </a:extLst>
+            </p:cNvPr>
+            <p:cNvCxnSpPr>
+              <a:cxnSpLocks/>
+            </p:cNvCxnSpPr>
+            <p:nvPr/>
+          </p:nvCxnSpPr>
+          <p:spPr>
+            <a:xfrm>
+              <a:off x="4746051" y="4830920"/>
+              <a:ext cx="177249" cy="0"/>
+            </a:xfrm>
+            <a:prstGeom prst="line">
+              <a:avLst/>
+            </a:prstGeom>
+            <a:ln w="9525">
+              <a:solidFill>
+                <a:schemeClr val="tx1"/>
+              </a:solidFill>
+              <a:prstDash val="sysDot"/>
+            </a:ln>
+          </p:spPr>
+          <p:style>
+            <a:lnRef idx="1">
+              <a:schemeClr val="accent1"/>
+            </a:lnRef>
+            <a:fillRef idx="0">
+              <a:schemeClr val="accent1"/>
+            </a:fillRef>
+            <a:effectRef idx="0">
+              <a:schemeClr val="accent1"/>
+            </a:effectRef>
+            <a:fontRef idx="minor">
+              <a:schemeClr val="tx1"/>
+            </a:fontRef>
+          </p:style>
+        </p:cxnSp>
+        <p:cxnSp>
+          <p:nvCxnSpPr>
+            <p:cNvPr id="142" name="Straight Connector 141">
+              <a:extLst>
+                <a:ext uri="{FF2B5EF4-FFF2-40B4-BE49-F238E27FC236}">
+                  <a16:creationId xmlns:a16="http://schemas.microsoft.com/office/drawing/2014/main" id="{142D03F6-A01B-F3F7-B073-AF89F00BC8CC}"/>
+                </a:ext>
+              </a:extLst>
+            </p:cNvPr>
+            <p:cNvCxnSpPr>
+              <a:cxnSpLocks/>
+            </p:cNvCxnSpPr>
+            <p:nvPr/>
+          </p:nvCxnSpPr>
+          <p:spPr>
+            <a:xfrm flipV="1">
+              <a:off x="4743895" y="4805313"/>
+              <a:ext cx="0" cy="48761"/>
+            </a:xfrm>
+            <a:prstGeom prst="line">
+              <a:avLst/>
+            </a:prstGeom>
+            <a:ln w="12700">
+              <a:solidFill>
+                <a:schemeClr val="tx1"/>
+              </a:solidFill>
+            </a:ln>
+          </p:spPr>
+          <p:style>
+            <a:lnRef idx="1">
+              <a:schemeClr val="accent1"/>
+            </a:lnRef>
+            <a:fillRef idx="0">
+              <a:schemeClr val="accent1"/>
+            </a:fillRef>
+            <a:effectRef idx="0">
+              <a:schemeClr val="accent1"/>
+            </a:effectRef>
+            <a:fontRef idx="minor">
+              <a:schemeClr val="tx1"/>
+            </a:fontRef>
+          </p:style>
+        </p:cxnSp>
+        <p:cxnSp>
+          <p:nvCxnSpPr>
+            <p:cNvPr id="145" name="Straight Connector 144">
+              <a:extLst>
+                <a:ext uri="{FF2B5EF4-FFF2-40B4-BE49-F238E27FC236}">
+                  <a16:creationId xmlns:a16="http://schemas.microsoft.com/office/drawing/2014/main" id="{595DE251-8E69-CAFB-143E-02A9933B17FA}"/>
+                </a:ext>
+              </a:extLst>
+            </p:cNvPr>
+            <p:cNvCxnSpPr>
+              <a:cxnSpLocks/>
+            </p:cNvCxnSpPr>
+            <p:nvPr/>
+          </p:nvCxnSpPr>
+          <p:spPr>
+            <a:xfrm flipV="1">
+              <a:off x="4917284" y="4806872"/>
+              <a:ext cx="0" cy="48761"/>
+            </a:xfrm>
+            <a:prstGeom prst="line">
+              <a:avLst/>
+            </a:prstGeom>
+            <a:ln w="12700">
+              <a:solidFill>
+                <a:schemeClr val="tx1"/>
+              </a:solidFill>
+            </a:ln>
+          </p:spPr>
+          <p:style>
+            <a:lnRef idx="1">
+              <a:schemeClr val="accent1"/>
+            </a:lnRef>
+            <a:fillRef idx="0">
+              <a:schemeClr val="accent1"/>
+            </a:fillRef>
+            <a:effectRef idx="0">
+              <a:schemeClr val="accent1"/>
+            </a:effectRef>
+            <a:fontRef idx="minor">
+              <a:schemeClr val="tx1"/>
+            </a:fontRef>
+          </p:style>
+        </p:cxnSp>
+      </p:grpSp>
+      <p:grpSp>
+        <p:nvGrpSpPr>
+          <p:cNvPr id="150" name="Group 149">
+            <a:extLst>
+              <a:ext uri="{FF2B5EF4-FFF2-40B4-BE49-F238E27FC236}">
+                <a16:creationId xmlns:a16="http://schemas.microsoft.com/office/drawing/2014/main" id="{D1A45CC2-1910-70CD-8121-339A805FB2E0}"/>
+              </a:ext>
+            </a:extLst>
+          </p:cNvPr>
+          <p:cNvGrpSpPr/>
+          <p:nvPr/>
+        </p:nvGrpSpPr>
+        <p:grpSpPr>
+          <a:xfrm>
+            <a:off x="6033636" y="6248425"/>
+            <a:ext cx="518119" cy="365760"/>
+            <a:chOff x="6259871" y="5675033"/>
+            <a:chExt cx="518119" cy="365760"/>
+          </a:xfrm>
+        </p:grpSpPr>
+        <p:sp>
+          <p:nvSpPr>
+            <p:cNvPr id="136" name="Arc 135">
+              <a:extLst>
+                <a:ext uri="{FF2B5EF4-FFF2-40B4-BE49-F238E27FC236}">
+                  <a16:creationId xmlns:a16="http://schemas.microsoft.com/office/drawing/2014/main" id="{04449232-66BE-EF0B-BABC-5A0704A3F7C9}"/>
+                </a:ext>
+              </a:extLst>
+            </p:cNvPr>
+            <p:cNvSpPr/>
+            <p:nvPr/>
+          </p:nvSpPr>
+          <p:spPr>
+            <a:xfrm>
+              <a:off x="6334848" y="5675033"/>
+              <a:ext cx="365760" cy="365760"/>
+            </a:xfrm>
+            <a:prstGeom prst="arc">
+              <a:avLst>
+                <a:gd name="adj1" fmla="val 10800758"/>
+                <a:gd name="adj2" fmla="val 6478"/>
+              </a:avLst>
+            </a:prstGeom>
+            <a:ln w="12700">
+              <a:solidFill>
+                <a:schemeClr val="tx1"/>
+              </a:solidFill>
+            </a:ln>
+          </p:spPr>
+          <p:style>
+            <a:lnRef idx="1">
+              <a:schemeClr val="accent1"/>
+            </a:lnRef>
+            <a:fillRef idx="0">
+              <a:schemeClr val="accent1"/>
+            </a:fillRef>
+            <a:effectRef idx="0">
+              <a:schemeClr val="accent1"/>
+            </a:effectRef>
+            <a:fontRef idx="minor">
+              <a:schemeClr val="tx1"/>
+            </a:fontRef>
+          </p:style>
+          <p:txBody>
+            <a:bodyPr rtlCol="0" anchor="ctr"/>
+            <a:lstStyle/>
+            <a:p>
+              <a:pPr algn="ctr"/>
+              <a:endParaRPr lang="en-US" dirty="0">
+                <a:ln w="19050">
+                  <a:solidFill>
+                    <a:schemeClr val="tx1"/>
+                  </a:solidFill>
+                </a:ln>
+              </a:endParaRPr>
+            </a:p>
+          </p:txBody>
+        </p:sp>
+        <p:sp>
+          <p:nvSpPr>
+            <p:cNvPr id="147" name="Arc 146">
+              <a:extLst>
+                <a:ext uri="{FF2B5EF4-FFF2-40B4-BE49-F238E27FC236}">
+                  <a16:creationId xmlns:a16="http://schemas.microsoft.com/office/drawing/2014/main" id="{F3B41142-F081-B341-BA81-EACFC2932649}"/>
+                </a:ext>
+              </a:extLst>
+            </p:cNvPr>
+            <p:cNvSpPr/>
+            <p:nvPr/>
+          </p:nvSpPr>
+          <p:spPr>
+            <a:xfrm flipH="1">
+              <a:off x="6259871" y="5857913"/>
+              <a:ext cx="182880" cy="182880"/>
+            </a:xfrm>
+            <a:prstGeom prst="arc">
+              <a:avLst>
+                <a:gd name="adj1" fmla="val 10800758"/>
+                <a:gd name="adj2" fmla="val 6478"/>
+              </a:avLst>
+            </a:prstGeom>
+            <a:ln w="12700">
+              <a:solidFill>
+                <a:schemeClr val="tx1"/>
+              </a:solidFill>
+            </a:ln>
+          </p:spPr>
+          <p:style>
+            <a:lnRef idx="1">
+              <a:schemeClr val="accent1"/>
+            </a:lnRef>
+            <a:fillRef idx="0">
+              <a:schemeClr val="accent1"/>
+            </a:fillRef>
+            <a:effectRef idx="0">
+              <a:schemeClr val="accent1"/>
+            </a:effectRef>
+            <a:fontRef idx="minor">
+              <a:schemeClr val="tx1"/>
+            </a:fontRef>
+          </p:style>
+          <p:txBody>
+            <a:bodyPr rtlCol="0" anchor="ctr"/>
+            <a:lstStyle/>
+            <a:p>
+              <a:pPr algn="ctr"/>
+              <a:endParaRPr lang="en-US" dirty="0">
+                <a:ln w="19050">
+                  <a:solidFill>
+                    <a:schemeClr val="tx1"/>
+                  </a:solidFill>
+                </a:ln>
+              </a:endParaRPr>
+            </a:p>
+          </p:txBody>
+        </p:sp>
+        <p:sp>
+          <p:nvSpPr>
+            <p:cNvPr id="148" name="Arc 147">
+              <a:extLst>
+                <a:ext uri="{FF2B5EF4-FFF2-40B4-BE49-F238E27FC236}">
+                  <a16:creationId xmlns:a16="http://schemas.microsoft.com/office/drawing/2014/main" id="{71A5D45A-1CF4-4315-6B81-6E654DDD8088}"/>
+                </a:ext>
+              </a:extLst>
+            </p:cNvPr>
+            <p:cNvSpPr/>
+            <p:nvPr/>
+          </p:nvSpPr>
+          <p:spPr>
+            <a:xfrm flipH="1">
+              <a:off x="6595110" y="5855093"/>
+              <a:ext cx="182880" cy="182880"/>
+            </a:xfrm>
+            <a:prstGeom prst="arc">
+              <a:avLst>
+                <a:gd name="adj1" fmla="val 10800758"/>
+                <a:gd name="adj2" fmla="val 6478"/>
+              </a:avLst>
+            </a:prstGeom>
+            <a:ln w="12700">
+              <a:solidFill>
+                <a:schemeClr val="tx1"/>
+              </a:solidFill>
+            </a:ln>
+          </p:spPr>
+          <p:style>
+            <a:lnRef idx="1">
+              <a:schemeClr val="accent1"/>
+            </a:lnRef>
+            <a:fillRef idx="0">
+              <a:schemeClr val="accent1"/>
+            </a:fillRef>
+            <a:effectRef idx="0">
+              <a:schemeClr val="accent1"/>
+            </a:effectRef>
+            <a:fontRef idx="minor">
+              <a:schemeClr val="tx1"/>
+            </a:fontRef>
+          </p:style>
+          <p:txBody>
+            <a:bodyPr rtlCol="0" anchor="ctr"/>
+            <a:lstStyle/>
+            <a:p>
+              <a:pPr algn="ctr"/>
+              <a:endParaRPr lang="en-US" dirty="0">
+                <a:ln w="19050">
+                  <a:solidFill>
+                    <a:schemeClr val="tx1"/>
+                  </a:solidFill>
+                </a:ln>
+              </a:endParaRPr>
+            </a:p>
+          </p:txBody>
+        </p:sp>
+      </p:grpSp>
+      <p:grpSp>
+        <p:nvGrpSpPr>
+          <p:cNvPr id="151" name="Group 150">
+            <a:extLst>
+              <a:ext uri="{FF2B5EF4-FFF2-40B4-BE49-F238E27FC236}">
+                <a16:creationId xmlns:a16="http://schemas.microsoft.com/office/drawing/2014/main" id="{76AB7549-70F6-E018-9E6F-BDF4369E2A9A}"/>
+              </a:ext>
+            </a:extLst>
+          </p:cNvPr>
+          <p:cNvGrpSpPr/>
+          <p:nvPr/>
+        </p:nvGrpSpPr>
+        <p:grpSpPr>
+          <a:xfrm>
+            <a:off x="6062673" y="5833672"/>
+            <a:ext cx="457639" cy="365760"/>
+            <a:chOff x="6290824" y="5675033"/>
+            <a:chExt cx="457639" cy="365760"/>
+          </a:xfrm>
+        </p:grpSpPr>
+        <p:sp>
+          <p:nvSpPr>
+            <p:cNvPr id="152" name="Arc 151">
+              <a:extLst>
+                <a:ext uri="{FF2B5EF4-FFF2-40B4-BE49-F238E27FC236}">
+                  <a16:creationId xmlns:a16="http://schemas.microsoft.com/office/drawing/2014/main" id="{FBBEC5CA-3CFC-A69B-D48C-50C60C521DD3}"/>
+                </a:ext>
+              </a:extLst>
+            </p:cNvPr>
+            <p:cNvSpPr/>
+            <p:nvPr/>
+          </p:nvSpPr>
+          <p:spPr>
+            <a:xfrm>
+              <a:off x="6334848" y="5675033"/>
+              <a:ext cx="365760" cy="365760"/>
+            </a:xfrm>
+            <a:prstGeom prst="arc">
+              <a:avLst>
+                <a:gd name="adj1" fmla="val 10800758"/>
+                <a:gd name="adj2" fmla="val 6478"/>
+              </a:avLst>
+            </a:prstGeom>
+            <a:ln w="12700">
+              <a:solidFill>
+                <a:schemeClr val="tx1"/>
+              </a:solidFill>
+            </a:ln>
+          </p:spPr>
+          <p:style>
+            <a:lnRef idx="1">
+              <a:schemeClr val="accent1"/>
+            </a:lnRef>
+            <a:fillRef idx="0">
+              <a:schemeClr val="accent1"/>
+            </a:fillRef>
+            <a:effectRef idx="0">
+              <a:schemeClr val="accent1"/>
+            </a:effectRef>
+            <a:fontRef idx="minor">
+              <a:schemeClr val="tx1"/>
+            </a:fontRef>
+          </p:style>
+          <p:txBody>
+            <a:bodyPr rtlCol="0" anchor="ctr"/>
+            <a:lstStyle/>
+            <a:p>
+              <a:pPr algn="ctr"/>
+              <a:endParaRPr lang="en-US" dirty="0">
+                <a:ln w="19050">
+                  <a:solidFill>
+                    <a:schemeClr val="tx1"/>
+                  </a:solidFill>
+                </a:ln>
+              </a:endParaRPr>
+            </a:p>
+          </p:txBody>
+        </p:sp>
+        <p:sp>
+          <p:nvSpPr>
+            <p:cNvPr id="153" name="Arc 152">
+              <a:extLst>
+                <a:ext uri="{FF2B5EF4-FFF2-40B4-BE49-F238E27FC236}">
+                  <a16:creationId xmlns:a16="http://schemas.microsoft.com/office/drawing/2014/main" id="{380C060B-F7BE-086D-8AF2-6A570E807371}"/>
+                </a:ext>
+              </a:extLst>
+            </p:cNvPr>
+            <p:cNvSpPr/>
+            <p:nvPr/>
+          </p:nvSpPr>
+          <p:spPr>
+            <a:xfrm flipH="1">
+              <a:off x="6290824" y="5857913"/>
+              <a:ext cx="91440" cy="91440"/>
+            </a:xfrm>
+            <a:prstGeom prst="arc">
+              <a:avLst>
+                <a:gd name="adj1" fmla="val 10800758"/>
+                <a:gd name="adj2" fmla="val 6478"/>
+              </a:avLst>
+            </a:prstGeom>
+            <a:ln w="12700">
+              <a:solidFill>
+                <a:schemeClr val="tx1"/>
+              </a:solidFill>
+            </a:ln>
+          </p:spPr>
+          <p:style>
+            <a:lnRef idx="1">
+              <a:schemeClr val="accent1"/>
+            </a:lnRef>
+            <a:fillRef idx="0">
+              <a:schemeClr val="accent1"/>
+            </a:fillRef>
+            <a:effectRef idx="0">
+              <a:schemeClr val="accent1"/>
+            </a:effectRef>
+            <a:fontRef idx="minor">
+              <a:schemeClr val="tx1"/>
+            </a:fontRef>
+          </p:style>
+          <p:txBody>
+            <a:bodyPr rtlCol="0" anchor="ctr"/>
+            <a:lstStyle/>
+            <a:p>
+              <a:pPr algn="ctr"/>
+              <a:endParaRPr lang="en-US" dirty="0">
+                <a:ln w="19050">
+                  <a:solidFill>
+                    <a:schemeClr val="tx1"/>
+                  </a:solidFill>
+                </a:ln>
+              </a:endParaRPr>
+            </a:p>
+          </p:txBody>
+        </p:sp>
+        <p:sp>
+          <p:nvSpPr>
+            <p:cNvPr id="154" name="Arc 153">
+              <a:extLst>
+                <a:ext uri="{FF2B5EF4-FFF2-40B4-BE49-F238E27FC236}">
+                  <a16:creationId xmlns:a16="http://schemas.microsoft.com/office/drawing/2014/main" id="{656A51D0-EBBA-FF1D-3F46-3B7D44AEE644}"/>
+                </a:ext>
+              </a:extLst>
+            </p:cNvPr>
+            <p:cNvSpPr/>
+            <p:nvPr/>
+          </p:nvSpPr>
+          <p:spPr>
+            <a:xfrm flipH="1">
+              <a:off x="6657023" y="5855093"/>
+              <a:ext cx="91440" cy="91440"/>
+            </a:xfrm>
+            <a:prstGeom prst="arc">
+              <a:avLst>
+                <a:gd name="adj1" fmla="val 10800758"/>
+                <a:gd name="adj2" fmla="val 6478"/>
+              </a:avLst>
+            </a:prstGeom>
+            <a:ln w="12700">
+              <a:solidFill>
+                <a:schemeClr val="tx1"/>
+              </a:solidFill>
+            </a:ln>
+          </p:spPr>
+          <p:style>
+            <a:lnRef idx="1">
+              <a:schemeClr val="accent1"/>
+            </a:lnRef>
+            <a:fillRef idx="0">
+              <a:schemeClr val="accent1"/>
+            </a:fillRef>
+            <a:effectRef idx="0">
+              <a:schemeClr val="accent1"/>
+            </a:effectRef>
+            <a:fontRef idx="minor">
+              <a:schemeClr val="tx1"/>
+            </a:fontRef>
+          </p:style>
+          <p:txBody>
+            <a:bodyPr rtlCol="0" anchor="ctr"/>
+            <a:lstStyle/>
+            <a:p>
+              <a:pPr algn="ctr"/>
+              <a:endParaRPr lang="en-US" dirty="0">
+                <a:ln w="19050">
+                  <a:solidFill>
+                    <a:schemeClr val="tx1"/>
+                  </a:solidFill>
+                </a:ln>
+              </a:endParaRPr>
+            </a:p>
+          </p:txBody>
+        </p:sp>
+      </p:grpSp>
+      <p:grpSp>
+        <p:nvGrpSpPr>
+          <p:cNvPr id="155" name="Group 154">
+            <a:extLst>
+              <a:ext uri="{FF2B5EF4-FFF2-40B4-BE49-F238E27FC236}">
+                <a16:creationId xmlns:a16="http://schemas.microsoft.com/office/drawing/2014/main" id="{154D38DF-A477-FDEC-E87B-1B1CE563441A}"/>
+              </a:ext>
+            </a:extLst>
+          </p:cNvPr>
+          <p:cNvGrpSpPr/>
+          <p:nvPr/>
+        </p:nvGrpSpPr>
+        <p:grpSpPr>
+          <a:xfrm>
+            <a:off x="5975617" y="6736233"/>
+            <a:ext cx="642884" cy="454380"/>
+            <a:chOff x="6200351" y="5675033"/>
+            <a:chExt cx="642884" cy="454380"/>
+          </a:xfrm>
+        </p:grpSpPr>
+        <p:sp>
+          <p:nvSpPr>
+            <p:cNvPr id="156" name="Arc 155">
+              <a:extLst>
+                <a:ext uri="{FF2B5EF4-FFF2-40B4-BE49-F238E27FC236}">
+                  <a16:creationId xmlns:a16="http://schemas.microsoft.com/office/drawing/2014/main" id="{26EF8259-3E18-333A-629A-C03FB794384D}"/>
+                </a:ext>
+              </a:extLst>
+            </p:cNvPr>
+            <p:cNvSpPr/>
+            <p:nvPr/>
+          </p:nvSpPr>
+          <p:spPr>
+            <a:xfrm>
+              <a:off x="6334848" y="5675033"/>
+              <a:ext cx="365760" cy="365760"/>
+            </a:xfrm>
+            <a:prstGeom prst="arc">
+              <a:avLst>
+                <a:gd name="adj1" fmla="val 10800758"/>
+                <a:gd name="adj2" fmla="val 6478"/>
+              </a:avLst>
+            </a:prstGeom>
+            <a:ln w="12700">
+              <a:solidFill>
+                <a:schemeClr val="tx1"/>
+              </a:solidFill>
+            </a:ln>
+          </p:spPr>
+          <p:style>
+            <a:lnRef idx="1">
+              <a:schemeClr val="accent1"/>
+            </a:lnRef>
+            <a:fillRef idx="0">
+              <a:schemeClr val="accent1"/>
+            </a:fillRef>
+            <a:effectRef idx="0">
+              <a:schemeClr val="accent1"/>
+            </a:effectRef>
+            <a:fontRef idx="minor">
+              <a:schemeClr val="tx1"/>
+            </a:fontRef>
+          </p:style>
+          <p:txBody>
+            <a:bodyPr rtlCol="0" anchor="ctr"/>
+            <a:lstStyle/>
+            <a:p>
+              <a:pPr algn="ctr"/>
+              <a:endParaRPr lang="en-US" dirty="0">
+                <a:ln w="19050">
+                  <a:solidFill>
+                    <a:schemeClr val="tx1"/>
+                  </a:solidFill>
+                </a:ln>
+              </a:endParaRPr>
+            </a:p>
+          </p:txBody>
+        </p:sp>
+        <p:sp>
+          <p:nvSpPr>
+            <p:cNvPr id="157" name="Arc 156">
+              <a:extLst>
+                <a:ext uri="{FF2B5EF4-FFF2-40B4-BE49-F238E27FC236}">
+                  <a16:creationId xmlns:a16="http://schemas.microsoft.com/office/drawing/2014/main" id="{F7349210-F4E3-254B-52F9-6EFA31CBD623}"/>
+                </a:ext>
+              </a:extLst>
+            </p:cNvPr>
+            <p:cNvSpPr/>
+            <p:nvPr/>
+          </p:nvSpPr>
+          <p:spPr>
+            <a:xfrm flipH="1">
+              <a:off x="6200351" y="5855093"/>
+              <a:ext cx="274320" cy="274320"/>
+            </a:xfrm>
+            <a:prstGeom prst="arc">
+              <a:avLst>
+                <a:gd name="adj1" fmla="val 10800758"/>
+                <a:gd name="adj2" fmla="val 6478"/>
+              </a:avLst>
+            </a:prstGeom>
+            <a:ln w="12700">
+              <a:solidFill>
+                <a:schemeClr val="tx1"/>
+              </a:solidFill>
+            </a:ln>
+          </p:spPr>
+          <p:style>
+            <a:lnRef idx="1">
+              <a:schemeClr val="accent1"/>
+            </a:lnRef>
+            <a:fillRef idx="0">
+              <a:schemeClr val="accent1"/>
+            </a:fillRef>
+            <a:effectRef idx="0">
+              <a:schemeClr val="accent1"/>
+            </a:effectRef>
+            <a:fontRef idx="minor">
+              <a:schemeClr val="tx1"/>
+            </a:fontRef>
+          </p:style>
+          <p:txBody>
+            <a:bodyPr rtlCol="0" anchor="ctr"/>
+            <a:lstStyle/>
+            <a:p>
+              <a:pPr algn="ctr"/>
+              <a:endParaRPr lang="en-US" dirty="0">
+                <a:ln w="19050">
+                  <a:solidFill>
+                    <a:schemeClr val="tx1"/>
+                  </a:solidFill>
+                </a:ln>
+              </a:endParaRPr>
+            </a:p>
+          </p:txBody>
+        </p:sp>
+        <p:sp>
+          <p:nvSpPr>
+            <p:cNvPr id="158" name="Arc 157">
+              <a:extLst>
+                <a:ext uri="{FF2B5EF4-FFF2-40B4-BE49-F238E27FC236}">
+                  <a16:creationId xmlns:a16="http://schemas.microsoft.com/office/drawing/2014/main" id="{C57EFE71-990C-760C-C6D0-FC52F1AC6F22}"/>
+                </a:ext>
+              </a:extLst>
+            </p:cNvPr>
+            <p:cNvSpPr/>
+            <p:nvPr/>
+          </p:nvSpPr>
+          <p:spPr>
+            <a:xfrm flipH="1">
+              <a:off x="6568915" y="5855093"/>
+              <a:ext cx="274320" cy="274320"/>
+            </a:xfrm>
+            <a:prstGeom prst="arc">
+              <a:avLst>
+                <a:gd name="adj1" fmla="val 10800758"/>
+                <a:gd name="adj2" fmla="val 6478"/>
+              </a:avLst>
+            </a:prstGeom>
+            <a:ln w="12700">
+              <a:solidFill>
+                <a:schemeClr val="tx1"/>
+              </a:solidFill>
+            </a:ln>
+          </p:spPr>
+          <p:style>
+            <a:lnRef idx="1">
+              <a:schemeClr val="accent1"/>
+            </a:lnRef>
+            <a:fillRef idx="0">
+              <a:schemeClr val="accent1"/>
+            </a:fillRef>
+            <a:effectRef idx="0">
+              <a:schemeClr val="accent1"/>
+            </a:effectRef>
+            <a:fontRef idx="minor">
+              <a:schemeClr val="tx1"/>
+            </a:fontRef>
+          </p:style>
+          <p:txBody>
+            <a:bodyPr rtlCol="0" anchor="ctr"/>
+            <a:lstStyle/>
+            <a:p>
+              <a:pPr algn="ctr"/>
+              <a:endParaRPr lang="en-US" dirty="0">
+                <a:ln w="19050">
+                  <a:solidFill>
+                    <a:schemeClr val="tx1"/>
+                  </a:solidFill>
+                </a:ln>
+              </a:endParaRPr>
+            </a:p>
+          </p:txBody>
+        </p:sp>
+      </p:grpSp>
+      <mc:AlternateContent xmlns:mc="http://schemas.openxmlformats.org/markup-compatibility/2006">
+        <mc:Choice xmlns:a14="http://schemas.microsoft.com/office/drawing/2010/main" Requires="a14">
+          <p:sp>
+            <p:nvSpPr>
+              <p:cNvPr id="159" name="TextBox 158">
+                <a:extLst>
+                  <a:ext uri="{FF2B5EF4-FFF2-40B4-BE49-F238E27FC236}">
+                    <a16:creationId xmlns:a16="http://schemas.microsoft.com/office/drawing/2014/main" id="{67F4CCB9-5048-C49B-083D-74421210692E}"/>
+                  </a:ext>
+                </a:extLst>
+              </p:cNvPr>
+              <p:cNvSpPr txBox="1"/>
+              <p:nvPr/>
+            </p:nvSpPr>
+            <p:spPr>
+              <a:xfrm>
+                <a:off x="6062673" y="6059057"/>
+                <a:ext cx="480966" cy="138499"/>
+              </a:xfrm>
+              <a:prstGeom prst="rect">
+                <a:avLst/>
+              </a:prstGeom>
+              <a:noFill/>
+            </p:spPr>
+            <p:txBody>
+              <a:bodyPr wrap="none" lIns="0" tIns="0" rIns="0" bIns="0" rtlCol="0">
+                <a:spAutoFit/>
+              </a:bodyPr>
+              <a:lstStyle/>
+              <a:p>
+                <a14:m>
+                  <m:oMathPara xmlns:m="http://schemas.openxmlformats.org/officeDocument/2006/math">
+                    <m:oMathParaPr>
+                      <m:jc m:val="centerGroup"/>
+                    </m:oMathParaPr>
+                    <m:oMath xmlns:m="http://schemas.openxmlformats.org/officeDocument/2006/math">
+                      <m:sSub>
+                        <m:sSubPr>
+                          <m:ctrlPr>
+                            <a:rPr lang="en-US" sz="900" b="0" i="1" smtClean="0">
+                              <a:latin typeface="Cambria Math" panose="02040503050406030204" pitchFamily="18" charset="0"/>
+                            </a:rPr>
+                          </m:ctrlPr>
+                        </m:sSubPr>
+                        <m:e>
+                          <m:r>
+                            <a:rPr lang="en-US" sz="900" b="0" i="1" smtClean="0">
+                              <a:latin typeface="Cambria Math" panose="02040503050406030204" pitchFamily="18" charset="0"/>
+                            </a:rPr>
+                            <m:t>𝑠</m:t>
+                          </m:r>
+                        </m:e>
+                        <m:sub>
+                          <m:r>
+                            <a:rPr lang="en-US" sz="900" b="0" i="1" smtClean="0">
+                              <a:latin typeface="Cambria Math" panose="02040503050406030204" pitchFamily="18" charset="0"/>
+                            </a:rPr>
+                            <m:t>𝑙</m:t>
+                          </m:r>
+                        </m:sub>
+                      </m:sSub>
+                      <m:r>
+                        <a:rPr lang="en-US" sz="900" b="0" i="1" smtClean="0">
+                          <a:latin typeface="Cambria Math" panose="02040503050406030204" pitchFamily="18" charset="0"/>
+                        </a:rPr>
+                        <m:t>=0.25</m:t>
+                      </m:r>
+                    </m:oMath>
+                  </m:oMathPara>
+                </a14:m>
+                <a:endParaRPr lang="en-US" sz="900" dirty="0"/>
+              </a:p>
+            </p:txBody>
+          </p:sp>
+        </mc:Choice>
+        <mc:Fallback>
+          <p:sp>
+            <p:nvSpPr>
+              <p:cNvPr id="159" name="TextBox 158">
+                <a:extLst>
+                  <a:ext uri="{FF2B5EF4-FFF2-40B4-BE49-F238E27FC236}">
+                    <a16:creationId xmlns:a16="http://schemas.microsoft.com/office/drawing/2014/main" id="{67F4CCB9-5048-C49B-083D-74421210692E}"/>
+                  </a:ext>
+                </a:extLst>
+              </p:cNvPr>
+              <p:cNvSpPr txBox="1">
+                <a:spLocks noRot="1" noChangeAspect="1" noMove="1" noResize="1" noEditPoints="1" noAdjustHandles="1" noChangeArrowheads="1" noChangeShapeType="1" noTextEdit="1"/>
+              </p:cNvSpPr>
+              <p:nvPr/>
+            </p:nvSpPr>
+            <p:spPr>
+              <a:xfrm>
+                <a:off x="6062673" y="6059057"/>
+                <a:ext cx="480966" cy="138499"/>
+              </a:xfrm>
+              <a:prstGeom prst="rect">
+                <a:avLst/>
+              </a:prstGeom>
+              <a:blipFill>
+                <a:blip r:embed="rId22"/>
+                <a:stretch>
+                  <a:fillRect l="-3846" r="-7692" b="-17391"/>
+                </a:stretch>
+              </a:blipFill>
+            </p:spPr>
+            <p:txBody>
+              <a:bodyPr/>
+              <a:lstStyle/>
+              <a:p>
+                <a:r>
+                  <a:rPr lang="en-US">
+                    <a:noFill/>
+                  </a:rPr>
+                  <a:t> </a:t>
+                </a:r>
+              </a:p>
+            </p:txBody>
+          </p:sp>
+        </mc:Fallback>
+      </mc:AlternateContent>
+      <mc:AlternateContent xmlns:mc="http://schemas.openxmlformats.org/markup-compatibility/2006">
+        <mc:Choice xmlns:a14="http://schemas.microsoft.com/office/drawing/2010/main" Requires="a14">
+          <p:sp>
+            <p:nvSpPr>
+              <p:cNvPr id="160" name="TextBox 159">
+                <a:extLst>
+                  <a:ext uri="{FF2B5EF4-FFF2-40B4-BE49-F238E27FC236}">
+                    <a16:creationId xmlns:a16="http://schemas.microsoft.com/office/drawing/2014/main" id="{D4501558-1EF4-A422-913D-40AEDCA250D7}"/>
+                  </a:ext>
+                </a:extLst>
+              </p:cNvPr>
+              <p:cNvSpPr txBox="1"/>
+              <p:nvPr/>
+            </p:nvSpPr>
+            <p:spPr>
+              <a:xfrm>
+                <a:off x="6094891" y="6543526"/>
+                <a:ext cx="416845" cy="138499"/>
+              </a:xfrm>
+              <a:prstGeom prst="rect">
+                <a:avLst/>
+              </a:prstGeom>
+              <a:noFill/>
+            </p:spPr>
+            <p:txBody>
+              <a:bodyPr wrap="none" lIns="0" tIns="0" rIns="0" bIns="0" rtlCol="0">
+                <a:spAutoFit/>
+              </a:bodyPr>
+              <a:lstStyle/>
+              <a:p>
+                <a14:m>
+                  <m:oMathPara xmlns:m="http://schemas.openxmlformats.org/officeDocument/2006/math">
+                    <m:oMathParaPr>
+                      <m:jc m:val="centerGroup"/>
+                    </m:oMathParaPr>
+                    <m:oMath xmlns:m="http://schemas.openxmlformats.org/officeDocument/2006/math">
+                      <m:sSub>
+                        <m:sSubPr>
+                          <m:ctrlPr>
+                            <a:rPr lang="en-US" sz="900" b="0" i="1" smtClean="0">
+                              <a:latin typeface="Cambria Math" panose="02040503050406030204" pitchFamily="18" charset="0"/>
+                            </a:rPr>
+                          </m:ctrlPr>
+                        </m:sSubPr>
+                        <m:e>
+                          <m:r>
+                            <a:rPr lang="en-US" sz="900" b="0" i="1" smtClean="0">
+                              <a:latin typeface="Cambria Math" panose="02040503050406030204" pitchFamily="18" charset="0"/>
+                            </a:rPr>
+                            <m:t>𝑠</m:t>
+                          </m:r>
+                        </m:e>
+                        <m:sub>
+                          <m:r>
+                            <a:rPr lang="en-US" sz="900" b="0" i="1" smtClean="0">
+                              <a:latin typeface="Cambria Math" panose="02040503050406030204" pitchFamily="18" charset="0"/>
+                            </a:rPr>
+                            <m:t>𝑙</m:t>
+                          </m:r>
+                        </m:sub>
+                      </m:sSub>
+                      <m:r>
+                        <a:rPr lang="en-US" sz="900" b="0" i="1" smtClean="0">
+                          <a:latin typeface="Cambria Math" panose="02040503050406030204" pitchFamily="18" charset="0"/>
+                        </a:rPr>
+                        <m:t>=0.5</m:t>
+                      </m:r>
+                    </m:oMath>
+                  </m:oMathPara>
+                </a14:m>
+                <a:endParaRPr lang="en-US" sz="900" dirty="0"/>
+              </a:p>
+            </p:txBody>
+          </p:sp>
+        </mc:Choice>
+        <mc:Fallback>
+          <p:sp>
+            <p:nvSpPr>
+              <p:cNvPr id="160" name="TextBox 159">
+                <a:extLst>
+                  <a:ext uri="{FF2B5EF4-FFF2-40B4-BE49-F238E27FC236}">
+                    <a16:creationId xmlns:a16="http://schemas.microsoft.com/office/drawing/2014/main" id="{D4501558-1EF4-A422-913D-40AEDCA250D7}"/>
+                  </a:ext>
+                </a:extLst>
+              </p:cNvPr>
+              <p:cNvSpPr txBox="1">
+                <a:spLocks noRot="1" noChangeAspect="1" noMove="1" noResize="1" noEditPoints="1" noAdjustHandles="1" noChangeArrowheads="1" noChangeShapeType="1" noTextEdit="1"/>
+              </p:cNvSpPr>
+              <p:nvPr/>
+            </p:nvSpPr>
+            <p:spPr>
+              <a:xfrm>
+                <a:off x="6094891" y="6543526"/>
+                <a:ext cx="416845" cy="138499"/>
+              </a:xfrm>
+              <a:prstGeom prst="rect">
+                <a:avLst/>
+              </a:prstGeom>
+              <a:blipFill>
+                <a:blip r:embed="rId23"/>
+                <a:stretch>
+                  <a:fillRect l="-4412" r="-8824" b="-17391"/>
+                </a:stretch>
+              </a:blipFill>
+            </p:spPr>
+            <p:txBody>
+              <a:bodyPr/>
+              <a:lstStyle/>
+              <a:p>
+                <a:r>
+                  <a:rPr lang="en-US">
+                    <a:noFill/>
+                  </a:rPr>
+                  <a:t> </a:t>
+                </a:r>
+              </a:p>
+            </p:txBody>
+          </p:sp>
+        </mc:Fallback>
+      </mc:AlternateContent>
+      <mc:AlternateContent xmlns:mc="http://schemas.openxmlformats.org/markup-compatibility/2006">
+        <mc:Choice xmlns:a14="http://schemas.microsoft.com/office/drawing/2010/main" Requires="a14">
+          <p:sp>
+            <p:nvSpPr>
+              <p:cNvPr id="161" name="TextBox 160">
+                <a:extLst>
+                  <a:ext uri="{FF2B5EF4-FFF2-40B4-BE49-F238E27FC236}">
+                    <a16:creationId xmlns:a16="http://schemas.microsoft.com/office/drawing/2014/main" id="{91C75A40-9947-CFAA-2E48-B370A60D542E}"/>
+                  </a:ext>
+                </a:extLst>
+              </p:cNvPr>
+              <p:cNvSpPr txBox="1"/>
+              <p:nvPr/>
+            </p:nvSpPr>
+            <p:spPr>
+              <a:xfrm>
+                <a:off x="6094891" y="7070925"/>
+                <a:ext cx="480966" cy="138499"/>
+              </a:xfrm>
+              <a:prstGeom prst="rect">
+                <a:avLst/>
+              </a:prstGeom>
+              <a:noFill/>
+            </p:spPr>
+            <p:txBody>
+              <a:bodyPr wrap="none" lIns="0" tIns="0" rIns="0" bIns="0" rtlCol="0">
+                <a:spAutoFit/>
+              </a:bodyPr>
+              <a:lstStyle/>
+              <a:p>
+                <a14:m>
+                  <m:oMathPara xmlns:m="http://schemas.openxmlformats.org/officeDocument/2006/math">
+                    <m:oMathParaPr>
+                      <m:jc m:val="centerGroup"/>
+                    </m:oMathParaPr>
+                    <m:oMath xmlns:m="http://schemas.openxmlformats.org/officeDocument/2006/math">
+                      <m:sSub>
+                        <m:sSubPr>
+                          <m:ctrlPr>
+                            <a:rPr lang="en-US" sz="900" b="0" i="1" smtClean="0">
+                              <a:latin typeface="Cambria Math" panose="02040503050406030204" pitchFamily="18" charset="0"/>
+                            </a:rPr>
+                          </m:ctrlPr>
+                        </m:sSubPr>
+                        <m:e>
+                          <m:r>
+                            <a:rPr lang="en-US" sz="900" b="0" i="1" smtClean="0">
+                              <a:latin typeface="Cambria Math" panose="02040503050406030204" pitchFamily="18" charset="0"/>
+                            </a:rPr>
+                            <m:t>𝑠</m:t>
+                          </m:r>
+                        </m:e>
+                        <m:sub>
+                          <m:r>
+                            <a:rPr lang="en-US" sz="900" b="0" i="1" smtClean="0">
+                              <a:latin typeface="Cambria Math" panose="02040503050406030204" pitchFamily="18" charset="0"/>
+                            </a:rPr>
+                            <m:t>𝑙</m:t>
+                          </m:r>
+                        </m:sub>
+                      </m:sSub>
+                      <m:r>
+                        <a:rPr lang="en-US" sz="900" b="0" i="1" smtClean="0">
+                          <a:latin typeface="Cambria Math" panose="02040503050406030204" pitchFamily="18" charset="0"/>
+                        </a:rPr>
+                        <m:t>=0.75</m:t>
+                      </m:r>
+                    </m:oMath>
+                  </m:oMathPara>
+                </a14:m>
+                <a:endParaRPr lang="en-US" sz="900" dirty="0"/>
+              </a:p>
+            </p:txBody>
+          </p:sp>
+        </mc:Choice>
+        <mc:Fallback>
+          <p:sp>
+            <p:nvSpPr>
+              <p:cNvPr id="161" name="TextBox 160">
+                <a:extLst>
+                  <a:ext uri="{FF2B5EF4-FFF2-40B4-BE49-F238E27FC236}">
+                    <a16:creationId xmlns:a16="http://schemas.microsoft.com/office/drawing/2014/main" id="{91C75A40-9947-CFAA-2E48-B370A60D542E}"/>
+                  </a:ext>
+                </a:extLst>
+              </p:cNvPr>
+              <p:cNvSpPr txBox="1">
+                <a:spLocks noRot="1" noChangeAspect="1" noMove="1" noResize="1" noEditPoints="1" noAdjustHandles="1" noChangeArrowheads="1" noChangeShapeType="1" noTextEdit="1"/>
+              </p:cNvSpPr>
+              <p:nvPr/>
+            </p:nvSpPr>
+            <p:spPr>
+              <a:xfrm>
+                <a:off x="6094891" y="7070925"/>
+                <a:ext cx="480966" cy="138499"/>
+              </a:xfrm>
+              <a:prstGeom prst="rect">
+                <a:avLst/>
+              </a:prstGeom>
+              <a:blipFill>
+                <a:blip r:embed="rId24"/>
+                <a:stretch>
+                  <a:fillRect l="-3797" r="-6329" b="-17391"/>
+                </a:stretch>
+              </a:blipFill>
+            </p:spPr>
+            <p:txBody>
+              <a:bodyPr/>
+              <a:lstStyle/>
+              <a:p>
+                <a:r>
+                  <a:rPr lang="en-US">
+                    <a:noFill/>
+                  </a:rPr>
+                  <a:t> </a:t>
+                </a:r>
+              </a:p>
+            </p:txBody>
+          </p:sp>
+        </mc:Fallback>
+      </mc:AlternateContent>
+    </p:spTree>
+    <p:extLst>
+      <p:ext uri="{BB962C8B-B14F-4D97-AF65-F5344CB8AC3E}">
+        <p14:creationId xmlns:p14="http://schemas.microsoft.com/office/powerpoint/2010/main" val="816538530"/>
+      </p:ext>
+    </p:extLst>
+  </p:cSld>
+  <p:clrMapOvr>
+    <a:masterClrMapping/>
+  </p:clrMapOvr>
+</p:sld>
+</file>
+
+<file path=ppt/slides/slide4.xml><?xml version="1.0" encoding="utf-8"?>
+<p:sld xmlns:a="http://schemas.openxmlformats.org/drawingml/2006/main" xmlns:r="http://schemas.openxmlformats.org/officeDocument/2006/relationships" xmlns:p="http://schemas.openxmlformats.org/presentationml/2006/main">
+  <p:cSld>
+    <p:spTree>
+      <p:nvGrpSpPr>
+        <p:cNvPr id="1" name=""/>
+        <p:cNvGrpSpPr/>
+        <p:nvPr/>
+      </p:nvGrpSpPr>
+      <p:grpSpPr>
+        <a:xfrm>
+          <a:off x="0" y="0"/>
+          <a:ext cx="0" cy="0"/>
+          <a:chOff x="0" y="0"/>
+          <a:chExt cx="0" cy="0"/>
+        </a:xfrm>
+      </p:grpSpPr>
+      <p:sp>
+        <p:nvSpPr>
+          <p:cNvPr id="2" name="Title 1">
+            <a:extLst>
+              <a:ext uri="{FF2B5EF4-FFF2-40B4-BE49-F238E27FC236}">
+                <a16:creationId xmlns:a16="http://schemas.microsoft.com/office/drawing/2014/main" id="{51B8D56C-EEF1-1566-F9BA-A5E6E096B981}"/>
+              </a:ext>
+            </a:extLst>
+          </p:cNvPr>
+          <p:cNvSpPr>
+            <a:spLocks noGrp="1"/>
+          </p:cNvSpPr>
+          <p:nvPr>
+            <p:ph type="title"/>
+          </p:nvPr>
+        </p:nvSpPr>
+        <p:spPr/>
         <p:txBody>
-          <a:bodyPr wrap="none" rtlCol="0">
-            <a:spAutoFit/>
-          </a:bodyPr>
+          <a:bodyPr/>
           <a:lstStyle/>
           <a:p>
-            <a:r>
-              <a:rPr lang="en-US" sz="1100" dirty="0">
-                <a:latin typeface="Times New Roman" panose="02020603050405020304" pitchFamily="18" charset="0"/>
-                <a:cs typeface="Times New Roman" panose="02020603050405020304" pitchFamily="18" charset="0"/>
-              </a:rPr>
-              <a:t>Minimum grasp curvature vs fractal depth</a:t>
-            </a:r>
+            <a:endParaRPr lang="en-US"/>
           </a:p>
         </p:txBody>
       </p:sp>
+      <p:pic>
+        <p:nvPicPr>
+          <p:cNvPr id="6" name="Picture 5">
+            <a:extLst>
+              <a:ext uri="{FF2B5EF4-FFF2-40B4-BE49-F238E27FC236}">
+                <a16:creationId xmlns:a16="http://schemas.microsoft.com/office/drawing/2014/main" id="{CEBAA524-DD73-E933-773C-D502E0D13F08}"/>
+              </a:ext>
+            </a:extLst>
+          </p:cNvPr>
+          <p:cNvPicPr>
+            <a:picLocks noChangeAspect="1"/>
+          </p:cNvPicPr>
+          <p:nvPr/>
+        </p:nvPicPr>
+        <p:blipFill>
+          <a:blip r:embed="rId2"/>
+          <a:stretch>
+            <a:fillRect/>
+          </a:stretch>
+        </p:blipFill>
+        <p:spPr>
+          <a:xfrm>
+            <a:off x="4116537" y="3964577"/>
+            <a:ext cx="685800" cy="558091"/>
+          </a:xfrm>
+          <a:prstGeom prst="rect">
+            <a:avLst/>
+          </a:prstGeom>
+        </p:spPr>
+      </p:pic>
+      <p:pic>
+        <p:nvPicPr>
+          <p:cNvPr id="4" name="Content Placeholder 3" descr="A logo of a clock&#10;&#10;Description automatically generated">
+            <a:extLst>
+              <a:ext uri="{FF2B5EF4-FFF2-40B4-BE49-F238E27FC236}">
+                <a16:creationId xmlns:a16="http://schemas.microsoft.com/office/drawing/2014/main" id="{E4FE70A2-F7E9-7CC9-C2FC-362DC6336D9D}"/>
+              </a:ext>
+            </a:extLst>
+          </p:cNvPr>
+          <p:cNvPicPr>
+            <a:picLocks noGrp="1" noChangeAspect="1"/>
+          </p:cNvPicPr>
+          <p:nvPr>
+            <p:ph idx="1"/>
+          </p:nvPr>
+        </p:nvPicPr>
+        <p:blipFill>
+          <a:blip r:embed="rId3"/>
+          <a:stretch>
+            <a:fillRect/>
+          </a:stretch>
+        </p:blipFill>
+        <p:spPr>
+          <a:xfrm>
+            <a:off x="4743287" y="3882252"/>
+            <a:ext cx="685800" cy="640416"/>
+          </a:xfrm>
+          <a:prstGeom prst="rect">
+            <a:avLst/>
+          </a:prstGeom>
+        </p:spPr>
+      </p:pic>
+      <p:pic>
+        <p:nvPicPr>
+          <p:cNvPr id="8" name="Picture 7">
+            <a:extLst>
+              <a:ext uri="{FF2B5EF4-FFF2-40B4-BE49-F238E27FC236}">
+                <a16:creationId xmlns:a16="http://schemas.microsoft.com/office/drawing/2014/main" id="{E6E2EF21-A0E7-B55C-414F-01ABCF2B734A}"/>
+              </a:ext>
+            </a:extLst>
+          </p:cNvPr>
+          <p:cNvPicPr>
+            <a:picLocks noChangeAspect="1"/>
+          </p:cNvPicPr>
+          <p:nvPr/>
+        </p:nvPicPr>
+        <p:blipFill>
+          <a:blip r:embed="rId4"/>
+          <a:stretch>
+            <a:fillRect/>
+          </a:stretch>
+        </p:blipFill>
+        <p:spPr>
+          <a:xfrm>
+            <a:off x="3401212" y="3833392"/>
+            <a:ext cx="685800" cy="653597"/>
+          </a:xfrm>
+          <a:prstGeom prst="rect">
+            <a:avLst/>
+          </a:prstGeom>
+        </p:spPr>
+      </p:pic>
+      <p:pic>
+        <p:nvPicPr>
+          <p:cNvPr id="10" name="Picture 9">
+            <a:extLst>
+              <a:ext uri="{FF2B5EF4-FFF2-40B4-BE49-F238E27FC236}">
+                <a16:creationId xmlns:a16="http://schemas.microsoft.com/office/drawing/2014/main" id="{7ABDA470-CE72-D44C-98D9-87D13D16BC03}"/>
+              </a:ext>
+            </a:extLst>
+          </p:cNvPr>
+          <p:cNvPicPr>
+            <a:picLocks noChangeAspect="1"/>
+          </p:cNvPicPr>
+          <p:nvPr/>
+        </p:nvPicPr>
+        <p:blipFill>
+          <a:blip r:embed="rId5"/>
+          <a:stretch>
+            <a:fillRect/>
+          </a:stretch>
+        </p:blipFill>
+        <p:spPr>
+          <a:xfrm>
+            <a:off x="1739813" y="3152682"/>
+            <a:ext cx="3378374" cy="3600635"/>
+          </a:xfrm>
+          <a:prstGeom prst="rect">
+            <a:avLst/>
+          </a:prstGeom>
+        </p:spPr>
+      </p:pic>
+      <p:cxnSp>
+        <p:nvCxnSpPr>
+          <p:cNvPr id="12" name="Straight Connector 11">
+            <a:extLst>
+              <a:ext uri="{FF2B5EF4-FFF2-40B4-BE49-F238E27FC236}">
+                <a16:creationId xmlns:a16="http://schemas.microsoft.com/office/drawing/2014/main" id="{C247770C-F6E9-0C0B-E13C-7242CE7C9CCA}"/>
+              </a:ext>
+            </a:extLst>
+          </p:cNvPr>
+          <p:cNvCxnSpPr>
+            <a:cxnSpLocks/>
+          </p:cNvCxnSpPr>
+          <p:nvPr/>
+        </p:nvCxnSpPr>
+        <p:spPr>
+          <a:xfrm flipV="1">
+            <a:off x="2625970" y="3317191"/>
+            <a:ext cx="1389184" cy="59055"/>
+          </a:xfrm>
+          <a:prstGeom prst="line">
+            <a:avLst/>
+          </a:prstGeom>
+        </p:spPr>
+        <p:style>
+          <a:lnRef idx="1">
+            <a:schemeClr val="accent1"/>
+          </a:lnRef>
+          <a:fillRef idx="0">
+            <a:schemeClr val="accent1"/>
+          </a:fillRef>
+          <a:effectRef idx="0">
+            <a:schemeClr val="accent1"/>
+          </a:effectRef>
+          <a:fontRef idx="minor">
+            <a:schemeClr val="tx1"/>
+          </a:fontRef>
+        </p:style>
+      </p:cxnSp>
+      <mc:AlternateContent xmlns:mc="http://schemas.openxmlformats.org/markup-compatibility/2006">
+        <mc:Choice xmlns:p14="http://schemas.microsoft.com/office/powerpoint/2010/main" Requires="p14">
+          <p:contentPart p14:bwMode="auto" r:id="rId6">
+            <p14:nvContentPartPr>
+              <p14:cNvPr id="14" name="Ink 13">
+                <a:extLst>
+                  <a:ext uri="{FF2B5EF4-FFF2-40B4-BE49-F238E27FC236}">
+                    <a16:creationId xmlns:a16="http://schemas.microsoft.com/office/drawing/2014/main" id="{33F6C746-8BC9-03C1-1749-4DD5041D3E68}"/>
+                  </a:ext>
+                </a:extLst>
+              </p14:cNvPr>
+              <p14:cNvContentPartPr/>
+              <p14:nvPr/>
+            </p14:nvContentPartPr>
+            <p14:xfrm>
+              <a:off x="2309220" y="3950548"/>
+              <a:ext cx="1365840" cy="317160"/>
+            </p14:xfrm>
+          </p:contentPart>
+        </mc:Choice>
+        <mc:Fallback>
+          <p:pic>
+            <p:nvPicPr>
+              <p:cNvPr id="14" name="Ink 13">
+                <a:extLst>
+                  <a:ext uri="{FF2B5EF4-FFF2-40B4-BE49-F238E27FC236}">
+                    <a16:creationId xmlns:a16="http://schemas.microsoft.com/office/drawing/2014/main" id="{33F6C746-8BC9-03C1-1749-4DD5041D3E68}"/>
+                  </a:ext>
+                </a:extLst>
+              </p:cNvPr>
+              <p:cNvPicPr/>
+              <p:nvPr/>
+            </p:nvPicPr>
+            <p:blipFill>
+              <a:blip r:embed="rId7"/>
+              <a:stretch>
+                <a:fillRect/>
+              </a:stretch>
+            </p:blipFill>
+            <p:spPr>
+              <a:xfrm>
+                <a:off x="2303100" y="3944428"/>
+                <a:ext cx="1378080" cy="329400"/>
+              </a:xfrm>
+              <a:prstGeom prst="rect">
+                <a:avLst/>
+              </a:prstGeom>
+            </p:spPr>
+          </p:pic>
+        </mc:Fallback>
+      </mc:AlternateContent>
+      <p:grpSp>
+        <p:nvGrpSpPr>
+          <p:cNvPr id="17" name="Group 16">
+            <a:extLst>
+              <a:ext uri="{FF2B5EF4-FFF2-40B4-BE49-F238E27FC236}">
+                <a16:creationId xmlns:a16="http://schemas.microsoft.com/office/drawing/2014/main" id="{1610AA3F-7D0D-10D6-D07F-D7C3CB1F7E71}"/>
+              </a:ext>
+            </a:extLst>
+          </p:cNvPr>
+          <p:cNvGrpSpPr/>
+          <p:nvPr/>
+        </p:nvGrpSpPr>
+        <p:grpSpPr>
+          <a:xfrm>
+            <a:off x="2353140" y="3921748"/>
+            <a:ext cx="565920" cy="173880"/>
+            <a:chOff x="2353140" y="3921748"/>
+            <a:chExt cx="565920" cy="173880"/>
+          </a:xfrm>
+        </p:grpSpPr>
+        <mc:AlternateContent xmlns:mc="http://schemas.openxmlformats.org/markup-compatibility/2006">
+          <mc:Choice xmlns:p14="http://schemas.microsoft.com/office/powerpoint/2010/main" Requires="p14">
+            <p:contentPart p14:bwMode="auto" r:id="rId8">
+              <p14:nvContentPartPr>
+                <p14:cNvPr id="15" name="Ink 14">
+                  <a:extLst>
+                    <a:ext uri="{FF2B5EF4-FFF2-40B4-BE49-F238E27FC236}">
+                      <a16:creationId xmlns:a16="http://schemas.microsoft.com/office/drawing/2014/main" id="{E75C383B-2CD1-72BB-E23C-70F49D29DEF8}"/>
+                    </a:ext>
+                  </a:extLst>
+                </p14:cNvPr>
+                <p14:cNvContentPartPr/>
+                <p14:nvPr/>
+              </p14:nvContentPartPr>
+              <p14:xfrm>
+                <a:off x="2353140" y="3921748"/>
+                <a:ext cx="411480" cy="173880"/>
+              </p14:xfrm>
+            </p:contentPart>
+          </mc:Choice>
+          <mc:Fallback>
+            <p:pic>
+              <p:nvPicPr>
+                <p:cNvPr id="15" name="Ink 14">
+                  <a:extLst>
+                    <a:ext uri="{FF2B5EF4-FFF2-40B4-BE49-F238E27FC236}">
+                      <a16:creationId xmlns:a16="http://schemas.microsoft.com/office/drawing/2014/main" id="{E75C383B-2CD1-72BB-E23C-70F49D29DEF8}"/>
+                    </a:ext>
+                  </a:extLst>
+                </p:cNvPr>
+                <p:cNvPicPr/>
+                <p:nvPr/>
+              </p:nvPicPr>
+              <p:blipFill>
+                <a:blip r:embed="rId9"/>
+                <a:stretch>
+                  <a:fillRect/>
+                </a:stretch>
+              </p:blipFill>
+              <p:spPr>
+                <a:xfrm>
+                  <a:off x="2347020" y="3915628"/>
+                  <a:ext cx="423720" cy="186120"/>
+                </a:xfrm>
+                <a:prstGeom prst="rect">
+                  <a:avLst/>
+                </a:prstGeom>
+              </p:spPr>
+            </p:pic>
+          </mc:Fallback>
+        </mc:AlternateContent>
+        <mc:AlternateContent xmlns:mc="http://schemas.openxmlformats.org/markup-compatibility/2006">
+          <mc:Choice xmlns:p14="http://schemas.microsoft.com/office/powerpoint/2010/main" Requires="p14">
+            <p:contentPart p14:bwMode="auto" r:id="rId10">
+              <p14:nvContentPartPr>
+                <p14:cNvPr id="16" name="Ink 15">
+                  <a:extLst>
+                    <a:ext uri="{FF2B5EF4-FFF2-40B4-BE49-F238E27FC236}">
+                      <a16:creationId xmlns:a16="http://schemas.microsoft.com/office/drawing/2014/main" id="{5AE37739-9346-92CA-156B-55E404D1098A}"/>
+                    </a:ext>
+                  </a:extLst>
+                </p14:cNvPr>
+                <p14:cNvContentPartPr/>
+                <p14:nvPr/>
+              </p14:nvContentPartPr>
+              <p14:xfrm>
+                <a:off x="2915820" y="3971068"/>
+                <a:ext cx="3240" cy="75960"/>
+              </p14:xfrm>
+            </p:contentPart>
+          </mc:Choice>
+          <mc:Fallback>
+            <p:pic>
+              <p:nvPicPr>
+                <p:cNvPr id="16" name="Ink 15">
+                  <a:extLst>
+                    <a:ext uri="{FF2B5EF4-FFF2-40B4-BE49-F238E27FC236}">
+                      <a16:creationId xmlns:a16="http://schemas.microsoft.com/office/drawing/2014/main" id="{5AE37739-9346-92CA-156B-55E404D1098A}"/>
+                    </a:ext>
+                  </a:extLst>
+                </p:cNvPr>
+                <p:cNvPicPr/>
+                <p:nvPr/>
+              </p:nvPicPr>
+              <p:blipFill>
+                <a:blip r:embed="rId11"/>
+                <a:stretch>
+                  <a:fillRect/>
+                </a:stretch>
+              </p:blipFill>
+              <p:spPr>
+                <a:xfrm>
+                  <a:off x="2909700" y="3964948"/>
+                  <a:ext cx="15480" cy="88200"/>
+                </a:xfrm>
+                <a:prstGeom prst="rect">
+                  <a:avLst/>
+                </a:prstGeom>
+              </p:spPr>
+            </p:pic>
+          </mc:Fallback>
+        </mc:AlternateContent>
+      </p:grpSp>
     </p:spTree>
     <p:extLst>
       <p:ext uri="{BB962C8B-B14F-4D97-AF65-F5344CB8AC3E}">
-        <p14:creationId xmlns:p14="http://schemas.microsoft.com/office/powerpoint/2010/main" val="4158357879"/>
+        <p14:creationId xmlns:p14="http://schemas.microsoft.com/office/powerpoint/2010/main" val="232763125"/>
       </p:ext>
     </p:extLst>
   </p:cSld>
